--- a/Präsentation/Legosar_Master.pptx
+++ b/Präsentation/Legosar_Master.pptx
@@ -397,7 +397,7 @@
           <a:p>
             <a:fld id="{90BC4B87-6123-4AD5-BA18-D0C615F32DE0}" type="datetimeFigureOut">
               <a:rPr lang="de-DE" smtClean="0"/>
-              <a:t>04.07.2018</a:t>
+              <a:t>08.07.2018</a:t>
             </a:fld>
             <a:endParaRPr lang="de-DE"/>
           </a:p>
@@ -697,8 +697,8 @@
           <a:lstStyle/>
           <a:p>
             <a:r>
-              <a:rPr lang="de-DE" smtClean="0"/>
-              <a:t>14.07.2016</a:t>
+              <a:rPr lang="de-DE" dirty="0" smtClean="0"/>
+              <a:t>10.07.2018</a:t>
             </a:r>
             <a:endParaRPr lang="de-DE" dirty="0"/>
           </a:p>
@@ -970,8 +970,8 @@
           <a:lstStyle/>
           <a:p>
             <a:r>
-              <a:rPr lang="de-DE" smtClean="0"/>
-              <a:t>14.07.2016</a:t>
+              <a:rPr lang="de-DE" dirty="0" smtClean="0"/>
+              <a:t>10.07.2018</a:t>
             </a:r>
             <a:endParaRPr lang="de-DE" dirty="0"/>
           </a:p>
@@ -1100,8 +1100,8 @@
           <a:lstStyle/>
           <a:p>
             <a:r>
-              <a:rPr lang="de-DE" smtClean="0"/>
-              <a:t>14.07.2016</a:t>
+              <a:rPr lang="de-DE" dirty="0" smtClean="0"/>
+              <a:t>10.07.2018</a:t>
             </a:r>
             <a:endParaRPr lang="de-DE" dirty="0"/>
           </a:p>
@@ -1270,8 +1270,8 @@
           <a:lstStyle/>
           <a:p>
             <a:r>
-              <a:rPr lang="de-DE" smtClean="0"/>
-              <a:t>14.07.2016</a:t>
+              <a:rPr lang="de-DE" dirty="0" smtClean="0"/>
+              <a:t>10.07.2018</a:t>
             </a:r>
             <a:endParaRPr lang="de-DE" dirty="0"/>
           </a:p>
@@ -1460,8 +1460,8 @@
           <a:lstStyle/>
           <a:p>
             <a:r>
-              <a:rPr lang="de-DE" smtClean="0"/>
-              <a:t>14.07.2016</a:t>
+              <a:rPr lang="de-DE" dirty="0" smtClean="0"/>
+              <a:t>10.07.2018</a:t>
             </a:r>
             <a:endParaRPr lang="de-DE" dirty="0"/>
           </a:p>
@@ -1629,8 +1629,8 @@
           <a:lstStyle/>
           <a:p>
             <a:r>
-              <a:rPr lang="de-DE" smtClean="0"/>
-              <a:t>14.07.2016</a:t>
+              <a:rPr lang="de-DE" dirty="0" smtClean="0"/>
+              <a:t>10.07.2018</a:t>
             </a:r>
             <a:endParaRPr lang="de-DE" dirty="0"/>
           </a:p>
@@ -1897,8 +1897,8 @@
           <a:lstStyle/>
           <a:p>
             <a:r>
-              <a:rPr lang="de-DE" smtClean="0"/>
-              <a:t>14.07.2016</a:t>
+              <a:rPr lang="de-DE" dirty="0" smtClean="0"/>
+              <a:t>10.07.2018</a:t>
             </a:r>
             <a:endParaRPr lang="de-DE" dirty="0"/>
           </a:p>
@@ -2224,8 +2224,8 @@
           <a:lstStyle/>
           <a:p>
             <a:r>
-              <a:rPr lang="de-DE" smtClean="0"/>
-              <a:t>14.07.2016</a:t>
+              <a:rPr lang="de-DE" dirty="0" smtClean="0"/>
+              <a:t>10.07.2018</a:t>
             </a:r>
             <a:endParaRPr lang="de-DE" dirty="0"/>
           </a:p>
@@ -2551,8 +2551,8 @@
           <a:lstStyle/>
           <a:p>
             <a:r>
-              <a:rPr lang="de-DE" smtClean="0"/>
-              <a:t>14.07.2016</a:t>
+              <a:rPr lang="de-DE" dirty="0" smtClean="0"/>
+              <a:t>10.07.2018</a:t>
             </a:r>
             <a:endParaRPr lang="de-DE" dirty="0"/>
           </a:p>
@@ -2847,8 +2847,8 @@
           <a:lstStyle/>
           <a:p>
             <a:r>
-              <a:rPr lang="de-DE" smtClean="0"/>
-              <a:t>14.07.2016</a:t>
+              <a:rPr lang="de-DE" dirty="0" smtClean="0"/>
+              <a:t>10.07.2018</a:t>
             </a:r>
             <a:endParaRPr lang="de-DE" dirty="0"/>
           </a:p>
@@ -3104,8 +3104,8 @@
           <a:lstStyle/>
           <a:p>
             <a:r>
-              <a:rPr lang="de-DE" smtClean="0"/>
-              <a:t>14.07.2016</a:t>
+              <a:rPr lang="de-DE" dirty="0" smtClean="0"/>
+              <a:t>10.07.2018</a:t>
             </a:r>
             <a:endParaRPr lang="de-DE" dirty="0"/>
           </a:p>
@@ -3516,8 +3516,8 @@
           <a:lstStyle/>
           <a:p>
             <a:r>
-              <a:rPr lang="de-DE" smtClean="0"/>
-              <a:t>14.07.2016</a:t>
+              <a:rPr lang="de-DE" dirty="0" smtClean="0"/>
+              <a:t>10.07.2018</a:t>
             </a:r>
             <a:endParaRPr lang="de-DE" dirty="0"/>
           </a:p>
@@ -3763,8 +3763,8 @@
           <a:lstStyle/>
           <a:p>
             <a:r>
-              <a:rPr lang="de-DE" smtClean="0"/>
-              <a:t>14.07.2016</a:t>
+              <a:rPr lang="de-DE" dirty="0" smtClean="0"/>
+              <a:t>10.07.2018</a:t>
             </a:r>
             <a:endParaRPr lang="de-DE" dirty="0"/>
           </a:p>
@@ -4603,8 +4603,8 @@
           <a:lstStyle/>
           <a:p>
             <a:r>
-              <a:rPr lang="de-DE" smtClean="0"/>
-              <a:t>14.07.2016</a:t>
+              <a:rPr lang="de-DE" dirty="0" smtClean="0"/>
+              <a:t>10.07.2018</a:t>
             </a:r>
             <a:endParaRPr lang="de-DE" dirty="0"/>
           </a:p>
@@ -5268,8 +5268,8 @@
           <a:lstStyle/>
           <a:p>
             <a:r>
-              <a:rPr lang="de-DE" smtClean="0"/>
-              <a:t>14.07.2016</a:t>
+              <a:rPr lang="de-DE" dirty="0" smtClean="0"/>
+              <a:t>10.07.2018</a:t>
             </a:r>
             <a:endParaRPr lang="de-DE" dirty="0"/>
           </a:p>
@@ -5589,8 +5589,8 @@
           <a:lstStyle/>
           <a:p>
             <a:r>
-              <a:rPr lang="de-DE" smtClean="0"/>
-              <a:t>14.07.2016</a:t>
+              <a:rPr lang="de-DE" dirty="0" smtClean="0"/>
+              <a:t>10.07.2018</a:t>
             </a:r>
             <a:endParaRPr lang="de-DE" dirty="0"/>
           </a:p>
@@ -6032,8 +6032,8 @@
           </a:lstStyle>
           <a:p>
             <a:r>
-              <a:rPr lang="de-DE" smtClean="0"/>
-              <a:t>14.07.2016</a:t>
+              <a:rPr lang="de-DE" dirty="0" smtClean="0"/>
+              <a:t>10.07.2018</a:t>
             </a:r>
             <a:endParaRPr lang="de-DE" dirty="0"/>
           </a:p>
@@ -6600,8 +6600,8 @@
           <a:lstStyle/>
           <a:p>
             <a:r>
-              <a:rPr lang="de-DE" smtClean="0"/>
-              <a:t>14.07.2016</a:t>
+              <a:rPr lang="de-DE" dirty="0"/>
+              <a:t>10.07.2018</a:t>
             </a:r>
             <a:endParaRPr lang="de-DE" dirty="0"/>
           </a:p>
@@ -6786,8 +6786,8 @@
           <a:lstStyle/>
           <a:p>
             <a:r>
-              <a:rPr lang="de-DE" smtClean="0"/>
-              <a:t>14.07.2016</a:t>
+              <a:rPr lang="de-DE" dirty="0"/>
+              <a:t>10.07.2018</a:t>
             </a:r>
             <a:endParaRPr lang="de-DE" dirty="0"/>
           </a:p>
@@ -6990,8 +6990,8 @@
           <a:lstStyle/>
           <a:p>
             <a:r>
-              <a:rPr lang="de-DE" smtClean="0"/>
-              <a:t>14.07.2016</a:t>
+              <a:rPr lang="de-DE" dirty="0"/>
+              <a:t>10.07.2018</a:t>
             </a:r>
             <a:endParaRPr lang="de-DE" dirty="0"/>
           </a:p>
@@ -7947,21 +7947,6 @@
 </file>
 
 <file path=customXml/item1.xml><?xml version="1.0" encoding="utf-8"?>
-<?mso-contentType ?>
-<FormTemplates xmlns="http://schemas.microsoft.com/sharepoint/v3/contenttype/forms">
-  <Display>DocumentLibraryForm</Display>
-  <Edit>DocumentLibraryForm</Edit>
-  <New>DocumentLibraryForm</New>
-</FormTemplates>
-</file>
-
-<file path=customXml/item2.xml><?xml version="1.0" encoding="utf-8"?>
-<p:properties xmlns:p="http://schemas.microsoft.com/office/2006/metadata/properties" xmlns:xsi="http://www.w3.org/2001/XMLSchema-instance" xmlns:pc="http://schemas.microsoft.com/office/infopath/2007/PartnerControls">
-  <documentManagement/>
-</p:properties>
-</file>
-
-<file path=customXml/item3.xml><?xml version="1.0" encoding="utf-8"?>
 <ct:contentTypeSchema xmlns:ct="http://schemas.microsoft.com/office/2006/metadata/contentType" xmlns:ma="http://schemas.microsoft.com/office/2006/metadata/properties/metaAttributes" ct:_="" ma:_="" ma:contentTypeName="Dokument" ma:contentTypeID="0x0101003DC6390AE56B35438C65966F635EAD35" ma:contentTypeVersion="0" ma:contentTypeDescription="Ein neues Dokument erstellen." ma:contentTypeScope="" ma:versionID="4f3286d4674dd6d9e62b4ad622de0e43">
   <xsd:schema xmlns:xsd="http://www.w3.org/2001/XMLSchema" xmlns:xs="http://www.w3.org/2001/XMLSchema" xmlns:p="http://schemas.microsoft.com/office/2006/metadata/properties" targetNamespace="http://schemas.microsoft.com/office/2006/metadata/properties" ma:root="true" ma:fieldsID="b4f5dc90cf06628c3b90945c8266c24d">
     <xsd:element name="properties">
@@ -8075,10 +8060,33 @@
 </ct:contentTypeSchema>
 </file>
 
+<file path=customXml/item2.xml><?xml version="1.0" encoding="utf-8"?>
+<p:properties xmlns:p="http://schemas.microsoft.com/office/2006/metadata/properties" xmlns:xsi="http://www.w3.org/2001/XMLSchema-instance" xmlns:pc="http://schemas.microsoft.com/office/infopath/2007/PartnerControls">
+  <documentManagement/>
+</p:properties>
+</file>
+
+<file path=customXml/item3.xml><?xml version="1.0" encoding="utf-8"?>
+<?mso-contentType ?>
+<FormTemplates xmlns="http://schemas.microsoft.com/sharepoint/v3/contenttype/forms">
+  <Display>DocumentLibraryForm</Display>
+  <Edit>DocumentLibraryForm</Edit>
+  <New>DocumentLibraryForm</New>
+</FormTemplates>
+</file>
+
 <file path=customXml/itemProps1.xml><?xml version="1.0" encoding="utf-8"?>
-<ds:datastoreItem xmlns:ds="http://schemas.openxmlformats.org/officeDocument/2006/customXml" ds:itemID="{FD22786F-CBCD-4FD4-A284-6C8FA96D8FE2}">
+<ds:datastoreItem xmlns:ds="http://schemas.openxmlformats.org/officeDocument/2006/customXml" ds:itemID="{35240994-86D6-4C55-8272-3C86349FB6F7}">
   <ds:schemaRefs>
-    <ds:schemaRef ds:uri="http://schemas.microsoft.com/sharepoint/v3/contenttype/forms"/>
+    <ds:schemaRef ds:uri="http://schemas.microsoft.com/office/2006/metadata/contentType"/>
+    <ds:schemaRef ds:uri="http://schemas.microsoft.com/office/2006/metadata/properties/metaAttributes"/>
+    <ds:schemaRef ds:uri="http://www.w3.org/2001/XMLSchema"/>
+    <ds:schemaRef ds:uri="http://schemas.microsoft.com/office/2006/metadata/properties"/>
+    <ds:schemaRef ds:uri="http://schemas.openxmlformats.org/package/2006/metadata/core-properties"/>
+    <ds:schemaRef ds:uri="http://purl.org/dc/elements/1.1/"/>
+    <ds:schemaRef ds:uri="http://purl.org/dc/terms/"/>
+    <ds:schemaRef ds:uri="http://schemas.microsoft.com/internal/obd"/>
+    <ds:schemaRef ds:uri="http://schemas.microsoft.com/office/infopath/2007/PartnerControls"/>
   </ds:schemaRefs>
 </ds:datastoreItem>
 </file>
@@ -8099,17 +8107,9 @@
 </file>
 
 <file path=customXml/itemProps3.xml><?xml version="1.0" encoding="utf-8"?>
-<ds:datastoreItem xmlns:ds="http://schemas.openxmlformats.org/officeDocument/2006/customXml" ds:itemID="{35240994-86D6-4C55-8272-3C86349FB6F7}">
+<ds:datastoreItem xmlns:ds="http://schemas.openxmlformats.org/officeDocument/2006/customXml" ds:itemID="{FD22786F-CBCD-4FD4-A284-6C8FA96D8FE2}">
   <ds:schemaRefs>
-    <ds:schemaRef ds:uri="http://schemas.microsoft.com/office/2006/metadata/contentType"/>
-    <ds:schemaRef ds:uri="http://schemas.microsoft.com/office/2006/metadata/properties/metaAttributes"/>
-    <ds:schemaRef ds:uri="http://www.w3.org/2001/XMLSchema"/>
-    <ds:schemaRef ds:uri="http://schemas.microsoft.com/office/2006/metadata/properties"/>
-    <ds:schemaRef ds:uri="http://schemas.openxmlformats.org/package/2006/metadata/core-properties"/>
-    <ds:schemaRef ds:uri="http://purl.org/dc/elements/1.1/"/>
-    <ds:schemaRef ds:uri="http://purl.org/dc/terms/"/>
-    <ds:schemaRef ds:uri="http://schemas.microsoft.com/internal/obd"/>
-    <ds:schemaRef ds:uri="http://schemas.microsoft.com/office/infopath/2007/PartnerControls"/>
+    <ds:schemaRef ds:uri="http://schemas.microsoft.com/sharepoint/v3/contenttype/forms"/>
   </ds:schemaRefs>
 </ds:datastoreItem>
 </file>
--- a/Präsentation/Legosar_Master.pptx
+++ b/Präsentation/Legosar_Master.pptx
@@ -19953,11 +19953,7 @@
           <a:p>
             <a:r>
               <a:rPr lang="en-US" dirty="0" smtClean="0"/>
-              <a:t>v</a:t>
-            </a:r>
-            <a:r>
-              <a:rPr lang="en-US" dirty="0" smtClean="0"/>
-              <a:t>oid </a:t>
+              <a:t>void </a:t>
             </a:r>
             <a:r>
               <a:rPr lang="en-US" dirty="0" err="1"/>
@@ -20747,7 +20743,6 @@
               <a:rPr lang="en-US" dirty="0"/>
               <a:t>(SENSOR_PORT)</a:t>
             </a:r>
-            <a:endParaRPr lang="en-US" dirty="0"/>
           </a:p>
         </p:txBody>
       </p:sp>
@@ -22271,7 +22266,6 @@
               <a:rPr lang="de-DE" b="1" dirty="0" smtClean="0"/>
               <a:t>Softwarekomponenten</a:t>
             </a:r>
-            <a:endParaRPr lang="de-DE" b="1" dirty="0" smtClean="0"/>
           </a:p>
           <a:p>
             <a:pPr marL="285750" indent="-285750">
@@ -22300,11 +22294,7 @@
             </a:pPr>
             <a:r>
               <a:rPr lang="de-DE" b="1" dirty="0" smtClean="0"/>
-              <a:t>EMF </a:t>
-            </a:r>
-            <a:r>
-              <a:rPr lang="de-DE" b="1" dirty="0" smtClean="0"/>
-              <a:t>Metamodell</a:t>
+              <a:t>EMF Metamodell</a:t>
             </a:r>
           </a:p>
           <a:p>
@@ -22316,7 +22306,6 @@
               <a:rPr lang="de-DE" b="1" dirty="0" smtClean="0"/>
               <a:t>Erstellen einer Konfiguration</a:t>
             </a:r>
-            <a:endParaRPr lang="de-DE" b="1" dirty="0" smtClean="0"/>
           </a:p>
           <a:p>
             <a:pPr marL="285750" indent="-285750">
@@ -22688,7 +22677,7 @@
             </a:r>
             <a:r>
               <a:rPr lang="de-DE" dirty="0" err="1" smtClean="0"/>
-              <a:t>Bömmel</a:t>
+              <a:t>Boemmel</a:t>
             </a:r>
             <a:endParaRPr lang="de-DE" dirty="0"/>
           </a:p>
@@ -22836,7 +22825,6 @@
               <a:rPr lang="de-DE" dirty="0" smtClean="0"/>
               <a:t>Interface</a:t>
             </a:r>
-            <a:endParaRPr lang="de-DE" dirty="0" smtClean="0"/>
           </a:p>
           <a:p>
             <a:endParaRPr lang="de-DE" dirty="0" smtClean="0"/>
@@ -23219,7 +23207,7 @@
             </a:r>
             <a:r>
               <a:rPr lang="de-DE" dirty="0" err="1" smtClean="0"/>
-              <a:t>Bömmel</a:t>
+              <a:t>Boemmel</a:t>
             </a:r>
             <a:endParaRPr lang="de-DE" dirty="0"/>
           </a:p>
@@ -23597,7 +23585,7 @@
             </a:r>
             <a:r>
               <a:rPr lang="de-DE" dirty="0" err="1" smtClean="0"/>
-              <a:t>Bömmel</a:t>
+              <a:t>Boemmel</a:t>
             </a:r>
             <a:endParaRPr lang="de-DE" dirty="0"/>
           </a:p>
@@ -23937,7 +23925,7 @@
             </a:r>
             <a:r>
               <a:rPr lang="de-DE" dirty="0" err="1" smtClean="0"/>
-              <a:t>Bömmel</a:t>
+              <a:t>Boemmel</a:t>
             </a:r>
             <a:endParaRPr lang="de-DE" dirty="0"/>
           </a:p>
@@ -24440,7 +24428,7 @@
             </a:r>
             <a:r>
               <a:rPr lang="de-DE" dirty="0" err="1" smtClean="0"/>
-              <a:t>Bömmel</a:t>
+              <a:t>Boemmel</a:t>
             </a:r>
             <a:endParaRPr lang="de-DE" dirty="0"/>
           </a:p>
@@ -24740,7 +24728,6 @@
               <a:rPr lang="de-DE" dirty="0"/>
               <a:t>Alexander Gruber</a:t>
             </a:r>
-            <a:endParaRPr lang="de-DE" dirty="0"/>
           </a:p>
         </p:txBody>
       </p:sp>
@@ -25038,7 +25025,6 @@
               <a:rPr lang="de-DE" dirty="0"/>
               <a:t>Alexander Gruber</a:t>
             </a:r>
-            <a:endParaRPr lang="de-DE" dirty="0"/>
           </a:p>
         </p:txBody>
       </p:sp>
@@ -25336,7 +25322,6 @@
               <a:rPr lang="de-DE" dirty="0"/>
               <a:t>Alexander Gruber</a:t>
             </a:r>
-            <a:endParaRPr lang="de-DE" dirty="0"/>
           </a:p>
         </p:txBody>
       </p:sp>
@@ -26162,11 +26147,7 @@
             </a:pPr>
             <a:r>
               <a:rPr lang="de-DE" dirty="0" smtClean="0"/>
-              <a:t>Textausgabe am </a:t>
-            </a:r>
-            <a:r>
-              <a:rPr lang="de-DE" dirty="0" smtClean="0"/>
-              <a:t>Display</a:t>
+              <a:t>Textausgabe am Display</a:t>
             </a:r>
           </a:p>
           <a:p>
@@ -26188,7 +26169,6 @@
               <a:rPr lang="de-DE" dirty="0" smtClean="0"/>
               <a:t>16 Zeichen pro Zeile</a:t>
             </a:r>
-            <a:endParaRPr lang="de-DE" dirty="0" smtClean="0"/>
           </a:p>
           <a:p>
             <a:pPr marL="171450" indent="-171450">
@@ -26679,7 +26659,6 @@
               <a:rPr lang="de-DE" dirty="0"/>
               <a:t>Christoph Loy</a:t>
             </a:r>
-            <a:endParaRPr lang="de-DE" dirty="0"/>
           </a:p>
         </p:txBody>
       </p:sp>
@@ -26993,7 +26972,6 @@
               <a:rPr lang="de-DE" dirty="0"/>
               <a:t>Christoph Loy</a:t>
             </a:r>
-            <a:endParaRPr lang="de-DE" dirty="0"/>
           </a:p>
         </p:txBody>
       </p:sp>
@@ -27463,7 +27441,6 @@
               <a:rPr lang="de-DE" dirty="0"/>
               <a:t>Christoph Loy</a:t>
             </a:r>
-            <a:endParaRPr lang="de-DE" dirty="0"/>
           </a:p>
         </p:txBody>
       </p:sp>
@@ -27811,7 +27788,6 @@
               <a:rPr lang="de-DE" dirty="0"/>
               <a:t>Christoph Loy</a:t>
             </a:r>
-            <a:endParaRPr lang="de-DE" dirty="0"/>
           </a:p>
         </p:txBody>
       </p:sp>
@@ -28159,7 +28135,6 @@
               <a:rPr lang="de-DE" dirty="0"/>
               <a:t>Christoph Loy</a:t>
             </a:r>
-            <a:endParaRPr lang="de-DE" dirty="0"/>
           </a:p>
         </p:txBody>
       </p:sp>
@@ -28519,7 +28494,6 @@
               <a:rPr lang="de-DE" dirty="0"/>
               <a:t>Christoph Loy</a:t>
             </a:r>
-            <a:endParaRPr lang="de-DE" dirty="0"/>
           </a:p>
         </p:txBody>
       </p:sp>
@@ -29061,7 +29035,6 @@
               <a:rPr lang="de-DE" dirty="0" smtClean="0"/>
               <a:t>Datei</a:t>
             </a:r>
-            <a:endParaRPr lang="de-DE" dirty="0" smtClean="0"/>
           </a:p>
           <a:p>
             <a:pPr marL="171450" indent="-171450">
@@ -29156,11 +29129,7 @@
             </a:pPr>
             <a:r>
               <a:rPr lang="de-DE" dirty="0" smtClean="0"/>
-              <a:t>Senden und Empfangen von Werten über I²C </a:t>
-            </a:r>
-            <a:r>
-              <a:rPr lang="de-DE" dirty="0" smtClean="0"/>
-              <a:t>Anschluss</a:t>
+              <a:t>Senden und Empfangen von Werten über I²C Anschluss</a:t>
             </a:r>
           </a:p>
           <a:p>
@@ -29431,11 +29400,7 @@
             </a:r>
             <a:r>
               <a:rPr lang="de-DE" dirty="0" smtClean="0"/>
-              <a:t> SS </a:t>
-            </a:r>
-            <a:r>
-              <a:rPr lang="de-DE" dirty="0" smtClean="0"/>
-              <a:t>18			</a:t>
+              <a:t> SS 18			</a:t>
             </a:r>
             <a:endParaRPr lang="de-DE" dirty="0"/>
           </a:p>
@@ -31835,15 +31800,6 @@
 </file>
 
 <file path=customXml/item2.xml><?xml version="1.0" encoding="utf-8"?>
-<?mso-contentType ?>
-<FormTemplates xmlns="http://schemas.microsoft.com/sharepoint/v3/contenttype/forms">
-  <Display>DocumentLibraryForm</Display>
-  <Edit>DocumentLibraryForm</Edit>
-  <New>DocumentLibraryForm</New>
-</FormTemplates>
-</file>
-
-<file path=customXml/item3.xml><?xml version="1.0" encoding="utf-8"?>
 <ct:contentTypeSchema xmlns:ct="http://schemas.microsoft.com/office/2006/metadata/contentType" xmlns:ma="http://schemas.microsoft.com/office/2006/metadata/properties/metaAttributes" ct:_="" ma:_="" ma:contentTypeName="Dokument" ma:contentTypeID="0x0101003DC6390AE56B35438C65966F635EAD35" ma:contentTypeVersion="0" ma:contentTypeDescription="Ein neues Dokument erstellen." ma:contentTypeScope="" ma:versionID="4f3286d4674dd6d9e62b4ad622de0e43">
   <xsd:schema xmlns:xsd="http://www.w3.org/2001/XMLSchema" xmlns:xs="http://www.w3.org/2001/XMLSchema" xmlns:p="http://schemas.microsoft.com/office/2006/metadata/properties" targetNamespace="http://schemas.microsoft.com/office/2006/metadata/properties" ma:root="true" ma:fieldsID="b4f5dc90cf06628c3b90945c8266c24d">
     <xsd:element name="properties">
@@ -31957,6 +31913,15 @@
 </ct:contentTypeSchema>
 </file>
 
+<file path=customXml/item3.xml><?xml version="1.0" encoding="utf-8"?>
+<?mso-contentType ?>
+<FormTemplates xmlns="http://schemas.microsoft.com/sharepoint/v3/contenttype/forms">
+  <Display>DocumentLibraryForm</Display>
+  <Edit>DocumentLibraryForm</Edit>
+  <New>DocumentLibraryForm</New>
+</FormTemplates>
+</file>
+
 <file path=customXml/itemProps1.xml><?xml version="1.0" encoding="utf-8"?>
 <ds:datastoreItem xmlns:ds="http://schemas.openxmlformats.org/officeDocument/2006/customXml" ds:itemID="{0A4ADDD2-5B29-4A1F-90E1-3FD9AC1E4F18}">
   <ds:schemaRefs>
@@ -31973,14 +31938,6 @@
 </file>
 
 <file path=customXml/itemProps2.xml><?xml version="1.0" encoding="utf-8"?>
-<ds:datastoreItem xmlns:ds="http://schemas.openxmlformats.org/officeDocument/2006/customXml" ds:itemID="{FD22786F-CBCD-4FD4-A284-6C8FA96D8FE2}">
-  <ds:schemaRefs>
-    <ds:schemaRef ds:uri="http://schemas.microsoft.com/sharepoint/v3/contenttype/forms"/>
-  </ds:schemaRefs>
-</ds:datastoreItem>
-</file>
-
-<file path=customXml/itemProps3.xml><?xml version="1.0" encoding="utf-8"?>
 <ds:datastoreItem xmlns:ds="http://schemas.openxmlformats.org/officeDocument/2006/customXml" ds:itemID="{35240994-86D6-4C55-8272-3C86349FB6F7}">
   <ds:schemaRefs>
     <ds:schemaRef ds:uri="http://schemas.microsoft.com/office/2006/metadata/contentType"/>
@@ -31994,4 +31951,12 @@
     <ds:schemaRef ds:uri="http://schemas.microsoft.com/office/infopath/2007/PartnerControls"/>
   </ds:schemaRefs>
 </ds:datastoreItem>
+</file>
+
+<file path=customXml/itemProps3.xml><?xml version="1.0" encoding="utf-8"?>
+<ds:datastoreItem xmlns:ds="http://schemas.openxmlformats.org/officeDocument/2006/customXml" ds:itemID="{FD22786F-CBCD-4FD4-A284-6C8FA96D8FE2}">
+  <ds:schemaRefs>
+    <ds:schemaRef ds:uri="http://schemas.microsoft.com/sharepoint/v3/contenttype/forms"/>
+  </ds:schemaRefs>
+</ds:datastoreItem>
 </file>
--- a/Präsentation/Legosar_Master.pptx
+++ b/Präsentation/Legosar_Master.pptx
@@ -186,6 +186,10 @@
     </p:ext>
   </p:extLst>
 </p:presentation>
+</file>
+
+<file path=ppt/revisionInfo.xml><?xml version="1.0" encoding="utf-8"?>
+<p1510:revInfo xmlns:a="http://schemas.openxmlformats.org/drawingml/2006/main" xmlns:r="http://schemas.openxmlformats.org/officeDocument/2006/relationships" xmlns:p1510="http://schemas.microsoft.com/office/powerpoint/2015/10/main"/>
 </file>
 
 <file path=ppt/diagrams/colors1.xml><?xml version="1.0" encoding="utf-8"?>
@@ -2853,13 +2857,6 @@
         </dgm:presLayoutVars>
       </dgm:prSet>
       <dgm:spPr/>
-      <dgm:t>
-        <a:bodyPr/>
-        <a:lstStyle/>
-        <a:p>
-          <a:endParaRPr lang="de-DE"/>
-        </a:p>
-      </dgm:t>
     </dgm:pt>
     <dgm:pt modelId="{93AEEB7A-FD22-4C7D-9EEE-0928D9CB0647}" type="pres">
       <dgm:prSet presAssocID="{FE51A229-1D1C-4A6F-AB90-E177D9FF5638}" presName="hierRoot1" presStyleCnt="0">
@@ -2880,24 +2877,10 @@
         </dgm:presLayoutVars>
       </dgm:prSet>
       <dgm:spPr/>
-      <dgm:t>
-        <a:bodyPr/>
-        <a:lstStyle/>
-        <a:p>
-          <a:endParaRPr lang="de-DE"/>
-        </a:p>
-      </dgm:t>
     </dgm:pt>
     <dgm:pt modelId="{4B6F4223-3E1E-4AC9-ABD4-0609EA935B7D}" type="pres">
       <dgm:prSet presAssocID="{FE51A229-1D1C-4A6F-AB90-E177D9FF5638}" presName="rootConnector1" presStyleLbl="node1" presStyleIdx="0" presStyleCnt="0"/>
       <dgm:spPr/>
-      <dgm:t>
-        <a:bodyPr/>
-        <a:lstStyle/>
-        <a:p>
-          <a:endParaRPr lang="de-DE"/>
-        </a:p>
-      </dgm:t>
     </dgm:pt>
     <dgm:pt modelId="{E2312D51-A2CD-4B22-A9A0-105CD811DE30}" type="pres">
       <dgm:prSet presAssocID="{FE51A229-1D1C-4A6F-AB90-E177D9FF5638}" presName="hierChild2" presStyleCnt="0"/>
@@ -2906,13 +2889,6 @@
     <dgm:pt modelId="{63227DB9-CCD9-47FC-87C1-48A8A593DD3D}" type="pres">
       <dgm:prSet presAssocID="{2513C4D0-6C86-45C4-8BBD-2DB38E3AC370}" presName="Name64" presStyleLbl="parChTrans1D2" presStyleIdx="0" presStyleCnt="2"/>
       <dgm:spPr/>
-      <dgm:t>
-        <a:bodyPr/>
-        <a:lstStyle/>
-        <a:p>
-          <a:endParaRPr lang="de-DE"/>
-        </a:p>
-      </dgm:t>
     </dgm:pt>
     <dgm:pt modelId="{ED867374-C2F4-4A03-9BAB-0A9DB67539CF}" type="pres">
       <dgm:prSet presAssocID="{458EA245-C2FB-44D5-8605-4CCDDB40A6CC}" presName="hierRoot2" presStyleCnt="0">
@@ -2933,24 +2909,10 @@
         </dgm:presLayoutVars>
       </dgm:prSet>
       <dgm:spPr/>
-      <dgm:t>
-        <a:bodyPr/>
-        <a:lstStyle/>
-        <a:p>
-          <a:endParaRPr lang="de-DE"/>
-        </a:p>
-      </dgm:t>
     </dgm:pt>
     <dgm:pt modelId="{236E74BF-DAB1-48C0-8EBC-B0423E7C1D61}" type="pres">
       <dgm:prSet presAssocID="{458EA245-C2FB-44D5-8605-4CCDDB40A6CC}" presName="rootConnector" presStyleLbl="node2" presStyleIdx="0" presStyleCnt="2"/>
       <dgm:spPr/>
-      <dgm:t>
-        <a:bodyPr/>
-        <a:lstStyle/>
-        <a:p>
-          <a:endParaRPr lang="de-DE"/>
-        </a:p>
-      </dgm:t>
     </dgm:pt>
     <dgm:pt modelId="{AB56F150-B395-4ECC-BA1D-868815977097}" type="pres">
       <dgm:prSet presAssocID="{458EA245-C2FB-44D5-8605-4CCDDB40A6CC}" presName="hierChild4" presStyleCnt="0"/>
@@ -2959,13 +2921,6 @@
     <dgm:pt modelId="{A813DACE-B381-4BD1-B87A-8914CC3126C9}" type="pres">
       <dgm:prSet presAssocID="{BB1B051C-FE5E-4A16-9C54-818D19E23760}" presName="Name64" presStyleLbl="parChTrans1D3" presStyleIdx="0" presStyleCnt="2"/>
       <dgm:spPr/>
-      <dgm:t>
-        <a:bodyPr/>
-        <a:lstStyle/>
-        <a:p>
-          <a:endParaRPr lang="de-DE"/>
-        </a:p>
-      </dgm:t>
     </dgm:pt>
     <dgm:pt modelId="{F5ABF7A5-F5F4-4F68-8DA0-DA2CA59A0C71}" type="pres">
       <dgm:prSet presAssocID="{194B450F-9E85-4BFF-B53A-025ECE8CA2B3}" presName="hierRoot2" presStyleCnt="0">
@@ -2986,24 +2941,10 @@
         </dgm:presLayoutVars>
       </dgm:prSet>
       <dgm:spPr/>
-      <dgm:t>
-        <a:bodyPr/>
-        <a:lstStyle/>
-        <a:p>
-          <a:endParaRPr lang="de-DE"/>
-        </a:p>
-      </dgm:t>
     </dgm:pt>
     <dgm:pt modelId="{5A548C04-9E6C-4592-B715-0EB482C91130}" type="pres">
       <dgm:prSet presAssocID="{194B450F-9E85-4BFF-B53A-025ECE8CA2B3}" presName="rootConnector" presStyleLbl="node3" presStyleIdx="0" presStyleCnt="2"/>
       <dgm:spPr/>
-      <dgm:t>
-        <a:bodyPr/>
-        <a:lstStyle/>
-        <a:p>
-          <a:endParaRPr lang="de-DE"/>
-        </a:p>
-      </dgm:t>
     </dgm:pt>
     <dgm:pt modelId="{335D26C1-FA49-453D-B8F7-F14D3ED40119}" type="pres">
       <dgm:prSet presAssocID="{194B450F-9E85-4BFF-B53A-025ECE8CA2B3}" presName="hierChild4" presStyleCnt="0"/>
@@ -3012,13 +2953,6 @@
     <dgm:pt modelId="{3B5520CA-5F04-4318-B8CF-392D127E0565}" type="pres">
       <dgm:prSet presAssocID="{B92FE964-20D3-4760-9A5D-FC70065444B3}" presName="Name64" presStyleLbl="parChTrans1D4" presStyleIdx="0" presStyleCnt="3"/>
       <dgm:spPr/>
-      <dgm:t>
-        <a:bodyPr/>
-        <a:lstStyle/>
-        <a:p>
-          <a:endParaRPr lang="de-DE"/>
-        </a:p>
-      </dgm:t>
     </dgm:pt>
     <dgm:pt modelId="{BC983705-C229-4A07-8FE0-730317BFA2F7}" type="pres">
       <dgm:prSet presAssocID="{A2264A7C-99C0-4C2E-8D57-36176C349B9D}" presName="hierRoot2" presStyleCnt="0">
@@ -3039,24 +2973,10 @@
         </dgm:presLayoutVars>
       </dgm:prSet>
       <dgm:spPr/>
-      <dgm:t>
-        <a:bodyPr/>
-        <a:lstStyle/>
-        <a:p>
-          <a:endParaRPr lang="de-DE"/>
-        </a:p>
-      </dgm:t>
     </dgm:pt>
     <dgm:pt modelId="{A8DB0F5F-E32E-4576-9815-E8340FCEF884}" type="pres">
       <dgm:prSet presAssocID="{A2264A7C-99C0-4C2E-8D57-36176C349B9D}" presName="rootConnector" presStyleLbl="node4" presStyleIdx="0" presStyleCnt="3"/>
       <dgm:spPr/>
-      <dgm:t>
-        <a:bodyPr/>
-        <a:lstStyle/>
-        <a:p>
-          <a:endParaRPr lang="de-DE"/>
-        </a:p>
-      </dgm:t>
     </dgm:pt>
     <dgm:pt modelId="{057F7E45-500A-4B01-ACAD-7C6379607DB2}" type="pres">
       <dgm:prSet presAssocID="{A2264A7C-99C0-4C2E-8D57-36176C349B9D}" presName="hierChild4" presStyleCnt="0"/>
@@ -3069,13 +2989,6 @@
     <dgm:pt modelId="{5E2A4BF6-1C17-4440-8F1D-9DDBE8FD40EB}" type="pres">
       <dgm:prSet presAssocID="{B7BB566D-4912-41B1-B776-F30DE0B49829}" presName="Name64" presStyleLbl="parChTrans1D4" presStyleIdx="1" presStyleCnt="3"/>
       <dgm:spPr/>
-      <dgm:t>
-        <a:bodyPr/>
-        <a:lstStyle/>
-        <a:p>
-          <a:endParaRPr lang="de-DE"/>
-        </a:p>
-      </dgm:t>
     </dgm:pt>
     <dgm:pt modelId="{B3CAACBC-C0C4-4E6D-A6AF-47CFA7B5F949}" type="pres">
       <dgm:prSet presAssocID="{DDCFA4CF-CB34-4461-BF68-A6E109616A0E}" presName="hierRoot2" presStyleCnt="0">
@@ -3096,24 +3009,10 @@
         </dgm:presLayoutVars>
       </dgm:prSet>
       <dgm:spPr/>
-      <dgm:t>
-        <a:bodyPr/>
-        <a:lstStyle/>
-        <a:p>
-          <a:endParaRPr lang="de-DE"/>
-        </a:p>
-      </dgm:t>
     </dgm:pt>
     <dgm:pt modelId="{87F8F010-9276-41CD-A9FE-B1F4A0595D48}" type="pres">
       <dgm:prSet presAssocID="{DDCFA4CF-CB34-4461-BF68-A6E109616A0E}" presName="rootConnector" presStyleLbl="node4" presStyleIdx="1" presStyleCnt="3"/>
       <dgm:spPr/>
-      <dgm:t>
-        <a:bodyPr/>
-        <a:lstStyle/>
-        <a:p>
-          <a:endParaRPr lang="de-DE"/>
-        </a:p>
-      </dgm:t>
     </dgm:pt>
     <dgm:pt modelId="{E19C4DBC-7534-4B62-A8E5-3D08593FF966}" type="pres">
       <dgm:prSet presAssocID="{DDCFA4CF-CB34-4461-BF68-A6E109616A0E}" presName="hierChild4" presStyleCnt="0"/>
@@ -3126,13 +3025,6 @@
     <dgm:pt modelId="{FE3655A2-A77C-4FEA-A8D0-8272D776720E}" type="pres">
       <dgm:prSet presAssocID="{C013AF15-BE5E-4351-9FCC-BC353D4E1563}" presName="Name64" presStyleLbl="parChTrans1D4" presStyleIdx="2" presStyleCnt="3"/>
       <dgm:spPr/>
-      <dgm:t>
-        <a:bodyPr/>
-        <a:lstStyle/>
-        <a:p>
-          <a:endParaRPr lang="de-DE"/>
-        </a:p>
-      </dgm:t>
     </dgm:pt>
     <dgm:pt modelId="{2175940A-A575-4707-BE76-92E4F498635D}" type="pres">
       <dgm:prSet presAssocID="{3DDA16D2-21F8-47F5-A677-027B09A0DCAA}" presName="hierRoot2" presStyleCnt="0">
@@ -3153,24 +3045,10 @@
         </dgm:presLayoutVars>
       </dgm:prSet>
       <dgm:spPr/>
-      <dgm:t>
-        <a:bodyPr/>
-        <a:lstStyle/>
-        <a:p>
-          <a:endParaRPr lang="de-DE"/>
-        </a:p>
-      </dgm:t>
     </dgm:pt>
     <dgm:pt modelId="{CBE0C06E-4963-4904-BBE9-F9D45A28B254}" type="pres">
       <dgm:prSet presAssocID="{3DDA16D2-21F8-47F5-A677-027B09A0DCAA}" presName="rootConnector" presStyleLbl="node4" presStyleIdx="2" presStyleCnt="3"/>
       <dgm:spPr/>
-      <dgm:t>
-        <a:bodyPr/>
-        <a:lstStyle/>
-        <a:p>
-          <a:endParaRPr lang="de-DE"/>
-        </a:p>
-      </dgm:t>
     </dgm:pt>
     <dgm:pt modelId="{C001A9CD-0961-44EE-B1EE-E02106C7FFFA}" type="pres">
       <dgm:prSet presAssocID="{3DDA16D2-21F8-47F5-A677-027B09A0DCAA}" presName="hierChild4" presStyleCnt="0"/>
@@ -3187,13 +3065,6 @@
     <dgm:pt modelId="{2AE50859-A0F3-4D34-A36E-1D1B57AD5833}" type="pres">
       <dgm:prSet presAssocID="{33BB61BD-C7B2-4EEF-9DA6-9C6B5266D100}" presName="Name64" presStyleLbl="parChTrans1D3" presStyleIdx="1" presStyleCnt="2"/>
       <dgm:spPr/>
-      <dgm:t>
-        <a:bodyPr/>
-        <a:lstStyle/>
-        <a:p>
-          <a:endParaRPr lang="de-DE"/>
-        </a:p>
-      </dgm:t>
     </dgm:pt>
     <dgm:pt modelId="{BA520FEB-C5A1-42D8-89F8-6E4274B8DCCB}" type="pres">
       <dgm:prSet presAssocID="{0EFBF9FB-A605-419D-A862-7FB5461FA12B}" presName="hierRoot2" presStyleCnt="0">
@@ -3214,24 +3085,10 @@
         </dgm:presLayoutVars>
       </dgm:prSet>
       <dgm:spPr/>
-      <dgm:t>
-        <a:bodyPr/>
-        <a:lstStyle/>
-        <a:p>
-          <a:endParaRPr lang="de-DE"/>
-        </a:p>
-      </dgm:t>
     </dgm:pt>
     <dgm:pt modelId="{00C9DA18-5528-47F7-A939-211C1C9A212F}" type="pres">
       <dgm:prSet presAssocID="{0EFBF9FB-A605-419D-A862-7FB5461FA12B}" presName="rootConnector" presStyleLbl="node3" presStyleIdx="1" presStyleCnt="2"/>
       <dgm:spPr/>
-      <dgm:t>
-        <a:bodyPr/>
-        <a:lstStyle/>
-        <a:p>
-          <a:endParaRPr lang="de-DE"/>
-        </a:p>
-      </dgm:t>
     </dgm:pt>
     <dgm:pt modelId="{1E9DF34E-300F-44BF-AA09-24FE45A1C366}" type="pres">
       <dgm:prSet presAssocID="{0EFBF9FB-A605-419D-A862-7FB5461FA12B}" presName="hierChild4" presStyleCnt="0"/>
@@ -3248,13 +3105,6 @@
     <dgm:pt modelId="{567FCC46-C3DF-4251-BE5E-39C5F62A348C}" type="pres">
       <dgm:prSet presAssocID="{1D0C1A18-525A-4402-A32B-7193F2A8471B}" presName="Name64" presStyleLbl="parChTrans1D2" presStyleIdx="1" presStyleCnt="2"/>
       <dgm:spPr/>
-      <dgm:t>
-        <a:bodyPr/>
-        <a:lstStyle/>
-        <a:p>
-          <a:endParaRPr lang="de-DE"/>
-        </a:p>
-      </dgm:t>
     </dgm:pt>
     <dgm:pt modelId="{32BD507D-9A62-4BD2-9B58-25D9373F026A}" type="pres">
       <dgm:prSet presAssocID="{A00B03C0-8B6F-4A38-8304-EE63638E39F0}" presName="hierRoot2" presStyleCnt="0">
@@ -3275,24 +3125,10 @@
         </dgm:presLayoutVars>
       </dgm:prSet>
       <dgm:spPr/>
-      <dgm:t>
-        <a:bodyPr/>
-        <a:lstStyle/>
-        <a:p>
-          <a:endParaRPr lang="de-DE"/>
-        </a:p>
-      </dgm:t>
     </dgm:pt>
     <dgm:pt modelId="{52D8D829-C8D7-4555-B67B-1A38F3A988B0}" type="pres">
       <dgm:prSet presAssocID="{A00B03C0-8B6F-4A38-8304-EE63638E39F0}" presName="rootConnector" presStyleLbl="node2" presStyleIdx="1" presStyleCnt="2"/>
       <dgm:spPr/>
-      <dgm:t>
-        <a:bodyPr/>
-        <a:lstStyle/>
-        <a:p>
-          <a:endParaRPr lang="de-DE"/>
-        </a:p>
-      </dgm:t>
     </dgm:pt>
     <dgm:pt modelId="{483FF510-A742-40AC-8588-F0F8D5C6554C}" type="pres">
       <dgm:prSet presAssocID="{A00B03C0-8B6F-4A38-8304-EE63638E39F0}" presName="hierChild4" presStyleCnt="0"/>
@@ -3308,38 +3144,38 @@
     </dgm:pt>
   </dgm:ptLst>
   <dgm:cxnLst>
-    <dgm:cxn modelId="{CAD44E2B-0438-4B15-91D6-9BB16FC8FD21}" type="presOf" srcId="{BB1B051C-FE5E-4A16-9C54-818D19E23760}" destId="{A813DACE-B381-4BD1-B87A-8914CC3126C9}" srcOrd="0" destOrd="0" presId="urn:microsoft.com/office/officeart/2009/3/layout/HorizontalOrganizationChart"/>
-    <dgm:cxn modelId="{32550876-B728-410B-AB28-F6847898BBA9}" type="presOf" srcId="{458EA245-C2FB-44D5-8605-4CCDDB40A6CC}" destId="{58CCBD63-0DC1-42B7-986A-6D903EE0CAE9}" srcOrd="0" destOrd="0" presId="urn:microsoft.com/office/officeart/2009/3/layout/HorizontalOrganizationChart"/>
-    <dgm:cxn modelId="{82B87C42-A868-4813-92EA-6E47F92236AE}" type="presOf" srcId="{194B450F-9E85-4BFF-B53A-025ECE8CA2B3}" destId="{5A548C04-9E6C-4592-B715-0EB482C91130}" srcOrd="1" destOrd="0" presId="urn:microsoft.com/office/officeart/2009/3/layout/HorizontalOrganizationChart"/>
-    <dgm:cxn modelId="{578ED840-C2B4-4153-933F-437817DB9121}" type="presOf" srcId="{0EFBF9FB-A605-419D-A862-7FB5461FA12B}" destId="{8B15E07E-99B4-4AA7-88F9-F8F2D3601D93}" srcOrd="0" destOrd="0" presId="urn:microsoft.com/office/officeart/2009/3/layout/HorizontalOrganizationChart"/>
-    <dgm:cxn modelId="{926A30C3-E26E-46CC-A662-E403FD474CEE}" type="presOf" srcId="{9B572FD9-4724-42DA-B8D4-08C635C0917F}" destId="{1F642486-6A25-4C23-92A3-61A7126A890E}" srcOrd="0" destOrd="0" presId="urn:microsoft.com/office/officeart/2009/3/layout/HorizontalOrganizationChart"/>
-    <dgm:cxn modelId="{3EA1BDF9-196B-4338-959A-1771D4FA7F51}" type="presOf" srcId="{DDCFA4CF-CB34-4461-BF68-A6E109616A0E}" destId="{3D3D0051-3F10-445E-9BBB-7EAF92EDA706}" srcOrd="0" destOrd="0" presId="urn:microsoft.com/office/officeart/2009/3/layout/HorizontalOrganizationChart"/>
-    <dgm:cxn modelId="{2AE5AF70-17DF-4B57-B688-4DC303E92A34}" type="presOf" srcId="{A00B03C0-8B6F-4A38-8304-EE63638E39F0}" destId="{52D8D829-C8D7-4555-B67B-1A38F3A988B0}" srcOrd="1" destOrd="0" presId="urn:microsoft.com/office/officeart/2009/3/layout/HorizontalOrganizationChart"/>
-    <dgm:cxn modelId="{4912AE85-D5C0-4B19-BAB1-4F20B08FA78B}" srcId="{194B450F-9E85-4BFF-B53A-025ECE8CA2B3}" destId="{A2264A7C-99C0-4C2E-8D57-36176C349B9D}" srcOrd="0" destOrd="0" parTransId="{B92FE964-20D3-4760-9A5D-FC70065444B3}" sibTransId="{ADD6F146-40E5-4B9C-A5B7-E7CD38D2C492}"/>
-    <dgm:cxn modelId="{2353BEDD-9DFA-47AF-9301-09410A26A23A}" type="presOf" srcId="{0EFBF9FB-A605-419D-A862-7FB5461FA12B}" destId="{00C9DA18-5528-47F7-A939-211C1C9A212F}" srcOrd="1" destOrd="0" presId="urn:microsoft.com/office/officeart/2009/3/layout/HorizontalOrganizationChart"/>
-    <dgm:cxn modelId="{521BE7C8-04C5-42EF-9A09-686B5C5E16A6}" srcId="{194B450F-9E85-4BFF-B53A-025ECE8CA2B3}" destId="{DDCFA4CF-CB34-4461-BF68-A6E109616A0E}" srcOrd="1" destOrd="0" parTransId="{B7BB566D-4912-41B1-B776-F30DE0B49829}" sibTransId="{B73FC9E7-A443-418A-9BAB-4CB6E5444EE0}"/>
     <dgm:cxn modelId="{E4FCFA04-BFA1-4D6C-8545-4660A06C0858}" srcId="{FE51A229-1D1C-4A6F-AB90-E177D9FF5638}" destId="{458EA245-C2FB-44D5-8605-4CCDDB40A6CC}" srcOrd="0" destOrd="0" parTransId="{2513C4D0-6C86-45C4-8BBD-2DB38E3AC370}" sibTransId="{53A9072A-69A3-4427-B613-32082B7B7647}"/>
-    <dgm:cxn modelId="{6B377BFF-21F7-4E69-9760-16B227F85F05}" type="presOf" srcId="{458EA245-C2FB-44D5-8605-4CCDDB40A6CC}" destId="{236E74BF-DAB1-48C0-8EBC-B0423E7C1D61}" srcOrd="1" destOrd="0" presId="urn:microsoft.com/office/officeart/2009/3/layout/HorizontalOrganizationChart"/>
-    <dgm:cxn modelId="{7FF7C417-39C3-4FF5-AFB8-49610E291783}" type="presOf" srcId="{A2264A7C-99C0-4C2E-8D57-36176C349B9D}" destId="{A8DB0F5F-E32E-4576-9815-E8340FCEF884}" srcOrd="1" destOrd="0" presId="urn:microsoft.com/office/officeart/2009/3/layout/HorizontalOrganizationChart"/>
-    <dgm:cxn modelId="{11ABE458-95FA-4F0E-9571-16BEFF9318B5}" srcId="{458EA245-C2FB-44D5-8605-4CCDDB40A6CC}" destId="{194B450F-9E85-4BFF-B53A-025ECE8CA2B3}" srcOrd="0" destOrd="0" parTransId="{BB1B051C-FE5E-4A16-9C54-818D19E23760}" sibTransId="{35B704BA-272C-4FD3-8DC8-BBCDFF621B17}"/>
     <dgm:cxn modelId="{6AEA9406-01E6-454D-B689-07879572C0DC}" type="presOf" srcId="{A2264A7C-99C0-4C2E-8D57-36176C349B9D}" destId="{9F8FC8AB-0C10-4A80-8AC1-8F557DFAC6ED}" srcOrd="0" destOrd="0" presId="urn:microsoft.com/office/officeart/2009/3/layout/HorizontalOrganizationChart"/>
-    <dgm:cxn modelId="{71605211-8CF0-4CC0-902E-54D2DC1C86C4}" type="presOf" srcId="{194B450F-9E85-4BFF-B53A-025ECE8CA2B3}" destId="{49B445EE-0A39-4EBB-9212-3FB7911CC92D}" srcOrd="0" destOrd="0" presId="urn:microsoft.com/office/officeart/2009/3/layout/HorizontalOrganizationChart"/>
     <dgm:cxn modelId="{484D5007-0040-4011-8282-AF8E2CF63BDE}" srcId="{458EA245-C2FB-44D5-8605-4CCDDB40A6CC}" destId="{0EFBF9FB-A605-419D-A862-7FB5461FA12B}" srcOrd="1" destOrd="0" parTransId="{33BB61BD-C7B2-4EEF-9DA6-9C6B5266D100}" sibTransId="{44FF41D8-740A-4FAB-82C8-EDE7E9B15E38}"/>
     <dgm:cxn modelId="{F7156508-A877-42EE-B019-05A4690C64F4}" type="presOf" srcId="{DDCFA4CF-CB34-4461-BF68-A6E109616A0E}" destId="{87F8F010-9276-41CD-A9FE-B1F4A0595D48}" srcOrd="1" destOrd="0" presId="urn:microsoft.com/office/officeart/2009/3/layout/HorizontalOrganizationChart"/>
+    <dgm:cxn modelId="{71605211-8CF0-4CC0-902E-54D2DC1C86C4}" type="presOf" srcId="{194B450F-9E85-4BFF-B53A-025ECE8CA2B3}" destId="{49B445EE-0A39-4EBB-9212-3FB7911CC92D}" srcOrd="0" destOrd="0" presId="urn:microsoft.com/office/officeart/2009/3/layout/HorizontalOrganizationChart"/>
+    <dgm:cxn modelId="{1CB5A317-0F65-4F77-95BD-53601243D158}" type="presOf" srcId="{3DDA16D2-21F8-47F5-A677-027B09A0DCAA}" destId="{02D8AA49-D842-4B3F-B647-E1ACEC927ACC}" srcOrd="0" destOrd="0" presId="urn:microsoft.com/office/officeart/2009/3/layout/HorizontalOrganizationChart"/>
+    <dgm:cxn modelId="{7FF7C417-39C3-4FF5-AFB8-49610E291783}" type="presOf" srcId="{A2264A7C-99C0-4C2E-8D57-36176C349B9D}" destId="{A8DB0F5F-E32E-4576-9815-E8340FCEF884}" srcOrd="1" destOrd="0" presId="urn:microsoft.com/office/officeart/2009/3/layout/HorizontalOrganizationChart"/>
+    <dgm:cxn modelId="{44152723-EBEB-4656-BF1B-7087F2C99C12}" type="presOf" srcId="{1D0C1A18-525A-4402-A32B-7193F2A8471B}" destId="{567FCC46-C3DF-4251-BE5E-39C5F62A348C}" srcOrd="0" destOrd="0" presId="urn:microsoft.com/office/officeart/2009/3/layout/HorizontalOrganizationChart"/>
+    <dgm:cxn modelId="{CAD44E2B-0438-4B15-91D6-9BB16FC8FD21}" type="presOf" srcId="{BB1B051C-FE5E-4A16-9C54-818D19E23760}" destId="{A813DACE-B381-4BD1-B87A-8914CC3126C9}" srcOrd="0" destOrd="0" presId="urn:microsoft.com/office/officeart/2009/3/layout/HorizontalOrganizationChart"/>
+    <dgm:cxn modelId="{578ED840-C2B4-4153-933F-437817DB9121}" type="presOf" srcId="{0EFBF9FB-A605-419D-A862-7FB5461FA12B}" destId="{8B15E07E-99B4-4AA7-88F9-F8F2D3601D93}" srcOrd="0" destOrd="0" presId="urn:microsoft.com/office/officeart/2009/3/layout/HorizontalOrganizationChart"/>
+    <dgm:cxn modelId="{82B87C42-A868-4813-92EA-6E47F92236AE}" type="presOf" srcId="{194B450F-9E85-4BFF-B53A-025ECE8CA2B3}" destId="{5A548C04-9E6C-4592-B715-0EB482C91130}" srcOrd="1" destOrd="0" presId="urn:microsoft.com/office/officeart/2009/3/layout/HorizontalOrganizationChart"/>
+    <dgm:cxn modelId="{26084E46-5324-443F-9AA1-9C51CC2E84C6}" type="presOf" srcId="{3DDA16D2-21F8-47F5-A677-027B09A0DCAA}" destId="{CBE0C06E-4963-4904-BBE9-F9D45A28B254}" srcOrd="1" destOrd="0" presId="urn:microsoft.com/office/officeart/2009/3/layout/HorizontalOrganizationChart"/>
+    <dgm:cxn modelId="{C224066D-8E7A-4DBF-B0CA-AD1CD42C0934}" type="presOf" srcId="{FE51A229-1D1C-4A6F-AB90-E177D9FF5638}" destId="{AF082B63-47A3-42A2-A216-33822EEB62AD}" srcOrd="0" destOrd="0" presId="urn:microsoft.com/office/officeart/2009/3/layout/HorizontalOrganizationChart"/>
+    <dgm:cxn modelId="{21C5914E-B084-4E1A-8286-FA3BFDD11525}" type="presOf" srcId="{B92FE964-20D3-4760-9A5D-FC70065444B3}" destId="{3B5520CA-5F04-4318-B8CF-392D127E0565}" srcOrd="0" destOrd="0" presId="urn:microsoft.com/office/officeart/2009/3/layout/HorizontalOrganizationChart"/>
+    <dgm:cxn modelId="{C130B86E-7832-4044-85F5-0AAAED6A05DC}" type="presOf" srcId="{2513C4D0-6C86-45C4-8BBD-2DB38E3AC370}" destId="{63227DB9-CCD9-47FC-87C1-48A8A593DD3D}" srcOrd="0" destOrd="0" presId="urn:microsoft.com/office/officeart/2009/3/layout/HorizontalOrganizationChart"/>
+    <dgm:cxn modelId="{2AE5AF70-17DF-4B57-B688-4DC303E92A34}" type="presOf" srcId="{A00B03C0-8B6F-4A38-8304-EE63638E39F0}" destId="{52D8D829-C8D7-4555-B67B-1A38F3A988B0}" srcOrd="1" destOrd="0" presId="urn:microsoft.com/office/officeart/2009/3/layout/HorizontalOrganizationChart"/>
+    <dgm:cxn modelId="{F33F0453-D6F7-4126-A22A-C5F0A08FD289}" type="presOf" srcId="{B7BB566D-4912-41B1-B776-F30DE0B49829}" destId="{5E2A4BF6-1C17-4440-8F1D-9DDBE8FD40EB}" srcOrd="0" destOrd="0" presId="urn:microsoft.com/office/officeart/2009/3/layout/HorizontalOrganizationChart"/>
+    <dgm:cxn modelId="{32550876-B728-410B-AB28-F6847898BBA9}" type="presOf" srcId="{458EA245-C2FB-44D5-8605-4CCDDB40A6CC}" destId="{58CCBD63-0DC1-42B7-986A-6D903EE0CAE9}" srcOrd="0" destOrd="0" presId="urn:microsoft.com/office/officeart/2009/3/layout/HorizontalOrganizationChart"/>
+    <dgm:cxn modelId="{11ABE458-95FA-4F0E-9571-16BEFF9318B5}" srcId="{458EA245-C2FB-44D5-8605-4CCDDB40A6CC}" destId="{194B450F-9E85-4BFF-B53A-025ECE8CA2B3}" srcOrd="0" destOrd="0" parTransId="{BB1B051C-FE5E-4A16-9C54-818D19E23760}" sibTransId="{35B704BA-272C-4FD3-8DC8-BBCDFF621B17}"/>
+    <dgm:cxn modelId="{4912AE85-D5C0-4B19-BAB1-4F20B08FA78B}" srcId="{194B450F-9E85-4BFF-B53A-025ECE8CA2B3}" destId="{A2264A7C-99C0-4C2E-8D57-36176C349B9D}" srcOrd="0" destOrd="0" parTransId="{B92FE964-20D3-4760-9A5D-FC70065444B3}" sibTransId="{ADD6F146-40E5-4B9C-A5B7-E7CD38D2C492}"/>
+    <dgm:cxn modelId="{86B87D8A-7618-4A6E-8215-9F9E410FEB3C}" srcId="{194B450F-9E85-4BFF-B53A-025ECE8CA2B3}" destId="{3DDA16D2-21F8-47F5-A677-027B09A0DCAA}" srcOrd="2" destOrd="0" parTransId="{C013AF15-BE5E-4351-9FCC-BC353D4E1563}" sibTransId="{14774648-2FE7-4094-8DBC-B9DC23148B58}"/>
+    <dgm:cxn modelId="{926A30C3-E26E-46CC-A662-E403FD474CEE}" type="presOf" srcId="{9B572FD9-4724-42DA-B8D4-08C635C0917F}" destId="{1F642486-6A25-4C23-92A3-61A7126A890E}" srcOrd="0" destOrd="0" presId="urn:microsoft.com/office/officeart/2009/3/layout/HorizontalOrganizationChart"/>
+    <dgm:cxn modelId="{273062C8-E9B1-4CFB-B54C-9CF1BE5E1D73}" srcId="{9B572FD9-4724-42DA-B8D4-08C635C0917F}" destId="{FE51A229-1D1C-4A6F-AB90-E177D9FF5638}" srcOrd="0" destOrd="0" parTransId="{A504EDBC-EB02-4406-B3C2-FF847ACFAB41}" sibTransId="{E8FE0C9C-68D4-4441-A46A-89AEE9E09116}"/>
+    <dgm:cxn modelId="{521BE7C8-04C5-42EF-9A09-686B5C5E16A6}" srcId="{194B450F-9E85-4BFF-B53A-025ECE8CA2B3}" destId="{DDCFA4CF-CB34-4461-BF68-A6E109616A0E}" srcOrd="1" destOrd="0" parTransId="{B7BB566D-4912-41B1-B776-F30DE0B49829}" sibTransId="{B73FC9E7-A443-418A-9BAB-4CB6E5444EE0}"/>
+    <dgm:cxn modelId="{469BD5D0-E7CC-46AF-A309-EEEFB2947DA4}" type="presOf" srcId="{FE51A229-1D1C-4A6F-AB90-E177D9FF5638}" destId="{4B6F4223-3E1E-4AC9-ABD4-0609EA935B7D}" srcOrd="1" destOrd="0" presId="urn:microsoft.com/office/officeart/2009/3/layout/HorizontalOrganizationChart"/>
+    <dgm:cxn modelId="{8139BDDC-86AE-4421-BFDD-19D790AC7882}" srcId="{FE51A229-1D1C-4A6F-AB90-E177D9FF5638}" destId="{A00B03C0-8B6F-4A38-8304-EE63638E39F0}" srcOrd="1" destOrd="0" parTransId="{1D0C1A18-525A-4402-A32B-7193F2A8471B}" sibTransId="{FFFC4A27-D24C-411F-899C-7C296EF4B286}"/>
+    <dgm:cxn modelId="{2353BEDD-9DFA-47AF-9301-09410A26A23A}" type="presOf" srcId="{0EFBF9FB-A605-419D-A862-7FB5461FA12B}" destId="{00C9DA18-5528-47F7-A939-211C1C9A212F}" srcOrd="1" destOrd="0" presId="urn:microsoft.com/office/officeart/2009/3/layout/HorizontalOrganizationChart"/>
+    <dgm:cxn modelId="{A2378DE5-8398-4977-BB44-026FFB612B10}" type="presOf" srcId="{C013AF15-BE5E-4351-9FCC-BC353D4E1563}" destId="{FE3655A2-A77C-4FEA-A8D0-8272D776720E}" srcOrd="0" destOrd="0" presId="urn:microsoft.com/office/officeart/2009/3/layout/HorizontalOrganizationChart"/>
     <dgm:cxn modelId="{EE2B81EF-E21C-4355-8EBB-31E68916AD6D}" type="presOf" srcId="{33BB61BD-C7B2-4EEF-9DA6-9C6B5266D100}" destId="{2AE50859-A0F3-4D34-A36E-1D1B57AD5833}" srcOrd="0" destOrd="0" presId="urn:microsoft.com/office/officeart/2009/3/layout/HorizontalOrganizationChart"/>
-    <dgm:cxn modelId="{C224066D-8E7A-4DBF-B0CA-AD1CD42C0934}" type="presOf" srcId="{FE51A229-1D1C-4A6F-AB90-E177D9FF5638}" destId="{AF082B63-47A3-42A2-A216-33822EEB62AD}" srcOrd="0" destOrd="0" presId="urn:microsoft.com/office/officeart/2009/3/layout/HorizontalOrganizationChart"/>
-    <dgm:cxn modelId="{469BD5D0-E7CC-46AF-A309-EEEFB2947DA4}" type="presOf" srcId="{FE51A229-1D1C-4A6F-AB90-E177D9FF5638}" destId="{4B6F4223-3E1E-4AC9-ABD4-0609EA935B7D}" srcOrd="1" destOrd="0" presId="urn:microsoft.com/office/officeart/2009/3/layout/HorizontalOrganizationChart"/>
-    <dgm:cxn modelId="{1CB5A317-0F65-4F77-95BD-53601243D158}" type="presOf" srcId="{3DDA16D2-21F8-47F5-A677-027B09A0DCAA}" destId="{02D8AA49-D842-4B3F-B647-E1ACEC927ACC}" srcOrd="0" destOrd="0" presId="urn:microsoft.com/office/officeart/2009/3/layout/HorizontalOrganizationChart"/>
-    <dgm:cxn modelId="{273062C8-E9B1-4CFB-B54C-9CF1BE5E1D73}" srcId="{9B572FD9-4724-42DA-B8D4-08C635C0917F}" destId="{FE51A229-1D1C-4A6F-AB90-E177D9FF5638}" srcOrd="0" destOrd="0" parTransId="{A504EDBC-EB02-4406-B3C2-FF847ACFAB41}" sibTransId="{E8FE0C9C-68D4-4441-A46A-89AEE9E09116}"/>
+    <dgm:cxn modelId="{3EA1BDF9-196B-4338-959A-1771D4FA7F51}" type="presOf" srcId="{DDCFA4CF-CB34-4461-BF68-A6E109616A0E}" destId="{3D3D0051-3F10-445E-9BBB-7EAF92EDA706}" srcOrd="0" destOrd="0" presId="urn:microsoft.com/office/officeart/2009/3/layout/HorizontalOrganizationChart"/>
     <dgm:cxn modelId="{0CC669FE-97A7-4BF5-865E-0478346F01D1}" type="presOf" srcId="{A00B03C0-8B6F-4A38-8304-EE63638E39F0}" destId="{50C6C9DE-2467-43DA-B215-3254E4507CAA}" srcOrd="0" destOrd="0" presId="urn:microsoft.com/office/officeart/2009/3/layout/HorizontalOrganizationChart"/>
-    <dgm:cxn modelId="{26084E46-5324-443F-9AA1-9C51CC2E84C6}" type="presOf" srcId="{3DDA16D2-21F8-47F5-A677-027B09A0DCAA}" destId="{CBE0C06E-4963-4904-BBE9-F9D45A28B254}" srcOrd="1" destOrd="0" presId="urn:microsoft.com/office/officeart/2009/3/layout/HorizontalOrganizationChart"/>
-    <dgm:cxn modelId="{44152723-EBEB-4656-BF1B-7087F2C99C12}" type="presOf" srcId="{1D0C1A18-525A-4402-A32B-7193F2A8471B}" destId="{567FCC46-C3DF-4251-BE5E-39C5F62A348C}" srcOrd="0" destOrd="0" presId="urn:microsoft.com/office/officeart/2009/3/layout/HorizontalOrganizationChart"/>
-    <dgm:cxn modelId="{A2378DE5-8398-4977-BB44-026FFB612B10}" type="presOf" srcId="{C013AF15-BE5E-4351-9FCC-BC353D4E1563}" destId="{FE3655A2-A77C-4FEA-A8D0-8272D776720E}" srcOrd="0" destOrd="0" presId="urn:microsoft.com/office/officeart/2009/3/layout/HorizontalOrganizationChart"/>
-    <dgm:cxn modelId="{86B87D8A-7618-4A6E-8215-9F9E410FEB3C}" srcId="{194B450F-9E85-4BFF-B53A-025ECE8CA2B3}" destId="{3DDA16D2-21F8-47F5-A677-027B09A0DCAA}" srcOrd="2" destOrd="0" parTransId="{C013AF15-BE5E-4351-9FCC-BC353D4E1563}" sibTransId="{14774648-2FE7-4094-8DBC-B9DC23148B58}"/>
-    <dgm:cxn modelId="{F33F0453-D6F7-4126-A22A-C5F0A08FD289}" type="presOf" srcId="{B7BB566D-4912-41B1-B776-F30DE0B49829}" destId="{5E2A4BF6-1C17-4440-8F1D-9DDBE8FD40EB}" srcOrd="0" destOrd="0" presId="urn:microsoft.com/office/officeart/2009/3/layout/HorizontalOrganizationChart"/>
-    <dgm:cxn modelId="{C130B86E-7832-4044-85F5-0AAAED6A05DC}" type="presOf" srcId="{2513C4D0-6C86-45C4-8BBD-2DB38E3AC370}" destId="{63227DB9-CCD9-47FC-87C1-48A8A593DD3D}" srcOrd="0" destOrd="0" presId="urn:microsoft.com/office/officeart/2009/3/layout/HorizontalOrganizationChart"/>
-    <dgm:cxn modelId="{21C5914E-B084-4E1A-8286-FA3BFDD11525}" type="presOf" srcId="{B92FE964-20D3-4760-9A5D-FC70065444B3}" destId="{3B5520CA-5F04-4318-B8CF-392D127E0565}" srcOrd="0" destOrd="0" presId="urn:microsoft.com/office/officeart/2009/3/layout/HorizontalOrganizationChart"/>
-    <dgm:cxn modelId="{8139BDDC-86AE-4421-BFDD-19D790AC7882}" srcId="{FE51A229-1D1C-4A6F-AB90-E177D9FF5638}" destId="{A00B03C0-8B6F-4A38-8304-EE63638E39F0}" srcOrd="1" destOrd="0" parTransId="{1D0C1A18-525A-4402-A32B-7193F2A8471B}" sibTransId="{FFFC4A27-D24C-411F-899C-7C296EF4B286}"/>
+    <dgm:cxn modelId="{6B377BFF-21F7-4E69-9760-16B227F85F05}" type="presOf" srcId="{458EA245-C2FB-44D5-8605-4CCDDB40A6CC}" destId="{236E74BF-DAB1-48C0-8EBC-B0423E7C1D61}" srcOrd="1" destOrd="0" presId="urn:microsoft.com/office/officeart/2009/3/layout/HorizontalOrganizationChart"/>
     <dgm:cxn modelId="{E19F6ACC-E717-4063-A3F8-D1EC869C1E5B}" type="presParOf" srcId="{1F642486-6A25-4C23-92A3-61A7126A890E}" destId="{93AEEB7A-FD22-4C7D-9EEE-0928D9CB0647}" srcOrd="0" destOrd="0" presId="urn:microsoft.com/office/officeart/2009/3/layout/HorizontalOrganizationChart"/>
     <dgm:cxn modelId="{6F0CDF8C-0C82-4A3E-9F2F-61A6F3047D2F}" type="presParOf" srcId="{93AEEB7A-FD22-4C7D-9EEE-0928D9CB0647}" destId="{8349182F-161D-44CA-8ED3-315E2CD2C015}" srcOrd="0" destOrd="0" presId="urn:microsoft.com/office/officeart/2009/3/layout/HorizontalOrganizationChart"/>
     <dgm:cxn modelId="{E69C996A-46C8-444D-B429-23C64B28B592}" type="presParOf" srcId="{8349182F-161D-44CA-8ED3-315E2CD2C015}" destId="{AF082B63-47A3-42A2-A216-33822EEB62AD}" srcOrd="0" destOrd="0" presId="urn:microsoft.com/office/officeart/2009/3/layout/HorizontalOrganizationChart"/>
@@ -3970,13 +3806,6 @@
         </dgm:presLayoutVars>
       </dgm:prSet>
       <dgm:spPr/>
-      <dgm:t>
-        <a:bodyPr/>
-        <a:lstStyle/>
-        <a:p>
-          <a:endParaRPr lang="de-DE"/>
-        </a:p>
-      </dgm:t>
     </dgm:pt>
     <dgm:pt modelId="{2720313A-E07F-4CB6-B34D-06B5CC3864BC}" type="pres">
       <dgm:prSet presAssocID="{C4F52539-3F49-447D-82E7-008C14CF9E86}" presName="boxAndChildren" presStyleCnt="0"/>
@@ -3985,24 +3814,10 @@
     <dgm:pt modelId="{270188F5-49CC-4821-9041-34995F378EC9}" type="pres">
       <dgm:prSet presAssocID="{C4F52539-3F49-447D-82E7-008C14CF9E86}" presName="parentTextBox" presStyleLbl="node1" presStyleIdx="0" presStyleCnt="4"/>
       <dgm:spPr/>
-      <dgm:t>
-        <a:bodyPr/>
-        <a:lstStyle/>
-        <a:p>
-          <a:endParaRPr lang="de-DE"/>
-        </a:p>
-      </dgm:t>
     </dgm:pt>
     <dgm:pt modelId="{962C3BC1-A858-4B31-9ECD-A990EE8FACDA}" type="pres">
       <dgm:prSet presAssocID="{C4F52539-3F49-447D-82E7-008C14CF9E86}" presName="entireBox" presStyleLbl="node1" presStyleIdx="0" presStyleCnt="4"/>
       <dgm:spPr/>
-      <dgm:t>
-        <a:bodyPr/>
-        <a:lstStyle/>
-        <a:p>
-          <a:endParaRPr lang="de-DE"/>
-        </a:p>
-      </dgm:t>
     </dgm:pt>
     <dgm:pt modelId="{B1A18F50-3CF6-48F3-BBA5-42E3480C3205}" type="pres">
       <dgm:prSet presAssocID="{C4F52539-3F49-447D-82E7-008C14CF9E86}" presName="descendantBox" presStyleCnt="0"/>
@@ -4015,13 +3830,6 @@
         </dgm:presLayoutVars>
       </dgm:prSet>
       <dgm:spPr/>
-      <dgm:t>
-        <a:bodyPr/>
-        <a:lstStyle/>
-        <a:p>
-          <a:endParaRPr lang="de-DE"/>
-        </a:p>
-      </dgm:t>
     </dgm:pt>
     <dgm:pt modelId="{C27EDC31-4C78-4999-85AA-2F5C8ED0AAD6}" type="pres">
       <dgm:prSet presAssocID="{F37C637A-31EA-4BFE-967A-9B0773AA35AE}" presName="childTextBox" presStyleLbl="fgAccFollowNode1" presStyleIdx="1" presStyleCnt="9">
@@ -4030,13 +3838,6 @@
         </dgm:presLayoutVars>
       </dgm:prSet>
       <dgm:spPr/>
-      <dgm:t>
-        <a:bodyPr/>
-        <a:lstStyle/>
-        <a:p>
-          <a:endParaRPr lang="de-DE"/>
-        </a:p>
-      </dgm:t>
     </dgm:pt>
     <dgm:pt modelId="{40490CED-0F7E-4328-9B62-2E427E320F18}" type="pres">
       <dgm:prSet presAssocID="{F9526517-DE28-44B7-AFDB-29E4120F5F42}" presName="sp" presStyleCnt="0"/>
@@ -4049,24 +3850,10 @@
     <dgm:pt modelId="{FB92F274-7833-4AEC-9B95-8B39344F2776}" type="pres">
       <dgm:prSet presAssocID="{D4FBC62B-1E98-47D9-BB51-00216C5660E9}" presName="parentTextArrow" presStyleLbl="node1" presStyleIdx="0" presStyleCnt="4"/>
       <dgm:spPr/>
-      <dgm:t>
-        <a:bodyPr/>
-        <a:lstStyle/>
-        <a:p>
-          <a:endParaRPr lang="de-DE"/>
-        </a:p>
-      </dgm:t>
     </dgm:pt>
     <dgm:pt modelId="{465EA1D7-D925-481E-AA9D-89E721E6002A}" type="pres">
       <dgm:prSet presAssocID="{D4FBC62B-1E98-47D9-BB51-00216C5660E9}" presName="arrow" presStyleLbl="node1" presStyleIdx="1" presStyleCnt="4"/>
       <dgm:spPr/>
-      <dgm:t>
-        <a:bodyPr/>
-        <a:lstStyle/>
-        <a:p>
-          <a:endParaRPr lang="de-DE"/>
-        </a:p>
-      </dgm:t>
     </dgm:pt>
     <dgm:pt modelId="{7019FA33-6E7D-4FF9-8917-8F813A09AC7A}" type="pres">
       <dgm:prSet presAssocID="{D4FBC62B-1E98-47D9-BB51-00216C5660E9}" presName="descendantArrow" presStyleCnt="0"/>
@@ -4079,13 +3866,6 @@
         </dgm:presLayoutVars>
       </dgm:prSet>
       <dgm:spPr/>
-      <dgm:t>
-        <a:bodyPr/>
-        <a:lstStyle/>
-        <a:p>
-          <a:endParaRPr lang="de-DE"/>
-        </a:p>
-      </dgm:t>
     </dgm:pt>
     <dgm:pt modelId="{7F9505D5-4784-45D4-9257-D070CAE177D5}" type="pres">
       <dgm:prSet presAssocID="{29F02603-EEBC-47D1-8E04-7D3A043383FC}" presName="childTextArrow" presStyleLbl="fgAccFollowNode1" presStyleIdx="3" presStyleCnt="9">
@@ -4094,13 +3874,6 @@
         </dgm:presLayoutVars>
       </dgm:prSet>
       <dgm:spPr/>
-      <dgm:t>
-        <a:bodyPr/>
-        <a:lstStyle/>
-        <a:p>
-          <a:endParaRPr lang="de-DE"/>
-        </a:p>
-      </dgm:t>
     </dgm:pt>
     <dgm:pt modelId="{CE95A3F3-5672-4515-800C-67E61B9AD468}" type="pres">
       <dgm:prSet presAssocID="{EFCB8FE4-CC12-4D5B-BC3E-D4685D704D43}" presName="sp" presStyleCnt="0"/>
@@ -4113,24 +3886,10 @@
     <dgm:pt modelId="{73EAFBB2-3A10-48D6-A9D0-48EC54C28D02}" type="pres">
       <dgm:prSet presAssocID="{7CF48137-AAA1-49F5-A0F9-ED5BFEB1C1FB}" presName="parentTextArrow" presStyleLbl="node1" presStyleIdx="1" presStyleCnt="4"/>
       <dgm:spPr/>
-      <dgm:t>
-        <a:bodyPr/>
-        <a:lstStyle/>
-        <a:p>
-          <a:endParaRPr lang="de-DE"/>
-        </a:p>
-      </dgm:t>
     </dgm:pt>
     <dgm:pt modelId="{0F8FB9DA-109D-470E-B5A0-594EA8FE74FD}" type="pres">
       <dgm:prSet presAssocID="{7CF48137-AAA1-49F5-A0F9-ED5BFEB1C1FB}" presName="arrow" presStyleLbl="node1" presStyleIdx="2" presStyleCnt="4"/>
       <dgm:spPr/>
-      <dgm:t>
-        <a:bodyPr/>
-        <a:lstStyle/>
-        <a:p>
-          <a:endParaRPr lang="de-DE"/>
-        </a:p>
-      </dgm:t>
     </dgm:pt>
     <dgm:pt modelId="{D90EE4E0-B6A1-4006-A219-E71EAF8AF730}" type="pres">
       <dgm:prSet presAssocID="{7CF48137-AAA1-49F5-A0F9-ED5BFEB1C1FB}" presName="descendantArrow" presStyleCnt="0"/>
@@ -4143,13 +3902,6 @@
         </dgm:presLayoutVars>
       </dgm:prSet>
       <dgm:spPr/>
-      <dgm:t>
-        <a:bodyPr/>
-        <a:lstStyle/>
-        <a:p>
-          <a:endParaRPr lang="de-DE"/>
-        </a:p>
-      </dgm:t>
     </dgm:pt>
     <dgm:pt modelId="{574AADEE-F935-48AD-B0DB-A1DFD8970F9C}" type="pres">
       <dgm:prSet presAssocID="{AB75C91E-AF81-4E7E-9ABB-BA3E0286CCEF}" presName="childTextArrow" presStyleLbl="fgAccFollowNode1" presStyleIdx="5" presStyleCnt="9">
@@ -4158,13 +3910,6 @@
         </dgm:presLayoutVars>
       </dgm:prSet>
       <dgm:spPr/>
-      <dgm:t>
-        <a:bodyPr/>
-        <a:lstStyle/>
-        <a:p>
-          <a:endParaRPr lang="de-DE"/>
-        </a:p>
-      </dgm:t>
     </dgm:pt>
     <dgm:pt modelId="{D8EBD60E-F5DA-411B-BF9C-91D839CE0C2A}" type="pres">
       <dgm:prSet presAssocID="{CFF6B796-966E-4439-9AD5-6AB156D6B04F}" presName="childTextArrow" presStyleLbl="fgAccFollowNode1" presStyleIdx="6" presStyleCnt="9">
@@ -4173,13 +3918,6 @@
         </dgm:presLayoutVars>
       </dgm:prSet>
       <dgm:spPr/>
-      <dgm:t>
-        <a:bodyPr/>
-        <a:lstStyle/>
-        <a:p>
-          <a:endParaRPr lang="de-DE"/>
-        </a:p>
-      </dgm:t>
     </dgm:pt>
     <dgm:pt modelId="{50413DC8-30C3-4D9E-9B7C-A2869A77E048}" type="pres">
       <dgm:prSet presAssocID="{370BAB6C-76C0-4587-BC25-7FEA251B03BF}" presName="sp" presStyleCnt="0"/>
@@ -4192,24 +3930,10 @@
     <dgm:pt modelId="{25E3D99D-7406-4B12-B299-31470982ACA7}" type="pres">
       <dgm:prSet presAssocID="{A10CB52F-6497-46C6-9C8F-9EB2EB372486}" presName="parentTextArrow" presStyleLbl="node1" presStyleIdx="2" presStyleCnt="4"/>
       <dgm:spPr/>
-      <dgm:t>
-        <a:bodyPr/>
-        <a:lstStyle/>
-        <a:p>
-          <a:endParaRPr lang="de-DE"/>
-        </a:p>
-      </dgm:t>
     </dgm:pt>
     <dgm:pt modelId="{AF37F22D-ADBD-45E5-9E20-AC3551CA4D07}" type="pres">
       <dgm:prSet presAssocID="{A10CB52F-6497-46C6-9C8F-9EB2EB372486}" presName="arrow" presStyleLbl="node1" presStyleIdx="3" presStyleCnt="4"/>
       <dgm:spPr/>
-      <dgm:t>
-        <a:bodyPr/>
-        <a:lstStyle/>
-        <a:p>
-          <a:endParaRPr lang="de-DE"/>
-        </a:p>
-      </dgm:t>
     </dgm:pt>
     <dgm:pt modelId="{87B4C68D-6B3D-4D18-9B6E-14904B34BB64}" type="pres">
       <dgm:prSet presAssocID="{A10CB52F-6497-46C6-9C8F-9EB2EB372486}" presName="descendantArrow" presStyleCnt="0"/>
@@ -4222,13 +3946,6 @@
         </dgm:presLayoutVars>
       </dgm:prSet>
       <dgm:spPr/>
-      <dgm:t>
-        <a:bodyPr/>
-        <a:lstStyle/>
-        <a:p>
-          <a:endParaRPr lang="de-DE"/>
-        </a:p>
-      </dgm:t>
     </dgm:pt>
     <dgm:pt modelId="{B722C404-8433-4AC2-94BD-BF739BFA3EA5}" type="pres">
       <dgm:prSet presAssocID="{24AC8DD2-11C7-4B64-8273-AFB53CF24DC5}" presName="childTextArrow" presStyleLbl="fgAccFollowNode1" presStyleIdx="8" presStyleCnt="9">
@@ -4237,47 +3954,40 @@
         </dgm:presLayoutVars>
       </dgm:prSet>
       <dgm:spPr/>
-      <dgm:t>
-        <a:bodyPr/>
-        <a:lstStyle/>
-        <a:p>
-          <a:endParaRPr lang="de-DE"/>
-        </a:p>
-      </dgm:t>
     </dgm:pt>
   </dgm:ptLst>
   <dgm:cxnLst>
-    <dgm:cxn modelId="{CFA530F9-756F-445D-AED8-5306AD5C0BCE}" type="presOf" srcId="{D4FBC62B-1E98-47D9-BB51-00216C5660E9}" destId="{FB92F274-7833-4AEC-9B95-8B39344F2776}" srcOrd="0" destOrd="0" presId="urn:microsoft.com/office/officeart/2005/8/layout/process4"/>
+    <dgm:cxn modelId="{15BDA502-D5F9-44DE-810F-6DD071C955D8}" type="presOf" srcId="{B4938D18-CAD9-4A95-AFD6-984FEFCA4F6E}" destId="{91A421DD-D6FB-4186-9932-A963FD383C59}" srcOrd="0" destOrd="0" presId="urn:microsoft.com/office/officeart/2005/8/layout/process4"/>
+    <dgm:cxn modelId="{9313E517-4F09-497B-86EA-2D4BAA09D8A7}" type="presOf" srcId="{7CF48137-AAA1-49F5-A0F9-ED5BFEB1C1FB}" destId="{73EAFBB2-3A10-48D6-A9D0-48EC54C28D02}" srcOrd="0" destOrd="0" presId="urn:microsoft.com/office/officeart/2005/8/layout/process4"/>
+    <dgm:cxn modelId="{224D5D19-8322-4A4D-A501-5DC86D323B82}" type="presOf" srcId="{3AA03AA2-F841-466F-B024-4B622C6B19E3}" destId="{DC5549BA-5DD5-4013-A555-2B3C56B1F11C}" srcOrd="0" destOrd="0" presId="urn:microsoft.com/office/officeart/2005/8/layout/process4"/>
+    <dgm:cxn modelId="{6FB63E34-710E-4084-8F02-98938AA1539D}" type="presOf" srcId="{24AC8DD2-11C7-4B64-8273-AFB53CF24DC5}" destId="{B722C404-8433-4AC2-94BD-BF739BFA3EA5}" srcOrd="0" destOrd="0" presId="urn:microsoft.com/office/officeart/2005/8/layout/process4"/>
+    <dgm:cxn modelId="{D0956764-7E98-4BAA-99BE-A8BFE00F1EAC}" type="presOf" srcId="{C4F52539-3F49-447D-82E7-008C14CF9E86}" destId="{270188F5-49CC-4821-9041-34995F378EC9}" srcOrd="0" destOrd="0" presId="urn:microsoft.com/office/officeart/2005/8/layout/process4"/>
+    <dgm:cxn modelId="{AEC64266-4E6F-41DC-B50E-EAE114936FBF}" srcId="{7CF48137-AAA1-49F5-A0F9-ED5BFEB1C1FB}" destId="{AB75C91E-AF81-4E7E-9ABB-BA3E0286CCEF}" srcOrd="1" destOrd="0" parTransId="{26CC48A8-FF27-4450-997D-3B2FA7A08F8D}" sibTransId="{0A18570B-4DC2-4B95-B48F-30918EE1E2ED}"/>
     <dgm:cxn modelId="{57735E6A-2878-4A43-AB44-25A08024C03F}" srcId="{14ED2829-E6B9-413B-8ADB-C4946D598BF4}" destId="{C4F52539-3F49-447D-82E7-008C14CF9E86}" srcOrd="3" destOrd="0" parTransId="{04A6C087-FF21-44B0-A4C5-76590AF82853}" sibTransId="{D1A546F3-491E-4B09-BEE8-E4D23B0AB8AA}"/>
-    <dgm:cxn modelId="{D0956764-7E98-4BAA-99BE-A8BFE00F1EAC}" type="presOf" srcId="{C4F52539-3F49-447D-82E7-008C14CF9E86}" destId="{270188F5-49CC-4821-9041-34995F378EC9}" srcOrd="0" destOrd="0" presId="urn:microsoft.com/office/officeart/2005/8/layout/process4"/>
-    <dgm:cxn modelId="{BF6D17B4-5EAC-4892-822F-5770BEA6F862}" type="presOf" srcId="{A10CB52F-6497-46C6-9C8F-9EB2EB372486}" destId="{25E3D99D-7406-4B12-B299-31470982ACA7}" srcOrd="0" destOrd="0" presId="urn:microsoft.com/office/officeart/2005/8/layout/process4"/>
-    <dgm:cxn modelId="{AEC64266-4E6F-41DC-B50E-EAE114936FBF}" srcId="{7CF48137-AAA1-49F5-A0F9-ED5BFEB1C1FB}" destId="{AB75C91E-AF81-4E7E-9ABB-BA3E0286CCEF}" srcOrd="1" destOrd="0" parTransId="{26CC48A8-FF27-4450-997D-3B2FA7A08F8D}" sibTransId="{0A18570B-4DC2-4B95-B48F-30918EE1E2ED}"/>
-    <dgm:cxn modelId="{9313E517-4F09-497B-86EA-2D4BAA09D8A7}" type="presOf" srcId="{7CF48137-AAA1-49F5-A0F9-ED5BFEB1C1FB}" destId="{73EAFBB2-3A10-48D6-A9D0-48EC54C28D02}" srcOrd="0" destOrd="0" presId="urn:microsoft.com/office/officeart/2005/8/layout/process4"/>
+    <dgm:cxn modelId="{62A2D76C-0EC5-4837-A24F-EF9350D7AD6C}" type="presOf" srcId="{CFF6B796-966E-4439-9AD5-6AB156D6B04F}" destId="{D8EBD60E-F5DA-411B-BF9C-91D839CE0C2A}" srcOrd="0" destOrd="0" presId="urn:microsoft.com/office/officeart/2005/8/layout/process4"/>
     <dgm:cxn modelId="{D96DFA72-4ECA-45A3-AF38-964C48B4654B}" srcId="{D4FBC62B-1E98-47D9-BB51-00216C5660E9}" destId="{B4938D18-CAD9-4A95-AFD6-984FEFCA4F6E}" srcOrd="0" destOrd="0" parTransId="{6051913E-C1D7-49CA-A8DD-A0ED4B7508BB}" sibTransId="{A2BC054C-DBDC-4E9D-AB2A-4D358F7E7108}"/>
-    <dgm:cxn modelId="{39901F9B-6810-458E-9FD6-D7D77E6459D0}" type="presOf" srcId="{7CF48137-AAA1-49F5-A0F9-ED5BFEB1C1FB}" destId="{0F8FB9DA-109D-470E-B5A0-594EA8FE74FD}" srcOrd="1" destOrd="0" presId="urn:microsoft.com/office/officeart/2005/8/layout/process4"/>
-    <dgm:cxn modelId="{8F0258C1-4AE7-4EC6-AC21-8005524AAA50}" type="presOf" srcId="{D4FBC62B-1E98-47D9-BB51-00216C5660E9}" destId="{465EA1D7-D925-481E-AA9D-89E721E6002A}" srcOrd="1" destOrd="0" presId="urn:microsoft.com/office/officeart/2005/8/layout/process4"/>
-    <dgm:cxn modelId="{4037FFA9-964B-4772-AC7B-D2624D276995}" srcId="{C4F52539-3F49-447D-82E7-008C14CF9E86}" destId="{C92CD00C-EFC2-4B43-AB2B-7EACEC3F26F6}" srcOrd="0" destOrd="0" parTransId="{9855761D-7B7C-458C-A10C-7E62AC687BDE}" sibTransId="{53BF2953-E0C5-4F6D-9EAE-F91CA0FE8B53}"/>
-    <dgm:cxn modelId="{3FBC87A5-4B32-450E-9AA5-EA29305B2112}" type="presOf" srcId="{A10CB52F-6497-46C6-9C8F-9EB2EB372486}" destId="{AF37F22D-ADBD-45E5-9E20-AC3551CA4D07}" srcOrd="1" destOrd="0" presId="urn:microsoft.com/office/officeart/2005/8/layout/process4"/>
-    <dgm:cxn modelId="{224D5D19-8322-4A4D-A501-5DC86D323B82}" type="presOf" srcId="{3AA03AA2-F841-466F-B024-4B622C6B19E3}" destId="{DC5549BA-5DD5-4013-A555-2B3C56B1F11C}" srcOrd="0" destOrd="0" presId="urn:microsoft.com/office/officeart/2005/8/layout/process4"/>
-    <dgm:cxn modelId="{8519FFC9-5309-4F51-A491-A88C92BC553A}" type="presOf" srcId="{14ED2829-E6B9-413B-8ADB-C4946D598BF4}" destId="{DF43BF0F-6068-4E3D-89F5-3EE311D2A6F1}" srcOrd="0" destOrd="0" presId="urn:microsoft.com/office/officeart/2005/8/layout/process4"/>
-    <dgm:cxn modelId="{6FB63E34-710E-4084-8F02-98938AA1539D}" type="presOf" srcId="{24AC8DD2-11C7-4B64-8273-AFB53CF24DC5}" destId="{B722C404-8433-4AC2-94BD-BF739BFA3EA5}" srcOrd="0" destOrd="0" presId="urn:microsoft.com/office/officeart/2005/8/layout/process4"/>
-    <dgm:cxn modelId="{87CA5289-6B61-448C-A8BA-AC00C89D6E28}" srcId="{7CF48137-AAA1-49F5-A0F9-ED5BFEB1C1FB}" destId="{3AA03AA2-F841-466F-B024-4B622C6B19E3}" srcOrd="0" destOrd="0" parTransId="{CA902DD8-4EBA-4DE5-B03F-F3264C0B5604}" sibTransId="{0E4D4BB2-16B0-434A-8018-1855DA4197A0}"/>
-    <dgm:cxn modelId="{15BDA502-D5F9-44DE-810F-6DD071C955D8}" type="presOf" srcId="{B4938D18-CAD9-4A95-AFD6-984FEFCA4F6E}" destId="{91A421DD-D6FB-4186-9932-A963FD383C59}" srcOrd="0" destOrd="0" presId="urn:microsoft.com/office/officeart/2005/8/layout/process4"/>
-    <dgm:cxn modelId="{B0FCD1A0-4EDA-44BC-84F6-5D8983624100}" srcId="{D4FBC62B-1E98-47D9-BB51-00216C5660E9}" destId="{29F02603-EEBC-47D1-8E04-7D3A043383FC}" srcOrd="1" destOrd="0" parTransId="{3051F7F1-3F24-4264-B0C5-914D6905C927}" sibTransId="{3862691D-1109-4F9C-A1A0-65CA8038EC30}"/>
-    <dgm:cxn modelId="{9C4012C8-FC26-4581-965B-05090A78EBEF}" type="presOf" srcId="{F37C637A-31EA-4BFE-967A-9B0773AA35AE}" destId="{C27EDC31-4C78-4999-85AA-2F5C8ED0AAD6}" srcOrd="0" destOrd="0" presId="urn:microsoft.com/office/officeart/2005/8/layout/process4"/>
-    <dgm:cxn modelId="{D5B4E1E2-8123-4CBD-AF61-7648C06ECF36}" type="presOf" srcId="{C4F52539-3F49-447D-82E7-008C14CF9E86}" destId="{962C3BC1-A858-4B31-9ECD-A990EE8FACDA}" srcOrd="1" destOrd="0" presId="urn:microsoft.com/office/officeart/2005/8/layout/process4"/>
-    <dgm:cxn modelId="{66F87888-F627-4760-9CAC-923743A291E2}" srcId="{A10CB52F-6497-46C6-9C8F-9EB2EB372486}" destId="{24AC8DD2-11C7-4B64-8273-AFB53CF24DC5}" srcOrd="1" destOrd="0" parTransId="{1B113E6F-489F-4329-9F2B-08DD4FAC45DF}" sibTransId="{4EB28EB2-7B46-45BC-80D6-7F72671C6B21}"/>
-    <dgm:cxn modelId="{76B512B2-3660-4CBB-A936-AAD949C68AEA}" type="presOf" srcId="{29F02603-EEBC-47D1-8E04-7D3A043383FC}" destId="{7F9505D5-4784-45D4-9257-D070CAE177D5}" srcOrd="0" destOrd="0" presId="urn:microsoft.com/office/officeart/2005/8/layout/process4"/>
-    <dgm:cxn modelId="{3D73837C-D3BF-4CC2-AE71-A2874DCF8FB9}" srcId="{14ED2829-E6B9-413B-8ADB-C4946D598BF4}" destId="{D4FBC62B-1E98-47D9-BB51-00216C5660E9}" srcOrd="2" destOrd="0" parTransId="{3191980E-43E5-4F8C-BC4F-E41B20ACA15A}" sibTransId="{F9526517-DE28-44B7-AFDB-29E4120F5F42}"/>
-    <dgm:cxn modelId="{AC3C00A5-E57C-43B5-86B2-7C6BBB6AB76E}" type="presOf" srcId="{C92CD00C-EFC2-4B43-AB2B-7EACEC3F26F6}" destId="{4A07A16E-E278-4A43-81D9-9F55CCFF3575}" srcOrd="0" destOrd="0" presId="urn:microsoft.com/office/officeart/2005/8/layout/process4"/>
-    <dgm:cxn modelId="{0A00D1BA-86C0-41C5-AF98-8F8603D49C7D}" srcId="{7CF48137-AAA1-49F5-A0F9-ED5BFEB1C1FB}" destId="{CFF6B796-966E-4439-9AD5-6AB156D6B04F}" srcOrd="2" destOrd="0" parTransId="{C91523CD-4DC9-490C-9EA3-DC45F6099920}" sibTransId="{745FA1E5-FD74-4FF0-8240-11F01603D0C1}"/>
+    <dgm:cxn modelId="{1730C474-91BD-48A8-8D47-21884F3E4C19}" srcId="{14ED2829-E6B9-413B-8ADB-C4946D598BF4}" destId="{A10CB52F-6497-46C6-9C8F-9EB2EB372486}" srcOrd="0" destOrd="0" parTransId="{83EED14C-AD62-4B9B-A642-0E489F54D2A4}" sibTransId="{370BAB6C-76C0-4587-BC25-7FEA251B03BF}"/>
     <dgm:cxn modelId="{22D6F554-BBCC-48B9-81FA-1BBFC789103C}" srcId="{A10CB52F-6497-46C6-9C8F-9EB2EB372486}" destId="{EB1EC0A4-5404-47B1-80A9-9D2D43BCBFAC}" srcOrd="0" destOrd="0" parTransId="{0F6E03D8-181B-4187-8765-343A9BB7ABBB}" sibTransId="{9EA335A6-C70C-4A43-BAE0-CBBFB0EC0151}"/>
     <dgm:cxn modelId="{C91D5176-5EDB-4932-9FE6-F2E542B79114}" type="presOf" srcId="{EB1EC0A4-5404-47B1-80A9-9D2D43BCBFAC}" destId="{A13A63DF-9DC8-41F9-A779-684208010E7F}" srcOrd="0" destOrd="0" presId="urn:microsoft.com/office/officeart/2005/8/layout/process4"/>
-    <dgm:cxn modelId="{1730C474-91BD-48A8-8D47-21884F3E4C19}" srcId="{14ED2829-E6B9-413B-8ADB-C4946D598BF4}" destId="{A10CB52F-6497-46C6-9C8F-9EB2EB372486}" srcOrd="0" destOrd="0" parTransId="{83EED14C-AD62-4B9B-A642-0E489F54D2A4}" sibTransId="{370BAB6C-76C0-4587-BC25-7FEA251B03BF}"/>
+    <dgm:cxn modelId="{3D73837C-D3BF-4CC2-AE71-A2874DCF8FB9}" srcId="{14ED2829-E6B9-413B-8ADB-C4946D598BF4}" destId="{D4FBC62B-1E98-47D9-BB51-00216C5660E9}" srcOrd="2" destOrd="0" parTransId="{3191980E-43E5-4F8C-BC4F-E41B20ACA15A}" sibTransId="{F9526517-DE28-44B7-AFDB-29E4120F5F42}"/>
+    <dgm:cxn modelId="{66F87888-F627-4760-9CAC-923743A291E2}" srcId="{A10CB52F-6497-46C6-9C8F-9EB2EB372486}" destId="{24AC8DD2-11C7-4B64-8273-AFB53CF24DC5}" srcOrd="1" destOrd="0" parTransId="{1B113E6F-489F-4329-9F2B-08DD4FAC45DF}" sibTransId="{4EB28EB2-7B46-45BC-80D6-7F72671C6B21}"/>
+    <dgm:cxn modelId="{87CA5289-6B61-448C-A8BA-AC00C89D6E28}" srcId="{7CF48137-AAA1-49F5-A0F9-ED5BFEB1C1FB}" destId="{3AA03AA2-F841-466F-B024-4B622C6B19E3}" srcOrd="0" destOrd="0" parTransId="{CA902DD8-4EBA-4DE5-B03F-F3264C0B5604}" sibTransId="{0E4D4BB2-16B0-434A-8018-1855DA4197A0}"/>
+    <dgm:cxn modelId="{39901F9B-6810-458E-9FD6-D7D77E6459D0}" type="presOf" srcId="{7CF48137-AAA1-49F5-A0F9-ED5BFEB1C1FB}" destId="{0F8FB9DA-109D-470E-B5A0-594EA8FE74FD}" srcOrd="1" destOrd="0" presId="urn:microsoft.com/office/officeart/2005/8/layout/process4"/>
+    <dgm:cxn modelId="{B0FCD1A0-4EDA-44BC-84F6-5D8983624100}" srcId="{D4FBC62B-1E98-47D9-BB51-00216C5660E9}" destId="{29F02603-EEBC-47D1-8E04-7D3A043383FC}" srcOrd="1" destOrd="0" parTransId="{3051F7F1-3F24-4264-B0C5-914D6905C927}" sibTransId="{3862691D-1109-4F9C-A1A0-65CA8038EC30}"/>
+    <dgm:cxn modelId="{AC3C00A5-E57C-43B5-86B2-7C6BBB6AB76E}" type="presOf" srcId="{C92CD00C-EFC2-4B43-AB2B-7EACEC3F26F6}" destId="{4A07A16E-E278-4A43-81D9-9F55CCFF3575}" srcOrd="0" destOrd="0" presId="urn:microsoft.com/office/officeart/2005/8/layout/process4"/>
+    <dgm:cxn modelId="{3FBC87A5-4B32-450E-9AA5-EA29305B2112}" type="presOf" srcId="{A10CB52F-6497-46C6-9C8F-9EB2EB372486}" destId="{AF37F22D-ADBD-45E5-9E20-AC3551CA4D07}" srcOrd="1" destOrd="0" presId="urn:microsoft.com/office/officeart/2005/8/layout/process4"/>
+    <dgm:cxn modelId="{4037FFA9-964B-4772-AC7B-D2624D276995}" srcId="{C4F52539-3F49-447D-82E7-008C14CF9E86}" destId="{C92CD00C-EFC2-4B43-AB2B-7EACEC3F26F6}" srcOrd="0" destOrd="0" parTransId="{9855761D-7B7C-458C-A10C-7E62AC687BDE}" sibTransId="{53BF2953-E0C5-4F6D-9EAE-F91CA0FE8B53}"/>
+    <dgm:cxn modelId="{76B512B2-3660-4CBB-A936-AAD949C68AEA}" type="presOf" srcId="{29F02603-EEBC-47D1-8E04-7D3A043383FC}" destId="{7F9505D5-4784-45D4-9257-D070CAE177D5}" srcOrd="0" destOrd="0" presId="urn:microsoft.com/office/officeart/2005/8/layout/process4"/>
+    <dgm:cxn modelId="{BF6D17B4-5EAC-4892-822F-5770BEA6F862}" type="presOf" srcId="{A10CB52F-6497-46C6-9C8F-9EB2EB372486}" destId="{25E3D99D-7406-4B12-B299-31470982ACA7}" srcOrd="0" destOrd="0" presId="urn:microsoft.com/office/officeart/2005/8/layout/process4"/>
+    <dgm:cxn modelId="{0A00D1BA-86C0-41C5-AF98-8F8603D49C7D}" srcId="{7CF48137-AAA1-49F5-A0F9-ED5BFEB1C1FB}" destId="{CFF6B796-966E-4439-9AD5-6AB156D6B04F}" srcOrd="2" destOrd="0" parTransId="{C91523CD-4DC9-490C-9EA3-DC45F6099920}" sibTransId="{745FA1E5-FD74-4FF0-8240-11F01603D0C1}"/>
+    <dgm:cxn modelId="{8F0258C1-4AE7-4EC6-AC21-8005524AAA50}" type="presOf" srcId="{D4FBC62B-1E98-47D9-BB51-00216C5660E9}" destId="{465EA1D7-D925-481E-AA9D-89E721E6002A}" srcOrd="1" destOrd="0" presId="urn:microsoft.com/office/officeart/2005/8/layout/process4"/>
+    <dgm:cxn modelId="{9C4012C8-FC26-4581-965B-05090A78EBEF}" type="presOf" srcId="{F37C637A-31EA-4BFE-967A-9B0773AA35AE}" destId="{C27EDC31-4C78-4999-85AA-2F5C8ED0AAD6}" srcOrd="0" destOrd="0" presId="urn:microsoft.com/office/officeart/2005/8/layout/process4"/>
+    <dgm:cxn modelId="{E18163C9-08A7-45F6-9B2E-C34F8946479E}" srcId="{14ED2829-E6B9-413B-8ADB-C4946D598BF4}" destId="{7CF48137-AAA1-49F5-A0F9-ED5BFEB1C1FB}" srcOrd="1" destOrd="0" parTransId="{B464EA17-2775-46D8-B49E-21D687EF8CB5}" sibTransId="{EFCB8FE4-CC12-4D5B-BC3E-D4685D704D43}"/>
+    <dgm:cxn modelId="{8519FFC9-5309-4F51-A491-A88C92BC553A}" type="presOf" srcId="{14ED2829-E6B9-413B-8ADB-C4946D598BF4}" destId="{DF43BF0F-6068-4E3D-89F5-3EE311D2A6F1}" srcOrd="0" destOrd="0" presId="urn:microsoft.com/office/officeart/2005/8/layout/process4"/>
+    <dgm:cxn modelId="{1E0CE3E1-2B23-4793-A48D-AD5D5B710FDA}" srcId="{C4F52539-3F49-447D-82E7-008C14CF9E86}" destId="{F37C637A-31EA-4BFE-967A-9B0773AA35AE}" srcOrd="1" destOrd="0" parTransId="{AD901D57-8CD2-4574-B4D9-B11993C0562D}" sibTransId="{32FF722B-2306-457F-B17F-0164A8F8DC36}"/>
+    <dgm:cxn modelId="{D5B4E1E2-8123-4CBD-AF61-7648C06ECF36}" type="presOf" srcId="{C4F52539-3F49-447D-82E7-008C14CF9E86}" destId="{962C3BC1-A858-4B31-9ECD-A990EE8FACDA}" srcOrd="1" destOrd="0" presId="urn:microsoft.com/office/officeart/2005/8/layout/process4"/>
     <dgm:cxn modelId="{8F9618F0-0AA7-4B34-89F3-D0B80CA5AC62}" type="presOf" srcId="{AB75C91E-AF81-4E7E-9ABB-BA3E0286CCEF}" destId="{574AADEE-F935-48AD-B0DB-A1DFD8970F9C}" srcOrd="0" destOrd="0" presId="urn:microsoft.com/office/officeart/2005/8/layout/process4"/>
-    <dgm:cxn modelId="{E18163C9-08A7-45F6-9B2E-C34F8946479E}" srcId="{14ED2829-E6B9-413B-8ADB-C4946D598BF4}" destId="{7CF48137-AAA1-49F5-A0F9-ED5BFEB1C1FB}" srcOrd="1" destOrd="0" parTransId="{B464EA17-2775-46D8-B49E-21D687EF8CB5}" sibTransId="{EFCB8FE4-CC12-4D5B-BC3E-D4685D704D43}"/>
-    <dgm:cxn modelId="{1E0CE3E1-2B23-4793-A48D-AD5D5B710FDA}" srcId="{C4F52539-3F49-447D-82E7-008C14CF9E86}" destId="{F37C637A-31EA-4BFE-967A-9B0773AA35AE}" srcOrd="1" destOrd="0" parTransId="{AD901D57-8CD2-4574-B4D9-B11993C0562D}" sibTransId="{32FF722B-2306-457F-B17F-0164A8F8DC36}"/>
-    <dgm:cxn modelId="{62A2D76C-0EC5-4837-A24F-EF9350D7AD6C}" type="presOf" srcId="{CFF6B796-966E-4439-9AD5-6AB156D6B04F}" destId="{D8EBD60E-F5DA-411B-BF9C-91D839CE0C2A}" srcOrd="0" destOrd="0" presId="urn:microsoft.com/office/officeart/2005/8/layout/process4"/>
+    <dgm:cxn modelId="{CFA530F9-756F-445D-AED8-5306AD5C0BCE}" type="presOf" srcId="{D4FBC62B-1E98-47D9-BB51-00216C5660E9}" destId="{FB92F274-7833-4AEC-9B95-8B39344F2776}" srcOrd="0" destOrd="0" presId="urn:microsoft.com/office/officeart/2005/8/layout/process4"/>
     <dgm:cxn modelId="{0EC4906A-91AF-4316-939A-F0BEF919D960}" type="presParOf" srcId="{DF43BF0F-6068-4E3D-89F5-3EE311D2A6F1}" destId="{2720313A-E07F-4CB6-B34D-06B5CC3864BC}" srcOrd="0" destOrd="0" presId="urn:microsoft.com/office/officeart/2005/8/layout/process4"/>
     <dgm:cxn modelId="{3721834C-CC6D-439F-86F7-89ADE8A78268}" type="presParOf" srcId="{2720313A-E07F-4CB6-B34D-06B5CC3864BC}" destId="{270188F5-49CC-4821-9041-34995F378EC9}" srcOrd="0" destOrd="0" presId="urn:microsoft.com/office/officeart/2005/8/layout/process4"/>
     <dgm:cxn modelId="{BE198523-519F-4725-BEF9-DA293B3B1F6A}" type="presParOf" srcId="{2720313A-E07F-4CB6-B34D-06B5CC3864BC}" destId="{962C3BC1-A858-4B31-9ECD-A990EE8FACDA}" srcOrd="1" destOrd="0" presId="urn:microsoft.com/office/officeart/2005/8/layout/process4"/>
@@ -4454,13 +4164,6 @@
         </dgm:presLayoutVars>
       </dgm:prSet>
       <dgm:spPr/>
-      <dgm:t>
-        <a:bodyPr/>
-        <a:lstStyle/>
-        <a:p>
-          <a:endParaRPr lang="de-DE"/>
-        </a:p>
-      </dgm:t>
     </dgm:pt>
     <dgm:pt modelId="{AB39998E-0EF6-427D-AEC8-21396EF5E4F6}" type="pres">
       <dgm:prSet presAssocID="{DACC8F31-BC68-44A1-94EA-6E89C74AE713}" presName="parTxOnlySpace" presStyleCnt="0"/>
@@ -4475,13 +4178,6 @@
         </dgm:presLayoutVars>
       </dgm:prSet>
       <dgm:spPr/>
-      <dgm:t>
-        <a:bodyPr/>
-        <a:lstStyle/>
-        <a:p>
-          <a:endParaRPr lang="de-DE"/>
-        </a:p>
-      </dgm:t>
     </dgm:pt>
     <dgm:pt modelId="{5BFF22E0-6CBF-49E6-8EA1-0543140A2AFE}" type="pres">
       <dgm:prSet presAssocID="{9B82CD64-154C-4D52-AD0C-676622C4FF9A}" presName="parTxOnlySpace" presStyleCnt="0"/>
@@ -4496,23 +4192,16 @@
         </dgm:presLayoutVars>
       </dgm:prSet>
       <dgm:spPr/>
-      <dgm:t>
-        <a:bodyPr/>
-        <a:lstStyle/>
-        <a:p>
-          <a:endParaRPr lang="de-DE"/>
-        </a:p>
-      </dgm:t>
     </dgm:pt>
   </dgm:ptLst>
   <dgm:cxnLst>
+    <dgm:cxn modelId="{80D80E0A-B9C1-495A-8E01-420FF8DC81A8}" type="presOf" srcId="{6CA5FA71-637A-450F-8045-F1F402DC11B0}" destId="{5C469640-FE55-4F7F-B497-1B74F4E2C0F5}" srcOrd="0" destOrd="0" presId="urn:microsoft.com/office/officeart/2005/8/layout/chevron1"/>
+    <dgm:cxn modelId="{5D455C36-2A97-4C7D-BDFB-490EB43979FA}" type="presOf" srcId="{B12D6F0D-EDF0-4ED6-88BC-8C1A39EB909A}" destId="{D63463ED-A055-47CD-86CC-42B0566C8334}" srcOrd="0" destOrd="0" presId="urn:microsoft.com/office/officeart/2005/8/layout/chevron1"/>
+    <dgm:cxn modelId="{C004BC63-CBE6-402A-A1CC-BEEA7FD8E89B}" srcId="{18753D03-873F-4146-AD95-D1CB4B8D071D}" destId="{6CA5FA71-637A-450F-8045-F1F402DC11B0}" srcOrd="0" destOrd="0" parTransId="{CE92C5AD-CB25-4E55-A035-CEEEF44C5A21}" sibTransId="{DACC8F31-BC68-44A1-94EA-6E89C74AE713}"/>
     <dgm:cxn modelId="{15B3D88F-AADF-449E-95E0-9236E08B69F3}" type="presOf" srcId="{18753D03-873F-4146-AD95-D1CB4B8D071D}" destId="{3E6991CC-64FF-4E8B-B9D1-453C465915F8}" srcOrd="0" destOrd="0" presId="urn:microsoft.com/office/officeart/2005/8/layout/chevron1"/>
-    <dgm:cxn modelId="{C004BC63-CBE6-402A-A1CC-BEEA7FD8E89B}" srcId="{18753D03-873F-4146-AD95-D1CB4B8D071D}" destId="{6CA5FA71-637A-450F-8045-F1F402DC11B0}" srcOrd="0" destOrd="0" parTransId="{CE92C5AD-CB25-4E55-A035-CEEEF44C5A21}" sibTransId="{DACC8F31-BC68-44A1-94EA-6E89C74AE713}"/>
-    <dgm:cxn modelId="{5D455C36-2A97-4C7D-BDFB-490EB43979FA}" type="presOf" srcId="{B12D6F0D-EDF0-4ED6-88BC-8C1A39EB909A}" destId="{D63463ED-A055-47CD-86CC-42B0566C8334}" srcOrd="0" destOrd="0" presId="urn:microsoft.com/office/officeart/2005/8/layout/chevron1"/>
-    <dgm:cxn modelId="{80D80E0A-B9C1-495A-8E01-420FF8DC81A8}" type="presOf" srcId="{6CA5FA71-637A-450F-8045-F1F402DC11B0}" destId="{5C469640-FE55-4F7F-B497-1B74F4E2C0F5}" srcOrd="0" destOrd="0" presId="urn:microsoft.com/office/officeart/2005/8/layout/chevron1"/>
-    <dgm:cxn modelId="{F9638EE4-3DF1-4284-98E5-9F6BF387D7EC}" srcId="{18753D03-873F-4146-AD95-D1CB4B8D071D}" destId="{EC4681F8-CBDC-4364-AAC9-BB96998ED3D2}" srcOrd="1" destOrd="0" parTransId="{EFDB3AC7-E7E7-474D-9F15-A56DF2B213FF}" sibTransId="{9B82CD64-154C-4D52-AD0C-676622C4FF9A}"/>
     <dgm:cxn modelId="{6B669FC0-5E53-45DB-B40F-5F3DCEE07EBD}" type="presOf" srcId="{EC4681F8-CBDC-4364-AAC9-BB96998ED3D2}" destId="{11FFF8AB-45E7-45A5-96C5-D063E0015043}" srcOrd="0" destOrd="0" presId="urn:microsoft.com/office/officeart/2005/8/layout/chevron1"/>
     <dgm:cxn modelId="{42C30ACB-A0D9-413A-85DF-A80ADB95C423}" srcId="{18753D03-873F-4146-AD95-D1CB4B8D071D}" destId="{B12D6F0D-EDF0-4ED6-88BC-8C1A39EB909A}" srcOrd="2" destOrd="0" parTransId="{2FED6286-2E66-4782-AEB6-78D1936FFC14}" sibTransId="{E39411C9-BAA2-465F-A5A4-0A8CC096E02F}"/>
+    <dgm:cxn modelId="{F9638EE4-3DF1-4284-98E5-9F6BF387D7EC}" srcId="{18753D03-873F-4146-AD95-D1CB4B8D071D}" destId="{EC4681F8-CBDC-4364-AAC9-BB96998ED3D2}" srcOrd="1" destOrd="0" parTransId="{EFDB3AC7-E7E7-474D-9F15-A56DF2B213FF}" sibTransId="{9B82CD64-154C-4D52-AD0C-676622C4FF9A}"/>
     <dgm:cxn modelId="{4F7A2E7E-0EB1-43B5-9C89-3F23AC060BC7}" type="presParOf" srcId="{3E6991CC-64FF-4E8B-B9D1-453C465915F8}" destId="{5C469640-FE55-4F7F-B497-1B74F4E2C0F5}" srcOrd="0" destOrd="0" presId="urn:microsoft.com/office/officeart/2005/8/layout/chevron1"/>
     <dgm:cxn modelId="{64FB1A3D-264B-4225-AC6D-F9876C56A26E}" type="presParOf" srcId="{3E6991CC-64FF-4E8B-B9D1-453C465915F8}" destId="{AB39998E-0EF6-427D-AEC8-21396EF5E4F6}" srcOrd="1" destOrd="0" presId="urn:microsoft.com/office/officeart/2005/8/layout/chevron1"/>
     <dgm:cxn modelId="{5292A30D-98B0-43F1-A396-E80492F94F9D}" type="presParOf" srcId="{3E6991CC-64FF-4E8B-B9D1-453C465915F8}" destId="{11FFF8AB-45E7-45A5-96C5-D063E0015043}" srcOrd="2" destOrd="0" presId="urn:microsoft.com/office/officeart/2005/8/layout/chevron1"/>
@@ -5005,7 +4694,7 @@
         </a:bodyPr>
         <a:lstStyle/>
         <a:p>
-          <a:pPr lvl="0" algn="ctr" defTabSz="844550">
+          <a:pPr marL="0" lvl="0" indent="0" algn="ctr" defTabSz="844550">
             <a:lnSpc>
               <a:spcPct val="90000"/>
             </a:lnSpc>
@@ -5015,6 +4704,7 @@
             <a:spcAft>
               <a:spcPct val="35000"/>
             </a:spcAft>
+            <a:buNone/>
           </a:pPr>
           <a:r>
             <a:rPr lang="de-DE" sz="1900" kern="1200" dirty="0"/>
@@ -5081,7 +4771,7 @@
         </a:bodyPr>
         <a:lstStyle/>
         <a:p>
-          <a:pPr lvl="0" algn="ctr" defTabSz="844550">
+          <a:pPr marL="0" lvl="0" indent="0" algn="ctr" defTabSz="844550">
             <a:lnSpc>
               <a:spcPct val="90000"/>
             </a:lnSpc>
@@ -5091,6 +4781,7 @@
             <a:spcAft>
               <a:spcPct val="35000"/>
             </a:spcAft>
+            <a:buNone/>
           </a:pPr>
           <a:r>
             <a:rPr lang="de-DE" sz="1900" kern="1200" dirty="0"/>
@@ -5157,7 +4848,7 @@
         </a:bodyPr>
         <a:lstStyle/>
         <a:p>
-          <a:pPr lvl="0" algn="ctr" defTabSz="844550">
+          <a:pPr marL="0" lvl="0" indent="0" algn="ctr" defTabSz="844550">
             <a:lnSpc>
               <a:spcPct val="90000"/>
             </a:lnSpc>
@@ -5167,6 +4858,7 @@
             <a:spcAft>
               <a:spcPct val="35000"/>
             </a:spcAft>
+            <a:buNone/>
           </a:pPr>
           <a:r>
             <a:rPr lang="de-DE" sz="1900" kern="1200" dirty="0"/>
@@ -5233,7 +4925,7 @@
         </a:bodyPr>
         <a:lstStyle/>
         <a:p>
-          <a:pPr lvl="0" algn="ctr" defTabSz="844550">
+          <a:pPr marL="0" lvl="0" indent="0" algn="ctr" defTabSz="844550">
             <a:lnSpc>
               <a:spcPct val="90000"/>
             </a:lnSpc>
@@ -5243,6 +4935,7 @@
             <a:spcAft>
               <a:spcPct val="35000"/>
             </a:spcAft>
+            <a:buNone/>
           </a:pPr>
           <a:r>
             <a:rPr lang="de-DE" sz="1900" kern="1200" dirty="0"/>
@@ -5309,7 +5002,7 @@
         </a:bodyPr>
         <a:lstStyle/>
         <a:p>
-          <a:pPr lvl="0" algn="ctr" defTabSz="844550">
+          <a:pPr marL="0" lvl="0" indent="0" algn="ctr" defTabSz="844550">
             <a:lnSpc>
               <a:spcPct val="90000"/>
             </a:lnSpc>
@@ -5319,6 +5012,7 @@
             <a:spcAft>
               <a:spcPct val="35000"/>
             </a:spcAft>
+            <a:buNone/>
           </a:pPr>
           <a:r>
             <a:rPr lang="de-DE" sz="1900" kern="1200" dirty="0" err="1"/>
@@ -5386,7 +5080,7 @@
         </a:bodyPr>
         <a:lstStyle/>
         <a:p>
-          <a:pPr lvl="0" algn="ctr" defTabSz="844550">
+          <a:pPr marL="0" lvl="0" indent="0" algn="ctr" defTabSz="844550">
             <a:lnSpc>
               <a:spcPct val="90000"/>
             </a:lnSpc>
@@ -5396,6 +5090,7 @@
             <a:spcAft>
               <a:spcPct val="35000"/>
             </a:spcAft>
+            <a:buNone/>
           </a:pPr>
           <a:r>
             <a:rPr lang="de-DE" sz="1900" kern="1200" dirty="0" err="1"/>
@@ -5466,7 +5161,7 @@
         </a:bodyPr>
         <a:lstStyle/>
         <a:p>
-          <a:pPr lvl="0" algn="ctr" defTabSz="844550">
+          <a:pPr marL="0" lvl="0" indent="0" algn="ctr" defTabSz="844550">
             <a:lnSpc>
               <a:spcPct val="90000"/>
             </a:lnSpc>
@@ -5476,6 +5171,7 @@
             <a:spcAft>
               <a:spcPct val="35000"/>
             </a:spcAft>
+            <a:buNone/>
           </a:pPr>
           <a:r>
             <a:rPr lang="de-DE" sz="1900" kern="1200" dirty="0"/>
@@ -5542,7 +5238,7 @@
         </a:bodyPr>
         <a:lstStyle/>
         <a:p>
-          <a:pPr lvl="0" algn="ctr" defTabSz="844550">
+          <a:pPr marL="0" lvl="0" indent="0" algn="ctr" defTabSz="844550">
             <a:lnSpc>
               <a:spcPct val="90000"/>
             </a:lnSpc>
@@ -5552,6 +5248,7 @@
             <a:spcAft>
               <a:spcPct val="35000"/>
             </a:spcAft>
+            <a:buNone/>
           </a:pPr>
           <a:r>
             <a:rPr lang="de-DE" sz="1900" kern="1200" dirty="0"/>
@@ -5630,7 +5327,7 @@
         </a:bodyPr>
         <a:lstStyle/>
         <a:p>
-          <a:pPr lvl="0" algn="ctr" defTabSz="533400">
+          <a:pPr marL="0" lvl="0" indent="0" algn="ctr" defTabSz="533400">
             <a:lnSpc>
               <a:spcPct val="90000"/>
             </a:lnSpc>
@@ -5640,6 +5337,7 @@
             <a:spcAft>
               <a:spcPct val="35000"/>
             </a:spcAft>
+            <a:buNone/>
           </a:pPr>
           <a:r>
             <a:rPr lang="de-DE" sz="1200" kern="1200" dirty="0" err="1"/>
@@ -5712,7 +5410,7 @@
         </a:bodyPr>
         <a:lstStyle/>
         <a:p>
-          <a:pPr lvl="0" algn="ctr" defTabSz="355600">
+          <a:pPr marL="0" lvl="0" indent="0" algn="ctr" defTabSz="355600">
             <a:lnSpc>
               <a:spcPct val="90000"/>
             </a:lnSpc>
@@ -5723,7 +5421,7 @@
               <a:spcPct val="35000"/>
             </a:spcAft>
             <a:buFont typeface="Arial" panose="020B0604020202020204" pitchFamily="34" charset="0"/>
-            <a:buChar char="•"/>
+            <a:buNone/>
           </a:pPr>
           <a:r>
             <a:rPr lang="de-DE" sz="800" kern="1200" dirty="0"/>
@@ -5800,7 +5498,7 @@
         </a:bodyPr>
         <a:lstStyle/>
         <a:p>
-          <a:pPr lvl="0" algn="ctr" defTabSz="355600">
+          <a:pPr marL="0" lvl="0" indent="0" algn="ctr" defTabSz="355600">
             <a:lnSpc>
               <a:spcPct val="90000"/>
             </a:lnSpc>
@@ -5811,7 +5509,7 @@
               <a:spcPct val="35000"/>
             </a:spcAft>
             <a:buFont typeface="Arial" panose="020B0604020202020204" pitchFamily="34" charset="0"/>
-            <a:buChar char="•"/>
+            <a:buNone/>
           </a:pPr>
           <a:r>
             <a:rPr lang="de-DE" sz="800" kern="1200" dirty="0"/>
@@ -5886,7 +5584,7 @@
         </a:bodyPr>
         <a:lstStyle/>
         <a:p>
-          <a:pPr lvl="0" algn="ctr" defTabSz="533400">
+          <a:pPr marL="0" lvl="0" indent="0" algn="ctr" defTabSz="533400">
             <a:lnSpc>
               <a:spcPct val="90000"/>
             </a:lnSpc>
@@ -5896,6 +5594,7 @@
             <a:spcAft>
               <a:spcPct val="35000"/>
             </a:spcAft>
+            <a:buNone/>
           </a:pPr>
           <a:r>
             <a:rPr lang="de-DE" sz="1200" kern="1200" dirty="0"/>
@@ -5964,7 +5663,7 @@
         </a:bodyPr>
         <a:lstStyle/>
         <a:p>
-          <a:pPr lvl="0" algn="ctr" defTabSz="355600">
+          <a:pPr marL="0" lvl="0" indent="0" algn="ctr" defTabSz="355600">
             <a:lnSpc>
               <a:spcPct val="90000"/>
             </a:lnSpc>
@@ -5975,7 +5674,7 @@
               <a:spcPct val="35000"/>
             </a:spcAft>
             <a:buFont typeface="Arial" panose="020B0604020202020204" pitchFamily="34" charset="0"/>
-            <a:buChar char="•"/>
+            <a:buNone/>
           </a:pPr>
           <a:r>
             <a:rPr lang="de-DE" sz="800" kern="1200" dirty="0"/>
@@ -6044,7 +5743,7 @@
         </a:bodyPr>
         <a:lstStyle/>
         <a:p>
-          <a:pPr lvl="0" algn="ctr" defTabSz="355600">
+          <a:pPr marL="0" lvl="0" indent="0" algn="ctr" defTabSz="355600">
             <a:lnSpc>
               <a:spcPct val="90000"/>
             </a:lnSpc>
@@ -6055,7 +5754,7 @@
               <a:spcPct val="35000"/>
             </a:spcAft>
             <a:buFont typeface="Arial" panose="020B0604020202020204" pitchFamily="34" charset="0"/>
-            <a:buChar char="•"/>
+            <a:buNone/>
           </a:pPr>
           <a:r>
             <a:rPr lang="de-DE" sz="800" kern="1200" dirty="0"/>
@@ -6130,7 +5829,7 @@
         </a:bodyPr>
         <a:lstStyle/>
         <a:p>
-          <a:pPr lvl="0" algn="ctr" defTabSz="533400">
+          <a:pPr marL="0" lvl="0" indent="0" algn="ctr" defTabSz="533400">
             <a:lnSpc>
               <a:spcPct val="90000"/>
             </a:lnSpc>
@@ -6140,6 +5839,7 @@
             <a:spcAft>
               <a:spcPct val="35000"/>
             </a:spcAft>
+            <a:buNone/>
           </a:pPr>
           <a:r>
             <a:rPr lang="de-DE" sz="1200" kern="1200" dirty="0"/>
@@ -6208,7 +5908,7 @@
         </a:bodyPr>
         <a:lstStyle/>
         <a:p>
-          <a:pPr lvl="0" algn="ctr" defTabSz="355600">
+          <a:pPr marL="0" lvl="0" indent="0" algn="ctr" defTabSz="355600">
             <a:lnSpc>
               <a:spcPct val="90000"/>
             </a:lnSpc>
@@ -6219,7 +5919,7 @@
               <a:spcPct val="35000"/>
             </a:spcAft>
             <a:buFont typeface="Arial" panose="020B0604020202020204" pitchFamily="34" charset="0"/>
-            <a:buChar char="•"/>
+            <a:buNone/>
           </a:pPr>
           <a:r>
             <a:rPr lang="de-DE" sz="800" kern="1200" dirty="0" err="1"/>
@@ -6292,7 +5992,7 @@
         </a:bodyPr>
         <a:lstStyle/>
         <a:p>
-          <a:pPr lvl="0" algn="ctr" defTabSz="355600">
+          <a:pPr marL="0" lvl="0" indent="0" algn="ctr" defTabSz="355600">
             <a:lnSpc>
               <a:spcPct val="90000"/>
             </a:lnSpc>
@@ -6303,7 +6003,7 @@
               <a:spcPct val="35000"/>
             </a:spcAft>
             <a:buFont typeface="Arial" panose="020B0604020202020204" pitchFamily="34" charset="0"/>
-            <a:buChar char="•"/>
+            <a:buNone/>
           </a:pPr>
           <a:r>
             <a:rPr lang="de-DE" sz="800" kern="1200" dirty="0"/>
@@ -6372,7 +6072,7 @@
         </a:bodyPr>
         <a:lstStyle/>
         <a:p>
-          <a:pPr lvl="0" algn="ctr" defTabSz="355600">
+          <a:pPr marL="0" lvl="0" indent="0" algn="ctr" defTabSz="355600">
             <a:lnSpc>
               <a:spcPct val="90000"/>
             </a:lnSpc>
@@ -6383,7 +6083,7 @@
               <a:spcPct val="35000"/>
             </a:spcAft>
             <a:buFont typeface="Arial" panose="020B0604020202020204" pitchFamily="34" charset="0"/>
-            <a:buChar char="•"/>
+            <a:buNone/>
           </a:pPr>
           <a:r>
             <a:rPr lang="de-DE" sz="800" kern="1200" dirty="0"/>
@@ -6455,7 +6155,7 @@
         </a:bodyPr>
         <a:lstStyle/>
         <a:p>
-          <a:pPr lvl="0" algn="ctr" defTabSz="533400">
+          <a:pPr marL="0" lvl="0" indent="0" algn="ctr" defTabSz="533400">
             <a:lnSpc>
               <a:spcPct val="90000"/>
             </a:lnSpc>
@@ -6465,6 +6165,7 @@
             <a:spcAft>
               <a:spcPct val="35000"/>
             </a:spcAft>
+            <a:buNone/>
           </a:pPr>
           <a:r>
             <a:rPr lang="de-DE" sz="1200" kern="1200" dirty="0"/>
@@ -6533,7 +6234,7 @@
         </a:bodyPr>
         <a:lstStyle/>
         <a:p>
-          <a:pPr lvl="0" algn="ctr" defTabSz="355600">
+          <a:pPr marL="0" lvl="0" indent="0" algn="ctr" defTabSz="355600">
             <a:lnSpc>
               <a:spcPct val="90000"/>
             </a:lnSpc>
@@ -6544,7 +6245,7 @@
               <a:spcPct val="35000"/>
             </a:spcAft>
             <a:buFont typeface="Arial" panose="020B0604020202020204" pitchFamily="34" charset="0"/>
-            <a:buChar char="•"/>
+            <a:buNone/>
           </a:pPr>
           <a:r>
             <a:rPr lang="de-DE" sz="800" kern="1200" dirty="0"/>
@@ -6613,7 +6314,7 @@
         </a:bodyPr>
         <a:lstStyle/>
         <a:p>
-          <a:pPr lvl="0" algn="ctr" defTabSz="355600">
+          <a:pPr marL="0" lvl="0" indent="0" algn="ctr" defTabSz="355600">
             <a:lnSpc>
               <a:spcPct val="90000"/>
             </a:lnSpc>
@@ -6624,7 +6325,7 @@
               <a:spcPct val="35000"/>
             </a:spcAft>
             <a:buFont typeface="Arial" panose="020B0604020202020204" pitchFamily="34" charset="0"/>
-            <a:buChar char="•"/>
+            <a:buNone/>
           </a:pPr>
           <a:r>
             <a:rPr lang="de-DE" sz="800" kern="1200" dirty="0"/>
@@ -6703,7 +6404,7 @@
         </a:bodyPr>
         <a:lstStyle/>
         <a:p>
-          <a:pPr lvl="0" algn="ctr" defTabSz="1155700">
+          <a:pPr marL="0" lvl="0" indent="0" algn="ctr" defTabSz="1155700">
             <a:lnSpc>
               <a:spcPct val="90000"/>
             </a:lnSpc>
@@ -6713,6 +6414,7 @@
             <a:spcAft>
               <a:spcPct val="35000"/>
             </a:spcAft>
+            <a:buNone/>
           </a:pPr>
           <a:r>
             <a:rPr lang="de-DE" sz="2600" kern="1200" dirty="0" err="1"/>
@@ -6780,7 +6482,7 @@
         </a:bodyPr>
         <a:lstStyle/>
         <a:p>
-          <a:pPr lvl="0" algn="ctr" defTabSz="1155700">
+          <a:pPr marL="0" lvl="0" indent="0" algn="ctr" defTabSz="1155700">
             <a:lnSpc>
               <a:spcPct val="90000"/>
             </a:lnSpc>
@@ -6790,6 +6492,7 @@
             <a:spcAft>
               <a:spcPct val="35000"/>
             </a:spcAft>
+            <a:buNone/>
           </a:pPr>
           <a:r>
             <a:rPr lang="de-DE" sz="2600" kern="1200" dirty="0" err="1"/>
@@ -6857,7 +6560,7 @@
         </a:bodyPr>
         <a:lstStyle/>
         <a:p>
-          <a:pPr lvl="0" algn="ctr" defTabSz="1155700">
+          <a:pPr marL="0" lvl="0" indent="0" algn="ctr" defTabSz="1155700">
             <a:lnSpc>
               <a:spcPct val="90000"/>
             </a:lnSpc>
@@ -6867,6 +6570,7 @@
             <a:spcAft>
               <a:spcPct val="35000"/>
             </a:spcAft>
+            <a:buNone/>
           </a:pPr>
           <a:r>
             <a:rPr lang="de-DE" sz="2600" kern="1200" dirty="0" err="1"/>
@@ -12348,10 +12052,9 @@
           <a:lstStyle/>
           <a:p>
             <a:r>
-              <a:rPr lang="de-DE" dirty="0" smtClean="0"/>
+              <a:rPr lang="de-DE" dirty="0"/>
               <a:t>10.07.2018</a:t>
             </a:r>
-            <a:endParaRPr lang="de-DE" dirty="0"/>
           </a:p>
         </p:txBody>
       </p:sp>
@@ -12375,14 +12078,13 @@
           </a:lstStyle>
           <a:p>
             <a:r>
-              <a:rPr lang="de-DE" dirty="0" err="1" smtClean="0"/>
+              <a:rPr lang="de-DE" dirty="0" err="1"/>
               <a:t>Legosar</a:t>
             </a:r>
             <a:r>
-              <a:rPr lang="de-DE" dirty="0" smtClean="0"/>
+              <a:rPr lang="de-DE" dirty="0"/>
               <a:t> SS 18</a:t>
             </a:r>
-            <a:endParaRPr lang="de-DE" dirty="0"/>
           </a:p>
         </p:txBody>
       </p:sp>
@@ -12578,13 +12280,6 @@
   <p:clrMapOvr>
     <a:masterClrMapping/>
   </p:clrMapOvr>
-  <p:timing>
-    <p:tnLst>
-      <p:par>
-        <p:cTn id="1" dur="indefinite" restart="never" nodeType="tmRoot"/>
-      </p:par>
-    </p:tnLst>
-  </p:timing>
 </p:sldLayout>
 </file>
 
@@ -12621,10 +12316,9 @@
           <a:lstStyle/>
           <a:p>
             <a:r>
-              <a:rPr lang="de-DE" dirty="0" smtClean="0"/>
+              <a:rPr lang="de-DE" dirty="0"/>
               <a:t>10.07.2018</a:t>
             </a:r>
-            <a:endParaRPr lang="de-DE" dirty="0"/>
           </a:p>
         </p:txBody>
       </p:sp>
@@ -12644,14 +12338,13 @@
           <a:lstStyle/>
           <a:p>
             <a:r>
-              <a:rPr lang="de-DE" dirty="0" err="1" smtClean="0"/>
+              <a:rPr lang="de-DE" dirty="0" err="1"/>
               <a:t>Legosar</a:t>
             </a:r>
             <a:r>
-              <a:rPr lang="de-DE" dirty="0" smtClean="0"/>
+              <a:rPr lang="de-DE" dirty="0"/>
               <a:t> SS 18</a:t>
             </a:r>
-            <a:endParaRPr lang="de-DE" dirty="0"/>
           </a:p>
         </p:txBody>
       </p:sp>
@@ -12751,10 +12444,9 @@
           <a:lstStyle/>
           <a:p>
             <a:r>
-              <a:rPr lang="de-DE" dirty="0" smtClean="0"/>
+              <a:rPr lang="de-DE" dirty="0"/>
               <a:t>10.07.2018</a:t>
             </a:r>
-            <a:endParaRPr lang="de-DE" dirty="0"/>
           </a:p>
         </p:txBody>
       </p:sp>
@@ -12774,14 +12466,13 @@
           <a:lstStyle/>
           <a:p>
             <a:r>
-              <a:rPr lang="de-DE" dirty="0" err="1" smtClean="0"/>
+              <a:rPr lang="de-DE" dirty="0" err="1"/>
               <a:t>Legosar</a:t>
             </a:r>
             <a:r>
-              <a:rPr lang="de-DE" dirty="0" smtClean="0"/>
+              <a:rPr lang="de-DE" dirty="0"/>
               <a:t> SS 18</a:t>
             </a:r>
-            <a:endParaRPr lang="de-DE" dirty="0"/>
           </a:p>
         </p:txBody>
       </p:sp>
@@ -12921,10 +12612,9 @@
           <a:lstStyle/>
           <a:p>
             <a:r>
-              <a:rPr lang="de-DE" dirty="0" smtClean="0"/>
+              <a:rPr lang="de-DE" dirty="0"/>
               <a:t>10.07.2018</a:t>
             </a:r>
-            <a:endParaRPr lang="de-DE" dirty="0"/>
           </a:p>
         </p:txBody>
       </p:sp>
@@ -12944,14 +12634,13 @@
           <a:lstStyle/>
           <a:p>
             <a:r>
-              <a:rPr lang="de-DE" dirty="0" err="1" smtClean="0"/>
+              <a:rPr lang="de-DE" dirty="0" err="1"/>
               <a:t>Legosar</a:t>
             </a:r>
             <a:r>
-              <a:rPr lang="de-DE" dirty="0" smtClean="0"/>
+              <a:rPr lang="de-DE" dirty="0"/>
               <a:t> SS 18</a:t>
             </a:r>
-            <a:endParaRPr lang="de-DE" dirty="0"/>
           </a:p>
         </p:txBody>
       </p:sp>
@@ -13111,10 +12800,9 @@
           <a:lstStyle/>
           <a:p>
             <a:r>
-              <a:rPr lang="de-DE" dirty="0" smtClean="0"/>
+              <a:rPr lang="de-DE" dirty="0"/>
               <a:t>10.07.2018</a:t>
             </a:r>
-            <a:endParaRPr lang="de-DE" dirty="0"/>
           </a:p>
         </p:txBody>
       </p:sp>
@@ -13134,14 +12822,13 @@
           <a:lstStyle/>
           <a:p>
             <a:r>
-              <a:rPr lang="de-DE" dirty="0" err="1" smtClean="0"/>
+              <a:rPr lang="de-DE" dirty="0" err="1"/>
               <a:t>Legosar</a:t>
             </a:r>
             <a:r>
-              <a:rPr lang="de-DE" dirty="0" smtClean="0"/>
+              <a:rPr lang="de-DE" dirty="0"/>
               <a:t> SS 18</a:t>
             </a:r>
-            <a:endParaRPr lang="de-DE" dirty="0"/>
           </a:p>
         </p:txBody>
       </p:sp>
@@ -13280,10 +12967,9 @@
           <a:lstStyle/>
           <a:p>
             <a:r>
-              <a:rPr lang="de-DE" dirty="0" smtClean="0"/>
+              <a:rPr lang="de-DE" dirty="0"/>
               <a:t>10.07.2018</a:t>
             </a:r>
-            <a:endParaRPr lang="de-DE" dirty="0"/>
           </a:p>
         </p:txBody>
       </p:sp>
@@ -13303,14 +12989,13 @@
           <a:lstStyle/>
           <a:p>
             <a:r>
-              <a:rPr lang="de-DE" dirty="0" err="1" smtClean="0"/>
+              <a:rPr lang="de-DE" dirty="0" err="1"/>
               <a:t>Legosar</a:t>
             </a:r>
             <a:r>
-              <a:rPr lang="de-DE" dirty="0" smtClean="0"/>
+              <a:rPr lang="de-DE" dirty="0"/>
               <a:t> SS 18</a:t>
             </a:r>
-            <a:endParaRPr lang="de-DE" dirty="0"/>
           </a:p>
         </p:txBody>
       </p:sp>
@@ -13548,10 +13233,9 @@
           <a:lstStyle/>
           <a:p>
             <a:r>
-              <a:rPr lang="de-DE" dirty="0" smtClean="0"/>
+              <a:rPr lang="de-DE" dirty="0"/>
               <a:t>10.07.2018</a:t>
             </a:r>
-            <a:endParaRPr lang="de-DE" dirty="0"/>
           </a:p>
         </p:txBody>
       </p:sp>
@@ -13576,14 +13260,13 @@
           <a:lstStyle/>
           <a:p>
             <a:r>
-              <a:rPr lang="de-DE" dirty="0" err="1" smtClean="0"/>
+              <a:rPr lang="de-DE" dirty="0" err="1"/>
               <a:t>Legosar</a:t>
             </a:r>
             <a:r>
-              <a:rPr lang="de-DE" dirty="0" smtClean="0"/>
+              <a:rPr lang="de-DE" dirty="0"/>
               <a:t> SS 18</a:t>
             </a:r>
-            <a:endParaRPr lang="de-DE" dirty="0"/>
           </a:p>
         </p:txBody>
       </p:sp>
@@ -13875,10 +13558,9 @@
           <a:lstStyle/>
           <a:p>
             <a:r>
-              <a:rPr lang="de-DE" dirty="0" smtClean="0"/>
+              <a:rPr lang="de-DE" dirty="0"/>
               <a:t>10.07.2018</a:t>
             </a:r>
-            <a:endParaRPr lang="de-DE" dirty="0"/>
           </a:p>
         </p:txBody>
       </p:sp>
@@ -13898,14 +13580,13 @@
           <a:lstStyle/>
           <a:p>
             <a:r>
-              <a:rPr lang="de-DE" dirty="0" err="1" smtClean="0"/>
+              <a:rPr lang="de-DE" dirty="0" err="1"/>
               <a:t>Legosar</a:t>
             </a:r>
             <a:r>
-              <a:rPr lang="de-DE" dirty="0" smtClean="0"/>
+              <a:rPr lang="de-DE" dirty="0"/>
               <a:t> SS 18</a:t>
             </a:r>
-            <a:endParaRPr lang="de-DE" dirty="0"/>
           </a:p>
         </p:txBody>
       </p:sp>
@@ -14202,10 +13883,9 @@
           <a:lstStyle/>
           <a:p>
             <a:r>
-              <a:rPr lang="de-DE" dirty="0" smtClean="0"/>
+              <a:rPr lang="de-DE" dirty="0"/>
               <a:t>10.07.2018</a:t>
             </a:r>
-            <a:endParaRPr lang="de-DE" dirty="0"/>
           </a:p>
         </p:txBody>
       </p:sp>
@@ -14225,14 +13905,13 @@
           <a:lstStyle/>
           <a:p>
             <a:r>
-              <a:rPr lang="de-DE" dirty="0" err="1" smtClean="0"/>
+              <a:rPr lang="de-DE" dirty="0" err="1"/>
               <a:t>Legosar</a:t>
             </a:r>
             <a:r>
-              <a:rPr lang="de-DE" dirty="0" smtClean="0"/>
+              <a:rPr lang="de-DE" dirty="0"/>
               <a:t> SS 18</a:t>
             </a:r>
-            <a:endParaRPr lang="de-DE" dirty="0"/>
           </a:p>
         </p:txBody>
       </p:sp>
@@ -14498,10 +14177,9 @@
           <a:lstStyle/>
           <a:p>
             <a:r>
-              <a:rPr lang="de-DE" dirty="0" smtClean="0"/>
+              <a:rPr lang="de-DE" dirty="0"/>
               <a:t>10.07.2018</a:t>
             </a:r>
-            <a:endParaRPr lang="de-DE" dirty="0"/>
           </a:p>
         </p:txBody>
       </p:sp>
@@ -14521,14 +14199,13 @@
           <a:lstStyle/>
           <a:p>
             <a:r>
-              <a:rPr lang="de-DE" dirty="0" err="1" smtClean="0"/>
+              <a:rPr lang="de-DE" dirty="0" err="1"/>
               <a:t>Legosar</a:t>
             </a:r>
             <a:r>
-              <a:rPr lang="de-DE" dirty="0" smtClean="0"/>
+              <a:rPr lang="de-DE" dirty="0"/>
               <a:t> SS 18</a:t>
             </a:r>
-            <a:endParaRPr lang="de-DE" dirty="0"/>
           </a:p>
         </p:txBody>
       </p:sp>
@@ -14707,13 +14384,6 @@
   <p:clrMapOvr>
     <a:masterClrMapping/>
   </p:clrMapOvr>
-  <p:timing>
-    <p:tnLst>
-      <p:par>
-        <p:cTn id="1" dur="indefinite" restart="never" nodeType="tmRoot"/>
-      </p:par>
-    </p:tnLst>
-  </p:timing>
 </p:sldLayout>
 </file>
 
@@ -14755,10 +14425,9 @@
           <a:lstStyle/>
           <a:p>
             <a:r>
-              <a:rPr lang="de-DE" dirty="0" smtClean="0"/>
+              <a:rPr lang="de-DE" dirty="0"/>
               <a:t>10.07.2018</a:t>
             </a:r>
-            <a:endParaRPr lang="de-DE" dirty="0"/>
           </a:p>
         </p:txBody>
       </p:sp>
@@ -14778,11 +14447,11 @@
           <a:lstStyle/>
           <a:p>
             <a:r>
-              <a:rPr lang="de-DE" dirty="0" err="1" smtClean="0"/>
+              <a:rPr lang="de-DE" dirty="0" err="1"/>
               <a:t>Legosar</a:t>
             </a:r>
             <a:r>
-              <a:rPr lang="de-DE" dirty="0" smtClean="0"/>
+              <a:rPr lang="de-DE" dirty="0"/>
               <a:t> SS 18</a:t>
             </a:r>
           </a:p>
@@ -14924,13 +14593,6 @@
   <p:clrMapOvr>
     <a:overrideClrMapping bg1="lt1" tx1="dk1" bg2="lt2" tx2="dk2" accent1="accent1" accent2="accent2" accent3="accent3" accent4="accent4" accent5="accent5" accent6="accent6" hlink="hlink" folHlink="folHlink"/>
   </p:clrMapOvr>
-  <p:timing>
-    <p:tnLst>
-      <p:par>
-        <p:cTn id="1" dur="indefinite" restart="never" nodeType="tmRoot"/>
-      </p:par>
-    </p:tnLst>
-  </p:timing>
 </p:sldLayout>
 </file>
 
@@ -15167,10 +14829,9 @@
           <a:lstStyle/>
           <a:p>
             <a:r>
-              <a:rPr lang="de-DE" dirty="0" smtClean="0"/>
+              <a:rPr lang="de-DE" dirty="0"/>
               <a:t>10.07.2018</a:t>
             </a:r>
-            <a:endParaRPr lang="de-DE" dirty="0"/>
           </a:p>
         </p:txBody>
       </p:sp>
@@ -15195,14 +14856,13 @@
           <a:lstStyle/>
           <a:p>
             <a:r>
-              <a:rPr lang="de-DE" dirty="0" err="1" smtClean="0"/>
+              <a:rPr lang="de-DE" dirty="0" err="1"/>
               <a:t>Legosar</a:t>
             </a:r>
             <a:r>
-              <a:rPr lang="de-DE" dirty="0" smtClean="0"/>
+              <a:rPr lang="de-DE" dirty="0"/>
               <a:t> SS 18</a:t>
             </a:r>
-            <a:endParaRPr lang="de-DE" dirty="0"/>
           </a:p>
         </p:txBody>
       </p:sp>
@@ -15371,13 +15031,6 @@
   <p:clrMapOvr>
     <a:masterClrMapping/>
   </p:clrMapOvr>
-  <p:timing>
-    <p:tnLst>
-      <p:par>
-        <p:cTn id="1" dur="indefinite" restart="never" nodeType="tmRoot"/>
-      </p:par>
-    </p:tnLst>
-  </p:timing>
 </p:sldLayout>
 </file>
 
@@ -15414,10 +15067,9 @@
           <a:lstStyle/>
           <a:p>
             <a:r>
-              <a:rPr lang="de-DE" dirty="0" smtClean="0"/>
+              <a:rPr lang="de-DE" dirty="0"/>
               <a:t>10.07.2018</a:t>
             </a:r>
-            <a:endParaRPr lang="de-DE" dirty="0"/>
           </a:p>
         </p:txBody>
       </p:sp>
@@ -15437,14 +15089,13 @@
           <a:lstStyle/>
           <a:p>
             <a:r>
-              <a:rPr lang="de-DE" dirty="0" err="1" smtClean="0"/>
+              <a:rPr lang="de-DE" dirty="0" err="1"/>
               <a:t>Legosar</a:t>
             </a:r>
             <a:r>
-              <a:rPr lang="de-DE" dirty="0" smtClean="0"/>
+              <a:rPr lang="de-DE" dirty="0"/>
               <a:t> SS 18</a:t>
             </a:r>
-            <a:endParaRPr lang="de-DE" dirty="0"/>
           </a:p>
         </p:txBody>
       </p:sp>
@@ -15751,7 +15402,7 @@
           <a:lstStyle/>
           <a:p>
             <a:r>
-              <a:rPr lang="de-DE" smtClean="0"/>
+              <a:rPr lang="de-DE"/>
               <a:t>14.07.2016</a:t>
             </a:r>
             <a:endParaRPr lang="de-DE" dirty="0"/>
@@ -15774,14 +15425,13 @@
           <a:lstStyle/>
           <a:p>
             <a:r>
-              <a:rPr lang="de-DE" dirty="0" err="1" smtClean="0"/>
+              <a:rPr lang="de-DE" dirty="0" err="1"/>
               <a:t>Legosar</a:t>
             </a:r>
             <a:r>
-              <a:rPr lang="de-DE" dirty="0" smtClean="0"/>
+              <a:rPr lang="de-DE" dirty="0"/>
               <a:t> SS 18</a:t>
             </a:r>
-            <a:endParaRPr lang="de-DE" dirty="0"/>
           </a:p>
         </p:txBody>
       </p:sp>
@@ -16183,13 +15833,6 @@
   <p:clrMapOvr>
     <a:masterClrMapping/>
   </p:clrMapOvr>
-  <p:timing>
-    <p:tnLst>
-      <p:par>
-        <p:cTn id="1" dur="indefinite" restart="never" nodeType="tmRoot"/>
-      </p:par>
-    </p:tnLst>
-  </p:timing>
 </p:sldLayout>
 </file>
 
@@ -16254,10 +15897,9 @@
           <a:lstStyle/>
           <a:p>
             <a:r>
-              <a:rPr lang="de-DE" dirty="0" smtClean="0"/>
+              <a:rPr lang="de-DE" dirty="0"/>
               <a:t>10.07.2018</a:t>
             </a:r>
-            <a:endParaRPr lang="de-DE" dirty="0"/>
           </a:p>
         </p:txBody>
       </p:sp>
@@ -16282,14 +15924,13 @@
           <a:lstStyle/>
           <a:p>
             <a:r>
-              <a:rPr lang="de-DE" dirty="0" err="1" smtClean="0"/>
+              <a:rPr lang="de-DE" dirty="0" err="1"/>
               <a:t>Legosar</a:t>
             </a:r>
             <a:r>
-              <a:rPr lang="de-DE" dirty="0" smtClean="0"/>
+              <a:rPr lang="de-DE" dirty="0"/>
               <a:t> SS 18</a:t>
             </a:r>
-            <a:endParaRPr lang="de-DE" dirty="0"/>
           </a:p>
         </p:txBody>
       </p:sp>
@@ -16329,10 +15970,6 @@
             <a:br>
               <a:rPr lang="de-DE" dirty="0"/>
             </a:br>
-            <a:r>
-              <a:rPr lang="de-DE" dirty="0"/>
-              <a:t/>
-            </a:r>
             <a:br>
               <a:rPr lang="de-DE" dirty="0"/>
             </a:br>
@@ -16404,10 +16041,6 @@
             <a:br>
               <a:rPr lang="de-DE" dirty="0"/>
             </a:br>
-            <a:r>
-              <a:rPr lang="de-DE" dirty="0"/>
-              <a:t/>
-            </a:r>
             <a:br>
               <a:rPr lang="de-DE" dirty="0"/>
             </a:br>
@@ -16625,10 +16258,6 @@
             <a:br>
               <a:rPr lang="de-DE" dirty="0"/>
             </a:br>
-            <a:r>
-              <a:rPr lang="de-DE" dirty="0"/>
-              <a:t/>
-            </a:r>
             <a:br>
               <a:rPr lang="de-DE" dirty="0"/>
             </a:br>
@@ -16700,10 +16329,6 @@
             <a:br>
               <a:rPr lang="de-DE" dirty="0"/>
             </a:br>
-            <a:r>
-              <a:rPr lang="de-DE" dirty="0"/>
-              <a:t/>
-            </a:r>
             <a:br>
               <a:rPr lang="de-DE" dirty="0"/>
             </a:br>
@@ -16876,13 +16501,6 @@
   <p:clrMapOvr>
     <a:masterClrMapping/>
   </p:clrMapOvr>
-  <p:timing>
-    <p:tnLst>
-      <p:par>
-        <p:cTn id="1" dur="indefinite" restart="never" nodeType="tmRoot"/>
-      </p:par>
-    </p:tnLst>
-  </p:timing>
 </p:sldLayout>
 </file>
 
@@ -16919,10 +16537,9 @@
           <a:lstStyle/>
           <a:p>
             <a:r>
-              <a:rPr lang="de-DE" dirty="0" smtClean="0"/>
+              <a:rPr lang="de-DE" dirty="0"/>
               <a:t>10.07.2018</a:t>
             </a:r>
-            <a:endParaRPr lang="de-DE" dirty="0"/>
           </a:p>
         </p:txBody>
       </p:sp>
@@ -16947,14 +16564,13 @@
           <a:lstStyle/>
           <a:p>
             <a:r>
-              <a:rPr lang="de-DE" dirty="0" err="1" smtClean="0"/>
+              <a:rPr lang="de-DE" dirty="0" err="1"/>
               <a:t>Legosar</a:t>
             </a:r>
             <a:r>
-              <a:rPr lang="de-DE" dirty="0" smtClean="0"/>
+              <a:rPr lang="de-DE" dirty="0"/>
               <a:t> SS 18</a:t>
             </a:r>
-            <a:endParaRPr lang="de-DE" dirty="0"/>
           </a:p>
         </p:txBody>
       </p:sp>
@@ -17197,13 +16813,6 @@
   <p:clrMapOvr>
     <a:masterClrMapping/>
   </p:clrMapOvr>
-  <p:timing>
-    <p:tnLst>
-      <p:par>
-        <p:cTn id="1" dur="indefinite" restart="never" nodeType="tmRoot"/>
-      </p:par>
-    </p:tnLst>
-  </p:timing>
 </p:sldLayout>
 </file>
 
@@ -17240,10 +16849,9 @@
           <a:lstStyle/>
           <a:p>
             <a:r>
-              <a:rPr lang="de-DE" dirty="0" smtClean="0"/>
+              <a:rPr lang="de-DE" dirty="0"/>
               <a:t>10.07.2018</a:t>
             </a:r>
-            <a:endParaRPr lang="de-DE" dirty="0"/>
           </a:p>
         </p:txBody>
       </p:sp>
@@ -17263,14 +16871,13 @@
           <a:lstStyle/>
           <a:p>
             <a:r>
-              <a:rPr lang="de-DE" dirty="0" err="1" smtClean="0"/>
+              <a:rPr lang="de-DE" dirty="0" err="1"/>
               <a:t>Legosar</a:t>
             </a:r>
             <a:r>
-              <a:rPr lang="de-DE" dirty="0" smtClean="0"/>
+              <a:rPr lang="de-DE" dirty="0"/>
               <a:t> SS 18</a:t>
             </a:r>
-            <a:endParaRPr lang="de-DE" dirty="0"/>
           </a:p>
         </p:txBody>
       </p:sp>
@@ -17363,38 +16970,18 @@
             <a:br>
               <a:rPr lang="de-DE" dirty="0"/>
             </a:br>
-            <a:r>
-              <a:rPr lang="de-DE" dirty="0"/>
-              <a:t/>
-            </a:r>
             <a:br>
               <a:rPr lang="de-DE" dirty="0"/>
             </a:br>
-            <a:r>
-              <a:rPr lang="de-DE" dirty="0"/>
-              <a:t/>
-            </a:r>
             <a:br>
               <a:rPr lang="de-DE" dirty="0"/>
             </a:br>
-            <a:r>
-              <a:rPr lang="de-DE" dirty="0"/>
-              <a:t/>
-            </a:r>
             <a:br>
               <a:rPr lang="de-DE" dirty="0"/>
             </a:br>
-            <a:r>
-              <a:rPr lang="de-DE" dirty="0"/>
-              <a:t/>
-            </a:r>
             <a:br>
               <a:rPr lang="de-DE" dirty="0"/>
             </a:br>
-            <a:r>
-              <a:rPr lang="de-DE" dirty="0"/>
-              <a:t/>
-            </a:r>
             <a:br>
               <a:rPr lang="de-DE" dirty="0"/>
             </a:br>
@@ -17683,10 +17270,9 @@
           </a:lstStyle>
           <a:p>
             <a:r>
-              <a:rPr lang="de-DE" dirty="0" smtClean="0"/>
+              <a:rPr lang="de-DE" dirty="0"/>
               <a:t>10.07.2018</a:t>
             </a:r>
-            <a:endParaRPr lang="de-DE" dirty="0"/>
           </a:p>
         </p:txBody>
       </p:sp>
@@ -17725,14 +17311,13 @@
           </a:lstStyle>
           <a:p>
             <a:r>
-              <a:rPr lang="de-DE" dirty="0" err="1" smtClean="0"/>
+              <a:rPr lang="de-DE" dirty="0" err="1"/>
               <a:t>Legosar</a:t>
             </a:r>
             <a:r>
-              <a:rPr lang="de-DE" dirty="0" smtClean="0"/>
+              <a:rPr lang="de-DE" dirty="0"/>
               <a:t> SS 18</a:t>
             </a:r>
-            <a:endParaRPr lang="de-DE" dirty="0"/>
           </a:p>
         </p:txBody>
       </p:sp>
@@ -17957,13 +17542,6 @@
     <p:sldLayoutId id="2147483656" r:id="rId16"/>
     <p:sldLayoutId id="2147483657" r:id="rId17"/>
   </p:sldLayoutIdLst>
-  <p:timing>
-    <p:tnLst>
-      <p:par>
-        <p:cTn id="1" dur="indefinite" restart="never" nodeType="tmRoot"/>
-      </p:par>
-    </p:tnLst>
-  </p:timing>
   <p:hf hdr="0"/>
   <p:txStyles>
     <p:titleStyle>
@@ -18273,7 +17851,7 @@
           <a:lstStyle/>
           <a:p>
             <a:r>
-              <a:rPr lang="de-DE" smtClean="0"/>
+              <a:rPr lang="de-DE"/>
               <a:t>Legosar SS 18</a:t>
             </a:r>
             <a:endParaRPr lang="de-DE" dirty="0"/>
@@ -18296,7 +17874,7 @@
           <a:lstStyle/>
           <a:p>
             <a:r>
-              <a:rPr lang="de-DE" smtClean="0"/>
+              <a:rPr lang="de-DE"/>
               <a:t>S. </a:t>
             </a:r>
             <a:fld id="{D7EFD9E5-FB44-4C01-A2C2-48348664E7CC}" type="slidenum">
@@ -18400,13 +17978,6 @@
   <p:clrMapOvr>
     <a:masterClrMapping/>
   </p:clrMapOvr>
-  <p:timing>
-    <p:tnLst>
-      <p:par>
-        <p:cTn id="1" dur="indefinite" restart="never" nodeType="tmRoot"/>
-      </p:par>
-    </p:tnLst>
-  </p:timing>
 </p:sld>
 </file>
 
@@ -18518,19 +18089,15 @@
           <a:bodyPr/>
           <a:lstStyle/>
           <a:p>
-            <a:endParaRPr lang="es-ES" dirty="0" smtClean="0"/>
-          </a:p>
-          <a:p>
             <a:endParaRPr lang="es-ES" dirty="0"/>
           </a:p>
           <a:p>
-            <a:r>
-              <a:rPr lang="es-ES" dirty="0" smtClean="0"/>
-              <a:t>void </a:t>
-            </a:r>
+            <a:endParaRPr lang="es-ES" dirty="0"/>
+          </a:p>
+          <a:p>
             <a:r>
               <a:rPr lang="es-ES" dirty="0"/>
-              <a:t>play_single_tone(U32 freq, U32 ms, U32 vol)</a:t>
+              <a:t>void play_single_tone(U32 freq, U32 ms, U32 vol)</a:t>
             </a:r>
             <a:endParaRPr lang="en-US" dirty="0"/>
           </a:p>
@@ -18538,27 +18105,23 @@
             <a:endParaRPr lang="en-US" dirty="0"/>
           </a:p>
           <a:p>
-            <a:endParaRPr lang="es-ES" dirty="0" smtClean="0"/>
-          </a:p>
-          <a:p>
-            <a:r>
-              <a:rPr lang="es-ES" dirty="0" smtClean="0"/>
-              <a:t>void </a:t>
-            </a:r>
+            <a:endParaRPr lang="es-ES" dirty="0"/>
+          </a:p>
+          <a:p>
             <a:r>
               <a:rPr lang="es-ES" dirty="0"/>
-              <a:t>play_multiple_tones(U32 freq, U32 ms, U32 vol, U32 rep, U32 pause)</a:t>
+              <a:t>void play_multiple_tones(U32 freq, U32 ms, U32 vol, U32 rep, U32 pause)</a:t>
             </a:r>
           </a:p>
           <a:p>
             <a:endParaRPr lang="en-US" dirty="0"/>
           </a:p>
           <a:p>
-            <a:endParaRPr lang="en-US" dirty="0" smtClean="0"/>
-          </a:p>
-          <a:p>
-            <a:r>
-              <a:rPr lang="en-US" dirty="0" smtClean="0"/>
+            <a:endParaRPr lang="en-US" dirty="0"/>
+          </a:p>
+          <a:p>
+            <a:r>
+              <a:rPr lang="en-US" dirty="0"/>
               <a:t>void </a:t>
             </a:r>
             <a:r>
@@ -18583,11 +18146,11 @@
             <a:endParaRPr lang="en-US" dirty="0"/>
           </a:p>
           <a:p>
-            <a:endParaRPr lang="en-US" dirty="0" smtClean="0"/>
-          </a:p>
-          <a:p>
-            <a:r>
-              <a:rPr lang="en-US" dirty="0" smtClean="0"/>
+            <a:endParaRPr lang="en-US" dirty="0"/>
+          </a:p>
+          <a:p>
+            <a:r>
+              <a:rPr lang="en-US" dirty="0"/>
               <a:t>void </a:t>
             </a:r>
             <a:r>
@@ -18773,10 +18336,9 @@
           </a:lstStyle>
           <a:p>
             <a:r>
-              <a:rPr lang="de-DE" dirty="0" smtClean="0"/>
+              <a:rPr lang="de-DE" dirty="0"/>
               <a:t>Christoph König</a:t>
             </a:r>
-            <a:endParaRPr lang="de-DE" dirty="0"/>
           </a:p>
         </p:txBody>
       </p:sp>
@@ -18790,13 +18352,6 @@
   <p:clrMapOvr>
     <a:masterClrMapping/>
   </p:clrMapOvr>
-  <p:timing>
-    <p:tnLst>
-      <p:par>
-        <p:cTn id="1" dur="indefinite" restart="never" nodeType="tmRoot"/>
-      </p:par>
-    </p:tnLst>
-  </p:timing>
 </p:sld>
 </file>
 
@@ -18833,10 +18388,9 @@
           <a:lstStyle/>
           <a:p>
             <a:r>
-              <a:rPr lang="de-DE" dirty="0" smtClean="0"/>
+              <a:rPr lang="de-DE" dirty="0"/>
               <a:t>10.07.2018</a:t>
             </a:r>
-            <a:endParaRPr lang="de-DE" dirty="0"/>
           </a:p>
         </p:txBody>
       </p:sp>
@@ -18856,7 +18410,7 @@
           <a:lstStyle/>
           <a:p>
             <a:r>
-              <a:rPr lang="de-DE" smtClean="0"/>
+              <a:rPr lang="de-DE"/>
               <a:t>Legosar SS 18</a:t>
             </a:r>
             <a:endParaRPr lang="de-DE" dirty="0"/>
@@ -18879,7 +18433,7 @@
           <a:lstStyle/>
           <a:p>
             <a:r>
-              <a:rPr lang="de-DE" smtClean="0"/>
+              <a:rPr lang="de-DE"/>
               <a:t>S. </a:t>
             </a:r>
             <a:fld id="{D7EFD9E5-FB44-4C01-A2C2-48348664E7CC}" type="slidenum">
@@ -18907,7 +18461,7 @@
           <a:lstStyle/>
           <a:p>
             <a:r>
-              <a:rPr lang="de-DE" smtClean="0"/>
+              <a:rPr lang="de-DE"/>
               <a:t>Basissoftware</a:t>
             </a:r>
             <a:endParaRPr lang="de-DE" dirty="0"/>
@@ -19109,10 +18663,9 @@
           </a:lstStyle>
           <a:p>
             <a:r>
-              <a:rPr lang="de-DE" dirty="0" smtClean="0"/>
+              <a:rPr lang="de-DE" dirty="0"/>
               <a:t>Julian Dietrich</a:t>
             </a:r>
-            <a:endParaRPr lang="de-DE" dirty="0"/>
           </a:p>
         </p:txBody>
       </p:sp>
@@ -19126,21 +18679,6 @@
   <p:clrMapOvr>
     <a:masterClrMapping/>
   </p:clrMapOvr>
-  <mc:AlternateContent xmlns:mc="http://schemas.openxmlformats.org/markup-compatibility/2006" xmlns:p14="http://schemas.microsoft.com/office/powerpoint/2010/main">
-    <mc:Choice Requires="p14">
-      <p:transition spd="slow" p14:dur="2000"/>
-    </mc:Choice>
-    <mc:Fallback xmlns="">
-      <p:transition spd="slow"/>
-    </mc:Fallback>
-  </mc:AlternateContent>
-  <p:timing>
-    <p:tnLst>
-      <p:par>
-        <p:cTn id="1" dur="indefinite" restart="never" nodeType="tmRoot"/>
-      </p:par>
-    </p:tnLst>
-  </p:timing>
 </p:sld>
 </file>
 
@@ -19429,10 +18967,9 @@
           </a:lstStyle>
           <a:p>
             <a:r>
-              <a:rPr lang="de-DE" dirty="0" smtClean="0"/>
+              <a:rPr lang="de-DE" dirty="0"/>
               <a:t>Julian Dietrich</a:t>
             </a:r>
-            <a:endParaRPr lang="de-DE" dirty="0"/>
           </a:p>
         </p:txBody>
       </p:sp>
@@ -19446,13 +18983,6 @@
   <p:clrMapOvr>
     <a:masterClrMapping/>
   </p:clrMapOvr>
-  <p:timing>
-    <p:tnLst>
-      <p:par>
-        <p:cTn id="1" dur="indefinite" restart="never" nodeType="tmRoot"/>
-      </p:par>
-    </p:tnLst>
-  </p:timing>
 </p:sld>
 </file>
 
@@ -19489,10 +19019,9 @@
           <a:lstStyle/>
           <a:p>
             <a:r>
-              <a:rPr lang="de-DE" dirty="0" smtClean="0"/>
+              <a:rPr lang="de-DE" dirty="0"/>
               <a:t>10.07.2018</a:t>
             </a:r>
-            <a:endParaRPr lang="de-DE" dirty="0"/>
           </a:p>
         </p:txBody>
       </p:sp>
@@ -19512,7 +19041,7 @@
           <a:lstStyle/>
           <a:p>
             <a:r>
-              <a:rPr lang="de-DE" smtClean="0"/>
+              <a:rPr lang="de-DE"/>
               <a:t>Legosar SS 18</a:t>
             </a:r>
             <a:endParaRPr lang="de-DE" dirty="0"/>
@@ -19535,7 +19064,7 @@
           <a:lstStyle/>
           <a:p>
             <a:r>
-              <a:rPr lang="de-DE" smtClean="0"/>
+              <a:rPr lang="de-DE"/>
               <a:t>S. </a:t>
             </a:r>
             <a:fld id="{D7EFD9E5-FB44-4C01-A2C2-48348664E7CC}" type="slidenum">
@@ -19563,7 +19092,7 @@
           <a:lstStyle/>
           <a:p>
             <a:r>
-              <a:rPr lang="de-DE" smtClean="0"/>
+              <a:rPr lang="de-DE"/>
               <a:t>Basissoftware</a:t>
             </a:r>
             <a:endParaRPr lang="de-DE" dirty="0"/>
@@ -19765,10 +19294,9 @@
           </a:lstStyle>
           <a:p>
             <a:r>
-              <a:rPr lang="de-DE" dirty="0" smtClean="0"/>
+              <a:rPr lang="de-DE" dirty="0"/>
               <a:t>Christoph König</a:t>
             </a:r>
-            <a:endParaRPr lang="de-DE" dirty="0"/>
           </a:p>
         </p:txBody>
       </p:sp>
@@ -19782,21 +19310,6 @@
   <p:clrMapOvr>
     <a:masterClrMapping/>
   </p:clrMapOvr>
-  <mc:AlternateContent xmlns:mc="http://schemas.openxmlformats.org/markup-compatibility/2006" xmlns:p14="http://schemas.microsoft.com/office/powerpoint/2010/main">
-    <mc:Choice Requires="p14">
-      <p:transition spd="slow" p14:dur="2000"/>
-    </mc:Choice>
-    <mc:Fallback xmlns="">
-      <p:transition spd="slow"/>
-    </mc:Fallback>
-  </mc:AlternateContent>
-  <p:timing>
-    <p:tnLst>
-      <p:par>
-        <p:cTn id="1" dur="indefinite" restart="never" nodeType="tmRoot"/>
-      </p:par>
-    </p:tnLst>
-  </p:timing>
 </p:sld>
 </file>
 
@@ -19908,11 +19421,11 @@
           <a:bodyPr/>
           <a:lstStyle/>
           <a:p>
-            <a:endParaRPr lang="en-US" dirty="0" smtClean="0"/>
-          </a:p>
-          <a:p>
-            <a:r>
-              <a:rPr lang="en-US" dirty="0" smtClean="0"/>
+            <a:endParaRPr lang="en-US" dirty="0"/>
+          </a:p>
+          <a:p>
+            <a:r>
+              <a:rPr lang="en-US" dirty="0"/>
               <a:t>void </a:t>
             </a:r>
             <a:r>
@@ -19928,11 +19441,11 @@
             <a:endParaRPr lang="en-US" dirty="0"/>
           </a:p>
           <a:p>
-            <a:endParaRPr lang="en-US" dirty="0" smtClean="0"/>
-          </a:p>
-          <a:p>
-            <a:r>
-              <a:rPr lang="en-US" dirty="0" smtClean="0"/>
+            <a:endParaRPr lang="en-US" dirty="0"/>
+          </a:p>
+          <a:p>
+            <a:r>
+              <a:rPr lang="en-US" dirty="0"/>
               <a:t>void </a:t>
             </a:r>
             <a:r>
@@ -19948,11 +19461,11 @@
             <a:endParaRPr lang="en-US" dirty="0"/>
           </a:p>
           <a:p>
-            <a:endParaRPr lang="en-US" dirty="0" smtClean="0"/>
-          </a:p>
-          <a:p>
-            <a:r>
-              <a:rPr lang="en-US" dirty="0" smtClean="0"/>
+            <a:endParaRPr lang="en-US" dirty="0"/>
+          </a:p>
+          <a:p>
+            <a:r>
+              <a:rPr lang="en-US" dirty="0"/>
               <a:t>void </a:t>
             </a:r>
             <a:r>
@@ -19968,11 +19481,11 @@
             <a:endParaRPr lang="en-US" dirty="0"/>
           </a:p>
           <a:p>
-            <a:endParaRPr lang="en-US" dirty="0" smtClean="0"/>
-          </a:p>
-          <a:p>
-            <a:r>
-              <a:rPr lang="en-US" dirty="0" smtClean="0"/>
+            <a:endParaRPr lang="en-US" dirty="0"/>
+          </a:p>
+          <a:p>
+            <a:r>
+              <a:rPr lang="en-US" dirty="0"/>
               <a:t>void </a:t>
             </a:r>
             <a:r>
@@ -19988,11 +19501,11 @@
             <a:endParaRPr lang="en-US" dirty="0"/>
           </a:p>
           <a:p>
-            <a:endParaRPr lang="en-US" dirty="0" smtClean="0"/>
-          </a:p>
-          <a:p>
-            <a:r>
-              <a:rPr lang="en-US" dirty="0" smtClean="0"/>
+            <a:endParaRPr lang="en-US" dirty="0"/>
+          </a:p>
+          <a:p>
+            <a:r>
+              <a:rPr lang="en-US" dirty="0"/>
               <a:t>void </a:t>
             </a:r>
             <a:r>
@@ -20170,10 +19683,9 @@
           </a:lstStyle>
           <a:p>
             <a:r>
-              <a:rPr lang="de-DE" dirty="0" smtClean="0"/>
+              <a:rPr lang="de-DE" dirty="0"/>
               <a:t>Christoph König</a:t>
             </a:r>
-            <a:endParaRPr lang="de-DE" dirty="0"/>
           </a:p>
         </p:txBody>
       </p:sp>
@@ -20187,13 +19699,6 @@
   <p:clrMapOvr>
     <a:masterClrMapping/>
   </p:clrMapOvr>
-  <p:timing>
-    <p:tnLst>
-      <p:par>
-        <p:cTn id="1" dur="indefinite" restart="never" nodeType="tmRoot"/>
-      </p:par>
-    </p:tnLst>
-  </p:timing>
 </p:sld>
 </file>
 
@@ -20230,10 +19735,9 @@
           <a:lstStyle/>
           <a:p>
             <a:r>
-              <a:rPr lang="de-DE" dirty="0" smtClean="0"/>
+              <a:rPr lang="de-DE" dirty="0"/>
               <a:t>10.07.2018</a:t>
             </a:r>
-            <a:endParaRPr lang="de-DE" dirty="0"/>
           </a:p>
         </p:txBody>
       </p:sp>
@@ -20253,7 +19757,7 @@
           <a:lstStyle/>
           <a:p>
             <a:r>
-              <a:rPr lang="de-DE" smtClean="0"/>
+              <a:rPr lang="de-DE"/>
               <a:t>Legosar SS 18</a:t>
             </a:r>
             <a:endParaRPr lang="de-DE" dirty="0"/>
@@ -20276,7 +19780,7 @@
           <a:lstStyle/>
           <a:p>
             <a:r>
-              <a:rPr lang="de-DE" smtClean="0"/>
+              <a:rPr lang="de-DE"/>
               <a:t>S. </a:t>
             </a:r>
             <a:fld id="{D7EFD9E5-FB44-4C01-A2C2-48348664E7CC}" type="slidenum">
@@ -20304,7 +19808,7 @@
           <a:lstStyle/>
           <a:p>
             <a:r>
-              <a:rPr lang="de-DE" smtClean="0"/>
+              <a:rPr lang="de-DE"/>
               <a:t>Basissoftware</a:t>
             </a:r>
             <a:endParaRPr lang="de-DE" dirty="0"/>
@@ -20506,10 +20010,9 @@
           </a:lstStyle>
           <a:p>
             <a:r>
-              <a:rPr lang="de-DE" dirty="0" smtClean="0"/>
+              <a:rPr lang="de-DE" dirty="0"/>
               <a:t>Julius Roth</a:t>
             </a:r>
-            <a:endParaRPr lang="de-DE" dirty="0"/>
           </a:p>
         </p:txBody>
       </p:sp>
@@ -20523,21 +20026,6 @@
   <p:clrMapOvr>
     <a:masterClrMapping/>
   </p:clrMapOvr>
-  <mc:AlternateContent xmlns:mc="http://schemas.openxmlformats.org/markup-compatibility/2006" xmlns:p14="http://schemas.microsoft.com/office/powerpoint/2010/main">
-    <mc:Choice Requires="p14">
-      <p:transition spd="slow" p14:dur="2000"/>
-    </mc:Choice>
-    <mc:Fallback xmlns="">
-      <p:transition spd="slow"/>
-    </mc:Fallback>
-  </mc:AlternateContent>
-  <p:timing>
-    <p:tnLst>
-      <p:par>
-        <p:cTn id="1" dur="indefinite" restart="never" nodeType="tmRoot"/>
-      </p:par>
-    </p:tnLst>
-  </p:timing>
 </p:sld>
 </file>
 
@@ -20649,19 +20137,15 @@
           <a:bodyPr/>
           <a:lstStyle/>
           <a:p>
-            <a:endParaRPr lang="en-US" dirty="0" smtClean="0"/>
-          </a:p>
-          <a:p>
             <a:endParaRPr lang="en-US" dirty="0"/>
           </a:p>
           <a:p>
-            <a:r>
-              <a:rPr lang="en-US" dirty="0" smtClean="0"/>
-              <a:t>#</a:t>
-            </a:r>
+            <a:endParaRPr lang="en-US" dirty="0"/>
+          </a:p>
+          <a:p>
             <a:r>
               <a:rPr lang="en-US" dirty="0"/>
-              <a:t>define </a:t>
+              <a:t>#define </a:t>
             </a:r>
             <a:r>
               <a:rPr lang="en-US" dirty="0" err="1"/>
@@ -20681,19 +20165,15 @@
             </a:r>
           </a:p>
           <a:p>
-            <a:endParaRPr lang="en-US" dirty="0" smtClean="0"/>
-          </a:p>
-          <a:p>
             <a:endParaRPr lang="en-US" dirty="0"/>
           </a:p>
           <a:p>
-            <a:r>
-              <a:rPr lang="en-US" dirty="0" smtClean="0"/>
-              <a:t>#</a:t>
-            </a:r>
+            <a:endParaRPr lang="en-US" dirty="0"/>
+          </a:p>
+          <a:p>
             <a:r>
               <a:rPr lang="en-US" dirty="0"/>
-              <a:t>define </a:t>
+              <a:t>#define </a:t>
             </a:r>
             <a:r>
               <a:rPr lang="en-US" dirty="0" err="1"/>
@@ -20713,19 +20193,15 @@
             </a:r>
           </a:p>
           <a:p>
-            <a:endParaRPr lang="en-US" dirty="0" smtClean="0"/>
-          </a:p>
-          <a:p>
             <a:endParaRPr lang="en-US" dirty="0"/>
           </a:p>
           <a:p>
-            <a:r>
-              <a:rPr lang="en-US" dirty="0" smtClean="0"/>
-              <a:t>#</a:t>
-            </a:r>
+            <a:endParaRPr lang="en-US" dirty="0"/>
+          </a:p>
+          <a:p>
             <a:r>
               <a:rPr lang="en-US" dirty="0"/>
-              <a:t>define </a:t>
+              <a:t>#define </a:t>
             </a:r>
             <a:r>
               <a:rPr lang="en-US" dirty="0" err="1"/>
@@ -20909,10 +20385,9 @@
           </a:lstStyle>
           <a:p>
             <a:r>
-              <a:rPr lang="de-DE" dirty="0" smtClean="0"/>
+              <a:rPr lang="de-DE" dirty="0"/>
               <a:t>Julius Roth</a:t>
             </a:r>
-            <a:endParaRPr lang="de-DE" dirty="0"/>
           </a:p>
         </p:txBody>
       </p:sp>
@@ -20926,13 +20401,6 @@
   <p:clrMapOvr>
     <a:masterClrMapping/>
   </p:clrMapOvr>
-  <p:timing>
-    <p:tnLst>
-      <p:par>
-        <p:cTn id="1" dur="indefinite" restart="never" nodeType="tmRoot"/>
-      </p:par>
-    </p:tnLst>
-  </p:timing>
 </p:sld>
 </file>
 
@@ -20969,10 +20437,9 @@
           <a:lstStyle/>
           <a:p>
             <a:r>
-              <a:rPr lang="de-DE" dirty="0" smtClean="0"/>
+              <a:rPr lang="de-DE" dirty="0"/>
               <a:t>10.07.2018</a:t>
             </a:r>
-            <a:endParaRPr lang="de-DE" dirty="0"/>
           </a:p>
         </p:txBody>
       </p:sp>
@@ -20992,7 +20459,7 @@
           <a:lstStyle/>
           <a:p>
             <a:r>
-              <a:rPr lang="de-DE" smtClean="0"/>
+              <a:rPr lang="de-DE"/>
               <a:t>Legosar SS 18</a:t>
             </a:r>
             <a:endParaRPr lang="de-DE" dirty="0"/>
@@ -21015,7 +20482,7 @@
           <a:lstStyle/>
           <a:p>
             <a:r>
-              <a:rPr lang="de-DE" smtClean="0"/>
+              <a:rPr lang="de-DE"/>
               <a:t>S. </a:t>
             </a:r>
             <a:fld id="{D7EFD9E5-FB44-4C01-A2C2-48348664E7CC}" type="slidenum">
@@ -21043,7 +20510,7 @@
           <a:lstStyle/>
           <a:p>
             <a:r>
-              <a:rPr lang="de-DE" smtClean="0"/>
+              <a:rPr lang="de-DE"/>
               <a:t>Basissoftware</a:t>
             </a:r>
             <a:endParaRPr lang="de-DE" dirty="0"/>
@@ -21245,18 +20712,17 @@
           </a:lstStyle>
           <a:p>
             <a:r>
-              <a:rPr lang="de-DE" dirty="0" smtClean="0"/>
+              <a:rPr lang="de-DE" dirty="0"/>
               <a:t>Joshua </a:t>
             </a:r>
             <a:r>
-              <a:rPr lang="de-DE" dirty="0" err="1" smtClean="0"/>
+              <a:rPr lang="de-DE" dirty="0" err="1"/>
               <a:t>Parhammer</a:t>
             </a:r>
             <a:r>
-              <a:rPr lang="de-DE" dirty="0" smtClean="0"/>
+              <a:rPr lang="de-DE" dirty="0"/>
               <a:t> &amp; Korbinian Vierheilig</a:t>
             </a:r>
-            <a:endParaRPr lang="de-DE" dirty="0"/>
           </a:p>
         </p:txBody>
       </p:sp>
@@ -21270,21 +20736,6 @@
   <p:clrMapOvr>
     <a:masterClrMapping/>
   </p:clrMapOvr>
-  <mc:AlternateContent xmlns:mc="http://schemas.openxmlformats.org/markup-compatibility/2006" xmlns:p14="http://schemas.microsoft.com/office/powerpoint/2010/main">
-    <mc:Choice Requires="p14">
-      <p:transition spd="slow" p14:dur="2000"/>
-    </mc:Choice>
-    <mc:Fallback xmlns="">
-      <p:transition spd="slow"/>
-    </mc:Fallback>
-  </mc:AlternateContent>
-  <p:timing>
-    <p:tnLst>
-      <p:par>
-        <p:cTn id="1" dur="indefinite" restart="never" nodeType="tmRoot"/>
-      </p:par>
-    </p:tnLst>
-  </p:timing>
 </p:sld>
 </file>
 
@@ -21397,12 +20848,12 @@
           <a:lstStyle/>
           <a:p>
             <a:r>
-              <a:rPr lang="en-US" dirty="0" smtClean="0"/>
+              <a:rPr lang="en-US" dirty="0"/>
               <a:t>Interface</a:t>
             </a:r>
           </a:p>
           <a:p>
-            <a:endParaRPr lang="en-US" dirty="0" smtClean="0"/>
+            <a:endParaRPr lang="en-US" dirty="0"/>
           </a:p>
           <a:p>
             <a:r>
@@ -21447,7 +20898,7 @@
             </a:r>
           </a:p>
           <a:p>
-            <a:endParaRPr lang="en-US" dirty="0" smtClean="0"/>
+            <a:endParaRPr lang="en-US" dirty="0"/>
           </a:p>
           <a:p>
             <a:endParaRPr lang="en-US" dirty="0"/>
@@ -21513,7 +20964,7 @@
             </a:r>
           </a:p>
           <a:p>
-            <a:endParaRPr lang="en-US" dirty="0" smtClean="0"/>
+            <a:endParaRPr lang="en-US" dirty="0"/>
           </a:p>
         </p:txBody>
       </p:sp>
@@ -21688,18 +21139,17 @@
           </a:lstStyle>
           <a:p>
             <a:r>
-              <a:rPr lang="de-DE" dirty="0" smtClean="0"/>
+              <a:rPr lang="de-DE" dirty="0"/>
               <a:t>Joshua </a:t>
             </a:r>
             <a:r>
-              <a:rPr lang="de-DE" dirty="0" err="1" smtClean="0"/>
+              <a:rPr lang="de-DE" dirty="0" err="1"/>
               <a:t>Parhammer</a:t>
             </a:r>
             <a:r>
-              <a:rPr lang="de-DE" dirty="0" smtClean="0"/>
+              <a:rPr lang="de-DE" dirty="0"/>
               <a:t> &amp; Korbinian Vierheilig</a:t>
             </a:r>
-            <a:endParaRPr lang="de-DE" dirty="0"/>
           </a:p>
         </p:txBody>
       </p:sp>
@@ -21713,13 +21163,6 @@
   <p:clrMapOvr>
     <a:masterClrMapping/>
   </p:clrMapOvr>
-  <p:timing>
-    <p:tnLst>
-      <p:par>
-        <p:cTn id="1" dur="indefinite" restart="never" nodeType="tmRoot"/>
-      </p:par>
-    </p:tnLst>
-  </p:timing>
 </p:sld>
 </file>
 
@@ -21834,106 +21277,105 @@
             <a:endParaRPr lang="en-US" dirty="0"/>
           </a:p>
           <a:p>
-            <a:endParaRPr lang="en-US" dirty="0" smtClean="0"/>
-          </a:p>
-          <a:p>
             <a:endParaRPr lang="en-US" dirty="0"/>
           </a:p>
           <a:p>
-            <a:r>
-              <a:rPr lang="fr-FR" dirty="0" smtClean="0"/>
+            <a:endParaRPr lang="en-US" dirty="0"/>
+          </a:p>
+          <a:p>
+            <a:r>
+              <a:rPr lang="fr-FR" dirty="0"/>
               <a:t>U8 </a:t>
             </a:r>
             <a:r>
-              <a:rPr lang="fr-FR" dirty="0" err="1" smtClean="0"/>
+              <a:rPr lang="fr-FR" dirty="0" err="1"/>
               <a:t>adc_int_init</a:t>
             </a:r>
             <a:r>
-              <a:rPr lang="fr-FR" dirty="0" smtClean="0"/>
+              <a:rPr lang="fr-FR" dirty="0"/>
               <a:t>(U8 </a:t>
             </a:r>
             <a:r>
-              <a:rPr lang="fr-FR" dirty="0" err="1" smtClean="0"/>
+              <a:rPr lang="fr-FR" dirty="0" err="1"/>
               <a:t>port_id</a:t>
             </a:r>
             <a:r>
-              <a:rPr lang="fr-FR" dirty="0" smtClean="0"/>
+              <a:rPr lang="fr-FR" dirty="0"/>
               <a:t>)</a:t>
             </a:r>
-            <a:endParaRPr lang="en-US" dirty="0" smtClean="0"/>
-          </a:p>
-          <a:p>
-            <a:endParaRPr lang="en-US" dirty="0" smtClean="0"/>
-          </a:p>
-          <a:p>
-            <a:endParaRPr lang="en-US" dirty="0" smtClean="0"/>
-          </a:p>
-          <a:p>
-            <a:r>
-              <a:rPr lang="en-US" dirty="0" smtClean="0"/>
+            <a:endParaRPr lang="en-US" dirty="0"/>
+          </a:p>
+          <a:p>
+            <a:endParaRPr lang="en-US" dirty="0"/>
+          </a:p>
+          <a:p>
+            <a:endParaRPr lang="en-US" dirty="0"/>
+          </a:p>
+          <a:p>
+            <a:r>
+              <a:rPr lang="en-US" dirty="0"/>
               <a:t>U8 </a:t>
             </a:r>
             <a:r>
-              <a:rPr lang="en-US" dirty="0" err="1" smtClean="0"/>
+              <a:rPr lang="en-US" dirty="0" err="1"/>
               <a:t>adc_int</a:t>
             </a:r>
             <a:r>
-              <a:rPr lang="en-US" dirty="0" smtClean="0"/>
+              <a:rPr lang="en-US" dirty="0"/>
               <a:t>(U8 </a:t>
             </a:r>
             <a:r>
-              <a:rPr lang="en-US" dirty="0" err="1" smtClean="0"/>
+              <a:rPr lang="en-US" dirty="0" err="1"/>
               <a:t>port_id</a:t>
             </a:r>
             <a:r>
-              <a:rPr lang="en-US" dirty="0" smtClean="0"/>
+              <a:rPr lang="en-US" dirty="0"/>
               <a:t>, U8 address, U8 </a:t>
             </a:r>
             <a:r>
-              <a:rPr lang="en-US" dirty="0" err="1" smtClean="0"/>
+              <a:rPr lang="en-US" dirty="0" err="1"/>
               <a:t>icPin</a:t>
             </a:r>
             <a:r>
-              <a:rPr lang="en-US" dirty="0" smtClean="0"/>
+              <a:rPr lang="en-US" dirty="0"/>
               <a:t>)</a:t>
             </a:r>
           </a:p>
           <a:p>
-            <a:endParaRPr lang="en-US" dirty="0" smtClean="0"/>
-          </a:p>
-          <a:p>
-            <a:endParaRPr lang="en-US" dirty="0" smtClean="0"/>
-          </a:p>
-          <a:p>
-            <a:r>
-              <a:rPr lang="en-US" dirty="0" smtClean="0"/>
+            <a:endParaRPr lang="en-US" dirty="0"/>
+          </a:p>
+          <a:p>
+            <a:endParaRPr lang="en-US" dirty="0"/>
+          </a:p>
+          <a:p>
+            <a:r>
+              <a:rPr lang="en-US" dirty="0"/>
               <a:t>U8 </a:t>
             </a:r>
             <a:r>
-              <a:rPr lang="en-US" dirty="0" err="1" smtClean="0"/>
+              <a:rPr lang="en-US" dirty="0" err="1"/>
               <a:t>adc_ext</a:t>
             </a:r>
             <a:r>
-              <a:rPr lang="en-US" dirty="0" smtClean="0"/>
+              <a:rPr lang="en-US" dirty="0"/>
               <a:t>(U8 </a:t>
             </a:r>
             <a:r>
-              <a:rPr lang="en-US" dirty="0" err="1" smtClean="0"/>
+              <a:rPr lang="en-US" dirty="0" err="1"/>
               <a:t>port_id</a:t>
             </a:r>
             <a:r>
-              <a:rPr lang="en-US" dirty="0" smtClean="0"/>
+              <a:rPr lang="en-US" dirty="0"/>
               <a:t>, U8 address, U8 </a:t>
             </a:r>
             <a:r>
-              <a:rPr lang="en-US" dirty="0" err="1" smtClean="0"/>
+              <a:rPr lang="en-US" dirty="0" err="1"/>
               <a:t>icPin</a:t>
             </a:r>
             <a:r>
-              <a:rPr lang="en-US" dirty="0" smtClean="0"/>
+              <a:rPr lang="en-US" dirty="0"/>
               <a:t>)</a:t>
             </a:r>
-            <a:endParaRPr lang="en-US" dirty="0"/>
           </a:p>
         </p:txBody>
       </p:sp>
@@ -22108,18 +21550,17 @@
           </a:lstStyle>
           <a:p>
             <a:r>
-              <a:rPr lang="de-DE" dirty="0" smtClean="0"/>
+              <a:rPr lang="de-DE" dirty="0"/>
               <a:t>Joshua </a:t>
             </a:r>
             <a:r>
-              <a:rPr lang="de-DE" dirty="0" err="1" smtClean="0"/>
+              <a:rPr lang="de-DE" dirty="0" err="1"/>
               <a:t>Parhammer</a:t>
             </a:r>
             <a:r>
-              <a:rPr lang="de-DE" dirty="0" smtClean="0"/>
+              <a:rPr lang="de-DE" dirty="0"/>
               <a:t> &amp; Korbinian Vierheilig</a:t>
             </a:r>
-            <a:endParaRPr lang="de-DE" dirty="0"/>
           </a:p>
         </p:txBody>
       </p:sp>
@@ -22133,13 +21574,6 @@
   <p:clrMapOvr>
     <a:masterClrMapping/>
   </p:clrMapOvr>
-  <p:timing>
-    <p:tnLst>
-      <p:par>
-        <p:cTn id="1" dur="indefinite" restart="never" nodeType="tmRoot"/>
-      </p:par>
-    </p:tnLst>
-  </p:timing>
 </p:sld>
 </file>
 
@@ -22198,7 +21632,7 @@
           <a:lstStyle/>
           <a:p>
             <a:r>
-              <a:rPr lang="de-DE" smtClean="0"/>
+              <a:rPr lang="de-DE"/>
               <a:t>Legosar SS 18</a:t>
             </a:r>
             <a:endParaRPr lang="de-DE" dirty="0"/>
@@ -22221,7 +21655,7 @@
           <a:lstStyle/>
           <a:p>
             <a:r>
-              <a:rPr lang="de-DE" smtClean="0"/>
+              <a:rPr lang="de-DE"/>
               <a:t>S. </a:t>
             </a:r>
             <a:fld id="{D7EFD9E5-FB44-4C01-A2C2-48348664E7CC}" type="slidenum">
@@ -22253,7 +21687,7 @@
               <a:buAutoNum type="romanUcPeriod"/>
             </a:pPr>
             <a:r>
-              <a:rPr lang="de-DE" b="1" dirty="0" smtClean="0"/>
+              <a:rPr lang="de-DE" b="1" dirty="0"/>
               <a:t>Funktionalitäten</a:t>
             </a:r>
           </a:p>
@@ -22263,7 +21697,7 @@
               <a:buAutoNum type="romanUcPeriod"/>
             </a:pPr>
             <a:r>
-              <a:rPr lang="de-DE" b="1" dirty="0" smtClean="0"/>
+              <a:rPr lang="de-DE" b="1" dirty="0"/>
               <a:t>Softwarekomponenten</a:t>
             </a:r>
           </a:p>
@@ -22283,7 +21717,7 @@
               <a:buAutoNum type="romanUcPeriod"/>
             </a:pPr>
             <a:r>
-              <a:rPr lang="de-DE" b="1" dirty="0" smtClean="0"/>
+              <a:rPr lang="de-DE" b="1" dirty="0"/>
               <a:t>Basissoftware</a:t>
             </a:r>
           </a:p>
@@ -22293,7 +21727,7 @@
               <a:buAutoNum type="romanUcPeriod"/>
             </a:pPr>
             <a:r>
-              <a:rPr lang="de-DE" b="1" dirty="0" smtClean="0"/>
+              <a:rPr lang="de-DE" b="1" dirty="0"/>
               <a:t>EMF Metamodell</a:t>
             </a:r>
           </a:p>
@@ -22303,7 +21737,7 @@
               <a:buAutoNum type="romanUcPeriod"/>
             </a:pPr>
             <a:r>
-              <a:rPr lang="de-DE" b="1" dirty="0" smtClean="0"/>
+              <a:rPr lang="de-DE" b="1" dirty="0"/>
               <a:t>Erstellen einer Konfiguration</a:t>
             </a:r>
           </a:p>
@@ -22313,10 +21747,9 @@
               <a:buAutoNum type="romanUcPeriod"/>
             </a:pPr>
             <a:r>
-              <a:rPr lang="de-DE" b="1" dirty="0" smtClean="0"/>
+              <a:rPr lang="de-DE" b="1" dirty="0"/>
               <a:t>Generator</a:t>
             </a:r>
-            <a:endParaRPr lang="de-DE" b="1" dirty="0"/>
           </a:p>
         </p:txBody>
       </p:sp>
@@ -22336,10 +21769,9 @@
           <a:lstStyle/>
           <a:p>
             <a:r>
-              <a:rPr lang="de-DE" dirty="0" smtClean="0"/>
+              <a:rPr lang="de-DE" dirty="0"/>
               <a:t>Inhalt</a:t>
             </a:r>
-            <a:endParaRPr lang="de-DE" dirty="0"/>
           </a:p>
         </p:txBody>
       </p:sp>
@@ -22353,13 +21785,6 @@
   <p:clrMapOvr>
     <a:masterClrMapping/>
   </p:clrMapOvr>
-  <p:timing>
-    <p:tnLst>
-      <p:par>
-        <p:cTn id="1" dur="indefinite" restart="never" nodeType="tmRoot"/>
-      </p:par>
-    </p:tnLst>
-  </p:timing>
 </p:sld>
 </file>
 
@@ -22396,10 +21821,9 @@
           <a:lstStyle/>
           <a:p>
             <a:r>
-              <a:rPr lang="de-DE" dirty="0" smtClean="0"/>
+              <a:rPr lang="de-DE" dirty="0"/>
               <a:t>10.07.2018</a:t>
             </a:r>
-            <a:endParaRPr lang="de-DE" dirty="0"/>
           </a:p>
         </p:txBody>
       </p:sp>
@@ -22419,7 +21843,7 @@
           <a:lstStyle/>
           <a:p>
             <a:r>
-              <a:rPr lang="de-DE" smtClean="0"/>
+              <a:rPr lang="de-DE"/>
               <a:t>Legosar SS 18</a:t>
             </a:r>
             <a:endParaRPr lang="de-DE" dirty="0"/>
@@ -22442,7 +21866,7 @@
           <a:lstStyle/>
           <a:p>
             <a:r>
-              <a:rPr lang="de-DE" smtClean="0"/>
+              <a:rPr lang="de-DE"/>
               <a:t>S. </a:t>
             </a:r>
             <a:fld id="{D7EFD9E5-FB44-4C01-A2C2-48348664E7CC}" type="slidenum">
@@ -22470,7 +21894,7 @@
           <a:lstStyle/>
           <a:p>
             <a:r>
-              <a:rPr lang="de-DE" smtClean="0"/>
+              <a:rPr lang="de-DE"/>
               <a:t>Basissoftware</a:t>
             </a:r>
             <a:endParaRPr lang="de-DE" dirty="0"/>
@@ -22672,11 +22096,11 @@
           </a:lstStyle>
           <a:p>
             <a:r>
-              <a:rPr lang="de-DE" dirty="0" smtClean="0"/>
+              <a:rPr lang="de-DE" dirty="0"/>
               <a:t>Florian </a:t>
             </a:r>
             <a:r>
-              <a:rPr lang="de-DE" dirty="0" err="1" smtClean="0"/>
+              <a:rPr lang="de-DE" dirty="0" err="1"/>
               <a:t>Boemmel</a:t>
             </a:r>
             <a:endParaRPr lang="de-DE" dirty="0"/>
@@ -22693,21 +22117,6 @@
   <p:clrMapOvr>
     <a:masterClrMapping/>
   </p:clrMapOvr>
-  <mc:AlternateContent xmlns:mc="http://schemas.openxmlformats.org/markup-compatibility/2006" xmlns:p14="http://schemas.microsoft.com/office/powerpoint/2010/main">
-    <mc:Choice Requires="p14">
-      <p:transition spd="slow" p14:dur="2000"/>
-    </mc:Choice>
-    <mc:Fallback xmlns="">
-      <p:transition spd="slow"/>
-    </mc:Fallback>
-  </mc:AlternateContent>
-  <p:timing>
-    <p:tnLst>
-      <p:par>
-        <p:cTn id="1" dur="indefinite" restart="never" nodeType="tmRoot"/>
-      </p:par>
-    </p:tnLst>
-  </p:timing>
 </p:sld>
 </file>
 
@@ -22822,20 +22231,20 @@
           <a:lstStyle/>
           <a:p>
             <a:r>
-              <a:rPr lang="de-DE" dirty="0" smtClean="0"/>
+              <a:rPr lang="de-DE" dirty="0"/>
               <a:t>Interface</a:t>
             </a:r>
           </a:p>
           <a:p>
-            <a:endParaRPr lang="de-DE" dirty="0" smtClean="0"/>
-          </a:p>
-          <a:p>
-            <a:r>
-              <a:rPr lang="de-DE" dirty="0" err="1" smtClean="0"/>
+            <a:endParaRPr lang="de-DE" dirty="0"/>
+          </a:p>
+          <a:p>
+            <a:r>
+              <a:rPr lang="de-DE" dirty="0" err="1"/>
               <a:t>const</a:t>
             </a:r>
             <a:r>
-              <a:rPr lang="de-DE" dirty="0" smtClean="0"/>
+              <a:rPr lang="de-DE" dirty="0"/>
               <a:t> </a:t>
             </a:r>
             <a:r>
@@ -22864,14 +22273,14 @@
             </a:r>
           </a:p>
           <a:p>
-            <a:endParaRPr lang="de-DE" dirty="0" smtClean="0"/>
-          </a:p>
-          <a:p>
-            <a:endParaRPr lang="de-DE" dirty="0" smtClean="0"/>
-          </a:p>
-          <a:p>
-            <a:r>
-              <a:rPr lang="de-DE" dirty="0" smtClean="0"/>
+            <a:endParaRPr lang="de-DE" dirty="0"/>
+          </a:p>
+          <a:p>
+            <a:endParaRPr lang="de-DE" dirty="0"/>
+          </a:p>
+          <a:p>
+            <a:r>
+              <a:rPr lang="de-DE" dirty="0"/>
               <a:t>#</a:t>
             </a:r>
             <a:r>
@@ -22918,11 +22327,7 @@
             </a:r>
             <a:r>
               <a:rPr lang="de-DE" dirty="0"/>
-              <a:t>])(Port, Adresse</a:t>
-            </a:r>
-            <a:r>
-              <a:rPr lang="de-DE" dirty="0" smtClean="0"/>
-              <a:t>)</a:t>
+              <a:t>])(Port, Adresse)</a:t>
             </a:r>
           </a:p>
           <a:p>
@@ -22933,10 +22338,9 @@
               <a:rPr lang="de-DE" dirty="0"/>
               <a:t> </a:t>
             </a:r>
-            <a:endParaRPr lang="de-DE" dirty="0" smtClean="0"/>
-          </a:p>
-          <a:p>
-            <a:endParaRPr lang="de-DE" dirty="0" smtClean="0"/>
+          </a:p>
+          <a:p>
+            <a:endParaRPr lang="de-DE" dirty="0"/>
           </a:p>
           <a:p>
             <a:r>
@@ -22973,14 +22377,14 @@
             </a:r>
           </a:p>
           <a:p>
-            <a:endParaRPr lang="de-DE" dirty="0" smtClean="0"/>
-          </a:p>
-          <a:p>
             <a:endParaRPr lang="de-DE" dirty="0"/>
           </a:p>
           <a:p>
-            <a:r>
-              <a:rPr lang="de-DE" dirty="0" smtClean="0"/>
+            <a:endParaRPr lang="de-DE" dirty="0"/>
+          </a:p>
+          <a:p>
+            <a:r>
+              <a:rPr lang="de-DE" dirty="0"/>
               <a:t>#</a:t>
             </a:r>
             <a:r>
@@ -23027,11 +22431,7 @@
             </a:r>
             <a:r>
               <a:rPr lang="de-DE" dirty="0"/>
-              <a:t>])(Port, Adresse, Pin, Level</a:t>
-            </a:r>
-            <a:r>
-              <a:rPr lang="de-DE" dirty="0" smtClean="0"/>
-              <a:t>)</a:t>
+              <a:t>])(Port, Adresse, Pin, Level)</a:t>
             </a:r>
           </a:p>
           <a:p>
@@ -23202,11 +22602,11 @@
           </a:lstStyle>
           <a:p>
             <a:r>
-              <a:rPr lang="de-DE" dirty="0" smtClean="0"/>
+              <a:rPr lang="de-DE" dirty="0"/>
               <a:t>Florian </a:t>
             </a:r>
             <a:r>
-              <a:rPr lang="de-DE" dirty="0" err="1" smtClean="0"/>
+              <a:rPr lang="de-DE" dirty="0" err="1"/>
               <a:t>Boemmel</a:t>
             </a:r>
             <a:endParaRPr lang="de-DE" dirty="0"/>
@@ -23223,13 +22623,6 @@
   <p:clrMapOvr>
     <a:masterClrMapping/>
   </p:clrMapOvr>
-  <p:timing>
-    <p:tnLst>
-      <p:par>
-        <p:cTn id="1" dur="indefinite" restart="never" nodeType="tmRoot"/>
-      </p:par>
-    </p:tnLst>
-  </p:timing>
 </p:sld>
 </file>
 
@@ -23346,14 +22739,14 @@
             <a:endParaRPr lang="de-DE" dirty="0"/>
           </a:p>
           <a:p>
-            <a:endParaRPr lang="de-DE" dirty="0" smtClean="0"/>
-          </a:p>
-          <a:p>
-            <a:endParaRPr lang="de-DE" dirty="0" smtClean="0"/>
-          </a:p>
-          <a:p>
-            <a:r>
-              <a:rPr lang="de-DE" dirty="0" smtClean="0"/>
+            <a:endParaRPr lang="de-DE" dirty="0"/>
+          </a:p>
+          <a:p>
+            <a:endParaRPr lang="de-DE" dirty="0"/>
+          </a:p>
+          <a:p>
+            <a:r>
+              <a:rPr lang="de-DE" dirty="0"/>
               <a:t>U8 </a:t>
             </a:r>
             <a:r>
@@ -23382,17 +22775,17 @@
             </a:r>
           </a:p>
           <a:p>
-            <a:endParaRPr lang="de-DE" dirty="0" smtClean="0"/>
-          </a:p>
-          <a:p>
-            <a:endParaRPr lang="de-DE" dirty="0" smtClean="0"/>
-          </a:p>
-          <a:p>
-            <a:endParaRPr lang="de-DE" dirty="0" smtClean="0"/>
-          </a:p>
-          <a:p>
-            <a:r>
-              <a:rPr lang="en-US" dirty="0" smtClean="0"/>
+            <a:endParaRPr lang="de-DE" dirty="0"/>
+          </a:p>
+          <a:p>
+            <a:endParaRPr lang="de-DE" dirty="0"/>
+          </a:p>
+          <a:p>
+            <a:endParaRPr lang="de-DE" dirty="0"/>
+          </a:p>
+          <a:p>
+            <a:r>
+              <a:rPr lang="en-US" dirty="0"/>
               <a:t>void </a:t>
             </a:r>
             <a:r>
@@ -23580,11 +22973,11 @@
           </a:lstStyle>
           <a:p>
             <a:r>
-              <a:rPr lang="de-DE" dirty="0" smtClean="0"/>
+              <a:rPr lang="de-DE" dirty="0"/>
               <a:t>Florian </a:t>
             </a:r>
             <a:r>
-              <a:rPr lang="de-DE" dirty="0" err="1" smtClean="0"/>
+              <a:rPr lang="de-DE" dirty="0" err="1"/>
               <a:t>Boemmel</a:t>
             </a:r>
             <a:endParaRPr lang="de-DE" dirty="0"/>
@@ -23601,13 +22994,6 @@
   <p:clrMapOvr>
     <a:masterClrMapping/>
   </p:clrMapOvr>
-  <p:timing>
-    <p:tnLst>
-      <p:par>
-        <p:cTn id="1" dur="indefinite" restart="never" nodeType="tmRoot"/>
-      </p:par>
-    </p:tnLst>
-  </p:timing>
 </p:sld>
 </file>
 
@@ -23644,10 +23030,9 @@
           <a:lstStyle/>
           <a:p>
             <a:r>
-              <a:rPr lang="de-DE" dirty="0" smtClean="0"/>
+              <a:rPr lang="de-DE" dirty="0"/>
               <a:t>10.07.2018</a:t>
             </a:r>
-            <a:endParaRPr lang="de-DE" dirty="0"/>
           </a:p>
         </p:txBody>
       </p:sp>
@@ -23667,7 +23052,7 @@
           <a:lstStyle/>
           <a:p>
             <a:r>
-              <a:rPr lang="de-DE" smtClean="0"/>
+              <a:rPr lang="de-DE"/>
               <a:t>Legosar SS 18</a:t>
             </a:r>
             <a:endParaRPr lang="de-DE" dirty="0"/>
@@ -23690,7 +23075,7 @@
           <a:lstStyle/>
           <a:p>
             <a:r>
-              <a:rPr lang="de-DE" smtClean="0"/>
+              <a:rPr lang="de-DE"/>
               <a:t>S. </a:t>
             </a:r>
             <a:fld id="{D7EFD9E5-FB44-4C01-A2C2-48348664E7CC}" type="slidenum">
@@ -23718,7 +23103,7 @@
           <a:lstStyle/>
           <a:p>
             <a:r>
-              <a:rPr lang="de-DE" smtClean="0"/>
+              <a:rPr lang="de-DE"/>
               <a:t>Basissoftware</a:t>
             </a:r>
             <a:endParaRPr lang="de-DE" dirty="0"/>
@@ -23920,11 +23305,11 @@
           </a:lstStyle>
           <a:p>
             <a:r>
-              <a:rPr lang="de-DE" dirty="0" smtClean="0"/>
+              <a:rPr lang="de-DE" dirty="0"/>
               <a:t>Florian </a:t>
             </a:r>
             <a:r>
-              <a:rPr lang="de-DE" dirty="0" err="1" smtClean="0"/>
+              <a:rPr lang="de-DE" dirty="0" err="1"/>
               <a:t>Boemmel</a:t>
             </a:r>
             <a:endParaRPr lang="de-DE" dirty="0"/>
@@ -23941,21 +23326,6 @@
   <p:clrMapOvr>
     <a:masterClrMapping/>
   </p:clrMapOvr>
-  <mc:AlternateContent xmlns:mc="http://schemas.openxmlformats.org/markup-compatibility/2006" xmlns:p14="http://schemas.microsoft.com/office/powerpoint/2010/main">
-    <mc:Choice Requires="p14">
-      <p:transition spd="slow" p14:dur="2000"/>
-    </mc:Choice>
-    <mc:Fallback xmlns="">
-      <p:transition spd="slow"/>
-    </mc:Fallback>
-  </mc:AlternateContent>
-  <p:timing>
-    <p:tnLst>
-      <p:par>
-        <p:cTn id="1" dur="indefinite" restart="never" nodeType="tmRoot"/>
-      </p:par>
-    </p:tnLst>
-  </p:timing>
 </p:sld>
 </file>
 
@@ -24068,11 +23438,11 @@
           <a:bodyPr/>
           <a:lstStyle/>
           <a:p>
-            <a:endParaRPr lang="de-DE" dirty="0" smtClean="0"/>
-          </a:p>
-          <a:p>
-            <a:r>
-              <a:rPr lang="de-DE" dirty="0" smtClean="0"/>
+            <a:endParaRPr lang="de-DE" dirty="0"/>
+          </a:p>
+          <a:p>
+            <a:r>
+              <a:rPr lang="de-DE" dirty="0"/>
               <a:t>#</a:t>
             </a:r>
             <a:r>
@@ -24097,27 +23467,19 @@
             </a:r>
             <a:r>
               <a:rPr lang="de-DE" dirty="0"/>
-              <a:t>, LOWSPEED</a:t>
-            </a:r>
-            <a:r>
-              <a:rPr lang="de-DE" dirty="0" smtClean="0"/>
-              <a:t>)</a:t>
+              <a:t>, LOWSPEED)</a:t>
             </a:r>
           </a:p>
           <a:p>
             <a:endParaRPr lang="en-US" dirty="0"/>
           </a:p>
           <a:p>
-            <a:endParaRPr lang="en-US" dirty="0" smtClean="0"/>
-          </a:p>
-          <a:p>
-            <a:r>
-              <a:rPr lang="en-US" dirty="0" smtClean="0"/>
-              <a:t>#</a:t>
-            </a:r>
+            <a:endParaRPr lang="en-US" dirty="0"/>
+          </a:p>
+          <a:p>
             <a:r>
               <a:rPr lang="en-US" dirty="0"/>
-              <a:t>define i2c_read_reg(</a:t>
+              <a:t>#define i2c_read_reg(</a:t>
             </a:r>
             <a:r>
               <a:rPr lang="en-US" dirty="0" err="1"/>
@@ -24136,21 +23498,21 @@
               <a:t>, buffer, </a:t>
             </a:r>
             <a:r>
-              <a:rPr lang="en-US" dirty="0" err="1" smtClean="0"/>
+              <a:rPr lang="en-US" dirty="0" err="1"/>
               <a:t>bufferSize</a:t>
             </a:r>
             <a:r>
-              <a:rPr lang="en-US" dirty="0" smtClean="0"/>
+              <a:rPr lang="en-US" dirty="0"/>
               <a:t>) \</a:t>
             </a:r>
           </a:p>
           <a:p>
             <a:r>
-              <a:rPr lang="en-US" dirty="0" smtClean="0"/>
+              <a:rPr lang="en-US" dirty="0"/>
               <a:t>ecrobot_read_i2c(</a:t>
             </a:r>
             <a:r>
-              <a:rPr lang="en-US" dirty="0" err="1" smtClean="0"/>
+              <a:rPr lang="en-US" dirty="0" err="1"/>
               <a:t>port_id</a:t>
             </a:r>
             <a:r>
@@ -24175,14 +23537,14 @@
             </a:r>
           </a:p>
           <a:p>
-            <a:endParaRPr lang="en-US" dirty="0" smtClean="0"/>
-          </a:p>
-          <a:p>
-            <a:endParaRPr lang="en-US" dirty="0" smtClean="0"/>
-          </a:p>
-          <a:p>
-            <a:r>
-              <a:rPr lang="de-DE" dirty="0" smtClean="0"/>
+            <a:endParaRPr lang="en-US" dirty="0"/>
+          </a:p>
+          <a:p>
+            <a:endParaRPr lang="en-US" dirty="0"/>
+          </a:p>
+          <a:p>
+            <a:r>
+              <a:rPr lang="de-DE" dirty="0"/>
               <a:t>#</a:t>
             </a:r>
             <a:r>
@@ -24218,15 +23580,15 @@
               <a:t>, </a:t>
             </a:r>
             <a:r>
-              <a:rPr lang="de-DE" dirty="0" err="1" smtClean="0"/>
+              <a:rPr lang="de-DE" dirty="0" err="1"/>
               <a:t>bufferSize</a:t>
             </a:r>
             <a:r>
-              <a:rPr lang="de-DE" dirty="0" smtClean="0"/>
+              <a:rPr lang="de-DE" dirty="0"/>
               <a:t>) \ ecrobot_send_i2c(</a:t>
             </a:r>
             <a:r>
-              <a:rPr lang="de-DE" dirty="0" err="1" smtClean="0"/>
+              <a:rPr lang="de-DE" dirty="0" err="1"/>
               <a:t>port_id</a:t>
             </a:r>
             <a:r>
@@ -24423,11 +23785,11 @@
           </a:lstStyle>
           <a:p>
             <a:r>
-              <a:rPr lang="de-DE" dirty="0" smtClean="0"/>
+              <a:rPr lang="de-DE" dirty="0"/>
               <a:t>Florian </a:t>
             </a:r>
             <a:r>
-              <a:rPr lang="de-DE" dirty="0" err="1" smtClean="0"/>
+              <a:rPr lang="de-DE" dirty="0" err="1"/>
               <a:t>Boemmel</a:t>
             </a:r>
             <a:endParaRPr lang="de-DE" dirty="0"/>
@@ -24444,13 +23806,6 @@
   <p:clrMapOvr>
     <a:masterClrMapping/>
   </p:clrMapOvr>
-  <p:timing>
-    <p:tnLst>
-      <p:par>
-        <p:cTn id="1" dur="indefinite" restart="never" nodeType="tmRoot"/>
-      </p:par>
-    </p:tnLst>
-  </p:timing>
 </p:sld>
 </file>
 
@@ -24487,10 +23842,9 @@
           <a:lstStyle/>
           <a:p>
             <a:r>
-              <a:rPr lang="de-DE" dirty="0" smtClean="0"/>
+              <a:rPr lang="de-DE" dirty="0"/>
               <a:t>10.07.2018</a:t>
             </a:r>
-            <a:endParaRPr lang="de-DE" dirty="0"/>
           </a:p>
         </p:txBody>
       </p:sp>
@@ -24599,10 +23953,9 @@
           <a:lstStyle/>
           <a:p>
             <a:r>
-              <a:rPr lang="de-DE" dirty="0" smtClean="0"/>
+              <a:rPr lang="de-DE" dirty="0"/>
               <a:t>Metamodell</a:t>
             </a:r>
-            <a:endParaRPr lang="de-DE" dirty="0"/>
           </a:p>
         </p:txBody>
       </p:sp>
@@ -24741,13 +24094,6 @@
   <p:clrMapOvr>
     <a:masterClrMapping/>
   </p:clrMapOvr>
-  <p:timing>
-    <p:tnLst>
-      <p:par>
-        <p:cTn id="1" dur="indefinite" restart="never" nodeType="tmRoot"/>
-      </p:par>
-    </p:tnLst>
-  </p:timing>
 </p:sld>
 </file>
 
@@ -24784,10 +24130,9 @@
           <a:lstStyle/>
           <a:p>
             <a:r>
-              <a:rPr lang="de-DE" dirty="0" smtClean="0"/>
+              <a:rPr lang="de-DE" dirty="0"/>
               <a:t>10.07.2018</a:t>
             </a:r>
-            <a:endParaRPr lang="de-DE" dirty="0"/>
           </a:p>
         </p:txBody>
       </p:sp>
@@ -24896,10 +24241,9 @@
           <a:lstStyle/>
           <a:p>
             <a:r>
-              <a:rPr lang="de-DE" dirty="0" smtClean="0"/>
+              <a:rPr lang="de-DE" dirty="0"/>
               <a:t>Metamodel</a:t>
             </a:r>
-            <a:endParaRPr lang="de-DE" dirty="0"/>
           </a:p>
         </p:txBody>
       </p:sp>
@@ -25038,13 +24382,6 @@
   <p:clrMapOvr>
     <a:masterClrMapping/>
   </p:clrMapOvr>
-  <p:timing>
-    <p:tnLst>
-      <p:par>
-        <p:cTn id="1" dur="indefinite" restart="never" nodeType="tmRoot"/>
-      </p:par>
-    </p:tnLst>
-  </p:timing>
 </p:sld>
 </file>
 
@@ -25081,10 +24418,9 @@
           <a:lstStyle/>
           <a:p>
             <a:r>
-              <a:rPr lang="de-DE" dirty="0" smtClean="0"/>
+              <a:rPr lang="de-DE" dirty="0"/>
               <a:t>10.07.2018</a:t>
             </a:r>
-            <a:endParaRPr lang="de-DE" dirty="0"/>
           </a:p>
         </p:txBody>
       </p:sp>
@@ -25193,10 +24529,9 @@
           <a:lstStyle/>
           <a:p>
             <a:r>
-              <a:rPr lang="de-DE" dirty="0" smtClean="0"/>
+              <a:rPr lang="de-DE" dirty="0"/>
               <a:t>Metamodell</a:t>
             </a:r>
-            <a:endParaRPr lang="de-DE" dirty="0"/>
           </a:p>
         </p:txBody>
       </p:sp>
@@ -25335,13 +24670,6 @@
   <p:clrMapOvr>
     <a:masterClrMapping/>
   </p:clrMapOvr>
-  <p:timing>
-    <p:tnLst>
-      <p:par>
-        <p:cTn id="1" dur="indefinite" restart="never" nodeType="tmRoot"/>
-      </p:par>
-    </p:tnLst>
-  </p:timing>
 </p:sld>
 </file>
 
@@ -25378,10 +24706,9 @@
           <a:lstStyle/>
           <a:p>
             <a:r>
-              <a:rPr lang="de-DE" dirty="0" smtClean="0"/>
+              <a:rPr lang="de-DE" dirty="0"/>
               <a:t>10.07.2018</a:t>
             </a:r>
-            <a:endParaRPr lang="de-DE" dirty="0"/>
           </a:p>
         </p:txBody>
       </p:sp>
@@ -25439,12 +24766,159 @@
           </a:p>
         </p:txBody>
       </p:sp>
+      <p:sp>
+        <p:nvSpPr>
+          <p:cNvPr id="7" name="Titel 6"/>
+          <p:cNvSpPr>
+            <a:spLocks noGrp="1"/>
+          </p:cNvSpPr>
+          <p:nvPr>
+            <p:ph type="title"/>
+          </p:nvPr>
+        </p:nvSpPr>
+        <p:spPr/>
+        <p:txBody>
+          <a:bodyPr/>
+          <a:lstStyle/>
+          <a:p>
+            <a:r>
+              <a:rPr lang="de-DE" dirty="0"/>
+              <a:t>Metamodell</a:t>
+            </a:r>
+          </a:p>
+        </p:txBody>
+      </p:sp>
+      <p:sp>
+        <p:nvSpPr>
+          <p:cNvPr id="8" name="Fußzeilenplatzhalter 2"/>
+          <p:cNvSpPr txBox="1">
+            <a:spLocks/>
+          </p:cNvSpPr>
+          <p:nvPr/>
+        </p:nvSpPr>
+        <p:spPr>
+          <a:xfrm>
+            <a:off x="2227693" y="4779945"/>
+            <a:ext cx="1562216" cy="369901"/>
+          </a:xfrm>
+          <a:prstGeom prst="rect">
+            <a:avLst/>
+          </a:prstGeom>
+        </p:spPr>
+        <p:txBody>
+          <a:bodyPr vert="horz" lIns="0" tIns="34289" rIns="68576" bIns="34289" rtlCol="0" anchor="ctr"/>
+          <a:lstStyle>
+            <a:defPPr>
+              <a:defRPr lang="de-DE"/>
+            </a:defPPr>
+            <a:lvl1pPr marL="0" algn="l" defTabSz="685749" rtl="0" eaLnBrk="1" latinLnBrk="0" hangingPunct="1">
+              <a:defRPr sz="600" kern="1200">
+                <a:solidFill>
+                  <a:schemeClr val="tx1">
+                    <a:lumMod val="65000"/>
+                    <a:lumOff val="35000"/>
+                  </a:schemeClr>
+                </a:solidFill>
+                <a:latin typeface="+mn-lt"/>
+                <a:ea typeface="+mn-ea"/>
+                <a:cs typeface="+mn-cs"/>
+              </a:defRPr>
+            </a:lvl1pPr>
+            <a:lvl2pPr marL="342875" algn="l" defTabSz="685749" rtl="0" eaLnBrk="1" latinLnBrk="0" hangingPunct="1">
+              <a:defRPr sz="1400" kern="1200">
+                <a:solidFill>
+                  <a:schemeClr val="tx1"/>
+                </a:solidFill>
+                <a:latin typeface="+mn-lt"/>
+                <a:ea typeface="+mn-ea"/>
+                <a:cs typeface="+mn-cs"/>
+              </a:defRPr>
+            </a:lvl2pPr>
+            <a:lvl3pPr marL="685749" algn="l" defTabSz="685749" rtl="0" eaLnBrk="1" latinLnBrk="0" hangingPunct="1">
+              <a:defRPr sz="1400" kern="1200">
+                <a:solidFill>
+                  <a:schemeClr val="tx1"/>
+                </a:solidFill>
+                <a:latin typeface="+mn-lt"/>
+                <a:ea typeface="+mn-ea"/>
+                <a:cs typeface="+mn-cs"/>
+              </a:defRPr>
+            </a:lvl3pPr>
+            <a:lvl4pPr marL="1028624" algn="l" defTabSz="685749" rtl="0" eaLnBrk="1" latinLnBrk="0" hangingPunct="1">
+              <a:defRPr sz="1400" kern="1200">
+                <a:solidFill>
+                  <a:schemeClr val="tx1"/>
+                </a:solidFill>
+                <a:latin typeface="+mn-lt"/>
+                <a:ea typeface="+mn-ea"/>
+                <a:cs typeface="+mn-cs"/>
+              </a:defRPr>
+            </a:lvl4pPr>
+            <a:lvl5pPr marL="1371498" algn="l" defTabSz="685749" rtl="0" eaLnBrk="1" latinLnBrk="0" hangingPunct="1">
+              <a:defRPr sz="1400" kern="1200">
+                <a:solidFill>
+                  <a:schemeClr val="tx1"/>
+                </a:solidFill>
+                <a:latin typeface="+mn-lt"/>
+                <a:ea typeface="+mn-ea"/>
+                <a:cs typeface="+mn-cs"/>
+              </a:defRPr>
+            </a:lvl5pPr>
+            <a:lvl6pPr marL="1714373" algn="l" defTabSz="685749" rtl="0" eaLnBrk="1" latinLnBrk="0" hangingPunct="1">
+              <a:defRPr sz="1400" kern="1200">
+                <a:solidFill>
+                  <a:schemeClr val="tx1"/>
+                </a:solidFill>
+                <a:latin typeface="+mn-lt"/>
+                <a:ea typeface="+mn-ea"/>
+                <a:cs typeface="+mn-cs"/>
+              </a:defRPr>
+            </a:lvl6pPr>
+            <a:lvl7pPr marL="2057246" algn="l" defTabSz="685749" rtl="0" eaLnBrk="1" latinLnBrk="0" hangingPunct="1">
+              <a:defRPr sz="1400" kern="1200">
+                <a:solidFill>
+                  <a:schemeClr val="tx1"/>
+                </a:solidFill>
+                <a:latin typeface="+mn-lt"/>
+                <a:ea typeface="+mn-ea"/>
+                <a:cs typeface="+mn-cs"/>
+              </a:defRPr>
+            </a:lvl7pPr>
+            <a:lvl8pPr marL="2400120" algn="l" defTabSz="685749" rtl="0" eaLnBrk="1" latinLnBrk="0" hangingPunct="1">
+              <a:defRPr sz="1400" kern="1200">
+                <a:solidFill>
+                  <a:schemeClr val="tx1"/>
+                </a:solidFill>
+                <a:latin typeface="+mn-lt"/>
+                <a:ea typeface="+mn-ea"/>
+                <a:cs typeface="+mn-cs"/>
+              </a:defRPr>
+            </a:lvl8pPr>
+            <a:lvl9pPr marL="2742995" algn="l" defTabSz="685749" rtl="0" eaLnBrk="1" latinLnBrk="0" hangingPunct="1">
+              <a:defRPr sz="1400" kern="1200">
+                <a:solidFill>
+                  <a:schemeClr val="tx1"/>
+                </a:solidFill>
+                <a:latin typeface="+mn-lt"/>
+                <a:ea typeface="+mn-ea"/>
+                <a:cs typeface="+mn-cs"/>
+              </a:defRPr>
+            </a:lvl9pPr>
+          </a:lstStyle>
+          <a:p>
+            <a:r>
+              <a:rPr lang="de-DE" dirty="0"/>
+              <a:t>Alexander Gruber</a:t>
+            </a:r>
+          </a:p>
+        </p:txBody>
+      </p:sp>
       <p:pic>
         <p:nvPicPr>
-          <p:cNvPr id="6" name="Inhaltsplatzhalter 5">
+          <p:cNvPr id="11" name="Inhaltsplatzhalter 10">
             <a:extLst>
               <a:ext uri="{FF2B5EF4-FFF2-40B4-BE49-F238E27FC236}">
-                <a16:creationId xmlns:a16="http://schemas.microsoft.com/office/drawing/2014/main" id="{CEF1DF70-2A3F-4077-9CB8-72D089C35252}"/>
+                <a16:creationId xmlns:a16="http://schemas.microsoft.com/office/drawing/2014/main" id="{873DD3CE-D79F-4113-A7B0-B56444C3DA13}"/>
               </a:ext>
             </a:extLst>
           </p:cNvPr>
@@ -25474,155 +24948,6 @@
           </a:xfrm>
         </p:spPr>
       </p:pic>
-      <p:sp>
-        <p:nvSpPr>
-          <p:cNvPr id="7" name="Titel 6"/>
-          <p:cNvSpPr>
-            <a:spLocks noGrp="1"/>
-          </p:cNvSpPr>
-          <p:nvPr>
-            <p:ph type="title"/>
-          </p:nvPr>
-        </p:nvSpPr>
-        <p:spPr/>
-        <p:txBody>
-          <a:bodyPr/>
-          <a:lstStyle/>
-          <a:p>
-            <a:r>
-              <a:rPr lang="de-DE" dirty="0" smtClean="0"/>
-              <a:t>Metamodell</a:t>
-            </a:r>
-            <a:endParaRPr lang="de-DE" dirty="0"/>
-          </a:p>
-        </p:txBody>
-      </p:sp>
-      <p:sp>
-        <p:nvSpPr>
-          <p:cNvPr id="8" name="Fußzeilenplatzhalter 2"/>
-          <p:cNvSpPr txBox="1">
-            <a:spLocks/>
-          </p:cNvSpPr>
-          <p:nvPr/>
-        </p:nvSpPr>
-        <p:spPr>
-          <a:xfrm>
-            <a:off x="2227693" y="4779945"/>
-            <a:ext cx="1562216" cy="369901"/>
-          </a:xfrm>
-          <a:prstGeom prst="rect">
-            <a:avLst/>
-          </a:prstGeom>
-        </p:spPr>
-        <p:txBody>
-          <a:bodyPr vert="horz" lIns="0" tIns="34289" rIns="68576" bIns="34289" rtlCol="0" anchor="ctr"/>
-          <a:lstStyle>
-            <a:defPPr>
-              <a:defRPr lang="de-DE"/>
-            </a:defPPr>
-            <a:lvl1pPr marL="0" algn="l" defTabSz="685749" rtl="0" eaLnBrk="1" latinLnBrk="0" hangingPunct="1">
-              <a:defRPr sz="600" kern="1200">
-                <a:solidFill>
-                  <a:schemeClr val="tx1">
-                    <a:lumMod val="65000"/>
-                    <a:lumOff val="35000"/>
-                  </a:schemeClr>
-                </a:solidFill>
-                <a:latin typeface="+mn-lt"/>
-                <a:ea typeface="+mn-ea"/>
-                <a:cs typeface="+mn-cs"/>
-              </a:defRPr>
-            </a:lvl1pPr>
-            <a:lvl2pPr marL="342875" algn="l" defTabSz="685749" rtl="0" eaLnBrk="1" latinLnBrk="0" hangingPunct="1">
-              <a:defRPr sz="1400" kern="1200">
-                <a:solidFill>
-                  <a:schemeClr val="tx1"/>
-                </a:solidFill>
-                <a:latin typeface="+mn-lt"/>
-                <a:ea typeface="+mn-ea"/>
-                <a:cs typeface="+mn-cs"/>
-              </a:defRPr>
-            </a:lvl2pPr>
-            <a:lvl3pPr marL="685749" algn="l" defTabSz="685749" rtl="0" eaLnBrk="1" latinLnBrk="0" hangingPunct="1">
-              <a:defRPr sz="1400" kern="1200">
-                <a:solidFill>
-                  <a:schemeClr val="tx1"/>
-                </a:solidFill>
-                <a:latin typeface="+mn-lt"/>
-                <a:ea typeface="+mn-ea"/>
-                <a:cs typeface="+mn-cs"/>
-              </a:defRPr>
-            </a:lvl3pPr>
-            <a:lvl4pPr marL="1028624" algn="l" defTabSz="685749" rtl="0" eaLnBrk="1" latinLnBrk="0" hangingPunct="1">
-              <a:defRPr sz="1400" kern="1200">
-                <a:solidFill>
-                  <a:schemeClr val="tx1"/>
-                </a:solidFill>
-                <a:latin typeface="+mn-lt"/>
-                <a:ea typeface="+mn-ea"/>
-                <a:cs typeface="+mn-cs"/>
-              </a:defRPr>
-            </a:lvl4pPr>
-            <a:lvl5pPr marL="1371498" algn="l" defTabSz="685749" rtl="0" eaLnBrk="1" latinLnBrk="0" hangingPunct="1">
-              <a:defRPr sz="1400" kern="1200">
-                <a:solidFill>
-                  <a:schemeClr val="tx1"/>
-                </a:solidFill>
-                <a:latin typeface="+mn-lt"/>
-                <a:ea typeface="+mn-ea"/>
-                <a:cs typeface="+mn-cs"/>
-              </a:defRPr>
-            </a:lvl5pPr>
-            <a:lvl6pPr marL="1714373" algn="l" defTabSz="685749" rtl="0" eaLnBrk="1" latinLnBrk="0" hangingPunct="1">
-              <a:defRPr sz="1400" kern="1200">
-                <a:solidFill>
-                  <a:schemeClr val="tx1"/>
-                </a:solidFill>
-                <a:latin typeface="+mn-lt"/>
-                <a:ea typeface="+mn-ea"/>
-                <a:cs typeface="+mn-cs"/>
-              </a:defRPr>
-            </a:lvl6pPr>
-            <a:lvl7pPr marL="2057246" algn="l" defTabSz="685749" rtl="0" eaLnBrk="1" latinLnBrk="0" hangingPunct="1">
-              <a:defRPr sz="1400" kern="1200">
-                <a:solidFill>
-                  <a:schemeClr val="tx1"/>
-                </a:solidFill>
-                <a:latin typeface="+mn-lt"/>
-                <a:ea typeface="+mn-ea"/>
-                <a:cs typeface="+mn-cs"/>
-              </a:defRPr>
-            </a:lvl7pPr>
-            <a:lvl8pPr marL="2400120" algn="l" defTabSz="685749" rtl="0" eaLnBrk="1" latinLnBrk="0" hangingPunct="1">
-              <a:defRPr sz="1400" kern="1200">
-                <a:solidFill>
-                  <a:schemeClr val="tx1"/>
-                </a:solidFill>
-                <a:latin typeface="+mn-lt"/>
-                <a:ea typeface="+mn-ea"/>
-                <a:cs typeface="+mn-cs"/>
-              </a:defRPr>
-            </a:lvl8pPr>
-            <a:lvl9pPr marL="2742995" algn="l" defTabSz="685749" rtl="0" eaLnBrk="1" latinLnBrk="0" hangingPunct="1">
-              <a:defRPr sz="1400" kern="1200">
-                <a:solidFill>
-                  <a:schemeClr val="tx1"/>
-                </a:solidFill>
-                <a:latin typeface="+mn-lt"/>
-                <a:ea typeface="+mn-ea"/>
-                <a:cs typeface="+mn-cs"/>
-              </a:defRPr>
-            </a:lvl9pPr>
-          </a:lstStyle>
-          <a:p>
-            <a:r>
-              <a:rPr lang="de-DE" dirty="0" smtClean="0"/>
-              <a:t>Alexander Gruber</a:t>
-            </a:r>
-            <a:endParaRPr lang="de-DE" dirty="0"/>
-          </a:p>
-        </p:txBody>
-      </p:sp>
     </p:spTree>
     <p:extLst>
       <p:ext uri="{BB962C8B-B14F-4D97-AF65-F5344CB8AC3E}">
@@ -25633,13 +24958,6 @@
   <p:clrMapOvr>
     <a:masterClrMapping/>
   </p:clrMapOvr>
-  <p:timing>
-    <p:tnLst>
-      <p:par>
-        <p:cTn id="1" dur="indefinite" restart="never" nodeType="tmRoot"/>
-      </p:par>
-    </p:tnLst>
-  </p:timing>
 </p:sld>
 </file>
 
@@ -25676,7 +24994,7 @@
           <a:lstStyle/>
           <a:p>
             <a:r>
-              <a:rPr lang="de-DE" smtClean="0"/>
+              <a:rPr lang="de-DE"/>
               <a:t>10.07.2018</a:t>
             </a:r>
             <a:endParaRPr lang="de-DE" dirty="0"/>
@@ -25699,7 +25017,7 @@
           <a:lstStyle/>
           <a:p>
             <a:r>
-              <a:rPr lang="de-DE" smtClean="0"/>
+              <a:rPr lang="de-DE"/>
               <a:t>Legosar SS 18</a:t>
             </a:r>
             <a:endParaRPr lang="de-DE" dirty="0"/>
@@ -25722,7 +25040,7 @@
           <a:lstStyle/>
           <a:p>
             <a:r>
-              <a:rPr lang="de-DE" smtClean="0"/>
+              <a:rPr lang="de-DE"/>
               <a:t>S. </a:t>
             </a:r>
             <a:fld id="{D7EFD9E5-FB44-4C01-A2C2-48348664E7CC}" type="slidenum">
@@ -25756,10 +25074,9 @@
           <a:p>
             <a:pPr algn="ctr"/>
             <a:r>
-              <a:rPr lang="de-DE" sz="4800" dirty="0" smtClean="0"/>
+              <a:rPr lang="de-DE" sz="4800" dirty="0"/>
               <a:t>Live Demo</a:t>
             </a:r>
-            <a:endParaRPr lang="de-DE" sz="4800" dirty="0"/>
           </a:p>
         </p:txBody>
       </p:sp>
@@ -25779,10 +25096,9 @@
           <a:lstStyle/>
           <a:p>
             <a:r>
-              <a:rPr lang="de-DE" dirty="0" smtClean="0"/>
+              <a:rPr lang="de-DE" dirty="0"/>
               <a:t>Erstellen einer Konfiguration</a:t>
             </a:r>
-            <a:endParaRPr lang="de-DE" dirty="0"/>
           </a:p>
         </p:txBody>
       </p:sp>
@@ -25905,10 +25221,9 @@
           </a:lstStyle>
           <a:p>
             <a:r>
-              <a:rPr lang="de-DE" dirty="0" smtClean="0"/>
+              <a:rPr lang="de-DE" dirty="0"/>
               <a:t>Tobias Schneider</a:t>
             </a:r>
-            <a:endParaRPr lang="de-DE" dirty="0"/>
           </a:p>
         </p:txBody>
       </p:sp>
@@ -25922,13 +25237,6 @@
   <p:clrMapOvr>
     <a:masterClrMapping/>
   </p:clrMapOvr>
-  <p:timing>
-    <p:tnLst>
-      <p:par>
-        <p:cTn id="1" dur="indefinite" restart="never" nodeType="tmRoot"/>
-      </p:par>
-    </p:tnLst>
-  </p:timing>
 </p:sld>
 </file>
 
@@ -25987,7 +25295,7 @@
           <a:lstStyle/>
           <a:p>
             <a:r>
-              <a:rPr lang="de-DE" smtClean="0"/>
+              <a:rPr lang="de-DE"/>
               <a:t>Legosar SS 18</a:t>
             </a:r>
             <a:endParaRPr lang="de-DE" dirty="0"/>
@@ -26010,7 +25318,7 @@
           <a:lstStyle/>
           <a:p>
             <a:r>
-              <a:rPr lang="de-DE" smtClean="0"/>
+              <a:rPr lang="de-DE"/>
               <a:t>S. </a:t>
             </a:r>
             <a:fld id="{D7EFD9E5-FB44-4C01-A2C2-48348664E7CC}" type="slidenum">
@@ -26041,14 +25349,7 @@
               <a:buFont typeface="Arial" panose="020B0604020202020204" pitchFamily="34" charset="0"/>
               <a:buChar char="•"/>
             </a:pPr>
-            <a:endParaRPr lang="de-DE" dirty="0" smtClean="0"/>
-          </a:p>
-          <a:p>
-            <a:pPr marL="171450" indent="-171450">
-              <a:buFont typeface="Arial" panose="020B0604020202020204" pitchFamily="34" charset="0"/>
-              <a:buChar char="•"/>
-            </a:pPr>
-            <a:endParaRPr lang="de-DE" dirty="0" smtClean="0"/>
+            <a:endParaRPr lang="de-DE" dirty="0"/>
           </a:p>
           <a:p>
             <a:pPr marL="171450" indent="-171450">
@@ -26062,8 +25363,15 @@
               <a:buFont typeface="Arial" panose="020B0604020202020204" pitchFamily="34" charset="0"/>
               <a:buChar char="•"/>
             </a:pPr>
-            <a:r>
-              <a:rPr lang="de-DE" dirty="0" smtClean="0"/>
+            <a:endParaRPr lang="de-DE" dirty="0"/>
+          </a:p>
+          <a:p>
+            <a:pPr marL="171450" indent="-171450">
+              <a:buFont typeface="Arial" panose="020B0604020202020204" pitchFamily="34" charset="0"/>
+              <a:buChar char="•"/>
+            </a:pPr>
+            <a:r>
+              <a:rPr lang="de-DE" dirty="0"/>
               <a:t>Analog/Digital Wandlung</a:t>
             </a:r>
           </a:p>
@@ -26073,16 +25381,9 @@
               <a:buChar char="•"/>
             </a:pPr>
             <a:r>
-              <a:rPr lang="de-DE" dirty="0" smtClean="0"/>
+              <a:rPr lang="de-DE" dirty="0"/>
               <a:t>Interne / Extern Komponente</a:t>
             </a:r>
-          </a:p>
-          <a:p>
-            <a:pPr marL="171450" indent="-171450">
-              <a:buFont typeface="Arial" panose="020B0604020202020204" pitchFamily="34" charset="0"/>
-              <a:buChar char="•"/>
-            </a:pPr>
-            <a:endParaRPr lang="de-DE" dirty="0" smtClean="0"/>
           </a:p>
           <a:p>
             <a:pPr marL="171450" indent="-171450">
@@ -26096,17 +25397,16 @@
               <a:buFont typeface="Arial" panose="020B0604020202020204" pitchFamily="34" charset="0"/>
               <a:buChar char="•"/>
             </a:pPr>
-            <a:r>
-              <a:rPr lang="de-DE" dirty="0" smtClean="0"/>
-              <a:t>Digital </a:t>
-            </a:r>
-            <a:r>
-              <a:rPr lang="de-DE" dirty="0"/>
-              <a:t>Input / Output </a:t>
-            </a:r>
-            <a:r>
-              <a:rPr lang="de-DE" dirty="0" smtClean="0"/>
-              <a:t>Steuerung</a:t>
+            <a:endParaRPr lang="de-DE" dirty="0"/>
+          </a:p>
+          <a:p>
+            <a:pPr marL="171450" indent="-171450">
+              <a:buFont typeface="Arial" panose="020B0604020202020204" pitchFamily="34" charset="0"/>
+              <a:buChar char="•"/>
+            </a:pPr>
+            <a:r>
+              <a:rPr lang="de-DE" dirty="0"/>
+              <a:t>Digital Input / Output Steuerung</a:t>
             </a:r>
           </a:p>
           <a:p>
@@ -26115,10 +25415,9 @@
               <a:buChar char="•"/>
             </a:pPr>
             <a:r>
-              <a:rPr lang="de-DE" dirty="0" smtClean="0"/>
+              <a:rPr lang="de-DE" dirty="0"/>
               <a:t>Setzen / Lesen von Register</a:t>
             </a:r>
-            <a:endParaRPr lang="de-DE" dirty="0"/>
           </a:p>
           <a:p>
             <a:pPr marL="446465" lvl="1" indent="-171450">
@@ -26132,43 +25431,6 @@
           </a:p>
           <a:p>
             <a:endParaRPr lang="de-DE" dirty="0"/>
-          </a:p>
-          <a:p>
-            <a:pPr marL="171450" indent="-171450">
-              <a:buFont typeface="Arial" panose="020B0604020202020204" pitchFamily="34" charset="0"/>
-              <a:buChar char="•"/>
-            </a:pPr>
-            <a:endParaRPr lang="de-DE" dirty="0" smtClean="0"/>
-          </a:p>
-          <a:p>
-            <a:pPr marL="171450" indent="-171450">
-              <a:buFont typeface="Arial" panose="020B0604020202020204" pitchFamily="34" charset="0"/>
-              <a:buChar char="•"/>
-            </a:pPr>
-            <a:r>
-              <a:rPr lang="de-DE" dirty="0" smtClean="0"/>
-              <a:t>Textausgabe am Display</a:t>
-            </a:r>
-          </a:p>
-          <a:p>
-            <a:pPr marL="446465" lvl="1" indent="-171450">
-              <a:buFont typeface="Arial" panose="020B0604020202020204" pitchFamily="34" charset="0"/>
-              <a:buChar char="•"/>
-            </a:pPr>
-            <a:r>
-              <a:rPr lang="de-DE" dirty="0" smtClean="0"/>
-              <a:t>8 Zeilen</a:t>
-            </a:r>
-          </a:p>
-          <a:p>
-            <a:pPr marL="446465" lvl="1" indent="-171450">
-              <a:buFont typeface="Arial" panose="020B0604020202020204" pitchFamily="34" charset="0"/>
-              <a:buChar char="•"/>
-            </a:pPr>
-            <a:r>
-              <a:rPr lang="de-DE" dirty="0" smtClean="0"/>
-              <a:t>16 Zeichen pro Zeile</a:t>
-            </a:r>
           </a:p>
           <a:p>
             <a:pPr marL="171450" indent="-171450">
@@ -26182,7 +25444,30 @@
               <a:buFont typeface="Arial" panose="020B0604020202020204" pitchFamily="34" charset="0"/>
               <a:buChar char="•"/>
             </a:pPr>
-            <a:endParaRPr lang="de-DE" dirty="0" smtClean="0"/>
+            <a:r>
+              <a:rPr lang="de-DE" dirty="0"/>
+              <a:t>Textausgabe am Display</a:t>
+            </a:r>
+          </a:p>
+          <a:p>
+            <a:pPr marL="446465" lvl="1" indent="-171450">
+              <a:buFont typeface="Arial" panose="020B0604020202020204" pitchFamily="34" charset="0"/>
+              <a:buChar char="•"/>
+            </a:pPr>
+            <a:r>
+              <a:rPr lang="de-DE" dirty="0"/>
+              <a:t>8 Zeilen</a:t>
+            </a:r>
+          </a:p>
+          <a:p>
+            <a:pPr marL="446465" lvl="1" indent="-171450">
+              <a:buFont typeface="Arial" panose="020B0604020202020204" pitchFamily="34" charset="0"/>
+              <a:buChar char="•"/>
+            </a:pPr>
+            <a:r>
+              <a:rPr lang="de-DE" dirty="0"/>
+              <a:t>16 Zeichen pro Zeile</a:t>
+            </a:r>
           </a:p>
           <a:p>
             <a:pPr marL="171450" indent="-171450">
@@ -26198,6 +25483,20 @@
             </a:pPr>
             <a:endParaRPr lang="de-DE" dirty="0"/>
           </a:p>
+          <a:p>
+            <a:pPr marL="171450" indent="-171450">
+              <a:buFont typeface="Arial" panose="020B0604020202020204" pitchFamily="34" charset="0"/>
+              <a:buChar char="•"/>
+            </a:pPr>
+            <a:endParaRPr lang="de-DE" dirty="0"/>
+          </a:p>
+          <a:p>
+            <a:pPr marL="171450" indent="-171450">
+              <a:buFont typeface="Arial" panose="020B0604020202020204" pitchFamily="34" charset="0"/>
+              <a:buChar char="•"/>
+            </a:pPr>
+            <a:endParaRPr lang="de-DE" dirty="0"/>
+          </a:p>
         </p:txBody>
       </p:sp>
       <p:sp>
@@ -26216,10 +25515,9 @@
           <a:lstStyle/>
           <a:p>
             <a:r>
-              <a:rPr lang="de-DE" dirty="0" smtClean="0"/>
+              <a:rPr lang="de-DE" dirty="0"/>
               <a:t>Funktionalitäten</a:t>
             </a:r>
-            <a:endParaRPr lang="de-DE" dirty="0"/>
           </a:p>
         </p:txBody>
       </p:sp>
@@ -26342,10 +25640,9 @@
           </a:lstStyle>
           <a:p>
             <a:r>
-              <a:rPr lang="de-DE" dirty="0" smtClean="0"/>
+              <a:rPr lang="de-DE" dirty="0"/>
               <a:t>Simon Hölzl</a:t>
             </a:r>
-            <a:endParaRPr lang="de-DE" dirty="0"/>
           </a:p>
         </p:txBody>
       </p:sp>
@@ -26359,13 +25656,6 @@
   <p:clrMapOvr>
     <a:masterClrMapping/>
   </p:clrMapOvr>
-  <p:timing>
-    <p:tnLst>
-      <p:par>
-        <p:cTn id="1" dur="indefinite" restart="never" nodeType="tmRoot"/>
-      </p:par>
-    </p:tnLst>
-  </p:timing>
 </p:sld>
 </file>
 
@@ -26402,10 +25692,9 @@
           <a:lstStyle/>
           <a:p>
             <a:r>
-              <a:rPr lang="de-DE" dirty="0" smtClean="0"/>
+              <a:rPr lang="de-DE" dirty="0"/>
               <a:t>10.07.2018</a:t>
             </a:r>
-            <a:endParaRPr lang="de-DE" dirty="0"/>
           </a:p>
         </p:txBody>
       </p:sp>
@@ -26672,13 +25961,6 @@
   <p:clrMapOvr>
     <a:masterClrMapping/>
   </p:clrMapOvr>
-  <p:timing>
-    <p:tnLst>
-      <p:par>
-        <p:cTn id="1" dur="indefinite" restart="never" nodeType="tmRoot"/>
-      </p:par>
-    </p:tnLst>
-  </p:timing>
 </p:sld>
 </file>
 
@@ -26715,10 +25997,9 @@
           <a:lstStyle/>
           <a:p>
             <a:r>
-              <a:rPr lang="de-DE" dirty="0" smtClean="0"/>
+              <a:rPr lang="de-DE" dirty="0"/>
               <a:t>10.07.2018</a:t>
             </a:r>
-            <a:endParaRPr lang="de-DE" dirty="0"/>
           </a:p>
         </p:txBody>
       </p:sp>
@@ -26985,13 +26266,6 @@
   <p:clrMapOvr>
     <a:masterClrMapping/>
   </p:clrMapOvr>
-  <p:timing>
-    <p:tnLst>
-      <p:par>
-        <p:cTn id="1" dur="indefinite" restart="never" nodeType="tmRoot"/>
-      </p:par>
-    </p:tnLst>
-  </p:timing>
 </p:sld>
 </file>
 
@@ -27028,10 +26302,9 @@
           <a:lstStyle/>
           <a:p>
             <a:r>
-              <a:rPr lang="de-DE" dirty="0" smtClean="0"/>
+              <a:rPr lang="de-DE" dirty="0"/>
               <a:t>10.07.2018</a:t>
             </a:r>
-            <a:endParaRPr lang="de-DE" dirty="0"/>
           </a:p>
         </p:txBody>
       </p:sp>
@@ -27454,13 +26727,6 @@
   <p:clrMapOvr>
     <a:masterClrMapping/>
   </p:clrMapOvr>
-  <p:timing>
-    <p:tnLst>
-      <p:par>
-        <p:cTn id="1" dur="indefinite" restart="never" nodeType="tmRoot"/>
-      </p:par>
-    </p:tnLst>
-  </p:timing>
 </p:sld>
 </file>
 
@@ -27497,10 +26763,9 @@
           <a:lstStyle/>
           <a:p>
             <a:r>
-              <a:rPr lang="de-DE" dirty="0" smtClean="0"/>
+              <a:rPr lang="de-DE" dirty="0"/>
               <a:t>10.07.2018</a:t>
             </a:r>
-            <a:endParaRPr lang="de-DE" dirty="0"/>
           </a:p>
         </p:txBody>
       </p:sp>
@@ -27801,13 +27066,6 @@
   <p:clrMapOvr>
     <a:masterClrMapping/>
   </p:clrMapOvr>
-  <p:timing>
-    <p:tnLst>
-      <p:par>
-        <p:cTn id="1" dur="indefinite" restart="never" nodeType="tmRoot"/>
-      </p:par>
-    </p:tnLst>
-  </p:timing>
 </p:sld>
 </file>
 
@@ -27844,10 +27102,9 @@
           <a:lstStyle/>
           <a:p>
             <a:r>
-              <a:rPr lang="de-DE" dirty="0" smtClean="0"/>
+              <a:rPr lang="de-DE" dirty="0"/>
               <a:t>10.07.2018</a:t>
             </a:r>
-            <a:endParaRPr lang="de-DE" dirty="0"/>
           </a:p>
         </p:txBody>
       </p:sp>
@@ -28148,13 +27405,6 @@
   <p:clrMapOvr>
     <a:masterClrMapping/>
   </p:clrMapOvr>
-  <p:timing>
-    <p:tnLst>
-      <p:par>
-        <p:cTn id="1" dur="indefinite" restart="never" nodeType="tmRoot"/>
-      </p:par>
-    </p:tnLst>
-  </p:timing>
 </p:sld>
 </file>
 
@@ -28191,10 +27441,9 @@
           <a:lstStyle/>
           <a:p>
             <a:r>
-              <a:rPr lang="de-DE" dirty="0" smtClean="0"/>
+              <a:rPr lang="de-DE" dirty="0"/>
               <a:t>10.07.2018</a:t>
             </a:r>
-            <a:endParaRPr lang="de-DE" dirty="0"/>
           </a:p>
         </p:txBody>
       </p:sp>
@@ -28507,13 +27756,6 @@
   <p:clrMapOvr>
     <a:masterClrMapping/>
   </p:clrMapOvr>
-  <p:timing>
-    <p:tnLst>
-      <p:par>
-        <p:cTn id="1" dur="indefinite" restart="never" nodeType="tmRoot"/>
-      </p:par>
-    </p:tnLst>
-  </p:timing>
 </p:sld>
 </file>
 
@@ -28550,7 +27792,7 @@
           <a:lstStyle/>
           <a:p>
             <a:r>
-              <a:rPr lang="de-DE" dirty="0" smtClean="0"/>
+              <a:rPr lang="de-DE" dirty="0"/>
               <a:t>10.07.2018</a:t>
             </a:r>
           </a:p>
@@ -28848,10 +28090,9 @@
           </a:lstStyle>
           <a:p>
             <a:r>
-              <a:rPr lang="de-DE" dirty="0" smtClean="0"/>
+              <a:rPr lang="de-DE" dirty="0"/>
               <a:t>Christoph Loy</a:t>
             </a:r>
-            <a:endParaRPr lang="de-DE" dirty="0"/>
           </a:p>
         </p:txBody>
       </p:sp>
@@ -28865,13 +28106,6 @@
   <p:clrMapOvr>
     <a:masterClrMapping/>
   </p:clrMapOvr>
-  <p:timing>
-    <p:tnLst>
-      <p:par>
-        <p:cTn id="1" dur="indefinite" restart="never" nodeType="tmRoot"/>
-      </p:par>
-    </p:tnLst>
-  </p:timing>
 </p:sld>
 </file>
 
@@ -28930,14 +28164,13 @@
           <a:lstStyle/>
           <a:p>
             <a:r>
-              <a:rPr lang="de-DE" dirty="0" err="1" smtClean="0"/>
+              <a:rPr lang="de-DE" dirty="0" err="1"/>
               <a:t>Legosar</a:t>
             </a:r>
             <a:r>
-              <a:rPr lang="de-DE" dirty="0" smtClean="0"/>
+              <a:rPr lang="de-DE" dirty="0"/>
               <a:t> SS 18</a:t>
             </a:r>
-            <a:endParaRPr lang="de-DE" dirty="0"/>
           </a:p>
         </p:txBody>
       </p:sp>
@@ -28957,7 +28190,7 @@
           <a:lstStyle/>
           <a:p>
             <a:r>
-              <a:rPr lang="de-DE" smtClean="0"/>
+              <a:rPr lang="de-DE"/>
               <a:t>S. </a:t>
             </a:r>
             <a:fld id="{D7EFD9E5-FB44-4C01-A2C2-48348664E7CC}" type="slidenum">
@@ -28988,7 +28221,7 @@
               <a:buFont typeface="Arial" panose="020B0604020202020204" pitchFamily="34" charset="0"/>
               <a:buChar char="•"/>
             </a:pPr>
-            <a:endParaRPr lang="de-DE" dirty="0" smtClean="0"/>
+            <a:endParaRPr lang="de-DE" dirty="0"/>
           </a:p>
           <a:p>
             <a:pPr marL="171450" indent="-171450">
@@ -29010,7 +28243,7 @@
               <a:buChar char="•"/>
             </a:pPr>
             <a:r>
-              <a:rPr lang="de-DE" dirty="0" smtClean="0"/>
+              <a:rPr lang="de-DE" dirty="0"/>
               <a:t>Soundwiedergabe</a:t>
             </a:r>
           </a:p>
@@ -29020,28 +28253,17 @@
               <a:buChar char="•"/>
             </a:pPr>
             <a:r>
-              <a:rPr lang="de-DE" dirty="0" smtClean="0"/>
+              <a:rPr lang="de-DE" dirty="0"/>
               <a:t>Wiedergabe von einzelnem Ton oder *.</a:t>
             </a:r>
             <a:r>
-              <a:rPr lang="de-DE" dirty="0" err="1" smtClean="0"/>
+              <a:rPr lang="de-DE" dirty="0" err="1"/>
               <a:t>wav</a:t>
             </a:r>
             <a:r>
               <a:rPr lang="de-DE" dirty="0"/>
-              <a:t> </a:t>
-            </a:r>
-            <a:r>
-              <a:rPr lang="de-DE" dirty="0" smtClean="0"/>
-              <a:t>Datei</a:t>
-            </a:r>
-          </a:p>
-          <a:p>
-            <a:pPr marL="171450" indent="-171450">
-              <a:buFont typeface="Arial" panose="020B0604020202020204" pitchFamily="34" charset="0"/>
-              <a:buChar char="•"/>
-            </a:pPr>
-            <a:endParaRPr lang="de-DE" dirty="0" smtClean="0"/>
+              <a:t> Datei</a:t>
+            </a:r>
           </a:p>
           <a:p>
             <a:pPr marL="171450" indent="-171450">
@@ -29055,17 +28277,17 @@
               <a:buFont typeface="Arial" panose="020B0604020202020204" pitchFamily="34" charset="0"/>
               <a:buChar char="•"/>
             </a:pPr>
-            <a:r>
-              <a:rPr lang="de-DE" dirty="0" smtClean="0"/>
-              <a:t>Motorsteuerung</a:t>
-            </a:r>
+            <a:endParaRPr lang="de-DE" dirty="0"/>
           </a:p>
           <a:p>
             <a:pPr marL="171450" indent="-171450">
               <a:buFont typeface="Arial" panose="020B0604020202020204" pitchFamily="34" charset="0"/>
               <a:buChar char="•"/>
             </a:pPr>
-            <a:endParaRPr lang="de-DE" dirty="0" smtClean="0"/>
+            <a:r>
+              <a:rPr lang="de-DE" dirty="0"/>
+              <a:t>Motorsteuerung</a:t>
+            </a:r>
           </a:p>
           <a:p>
             <a:pPr marL="171450" indent="-171450">
@@ -29079,8 +28301,15 @@
               <a:buFont typeface="Arial" panose="020B0604020202020204" pitchFamily="34" charset="0"/>
               <a:buChar char="•"/>
             </a:pPr>
-            <a:r>
-              <a:rPr lang="de-DE" dirty="0" smtClean="0"/>
+            <a:endParaRPr lang="de-DE" dirty="0"/>
+          </a:p>
+          <a:p>
+            <a:pPr marL="171450" indent="-171450">
+              <a:buFont typeface="Arial" panose="020B0604020202020204" pitchFamily="34" charset="0"/>
+              <a:buChar char="•"/>
+            </a:pPr>
+            <a:r>
+              <a:rPr lang="de-DE" dirty="0"/>
               <a:t>Kommunikation via Bluetooth</a:t>
             </a:r>
           </a:p>
@@ -29090,16 +28319,9 @@
               <a:buChar char="•"/>
             </a:pPr>
             <a:r>
-              <a:rPr lang="de-DE" dirty="0" smtClean="0"/>
+              <a:rPr lang="de-DE" dirty="0"/>
               <a:t>nur mit zwei Teilnehmern möglich</a:t>
             </a:r>
-          </a:p>
-          <a:p>
-            <a:pPr marL="171450" indent="-171450">
-              <a:buFont typeface="Arial" panose="020B0604020202020204" pitchFamily="34" charset="0"/>
-              <a:buChar char="•"/>
-            </a:pPr>
-            <a:endParaRPr lang="de-DE" dirty="0" smtClean="0"/>
           </a:p>
           <a:p>
             <a:pPr marL="171450" indent="-171450">
@@ -29113,13 +28335,16 @@
               <a:buFont typeface="Arial" panose="020B0604020202020204" pitchFamily="34" charset="0"/>
               <a:buChar char="•"/>
             </a:pPr>
-            <a:r>
-              <a:rPr lang="de-DE" dirty="0"/>
-              <a:t>Kommunikation über </a:t>
-            </a:r>
-            <a:r>
-              <a:rPr lang="de-DE" dirty="0" smtClean="0"/>
-              <a:t>I²C</a:t>
+            <a:endParaRPr lang="de-DE" dirty="0"/>
+          </a:p>
+          <a:p>
+            <a:pPr marL="171450" indent="-171450">
+              <a:buFont typeface="Arial" panose="020B0604020202020204" pitchFamily="34" charset="0"/>
+              <a:buChar char="•"/>
+            </a:pPr>
+            <a:r>
+              <a:rPr lang="de-DE" dirty="0"/>
+              <a:t>Kommunikation über I²C</a:t>
             </a:r>
           </a:p>
           <a:p>
@@ -29128,7 +28353,7 @@
               <a:buChar char="•"/>
             </a:pPr>
             <a:r>
-              <a:rPr lang="de-DE" dirty="0" smtClean="0"/>
+              <a:rPr lang="de-DE" dirty="0"/>
               <a:t>Senden und Empfangen von Werten über I²C Anschluss</a:t>
             </a:r>
           </a:p>
@@ -29138,17 +28363,9 @@
               <a:buChar char="•"/>
             </a:pPr>
             <a:r>
-              <a:rPr lang="de-DE" dirty="0" smtClean="0"/>
+              <a:rPr lang="de-DE" dirty="0"/>
               <a:t>Kommunikation mit I²C Expander und Ultraschall Einheit</a:t>
             </a:r>
-            <a:endParaRPr lang="de-DE" dirty="0"/>
-          </a:p>
-          <a:p>
-            <a:pPr marL="171450" indent="-171450">
-              <a:buFont typeface="Arial" panose="020B0604020202020204" pitchFamily="34" charset="0"/>
-              <a:buChar char="•"/>
-            </a:pPr>
-            <a:endParaRPr lang="de-DE" dirty="0" smtClean="0"/>
           </a:p>
           <a:p>
             <a:pPr marL="171450" indent="-171450">
@@ -29164,6 +28381,13 @@
             </a:pPr>
             <a:endParaRPr lang="de-DE" dirty="0"/>
           </a:p>
+          <a:p>
+            <a:pPr marL="171450" indent="-171450">
+              <a:buFont typeface="Arial" panose="020B0604020202020204" pitchFamily="34" charset="0"/>
+              <a:buChar char="•"/>
+            </a:pPr>
+            <a:endParaRPr lang="de-DE" dirty="0"/>
+          </a:p>
         </p:txBody>
       </p:sp>
       <p:sp>
@@ -29182,10 +28406,9 @@
           <a:lstStyle/>
           <a:p>
             <a:r>
-              <a:rPr lang="de-DE" dirty="0" smtClean="0"/>
+              <a:rPr lang="de-DE" dirty="0"/>
               <a:t>Funktionalitäten</a:t>
             </a:r>
-            <a:endParaRPr lang="de-DE" dirty="0"/>
           </a:p>
         </p:txBody>
       </p:sp>
@@ -29308,10 +28531,9 @@
           </a:lstStyle>
           <a:p>
             <a:r>
-              <a:rPr lang="de-DE" dirty="0" smtClean="0"/>
+              <a:rPr lang="de-DE" dirty="0"/>
               <a:t>Simon Hölzl</a:t>
             </a:r>
-            <a:endParaRPr lang="de-DE" dirty="0"/>
           </a:p>
         </p:txBody>
       </p:sp>
@@ -29325,13 +28547,6 @@
   <p:clrMapOvr>
     <a:masterClrMapping/>
   </p:clrMapOvr>
-  <p:timing>
-    <p:tnLst>
-      <p:par>
-        <p:cTn id="1" dur="indefinite" restart="never" nodeType="tmRoot"/>
-      </p:par>
-    </p:tnLst>
-  </p:timing>
 </p:sld>
 </file>
 
@@ -29395,14 +28610,13 @@
           <a:lstStyle/>
           <a:p>
             <a:r>
-              <a:rPr lang="de-DE" dirty="0" err="1" smtClean="0"/>
+              <a:rPr lang="de-DE" dirty="0" err="1"/>
               <a:t>Legosar</a:t>
             </a:r>
             <a:r>
-              <a:rPr lang="de-DE" dirty="0" smtClean="0"/>
+              <a:rPr lang="de-DE" dirty="0"/>
               <a:t> SS 18			</a:t>
             </a:r>
-            <a:endParaRPr lang="de-DE" dirty="0"/>
           </a:p>
         </p:txBody>
       </p:sp>
@@ -29422,7 +28636,7 @@
           <a:lstStyle/>
           <a:p>
             <a:r>
-              <a:rPr lang="de-DE" smtClean="0"/>
+              <a:rPr lang="de-DE"/>
               <a:t>S. </a:t>
             </a:r>
             <a:fld id="{D7EFD9E5-FB44-4C01-A2C2-48348664E7CC}" type="slidenum">
@@ -29450,10 +28664,9 @@
           <a:lstStyle/>
           <a:p>
             <a:r>
-              <a:rPr lang="de-DE" dirty="0" smtClean="0"/>
+              <a:rPr lang="de-DE" dirty="0"/>
               <a:t>Softwarekomponenten</a:t>
             </a:r>
-            <a:endParaRPr lang="de-DE" dirty="0"/>
           </a:p>
         </p:txBody>
       </p:sp>
@@ -29600,11 +28813,11 @@
           </a:lstStyle>
           <a:p>
             <a:r>
-              <a:rPr lang="de-DE" dirty="0" smtClean="0"/>
+              <a:rPr lang="de-DE" dirty="0"/>
               <a:t>Andreas </a:t>
             </a:r>
             <a:r>
-              <a:rPr lang="de-DE" dirty="0" err="1" smtClean="0"/>
+              <a:rPr lang="de-DE" dirty="0" err="1"/>
               <a:t>Schukala</a:t>
             </a:r>
             <a:endParaRPr lang="de-DE" dirty="0"/>
@@ -29621,13 +28834,6 @@
   <p:clrMapOvr>
     <a:masterClrMapping/>
   </p:clrMapOvr>
-  <p:timing>
-    <p:tnLst>
-      <p:par>
-        <p:cTn id="1" dur="indefinite" restart="never" nodeType="tmRoot"/>
-      </p:par>
-    </p:tnLst>
-  </p:timing>
 </p:sld>
 </file>
 
@@ -29686,14 +28892,13 @@
           <a:lstStyle/>
           <a:p>
             <a:r>
-              <a:rPr lang="de-DE" dirty="0" err="1" smtClean="0"/>
+              <a:rPr lang="de-DE" dirty="0" err="1"/>
               <a:t>Legosar</a:t>
             </a:r>
             <a:r>
-              <a:rPr lang="de-DE" dirty="0" smtClean="0"/>
+              <a:rPr lang="de-DE" dirty="0"/>
               <a:t> SS 18</a:t>
             </a:r>
-            <a:endParaRPr lang="de-DE" dirty="0"/>
           </a:p>
         </p:txBody>
       </p:sp>
@@ -29713,7 +28918,7 @@
           <a:lstStyle/>
           <a:p>
             <a:r>
-              <a:rPr lang="de-DE" smtClean="0"/>
+              <a:rPr lang="de-DE"/>
               <a:t>S. </a:t>
             </a:r>
             <a:fld id="{D7EFD9E5-FB44-4C01-A2C2-48348664E7CC}" type="slidenum">
@@ -29769,10 +28974,9 @@
           <a:lstStyle/>
           <a:p>
             <a:r>
-              <a:rPr lang="de-DE" dirty="0" smtClean="0"/>
+              <a:rPr lang="de-DE" dirty="0"/>
               <a:t>Hardwareaufbau</a:t>
             </a:r>
-            <a:endParaRPr lang="de-DE" dirty="0"/>
           </a:p>
         </p:txBody>
       </p:sp>
@@ -29895,11 +29099,11 @@
           </a:lstStyle>
           <a:p>
             <a:r>
-              <a:rPr lang="de-DE" dirty="0" smtClean="0"/>
+              <a:rPr lang="de-DE" dirty="0"/>
               <a:t>Andreas </a:t>
             </a:r>
             <a:r>
-              <a:rPr lang="de-DE" dirty="0" err="1" smtClean="0"/>
+              <a:rPr lang="de-DE" dirty="0" err="1"/>
               <a:t>Schukala</a:t>
             </a:r>
             <a:endParaRPr lang="de-DE" dirty="0"/>
@@ -29916,13 +29120,6 @@
   <p:clrMapOvr>
     <a:masterClrMapping/>
   </p:clrMapOvr>
-  <p:timing>
-    <p:tnLst>
-      <p:par>
-        <p:cTn id="1" dur="indefinite" restart="never" nodeType="tmRoot"/>
-      </p:par>
-    </p:tnLst>
-  </p:timing>
 </p:sld>
 </file>
 
@@ -29959,10 +29156,9 @@
           <a:lstStyle/>
           <a:p>
             <a:r>
-              <a:rPr lang="de-DE" dirty="0" smtClean="0"/>
+              <a:rPr lang="de-DE" dirty="0"/>
               <a:t>10.07.2018</a:t>
             </a:r>
-            <a:endParaRPr lang="de-DE" dirty="0"/>
           </a:p>
         </p:txBody>
       </p:sp>
@@ -29982,14 +29178,13 @@
           <a:lstStyle/>
           <a:p>
             <a:r>
-              <a:rPr lang="de-DE" dirty="0" err="1" smtClean="0"/>
+              <a:rPr lang="de-DE" dirty="0" err="1"/>
               <a:t>Legosar</a:t>
             </a:r>
             <a:r>
-              <a:rPr lang="de-DE" dirty="0" smtClean="0"/>
+              <a:rPr lang="de-DE" dirty="0"/>
               <a:t> SS 18</a:t>
             </a:r>
-            <a:endParaRPr lang="de-DE" dirty="0"/>
           </a:p>
         </p:txBody>
       </p:sp>
@@ -30009,7 +29204,7 @@
           <a:lstStyle/>
           <a:p>
             <a:r>
-              <a:rPr lang="de-DE" smtClean="0"/>
+              <a:rPr lang="de-DE"/>
               <a:t>S. </a:t>
             </a:r>
             <a:fld id="{D7EFD9E5-FB44-4C01-A2C2-48348664E7CC}" type="slidenum">
@@ -30037,7 +29232,7 @@
           <a:lstStyle/>
           <a:p>
             <a:r>
-              <a:rPr lang="de-DE" smtClean="0"/>
+              <a:rPr lang="de-DE"/>
               <a:t>Basissoftware</a:t>
             </a:r>
             <a:endParaRPr lang="de-DE" dirty="0"/>
@@ -30239,10 +29434,9 @@
           </a:lstStyle>
           <a:p>
             <a:r>
-              <a:rPr lang="de-DE" dirty="0" smtClean="0"/>
+              <a:rPr lang="de-DE" dirty="0"/>
               <a:t>Julius Roth</a:t>
             </a:r>
-            <a:endParaRPr lang="de-DE" dirty="0"/>
           </a:p>
         </p:txBody>
       </p:sp>
@@ -30256,21 +29450,6 @@
   <p:clrMapOvr>
     <a:masterClrMapping/>
   </p:clrMapOvr>
-  <mc:AlternateContent xmlns:mc="http://schemas.openxmlformats.org/markup-compatibility/2006" xmlns:p14="http://schemas.microsoft.com/office/powerpoint/2010/main">
-    <mc:Choice Requires="p14">
-      <p:transition spd="slow" p14:dur="2000"/>
-    </mc:Choice>
-    <mc:Fallback xmlns="">
-      <p:transition spd="slow"/>
-    </mc:Fallback>
-  </mc:AlternateContent>
-  <p:timing>
-    <p:tnLst>
-      <p:par>
-        <p:cTn id="1" dur="indefinite" restart="never" nodeType="tmRoot"/>
-      </p:par>
-    </p:tnLst>
-  </p:timing>
 </p:sld>
 </file>
 
@@ -30382,33 +29561,32 @@
           <a:bodyPr/>
           <a:lstStyle/>
           <a:p>
-            <a:endParaRPr lang="en-US" dirty="0" smtClean="0"/>
-          </a:p>
-          <a:p>
-            <a:endParaRPr lang="en-US" dirty="0" smtClean="0"/>
-          </a:p>
-          <a:p>
-            <a:r>
-              <a:rPr lang="en-US" dirty="0" smtClean="0"/>
+            <a:endParaRPr lang="en-US" dirty="0"/>
+          </a:p>
+          <a:p>
+            <a:endParaRPr lang="en-US" dirty="0"/>
+          </a:p>
+          <a:p>
+            <a:r>
+              <a:rPr lang="en-US" dirty="0"/>
               <a:t>void </a:t>
             </a:r>
             <a:r>
-              <a:rPr lang="en-US" dirty="0" err="1" smtClean="0"/>
+              <a:rPr lang="en-US" dirty="0" err="1"/>
               <a:t>motor_set_speed</a:t>
             </a:r>
             <a:r>
-              <a:rPr lang="en-US" dirty="0" smtClean="0"/>
+              <a:rPr lang="en-US" dirty="0"/>
               <a:t>(U32 </a:t>
             </a:r>
             <a:r>
-              <a:rPr lang="en-US" dirty="0" err="1" smtClean="0"/>
+              <a:rPr lang="en-US" dirty="0" err="1"/>
               <a:t>motor_port</a:t>
             </a:r>
             <a:r>
-              <a:rPr lang="en-US" dirty="0" smtClean="0"/>
+              <a:rPr lang="en-US" dirty="0"/>
               <a:t>, S8 speed)</a:t>
             </a:r>
-            <a:endParaRPr lang="en-US" dirty="0"/>
           </a:p>
         </p:txBody>
       </p:sp>
@@ -30575,10 +29753,9 @@
           </a:lstStyle>
           <a:p>
             <a:r>
-              <a:rPr lang="de-DE" dirty="0" smtClean="0"/>
+              <a:rPr lang="de-DE" dirty="0"/>
               <a:t>Julius Roth</a:t>
             </a:r>
-            <a:endParaRPr lang="de-DE" dirty="0"/>
           </a:p>
         </p:txBody>
       </p:sp>
@@ -30592,13 +29769,6 @@
   <p:clrMapOvr>
     <a:masterClrMapping/>
   </p:clrMapOvr>
-  <p:timing>
-    <p:tnLst>
-      <p:par>
-        <p:cTn id="1" dur="indefinite" restart="never" nodeType="tmRoot"/>
-      </p:par>
-    </p:tnLst>
-  </p:timing>
 </p:sld>
 </file>
 
@@ -30635,10 +29805,9 @@
           <a:lstStyle/>
           <a:p>
             <a:r>
-              <a:rPr lang="de-DE" dirty="0" smtClean="0"/>
+              <a:rPr lang="de-DE" dirty="0"/>
               <a:t>10.07.2018</a:t>
             </a:r>
-            <a:endParaRPr lang="de-DE" dirty="0"/>
           </a:p>
         </p:txBody>
       </p:sp>
@@ -30658,14 +29827,13 @@
           <a:lstStyle/>
           <a:p>
             <a:r>
-              <a:rPr lang="de-DE" dirty="0" err="1" smtClean="0"/>
+              <a:rPr lang="de-DE" dirty="0" err="1"/>
               <a:t>Legosar</a:t>
             </a:r>
             <a:r>
-              <a:rPr lang="de-DE" dirty="0" smtClean="0"/>
+              <a:rPr lang="de-DE" dirty="0"/>
               <a:t> SS 18</a:t>
             </a:r>
-            <a:endParaRPr lang="de-DE" dirty="0"/>
           </a:p>
         </p:txBody>
       </p:sp>
@@ -30685,7 +29853,7 @@
           <a:lstStyle/>
           <a:p>
             <a:r>
-              <a:rPr lang="de-DE" smtClean="0"/>
+              <a:rPr lang="de-DE"/>
               <a:t>S. </a:t>
             </a:r>
             <a:fld id="{D7EFD9E5-FB44-4C01-A2C2-48348664E7CC}" type="slidenum">
@@ -30713,7 +29881,7 @@
           <a:lstStyle/>
           <a:p>
             <a:r>
-              <a:rPr lang="de-DE" smtClean="0"/>
+              <a:rPr lang="de-DE"/>
               <a:t>Basissoftware</a:t>
             </a:r>
             <a:endParaRPr lang="de-DE" dirty="0"/>
@@ -30915,10 +30083,9 @@
           </a:lstStyle>
           <a:p>
             <a:r>
-              <a:rPr lang="de-DE" dirty="0" smtClean="0"/>
+              <a:rPr lang="de-DE" dirty="0"/>
               <a:t>Christoph König</a:t>
             </a:r>
-            <a:endParaRPr lang="de-DE" dirty="0"/>
           </a:p>
         </p:txBody>
       </p:sp>
@@ -30932,21 +30099,6 @@
   <p:clrMapOvr>
     <a:masterClrMapping/>
   </p:clrMapOvr>
-  <mc:AlternateContent xmlns:mc="http://schemas.openxmlformats.org/markup-compatibility/2006" xmlns:p14="http://schemas.microsoft.com/office/powerpoint/2010/main">
-    <mc:Choice Requires="p14">
-      <p:transition spd="slow" p14:dur="2000"/>
-    </mc:Choice>
-    <mc:Fallback xmlns="">
-      <p:transition spd="slow"/>
-    </mc:Fallback>
-  </mc:AlternateContent>
-  <p:timing>
-    <p:tnLst>
-      <p:par>
-        <p:cTn id="1" dur="indefinite" restart="never" nodeType="tmRoot"/>
-      </p:par>
-    </p:tnLst>
-  </p:timing>
 </p:sld>
 </file>
 
@@ -31794,12 +30946,6 @@
 </file>
 
 <file path=customXml/item1.xml><?xml version="1.0" encoding="utf-8"?>
-<p:properties xmlns:p="http://schemas.microsoft.com/office/2006/metadata/properties" xmlns:xsi="http://www.w3.org/2001/XMLSchema-instance" xmlns:pc="http://schemas.microsoft.com/office/infopath/2007/PartnerControls">
-  <documentManagement/>
-</p:properties>
-</file>
-
-<file path=customXml/item2.xml><?xml version="1.0" encoding="utf-8"?>
 <ct:contentTypeSchema xmlns:ct="http://schemas.microsoft.com/office/2006/metadata/contentType" xmlns:ma="http://schemas.microsoft.com/office/2006/metadata/properties/metaAttributes" ct:_="" ma:_="" ma:contentTypeName="Dokument" ma:contentTypeID="0x0101003DC6390AE56B35438C65966F635EAD35" ma:contentTypeVersion="0" ma:contentTypeDescription="Ein neues Dokument erstellen." ma:contentTypeScope="" ma:versionID="4f3286d4674dd6d9e62b4ad622de0e43">
   <xsd:schema xmlns:xsd="http://www.w3.org/2001/XMLSchema" xmlns:xs="http://www.w3.org/2001/XMLSchema" xmlns:p="http://schemas.microsoft.com/office/2006/metadata/properties" targetNamespace="http://schemas.microsoft.com/office/2006/metadata/properties" ma:root="true" ma:fieldsID="b4f5dc90cf06628c3b90945c8266c24d">
     <xsd:element name="properties">
@@ -31913,6 +31059,12 @@
 </ct:contentTypeSchema>
 </file>
 
+<file path=customXml/item2.xml><?xml version="1.0" encoding="utf-8"?>
+<p:properties xmlns:p="http://schemas.microsoft.com/office/2006/metadata/properties" xmlns:xsi="http://www.w3.org/2001/XMLSchema-instance" xmlns:pc="http://schemas.microsoft.com/office/infopath/2007/PartnerControls">
+  <documentManagement/>
+</p:properties>
+</file>
+
 <file path=customXml/item3.xml><?xml version="1.0" encoding="utf-8"?>
 <?mso-contentType ?>
 <FormTemplates xmlns="http://schemas.microsoft.com/sharepoint/v3/contenttype/forms">
@@ -31923,21 +31075,6 @@
 </file>
 
 <file path=customXml/itemProps1.xml><?xml version="1.0" encoding="utf-8"?>
-<ds:datastoreItem xmlns:ds="http://schemas.openxmlformats.org/officeDocument/2006/customXml" ds:itemID="{0A4ADDD2-5B29-4A1F-90E1-3FD9AC1E4F18}">
-  <ds:schemaRefs>
-    <ds:schemaRef ds:uri="http://schemas.microsoft.com/office/2006/documentManagement/types"/>
-    <ds:schemaRef ds:uri="http://schemas.microsoft.com/office/infopath/2007/PartnerControls"/>
-    <ds:schemaRef ds:uri="http://purl.org/dc/elements/1.1/"/>
-    <ds:schemaRef ds:uri="http://schemas.microsoft.com/office/2006/metadata/properties"/>
-    <ds:schemaRef ds:uri="http://purl.org/dc/terms/"/>
-    <ds:schemaRef ds:uri="http://schemas.openxmlformats.org/package/2006/metadata/core-properties"/>
-    <ds:schemaRef ds:uri="http://www.w3.org/XML/1998/namespace"/>
-    <ds:schemaRef ds:uri="http://purl.org/dc/dcmitype/"/>
-  </ds:schemaRefs>
-</ds:datastoreItem>
-</file>
-
-<file path=customXml/itemProps2.xml><?xml version="1.0" encoding="utf-8"?>
 <ds:datastoreItem xmlns:ds="http://schemas.openxmlformats.org/officeDocument/2006/customXml" ds:itemID="{35240994-86D6-4C55-8272-3C86349FB6F7}">
   <ds:schemaRefs>
     <ds:schemaRef ds:uri="http://schemas.microsoft.com/office/2006/metadata/contentType"/>
@@ -31953,6 +31090,21 @@
 </ds:datastoreItem>
 </file>
 
+<file path=customXml/itemProps2.xml><?xml version="1.0" encoding="utf-8"?>
+<ds:datastoreItem xmlns:ds="http://schemas.openxmlformats.org/officeDocument/2006/customXml" ds:itemID="{0A4ADDD2-5B29-4A1F-90E1-3FD9AC1E4F18}">
+  <ds:schemaRefs>
+    <ds:schemaRef ds:uri="http://schemas.microsoft.com/office/2006/documentManagement/types"/>
+    <ds:schemaRef ds:uri="http://schemas.microsoft.com/office/infopath/2007/PartnerControls"/>
+    <ds:schemaRef ds:uri="http://purl.org/dc/elements/1.1/"/>
+    <ds:schemaRef ds:uri="http://schemas.microsoft.com/office/2006/metadata/properties"/>
+    <ds:schemaRef ds:uri="http://purl.org/dc/terms/"/>
+    <ds:schemaRef ds:uri="http://schemas.openxmlformats.org/package/2006/metadata/core-properties"/>
+    <ds:schemaRef ds:uri="http://www.w3.org/XML/1998/namespace"/>
+    <ds:schemaRef ds:uri="http://purl.org/dc/dcmitype/"/>
+  </ds:schemaRefs>
+</ds:datastoreItem>
+</file>
+
 <file path=customXml/itemProps3.xml><?xml version="1.0" encoding="utf-8"?>
 <ds:datastoreItem xmlns:ds="http://schemas.openxmlformats.org/officeDocument/2006/customXml" ds:itemID="{FD22786F-CBCD-4FD4-A284-6C8FA96D8FE2}">
   <ds:schemaRefs>

--- a/Präsentation/Legosar_Master.pptx
+++ b/Präsentation/Legosar_Master.pptx
@@ -39,14 +39,14 @@
     <p:sldId id="300" r:id="rId30"/>
     <p:sldId id="301" r:id="rId31"/>
     <p:sldId id="302" r:id="rId32"/>
-    <p:sldId id="298" r:id="rId33"/>
-    <p:sldId id="279" r:id="rId34"/>
-    <p:sldId id="280" r:id="rId35"/>
-    <p:sldId id="281" r:id="rId36"/>
-    <p:sldId id="282" r:id="rId37"/>
-    <p:sldId id="283" r:id="rId38"/>
-    <p:sldId id="284" r:id="rId39"/>
-    <p:sldId id="285" r:id="rId40"/>
+    <p:sldId id="279" r:id="rId33"/>
+    <p:sldId id="280" r:id="rId34"/>
+    <p:sldId id="281" r:id="rId35"/>
+    <p:sldId id="282" r:id="rId36"/>
+    <p:sldId id="283" r:id="rId37"/>
+    <p:sldId id="284" r:id="rId38"/>
+    <p:sldId id="285" r:id="rId39"/>
+    <p:sldId id="298" r:id="rId40"/>
   </p:sldIdLst>
   <p:sldSz cx="6858000" cy="5143500"/>
   <p:notesSz cx="6858000" cy="9144000"/>
@@ -2857,6 +2857,13 @@
         </dgm:presLayoutVars>
       </dgm:prSet>
       <dgm:spPr/>
+      <dgm:t>
+        <a:bodyPr/>
+        <a:lstStyle/>
+        <a:p>
+          <a:endParaRPr lang="de-DE"/>
+        </a:p>
+      </dgm:t>
     </dgm:pt>
     <dgm:pt modelId="{93AEEB7A-FD22-4C7D-9EEE-0928D9CB0647}" type="pres">
       <dgm:prSet presAssocID="{FE51A229-1D1C-4A6F-AB90-E177D9FF5638}" presName="hierRoot1" presStyleCnt="0">
@@ -2877,10 +2884,24 @@
         </dgm:presLayoutVars>
       </dgm:prSet>
       <dgm:spPr/>
+      <dgm:t>
+        <a:bodyPr/>
+        <a:lstStyle/>
+        <a:p>
+          <a:endParaRPr lang="de-DE"/>
+        </a:p>
+      </dgm:t>
     </dgm:pt>
     <dgm:pt modelId="{4B6F4223-3E1E-4AC9-ABD4-0609EA935B7D}" type="pres">
       <dgm:prSet presAssocID="{FE51A229-1D1C-4A6F-AB90-E177D9FF5638}" presName="rootConnector1" presStyleLbl="node1" presStyleIdx="0" presStyleCnt="0"/>
       <dgm:spPr/>
+      <dgm:t>
+        <a:bodyPr/>
+        <a:lstStyle/>
+        <a:p>
+          <a:endParaRPr lang="de-DE"/>
+        </a:p>
+      </dgm:t>
     </dgm:pt>
     <dgm:pt modelId="{E2312D51-A2CD-4B22-A9A0-105CD811DE30}" type="pres">
       <dgm:prSet presAssocID="{FE51A229-1D1C-4A6F-AB90-E177D9FF5638}" presName="hierChild2" presStyleCnt="0"/>
@@ -2889,6 +2910,13 @@
     <dgm:pt modelId="{63227DB9-CCD9-47FC-87C1-48A8A593DD3D}" type="pres">
       <dgm:prSet presAssocID="{2513C4D0-6C86-45C4-8BBD-2DB38E3AC370}" presName="Name64" presStyleLbl="parChTrans1D2" presStyleIdx="0" presStyleCnt="2"/>
       <dgm:spPr/>
+      <dgm:t>
+        <a:bodyPr/>
+        <a:lstStyle/>
+        <a:p>
+          <a:endParaRPr lang="de-DE"/>
+        </a:p>
+      </dgm:t>
     </dgm:pt>
     <dgm:pt modelId="{ED867374-C2F4-4A03-9BAB-0A9DB67539CF}" type="pres">
       <dgm:prSet presAssocID="{458EA245-C2FB-44D5-8605-4CCDDB40A6CC}" presName="hierRoot2" presStyleCnt="0">
@@ -2909,10 +2937,24 @@
         </dgm:presLayoutVars>
       </dgm:prSet>
       <dgm:spPr/>
+      <dgm:t>
+        <a:bodyPr/>
+        <a:lstStyle/>
+        <a:p>
+          <a:endParaRPr lang="de-DE"/>
+        </a:p>
+      </dgm:t>
     </dgm:pt>
     <dgm:pt modelId="{236E74BF-DAB1-48C0-8EBC-B0423E7C1D61}" type="pres">
       <dgm:prSet presAssocID="{458EA245-C2FB-44D5-8605-4CCDDB40A6CC}" presName="rootConnector" presStyleLbl="node2" presStyleIdx="0" presStyleCnt="2"/>
       <dgm:spPr/>
+      <dgm:t>
+        <a:bodyPr/>
+        <a:lstStyle/>
+        <a:p>
+          <a:endParaRPr lang="de-DE"/>
+        </a:p>
+      </dgm:t>
     </dgm:pt>
     <dgm:pt modelId="{AB56F150-B395-4ECC-BA1D-868815977097}" type="pres">
       <dgm:prSet presAssocID="{458EA245-C2FB-44D5-8605-4CCDDB40A6CC}" presName="hierChild4" presStyleCnt="0"/>
@@ -2921,6 +2963,13 @@
     <dgm:pt modelId="{A813DACE-B381-4BD1-B87A-8914CC3126C9}" type="pres">
       <dgm:prSet presAssocID="{BB1B051C-FE5E-4A16-9C54-818D19E23760}" presName="Name64" presStyleLbl="parChTrans1D3" presStyleIdx="0" presStyleCnt="2"/>
       <dgm:spPr/>
+      <dgm:t>
+        <a:bodyPr/>
+        <a:lstStyle/>
+        <a:p>
+          <a:endParaRPr lang="de-DE"/>
+        </a:p>
+      </dgm:t>
     </dgm:pt>
     <dgm:pt modelId="{F5ABF7A5-F5F4-4F68-8DA0-DA2CA59A0C71}" type="pres">
       <dgm:prSet presAssocID="{194B450F-9E85-4BFF-B53A-025ECE8CA2B3}" presName="hierRoot2" presStyleCnt="0">
@@ -2941,10 +2990,24 @@
         </dgm:presLayoutVars>
       </dgm:prSet>
       <dgm:spPr/>
+      <dgm:t>
+        <a:bodyPr/>
+        <a:lstStyle/>
+        <a:p>
+          <a:endParaRPr lang="de-DE"/>
+        </a:p>
+      </dgm:t>
     </dgm:pt>
     <dgm:pt modelId="{5A548C04-9E6C-4592-B715-0EB482C91130}" type="pres">
       <dgm:prSet presAssocID="{194B450F-9E85-4BFF-B53A-025ECE8CA2B3}" presName="rootConnector" presStyleLbl="node3" presStyleIdx="0" presStyleCnt="2"/>
       <dgm:spPr/>
+      <dgm:t>
+        <a:bodyPr/>
+        <a:lstStyle/>
+        <a:p>
+          <a:endParaRPr lang="de-DE"/>
+        </a:p>
+      </dgm:t>
     </dgm:pt>
     <dgm:pt modelId="{335D26C1-FA49-453D-B8F7-F14D3ED40119}" type="pres">
       <dgm:prSet presAssocID="{194B450F-9E85-4BFF-B53A-025ECE8CA2B3}" presName="hierChild4" presStyleCnt="0"/>
@@ -2953,6 +3016,13 @@
     <dgm:pt modelId="{3B5520CA-5F04-4318-B8CF-392D127E0565}" type="pres">
       <dgm:prSet presAssocID="{B92FE964-20D3-4760-9A5D-FC70065444B3}" presName="Name64" presStyleLbl="parChTrans1D4" presStyleIdx="0" presStyleCnt="3"/>
       <dgm:spPr/>
+      <dgm:t>
+        <a:bodyPr/>
+        <a:lstStyle/>
+        <a:p>
+          <a:endParaRPr lang="de-DE"/>
+        </a:p>
+      </dgm:t>
     </dgm:pt>
     <dgm:pt modelId="{BC983705-C229-4A07-8FE0-730317BFA2F7}" type="pres">
       <dgm:prSet presAssocID="{A2264A7C-99C0-4C2E-8D57-36176C349B9D}" presName="hierRoot2" presStyleCnt="0">
@@ -2973,10 +3043,24 @@
         </dgm:presLayoutVars>
       </dgm:prSet>
       <dgm:spPr/>
+      <dgm:t>
+        <a:bodyPr/>
+        <a:lstStyle/>
+        <a:p>
+          <a:endParaRPr lang="de-DE"/>
+        </a:p>
+      </dgm:t>
     </dgm:pt>
     <dgm:pt modelId="{A8DB0F5F-E32E-4576-9815-E8340FCEF884}" type="pres">
       <dgm:prSet presAssocID="{A2264A7C-99C0-4C2E-8D57-36176C349B9D}" presName="rootConnector" presStyleLbl="node4" presStyleIdx="0" presStyleCnt="3"/>
       <dgm:spPr/>
+      <dgm:t>
+        <a:bodyPr/>
+        <a:lstStyle/>
+        <a:p>
+          <a:endParaRPr lang="de-DE"/>
+        </a:p>
+      </dgm:t>
     </dgm:pt>
     <dgm:pt modelId="{057F7E45-500A-4B01-ACAD-7C6379607DB2}" type="pres">
       <dgm:prSet presAssocID="{A2264A7C-99C0-4C2E-8D57-36176C349B9D}" presName="hierChild4" presStyleCnt="0"/>
@@ -2989,6 +3073,13 @@
     <dgm:pt modelId="{5E2A4BF6-1C17-4440-8F1D-9DDBE8FD40EB}" type="pres">
       <dgm:prSet presAssocID="{B7BB566D-4912-41B1-B776-F30DE0B49829}" presName="Name64" presStyleLbl="parChTrans1D4" presStyleIdx="1" presStyleCnt="3"/>
       <dgm:spPr/>
+      <dgm:t>
+        <a:bodyPr/>
+        <a:lstStyle/>
+        <a:p>
+          <a:endParaRPr lang="de-DE"/>
+        </a:p>
+      </dgm:t>
     </dgm:pt>
     <dgm:pt modelId="{B3CAACBC-C0C4-4E6D-A6AF-47CFA7B5F949}" type="pres">
       <dgm:prSet presAssocID="{DDCFA4CF-CB34-4461-BF68-A6E109616A0E}" presName="hierRoot2" presStyleCnt="0">
@@ -3009,10 +3100,24 @@
         </dgm:presLayoutVars>
       </dgm:prSet>
       <dgm:spPr/>
+      <dgm:t>
+        <a:bodyPr/>
+        <a:lstStyle/>
+        <a:p>
+          <a:endParaRPr lang="de-DE"/>
+        </a:p>
+      </dgm:t>
     </dgm:pt>
     <dgm:pt modelId="{87F8F010-9276-41CD-A9FE-B1F4A0595D48}" type="pres">
       <dgm:prSet presAssocID="{DDCFA4CF-CB34-4461-BF68-A6E109616A0E}" presName="rootConnector" presStyleLbl="node4" presStyleIdx="1" presStyleCnt="3"/>
       <dgm:spPr/>
+      <dgm:t>
+        <a:bodyPr/>
+        <a:lstStyle/>
+        <a:p>
+          <a:endParaRPr lang="de-DE"/>
+        </a:p>
+      </dgm:t>
     </dgm:pt>
     <dgm:pt modelId="{E19C4DBC-7534-4B62-A8E5-3D08593FF966}" type="pres">
       <dgm:prSet presAssocID="{DDCFA4CF-CB34-4461-BF68-A6E109616A0E}" presName="hierChild4" presStyleCnt="0"/>
@@ -3025,6 +3130,13 @@
     <dgm:pt modelId="{FE3655A2-A77C-4FEA-A8D0-8272D776720E}" type="pres">
       <dgm:prSet presAssocID="{C013AF15-BE5E-4351-9FCC-BC353D4E1563}" presName="Name64" presStyleLbl="parChTrans1D4" presStyleIdx="2" presStyleCnt="3"/>
       <dgm:spPr/>
+      <dgm:t>
+        <a:bodyPr/>
+        <a:lstStyle/>
+        <a:p>
+          <a:endParaRPr lang="de-DE"/>
+        </a:p>
+      </dgm:t>
     </dgm:pt>
     <dgm:pt modelId="{2175940A-A575-4707-BE76-92E4F498635D}" type="pres">
       <dgm:prSet presAssocID="{3DDA16D2-21F8-47F5-A677-027B09A0DCAA}" presName="hierRoot2" presStyleCnt="0">
@@ -3045,10 +3157,24 @@
         </dgm:presLayoutVars>
       </dgm:prSet>
       <dgm:spPr/>
+      <dgm:t>
+        <a:bodyPr/>
+        <a:lstStyle/>
+        <a:p>
+          <a:endParaRPr lang="de-DE"/>
+        </a:p>
+      </dgm:t>
     </dgm:pt>
     <dgm:pt modelId="{CBE0C06E-4963-4904-BBE9-F9D45A28B254}" type="pres">
       <dgm:prSet presAssocID="{3DDA16D2-21F8-47F5-A677-027B09A0DCAA}" presName="rootConnector" presStyleLbl="node4" presStyleIdx="2" presStyleCnt="3"/>
       <dgm:spPr/>
+      <dgm:t>
+        <a:bodyPr/>
+        <a:lstStyle/>
+        <a:p>
+          <a:endParaRPr lang="de-DE"/>
+        </a:p>
+      </dgm:t>
     </dgm:pt>
     <dgm:pt modelId="{C001A9CD-0961-44EE-B1EE-E02106C7FFFA}" type="pres">
       <dgm:prSet presAssocID="{3DDA16D2-21F8-47F5-A677-027B09A0DCAA}" presName="hierChild4" presStyleCnt="0"/>
@@ -3065,6 +3191,13 @@
     <dgm:pt modelId="{2AE50859-A0F3-4D34-A36E-1D1B57AD5833}" type="pres">
       <dgm:prSet presAssocID="{33BB61BD-C7B2-4EEF-9DA6-9C6B5266D100}" presName="Name64" presStyleLbl="parChTrans1D3" presStyleIdx="1" presStyleCnt="2"/>
       <dgm:spPr/>
+      <dgm:t>
+        <a:bodyPr/>
+        <a:lstStyle/>
+        <a:p>
+          <a:endParaRPr lang="de-DE"/>
+        </a:p>
+      </dgm:t>
     </dgm:pt>
     <dgm:pt modelId="{BA520FEB-C5A1-42D8-89F8-6E4274B8DCCB}" type="pres">
       <dgm:prSet presAssocID="{0EFBF9FB-A605-419D-A862-7FB5461FA12B}" presName="hierRoot2" presStyleCnt="0">
@@ -3085,10 +3218,24 @@
         </dgm:presLayoutVars>
       </dgm:prSet>
       <dgm:spPr/>
+      <dgm:t>
+        <a:bodyPr/>
+        <a:lstStyle/>
+        <a:p>
+          <a:endParaRPr lang="de-DE"/>
+        </a:p>
+      </dgm:t>
     </dgm:pt>
     <dgm:pt modelId="{00C9DA18-5528-47F7-A939-211C1C9A212F}" type="pres">
       <dgm:prSet presAssocID="{0EFBF9FB-A605-419D-A862-7FB5461FA12B}" presName="rootConnector" presStyleLbl="node3" presStyleIdx="1" presStyleCnt="2"/>
       <dgm:spPr/>
+      <dgm:t>
+        <a:bodyPr/>
+        <a:lstStyle/>
+        <a:p>
+          <a:endParaRPr lang="de-DE"/>
+        </a:p>
+      </dgm:t>
     </dgm:pt>
     <dgm:pt modelId="{1E9DF34E-300F-44BF-AA09-24FE45A1C366}" type="pres">
       <dgm:prSet presAssocID="{0EFBF9FB-A605-419D-A862-7FB5461FA12B}" presName="hierChild4" presStyleCnt="0"/>
@@ -3105,6 +3252,13 @@
     <dgm:pt modelId="{567FCC46-C3DF-4251-BE5E-39C5F62A348C}" type="pres">
       <dgm:prSet presAssocID="{1D0C1A18-525A-4402-A32B-7193F2A8471B}" presName="Name64" presStyleLbl="parChTrans1D2" presStyleIdx="1" presStyleCnt="2"/>
       <dgm:spPr/>
+      <dgm:t>
+        <a:bodyPr/>
+        <a:lstStyle/>
+        <a:p>
+          <a:endParaRPr lang="de-DE"/>
+        </a:p>
+      </dgm:t>
     </dgm:pt>
     <dgm:pt modelId="{32BD507D-9A62-4BD2-9B58-25D9373F026A}" type="pres">
       <dgm:prSet presAssocID="{A00B03C0-8B6F-4A38-8304-EE63638E39F0}" presName="hierRoot2" presStyleCnt="0">
@@ -3125,10 +3279,24 @@
         </dgm:presLayoutVars>
       </dgm:prSet>
       <dgm:spPr/>
+      <dgm:t>
+        <a:bodyPr/>
+        <a:lstStyle/>
+        <a:p>
+          <a:endParaRPr lang="de-DE"/>
+        </a:p>
+      </dgm:t>
     </dgm:pt>
     <dgm:pt modelId="{52D8D829-C8D7-4555-B67B-1A38F3A988B0}" type="pres">
       <dgm:prSet presAssocID="{A00B03C0-8B6F-4A38-8304-EE63638E39F0}" presName="rootConnector" presStyleLbl="node2" presStyleIdx="1" presStyleCnt="2"/>
       <dgm:spPr/>
+      <dgm:t>
+        <a:bodyPr/>
+        <a:lstStyle/>
+        <a:p>
+          <a:endParaRPr lang="de-DE"/>
+        </a:p>
+      </dgm:t>
     </dgm:pt>
     <dgm:pt modelId="{483FF510-A742-40AC-8588-F0F8D5C6554C}" type="pres">
       <dgm:prSet presAssocID="{A00B03C0-8B6F-4A38-8304-EE63638E39F0}" presName="hierChild4" presStyleCnt="0"/>
@@ -3144,38 +3312,38 @@
     </dgm:pt>
   </dgm:ptLst>
   <dgm:cxnLst>
-    <dgm:cxn modelId="{E4FCFA04-BFA1-4D6C-8545-4660A06C0858}" srcId="{FE51A229-1D1C-4A6F-AB90-E177D9FF5638}" destId="{458EA245-C2FB-44D5-8605-4CCDDB40A6CC}" srcOrd="0" destOrd="0" parTransId="{2513C4D0-6C86-45C4-8BBD-2DB38E3AC370}" sibTransId="{53A9072A-69A3-4427-B613-32082B7B7647}"/>
-    <dgm:cxn modelId="{6AEA9406-01E6-454D-B689-07879572C0DC}" type="presOf" srcId="{A2264A7C-99C0-4C2E-8D57-36176C349B9D}" destId="{9F8FC8AB-0C10-4A80-8AC1-8F557DFAC6ED}" srcOrd="0" destOrd="0" presId="urn:microsoft.com/office/officeart/2009/3/layout/HorizontalOrganizationChart"/>
+    <dgm:cxn modelId="{32550876-B728-410B-AB28-F6847898BBA9}" type="presOf" srcId="{458EA245-C2FB-44D5-8605-4CCDDB40A6CC}" destId="{58CCBD63-0DC1-42B7-986A-6D903EE0CAE9}" srcOrd="0" destOrd="0" presId="urn:microsoft.com/office/officeart/2009/3/layout/HorizontalOrganizationChart"/>
+    <dgm:cxn modelId="{521BE7C8-04C5-42EF-9A09-686B5C5E16A6}" srcId="{194B450F-9E85-4BFF-B53A-025ECE8CA2B3}" destId="{DDCFA4CF-CB34-4461-BF68-A6E109616A0E}" srcOrd="1" destOrd="0" parTransId="{B7BB566D-4912-41B1-B776-F30DE0B49829}" sibTransId="{B73FC9E7-A443-418A-9BAB-4CB6E5444EE0}"/>
+    <dgm:cxn modelId="{CAD44E2B-0438-4B15-91D6-9BB16FC8FD21}" type="presOf" srcId="{BB1B051C-FE5E-4A16-9C54-818D19E23760}" destId="{A813DACE-B381-4BD1-B87A-8914CC3126C9}" srcOrd="0" destOrd="0" presId="urn:microsoft.com/office/officeart/2009/3/layout/HorizontalOrganizationChart"/>
+    <dgm:cxn modelId="{EE2B81EF-E21C-4355-8EBB-31E68916AD6D}" type="presOf" srcId="{33BB61BD-C7B2-4EEF-9DA6-9C6B5266D100}" destId="{2AE50859-A0F3-4D34-A36E-1D1B57AD5833}" srcOrd="0" destOrd="0" presId="urn:microsoft.com/office/officeart/2009/3/layout/HorizontalOrganizationChart"/>
     <dgm:cxn modelId="{484D5007-0040-4011-8282-AF8E2CF63BDE}" srcId="{458EA245-C2FB-44D5-8605-4CCDDB40A6CC}" destId="{0EFBF9FB-A605-419D-A862-7FB5461FA12B}" srcOrd="1" destOrd="0" parTransId="{33BB61BD-C7B2-4EEF-9DA6-9C6B5266D100}" sibTransId="{44FF41D8-740A-4FAB-82C8-EDE7E9B15E38}"/>
-    <dgm:cxn modelId="{F7156508-A877-42EE-B019-05A4690C64F4}" type="presOf" srcId="{DDCFA4CF-CB34-4461-BF68-A6E109616A0E}" destId="{87F8F010-9276-41CD-A9FE-B1F4A0595D48}" srcOrd="1" destOrd="0" presId="urn:microsoft.com/office/officeart/2009/3/layout/HorizontalOrganizationChart"/>
-    <dgm:cxn modelId="{71605211-8CF0-4CC0-902E-54D2DC1C86C4}" type="presOf" srcId="{194B450F-9E85-4BFF-B53A-025ECE8CA2B3}" destId="{49B445EE-0A39-4EBB-9212-3FB7911CC92D}" srcOrd="0" destOrd="0" presId="urn:microsoft.com/office/officeart/2009/3/layout/HorizontalOrganizationChart"/>
-    <dgm:cxn modelId="{1CB5A317-0F65-4F77-95BD-53601243D158}" type="presOf" srcId="{3DDA16D2-21F8-47F5-A677-027B09A0DCAA}" destId="{02D8AA49-D842-4B3F-B647-E1ACEC927ACC}" srcOrd="0" destOrd="0" presId="urn:microsoft.com/office/officeart/2009/3/layout/HorizontalOrganizationChart"/>
-    <dgm:cxn modelId="{7FF7C417-39C3-4FF5-AFB8-49610E291783}" type="presOf" srcId="{A2264A7C-99C0-4C2E-8D57-36176C349B9D}" destId="{A8DB0F5F-E32E-4576-9815-E8340FCEF884}" srcOrd="1" destOrd="0" presId="urn:microsoft.com/office/officeart/2009/3/layout/HorizontalOrganizationChart"/>
-    <dgm:cxn modelId="{44152723-EBEB-4656-BF1B-7087F2C99C12}" type="presOf" srcId="{1D0C1A18-525A-4402-A32B-7193F2A8471B}" destId="{567FCC46-C3DF-4251-BE5E-39C5F62A348C}" srcOrd="0" destOrd="0" presId="urn:microsoft.com/office/officeart/2009/3/layout/HorizontalOrganizationChart"/>
-    <dgm:cxn modelId="{CAD44E2B-0438-4B15-91D6-9BB16FC8FD21}" type="presOf" srcId="{BB1B051C-FE5E-4A16-9C54-818D19E23760}" destId="{A813DACE-B381-4BD1-B87A-8914CC3126C9}" srcOrd="0" destOrd="0" presId="urn:microsoft.com/office/officeart/2009/3/layout/HorizontalOrganizationChart"/>
-    <dgm:cxn modelId="{578ED840-C2B4-4153-933F-437817DB9121}" type="presOf" srcId="{0EFBF9FB-A605-419D-A862-7FB5461FA12B}" destId="{8B15E07E-99B4-4AA7-88F9-F8F2D3601D93}" srcOrd="0" destOrd="0" presId="urn:microsoft.com/office/officeart/2009/3/layout/HorizontalOrganizationChart"/>
-    <dgm:cxn modelId="{82B87C42-A868-4813-92EA-6E47F92236AE}" type="presOf" srcId="{194B450F-9E85-4BFF-B53A-025ECE8CA2B3}" destId="{5A548C04-9E6C-4592-B715-0EB482C91130}" srcOrd="1" destOrd="0" presId="urn:microsoft.com/office/officeart/2009/3/layout/HorizontalOrganizationChart"/>
-    <dgm:cxn modelId="{26084E46-5324-443F-9AA1-9C51CC2E84C6}" type="presOf" srcId="{3DDA16D2-21F8-47F5-A677-027B09A0DCAA}" destId="{CBE0C06E-4963-4904-BBE9-F9D45A28B254}" srcOrd="1" destOrd="0" presId="urn:microsoft.com/office/officeart/2009/3/layout/HorizontalOrganizationChart"/>
-    <dgm:cxn modelId="{C224066D-8E7A-4DBF-B0CA-AD1CD42C0934}" type="presOf" srcId="{FE51A229-1D1C-4A6F-AB90-E177D9FF5638}" destId="{AF082B63-47A3-42A2-A216-33822EEB62AD}" srcOrd="0" destOrd="0" presId="urn:microsoft.com/office/officeart/2009/3/layout/HorizontalOrganizationChart"/>
+    <dgm:cxn modelId="{8139BDDC-86AE-4421-BFDD-19D790AC7882}" srcId="{FE51A229-1D1C-4A6F-AB90-E177D9FF5638}" destId="{A00B03C0-8B6F-4A38-8304-EE63638E39F0}" srcOrd="1" destOrd="0" parTransId="{1D0C1A18-525A-4402-A32B-7193F2A8471B}" sibTransId="{FFFC4A27-D24C-411F-899C-7C296EF4B286}"/>
     <dgm:cxn modelId="{21C5914E-B084-4E1A-8286-FA3BFDD11525}" type="presOf" srcId="{B92FE964-20D3-4760-9A5D-FC70065444B3}" destId="{3B5520CA-5F04-4318-B8CF-392D127E0565}" srcOrd="0" destOrd="0" presId="urn:microsoft.com/office/officeart/2009/3/layout/HorizontalOrganizationChart"/>
     <dgm:cxn modelId="{C130B86E-7832-4044-85F5-0AAAED6A05DC}" type="presOf" srcId="{2513C4D0-6C86-45C4-8BBD-2DB38E3AC370}" destId="{63227DB9-CCD9-47FC-87C1-48A8A593DD3D}" srcOrd="0" destOrd="0" presId="urn:microsoft.com/office/officeart/2009/3/layout/HorizontalOrganizationChart"/>
-    <dgm:cxn modelId="{2AE5AF70-17DF-4B57-B688-4DC303E92A34}" type="presOf" srcId="{A00B03C0-8B6F-4A38-8304-EE63638E39F0}" destId="{52D8D829-C8D7-4555-B67B-1A38F3A988B0}" srcOrd="1" destOrd="0" presId="urn:microsoft.com/office/officeart/2009/3/layout/HorizontalOrganizationChart"/>
-    <dgm:cxn modelId="{F33F0453-D6F7-4126-A22A-C5F0A08FD289}" type="presOf" srcId="{B7BB566D-4912-41B1-B776-F30DE0B49829}" destId="{5E2A4BF6-1C17-4440-8F1D-9DDBE8FD40EB}" srcOrd="0" destOrd="0" presId="urn:microsoft.com/office/officeart/2009/3/layout/HorizontalOrganizationChart"/>
-    <dgm:cxn modelId="{32550876-B728-410B-AB28-F6847898BBA9}" type="presOf" srcId="{458EA245-C2FB-44D5-8605-4CCDDB40A6CC}" destId="{58CCBD63-0DC1-42B7-986A-6D903EE0CAE9}" srcOrd="0" destOrd="0" presId="urn:microsoft.com/office/officeart/2009/3/layout/HorizontalOrganizationChart"/>
     <dgm:cxn modelId="{11ABE458-95FA-4F0E-9571-16BEFF9318B5}" srcId="{458EA245-C2FB-44D5-8605-4CCDDB40A6CC}" destId="{194B450F-9E85-4BFF-B53A-025ECE8CA2B3}" srcOrd="0" destOrd="0" parTransId="{BB1B051C-FE5E-4A16-9C54-818D19E23760}" sibTransId="{35B704BA-272C-4FD3-8DC8-BBCDFF621B17}"/>
     <dgm:cxn modelId="{4912AE85-D5C0-4B19-BAB1-4F20B08FA78B}" srcId="{194B450F-9E85-4BFF-B53A-025ECE8CA2B3}" destId="{A2264A7C-99C0-4C2E-8D57-36176C349B9D}" srcOrd="0" destOrd="0" parTransId="{B92FE964-20D3-4760-9A5D-FC70065444B3}" sibTransId="{ADD6F146-40E5-4B9C-A5B7-E7CD38D2C492}"/>
+    <dgm:cxn modelId="{C224066D-8E7A-4DBF-B0CA-AD1CD42C0934}" type="presOf" srcId="{FE51A229-1D1C-4A6F-AB90-E177D9FF5638}" destId="{AF082B63-47A3-42A2-A216-33822EEB62AD}" srcOrd="0" destOrd="0" presId="urn:microsoft.com/office/officeart/2009/3/layout/HorizontalOrganizationChart"/>
+    <dgm:cxn modelId="{2353BEDD-9DFA-47AF-9301-09410A26A23A}" type="presOf" srcId="{0EFBF9FB-A605-419D-A862-7FB5461FA12B}" destId="{00C9DA18-5528-47F7-A939-211C1C9A212F}" srcOrd="1" destOrd="0" presId="urn:microsoft.com/office/officeart/2009/3/layout/HorizontalOrganizationChart"/>
+    <dgm:cxn modelId="{6B377BFF-21F7-4E69-9760-16B227F85F05}" type="presOf" srcId="{458EA245-C2FB-44D5-8605-4CCDDB40A6CC}" destId="{236E74BF-DAB1-48C0-8EBC-B0423E7C1D61}" srcOrd="1" destOrd="0" presId="urn:microsoft.com/office/officeart/2009/3/layout/HorizontalOrganizationChart"/>
+    <dgm:cxn modelId="{1CB5A317-0F65-4F77-95BD-53601243D158}" type="presOf" srcId="{3DDA16D2-21F8-47F5-A677-027B09A0DCAA}" destId="{02D8AA49-D842-4B3F-B647-E1ACEC927ACC}" srcOrd="0" destOrd="0" presId="urn:microsoft.com/office/officeart/2009/3/layout/HorizontalOrganizationChart"/>
+    <dgm:cxn modelId="{E4FCFA04-BFA1-4D6C-8545-4660A06C0858}" srcId="{FE51A229-1D1C-4A6F-AB90-E177D9FF5638}" destId="{458EA245-C2FB-44D5-8605-4CCDDB40A6CC}" srcOrd="0" destOrd="0" parTransId="{2513C4D0-6C86-45C4-8BBD-2DB38E3AC370}" sibTransId="{53A9072A-69A3-4427-B613-32082B7B7647}"/>
+    <dgm:cxn modelId="{0CC669FE-97A7-4BF5-865E-0478346F01D1}" type="presOf" srcId="{A00B03C0-8B6F-4A38-8304-EE63638E39F0}" destId="{50C6C9DE-2467-43DA-B215-3254E4507CAA}" srcOrd="0" destOrd="0" presId="urn:microsoft.com/office/officeart/2009/3/layout/HorizontalOrganizationChart"/>
+    <dgm:cxn modelId="{A2378DE5-8398-4977-BB44-026FFB612B10}" type="presOf" srcId="{C013AF15-BE5E-4351-9FCC-BC353D4E1563}" destId="{FE3655A2-A77C-4FEA-A8D0-8272D776720E}" srcOrd="0" destOrd="0" presId="urn:microsoft.com/office/officeart/2009/3/layout/HorizontalOrganizationChart"/>
+    <dgm:cxn modelId="{6AEA9406-01E6-454D-B689-07879572C0DC}" type="presOf" srcId="{A2264A7C-99C0-4C2E-8D57-36176C349B9D}" destId="{9F8FC8AB-0C10-4A80-8AC1-8F557DFAC6ED}" srcOrd="0" destOrd="0" presId="urn:microsoft.com/office/officeart/2009/3/layout/HorizontalOrganizationChart"/>
+    <dgm:cxn modelId="{578ED840-C2B4-4153-933F-437817DB9121}" type="presOf" srcId="{0EFBF9FB-A605-419D-A862-7FB5461FA12B}" destId="{8B15E07E-99B4-4AA7-88F9-F8F2D3601D93}" srcOrd="0" destOrd="0" presId="urn:microsoft.com/office/officeart/2009/3/layout/HorizontalOrganizationChart"/>
+    <dgm:cxn modelId="{F33F0453-D6F7-4126-A22A-C5F0A08FD289}" type="presOf" srcId="{B7BB566D-4912-41B1-B776-F30DE0B49829}" destId="{5E2A4BF6-1C17-4440-8F1D-9DDBE8FD40EB}" srcOrd="0" destOrd="0" presId="urn:microsoft.com/office/officeart/2009/3/layout/HorizontalOrganizationChart"/>
+    <dgm:cxn modelId="{71605211-8CF0-4CC0-902E-54D2DC1C86C4}" type="presOf" srcId="{194B450F-9E85-4BFF-B53A-025ECE8CA2B3}" destId="{49B445EE-0A39-4EBB-9212-3FB7911CC92D}" srcOrd="0" destOrd="0" presId="urn:microsoft.com/office/officeart/2009/3/layout/HorizontalOrganizationChart"/>
+    <dgm:cxn modelId="{469BD5D0-E7CC-46AF-A309-EEEFB2947DA4}" type="presOf" srcId="{FE51A229-1D1C-4A6F-AB90-E177D9FF5638}" destId="{4B6F4223-3E1E-4AC9-ABD4-0609EA935B7D}" srcOrd="1" destOrd="0" presId="urn:microsoft.com/office/officeart/2009/3/layout/HorizontalOrganizationChart"/>
     <dgm:cxn modelId="{86B87D8A-7618-4A6E-8215-9F9E410FEB3C}" srcId="{194B450F-9E85-4BFF-B53A-025ECE8CA2B3}" destId="{3DDA16D2-21F8-47F5-A677-027B09A0DCAA}" srcOrd="2" destOrd="0" parTransId="{C013AF15-BE5E-4351-9FCC-BC353D4E1563}" sibTransId="{14774648-2FE7-4094-8DBC-B9DC23148B58}"/>
+    <dgm:cxn modelId="{7FF7C417-39C3-4FF5-AFB8-49610E291783}" type="presOf" srcId="{A2264A7C-99C0-4C2E-8D57-36176C349B9D}" destId="{A8DB0F5F-E32E-4576-9815-E8340FCEF884}" srcOrd="1" destOrd="0" presId="urn:microsoft.com/office/officeart/2009/3/layout/HorizontalOrganizationChart"/>
     <dgm:cxn modelId="{926A30C3-E26E-46CC-A662-E403FD474CEE}" type="presOf" srcId="{9B572FD9-4724-42DA-B8D4-08C635C0917F}" destId="{1F642486-6A25-4C23-92A3-61A7126A890E}" srcOrd="0" destOrd="0" presId="urn:microsoft.com/office/officeart/2009/3/layout/HorizontalOrganizationChart"/>
     <dgm:cxn modelId="{273062C8-E9B1-4CFB-B54C-9CF1BE5E1D73}" srcId="{9B572FD9-4724-42DA-B8D4-08C635C0917F}" destId="{FE51A229-1D1C-4A6F-AB90-E177D9FF5638}" srcOrd="0" destOrd="0" parTransId="{A504EDBC-EB02-4406-B3C2-FF847ACFAB41}" sibTransId="{E8FE0C9C-68D4-4441-A46A-89AEE9E09116}"/>
-    <dgm:cxn modelId="{521BE7C8-04C5-42EF-9A09-686B5C5E16A6}" srcId="{194B450F-9E85-4BFF-B53A-025ECE8CA2B3}" destId="{DDCFA4CF-CB34-4461-BF68-A6E109616A0E}" srcOrd="1" destOrd="0" parTransId="{B7BB566D-4912-41B1-B776-F30DE0B49829}" sibTransId="{B73FC9E7-A443-418A-9BAB-4CB6E5444EE0}"/>
-    <dgm:cxn modelId="{469BD5D0-E7CC-46AF-A309-EEEFB2947DA4}" type="presOf" srcId="{FE51A229-1D1C-4A6F-AB90-E177D9FF5638}" destId="{4B6F4223-3E1E-4AC9-ABD4-0609EA935B7D}" srcOrd="1" destOrd="0" presId="urn:microsoft.com/office/officeart/2009/3/layout/HorizontalOrganizationChart"/>
-    <dgm:cxn modelId="{8139BDDC-86AE-4421-BFDD-19D790AC7882}" srcId="{FE51A229-1D1C-4A6F-AB90-E177D9FF5638}" destId="{A00B03C0-8B6F-4A38-8304-EE63638E39F0}" srcOrd="1" destOrd="0" parTransId="{1D0C1A18-525A-4402-A32B-7193F2A8471B}" sibTransId="{FFFC4A27-D24C-411F-899C-7C296EF4B286}"/>
-    <dgm:cxn modelId="{2353BEDD-9DFA-47AF-9301-09410A26A23A}" type="presOf" srcId="{0EFBF9FB-A605-419D-A862-7FB5461FA12B}" destId="{00C9DA18-5528-47F7-A939-211C1C9A212F}" srcOrd="1" destOrd="0" presId="urn:microsoft.com/office/officeart/2009/3/layout/HorizontalOrganizationChart"/>
-    <dgm:cxn modelId="{A2378DE5-8398-4977-BB44-026FFB612B10}" type="presOf" srcId="{C013AF15-BE5E-4351-9FCC-BC353D4E1563}" destId="{FE3655A2-A77C-4FEA-A8D0-8272D776720E}" srcOrd="0" destOrd="0" presId="urn:microsoft.com/office/officeart/2009/3/layout/HorizontalOrganizationChart"/>
-    <dgm:cxn modelId="{EE2B81EF-E21C-4355-8EBB-31E68916AD6D}" type="presOf" srcId="{33BB61BD-C7B2-4EEF-9DA6-9C6B5266D100}" destId="{2AE50859-A0F3-4D34-A36E-1D1B57AD5833}" srcOrd="0" destOrd="0" presId="urn:microsoft.com/office/officeart/2009/3/layout/HorizontalOrganizationChart"/>
+    <dgm:cxn modelId="{26084E46-5324-443F-9AA1-9C51CC2E84C6}" type="presOf" srcId="{3DDA16D2-21F8-47F5-A677-027B09A0DCAA}" destId="{CBE0C06E-4963-4904-BBE9-F9D45A28B254}" srcOrd="1" destOrd="0" presId="urn:microsoft.com/office/officeart/2009/3/layout/HorizontalOrganizationChart"/>
+    <dgm:cxn modelId="{44152723-EBEB-4656-BF1B-7087F2C99C12}" type="presOf" srcId="{1D0C1A18-525A-4402-A32B-7193F2A8471B}" destId="{567FCC46-C3DF-4251-BE5E-39C5F62A348C}" srcOrd="0" destOrd="0" presId="urn:microsoft.com/office/officeart/2009/3/layout/HorizontalOrganizationChart"/>
+    <dgm:cxn modelId="{2AE5AF70-17DF-4B57-B688-4DC303E92A34}" type="presOf" srcId="{A00B03C0-8B6F-4A38-8304-EE63638E39F0}" destId="{52D8D829-C8D7-4555-B67B-1A38F3A988B0}" srcOrd="1" destOrd="0" presId="urn:microsoft.com/office/officeart/2009/3/layout/HorizontalOrganizationChart"/>
     <dgm:cxn modelId="{3EA1BDF9-196B-4338-959A-1771D4FA7F51}" type="presOf" srcId="{DDCFA4CF-CB34-4461-BF68-A6E109616A0E}" destId="{3D3D0051-3F10-445E-9BBB-7EAF92EDA706}" srcOrd="0" destOrd="0" presId="urn:microsoft.com/office/officeart/2009/3/layout/HorizontalOrganizationChart"/>
-    <dgm:cxn modelId="{0CC669FE-97A7-4BF5-865E-0478346F01D1}" type="presOf" srcId="{A00B03C0-8B6F-4A38-8304-EE63638E39F0}" destId="{50C6C9DE-2467-43DA-B215-3254E4507CAA}" srcOrd="0" destOrd="0" presId="urn:microsoft.com/office/officeart/2009/3/layout/HorizontalOrganizationChart"/>
-    <dgm:cxn modelId="{6B377BFF-21F7-4E69-9760-16B227F85F05}" type="presOf" srcId="{458EA245-C2FB-44D5-8605-4CCDDB40A6CC}" destId="{236E74BF-DAB1-48C0-8EBC-B0423E7C1D61}" srcOrd="1" destOrd="0" presId="urn:microsoft.com/office/officeart/2009/3/layout/HorizontalOrganizationChart"/>
+    <dgm:cxn modelId="{F7156508-A877-42EE-B019-05A4690C64F4}" type="presOf" srcId="{DDCFA4CF-CB34-4461-BF68-A6E109616A0E}" destId="{87F8F010-9276-41CD-A9FE-B1F4A0595D48}" srcOrd="1" destOrd="0" presId="urn:microsoft.com/office/officeart/2009/3/layout/HorizontalOrganizationChart"/>
+    <dgm:cxn modelId="{82B87C42-A868-4813-92EA-6E47F92236AE}" type="presOf" srcId="{194B450F-9E85-4BFF-B53A-025ECE8CA2B3}" destId="{5A548C04-9E6C-4592-B715-0EB482C91130}" srcOrd="1" destOrd="0" presId="urn:microsoft.com/office/officeart/2009/3/layout/HorizontalOrganizationChart"/>
     <dgm:cxn modelId="{E19F6ACC-E717-4063-A3F8-D1EC869C1E5B}" type="presParOf" srcId="{1F642486-6A25-4C23-92A3-61A7126A890E}" destId="{93AEEB7A-FD22-4C7D-9EEE-0928D9CB0647}" srcOrd="0" destOrd="0" presId="urn:microsoft.com/office/officeart/2009/3/layout/HorizontalOrganizationChart"/>
     <dgm:cxn modelId="{6F0CDF8C-0C82-4A3E-9F2F-61A6F3047D2F}" type="presParOf" srcId="{93AEEB7A-FD22-4C7D-9EEE-0928D9CB0647}" destId="{8349182F-161D-44CA-8ED3-315E2CD2C015}" srcOrd="0" destOrd="0" presId="urn:microsoft.com/office/officeart/2009/3/layout/HorizontalOrganizationChart"/>
     <dgm:cxn modelId="{E69C996A-46C8-444D-B429-23C64B28B592}" type="presParOf" srcId="{8349182F-161D-44CA-8ED3-315E2CD2C015}" destId="{AF082B63-47A3-42A2-A216-33822EEB62AD}" srcOrd="0" destOrd="0" presId="urn:microsoft.com/office/officeart/2009/3/layout/HorizontalOrganizationChart"/>
@@ -3806,6 +3974,13 @@
         </dgm:presLayoutVars>
       </dgm:prSet>
       <dgm:spPr/>
+      <dgm:t>
+        <a:bodyPr/>
+        <a:lstStyle/>
+        <a:p>
+          <a:endParaRPr lang="de-DE"/>
+        </a:p>
+      </dgm:t>
     </dgm:pt>
     <dgm:pt modelId="{2720313A-E07F-4CB6-B34D-06B5CC3864BC}" type="pres">
       <dgm:prSet presAssocID="{C4F52539-3F49-447D-82E7-008C14CF9E86}" presName="boxAndChildren" presStyleCnt="0"/>
@@ -3814,10 +3989,24 @@
     <dgm:pt modelId="{270188F5-49CC-4821-9041-34995F378EC9}" type="pres">
       <dgm:prSet presAssocID="{C4F52539-3F49-447D-82E7-008C14CF9E86}" presName="parentTextBox" presStyleLbl="node1" presStyleIdx="0" presStyleCnt="4"/>
       <dgm:spPr/>
+      <dgm:t>
+        <a:bodyPr/>
+        <a:lstStyle/>
+        <a:p>
+          <a:endParaRPr lang="de-DE"/>
+        </a:p>
+      </dgm:t>
     </dgm:pt>
     <dgm:pt modelId="{962C3BC1-A858-4B31-9ECD-A990EE8FACDA}" type="pres">
       <dgm:prSet presAssocID="{C4F52539-3F49-447D-82E7-008C14CF9E86}" presName="entireBox" presStyleLbl="node1" presStyleIdx="0" presStyleCnt="4"/>
       <dgm:spPr/>
+      <dgm:t>
+        <a:bodyPr/>
+        <a:lstStyle/>
+        <a:p>
+          <a:endParaRPr lang="de-DE"/>
+        </a:p>
+      </dgm:t>
     </dgm:pt>
     <dgm:pt modelId="{B1A18F50-3CF6-48F3-BBA5-42E3480C3205}" type="pres">
       <dgm:prSet presAssocID="{C4F52539-3F49-447D-82E7-008C14CF9E86}" presName="descendantBox" presStyleCnt="0"/>
@@ -3830,6 +4019,13 @@
         </dgm:presLayoutVars>
       </dgm:prSet>
       <dgm:spPr/>
+      <dgm:t>
+        <a:bodyPr/>
+        <a:lstStyle/>
+        <a:p>
+          <a:endParaRPr lang="de-DE"/>
+        </a:p>
+      </dgm:t>
     </dgm:pt>
     <dgm:pt modelId="{C27EDC31-4C78-4999-85AA-2F5C8ED0AAD6}" type="pres">
       <dgm:prSet presAssocID="{F37C637A-31EA-4BFE-967A-9B0773AA35AE}" presName="childTextBox" presStyleLbl="fgAccFollowNode1" presStyleIdx="1" presStyleCnt="9">
@@ -3838,6 +4034,13 @@
         </dgm:presLayoutVars>
       </dgm:prSet>
       <dgm:spPr/>
+      <dgm:t>
+        <a:bodyPr/>
+        <a:lstStyle/>
+        <a:p>
+          <a:endParaRPr lang="de-DE"/>
+        </a:p>
+      </dgm:t>
     </dgm:pt>
     <dgm:pt modelId="{40490CED-0F7E-4328-9B62-2E427E320F18}" type="pres">
       <dgm:prSet presAssocID="{F9526517-DE28-44B7-AFDB-29E4120F5F42}" presName="sp" presStyleCnt="0"/>
@@ -3850,10 +4053,24 @@
     <dgm:pt modelId="{FB92F274-7833-4AEC-9B95-8B39344F2776}" type="pres">
       <dgm:prSet presAssocID="{D4FBC62B-1E98-47D9-BB51-00216C5660E9}" presName="parentTextArrow" presStyleLbl="node1" presStyleIdx="0" presStyleCnt="4"/>
       <dgm:spPr/>
+      <dgm:t>
+        <a:bodyPr/>
+        <a:lstStyle/>
+        <a:p>
+          <a:endParaRPr lang="de-DE"/>
+        </a:p>
+      </dgm:t>
     </dgm:pt>
     <dgm:pt modelId="{465EA1D7-D925-481E-AA9D-89E721E6002A}" type="pres">
       <dgm:prSet presAssocID="{D4FBC62B-1E98-47D9-BB51-00216C5660E9}" presName="arrow" presStyleLbl="node1" presStyleIdx="1" presStyleCnt="4"/>
       <dgm:spPr/>
+      <dgm:t>
+        <a:bodyPr/>
+        <a:lstStyle/>
+        <a:p>
+          <a:endParaRPr lang="de-DE"/>
+        </a:p>
+      </dgm:t>
     </dgm:pt>
     <dgm:pt modelId="{7019FA33-6E7D-4FF9-8917-8F813A09AC7A}" type="pres">
       <dgm:prSet presAssocID="{D4FBC62B-1E98-47D9-BB51-00216C5660E9}" presName="descendantArrow" presStyleCnt="0"/>
@@ -3866,6 +4083,13 @@
         </dgm:presLayoutVars>
       </dgm:prSet>
       <dgm:spPr/>
+      <dgm:t>
+        <a:bodyPr/>
+        <a:lstStyle/>
+        <a:p>
+          <a:endParaRPr lang="de-DE"/>
+        </a:p>
+      </dgm:t>
     </dgm:pt>
     <dgm:pt modelId="{7F9505D5-4784-45D4-9257-D070CAE177D5}" type="pres">
       <dgm:prSet presAssocID="{29F02603-EEBC-47D1-8E04-7D3A043383FC}" presName="childTextArrow" presStyleLbl="fgAccFollowNode1" presStyleIdx="3" presStyleCnt="9">
@@ -3874,6 +4098,13 @@
         </dgm:presLayoutVars>
       </dgm:prSet>
       <dgm:spPr/>
+      <dgm:t>
+        <a:bodyPr/>
+        <a:lstStyle/>
+        <a:p>
+          <a:endParaRPr lang="de-DE"/>
+        </a:p>
+      </dgm:t>
     </dgm:pt>
     <dgm:pt modelId="{CE95A3F3-5672-4515-800C-67E61B9AD468}" type="pres">
       <dgm:prSet presAssocID="{EFCB8FE4-CC12-4D5B-BC3E-D4685D704D43}" presName="sp" presStyleCnt="0"/>
@@ -3886,10 +4117,24 @@
     <dgm:pt modelId="{73EAFBB2-3A10-48D6-A9D0-48EC54C28D02}" type="pres">
       <dgm:prSet presAssocID="{7CF48137-AAA1-49F5-A0F9-ED5BFEB1C1FB}" presName="parentTextArrow" presStyleLbl="node1" presStyleIdx="1" presStyleCnt="4"/>
       <dgm:spPr/>
+      <dgm:t>
+        <a:bodyPr/>
+        <a:lstStyle/>
+        <a:p>
+          <a:endParaRPr lang="de-DE"/>
+        </a:p>
+      </dgm:t>
     </dgm:pt>
     <dgm:pt modelId="{0F8FB9DA-109D-470E-B5A0-594EA8FE74FD}" type="pres">
       <dgm:prSet presAssocID="{7CF48137-AAA1-49F5-A0F9-ED5BFEB1C1FB}" presName="arrow" presStyleLbl="node1" presStyleIdx="2" presStyleCnt="4"/>
       <dgm:spPr/>
+      <dgm:t>
+        <a:bodyPr/>
+        <a:lstStyle/>
+        <a:p>
+          <a:endParaRPr lang="de-DE"/>
+        </a:p>
+      </dgm:t>
     </dgm:pt>
     <dgm:pt modelId="{D90EE4E0-B6A1-4006-A219-E71EAF8AF730}" type="pres">
       <dgm:prSet presAssocID="{7CF48137-AAA1-49F5-A0F9-ED5BFEB1C1FB}" presName="descendantArrow" presStyleCnt="0"/>
@@ -3902,6 +4147,13 @@
         </dgm:presLayoutVars>
       </dgm:prSet>
       <dgm:spPr/>
+      <dgm:t>
+        <a:bodyPr/>
+        <a:lstStyle/>
+        <a:p>
+          <a:endParaRPr lang="de-DE"/>
+        </a:p>
+      </dgm:t>
     </dgm:pt>
     <dgm:pt modelId="{574AADEE-F935-48AD-B0DB-A1DFD8970F9C}" type="pres">
       <dgm:prSet presAssocID="{AB75C91E-AF81-4E7E-9ABB-BA3E0286CCEF}" presName="childTextArrow" presStyleLbl="fgAccFollowNode1" presStyleIdx="5" presStyleCnt="9">
@@ -3910,6 +4162,13 @@
         </dgm:presLayoutVars>
       </dgm:prSet>
       <dgm:spPr/>
+      <dgm:t>
+        <a:bodyPr/>
+        <a:lstStyle/>
+        <a:p>
+          <a:endParaRPr lang="de-DE"/>
+        </a:p>
+      </dgm:t>
     </dgm:pt>
     <dgm:pt modelId="{D8EBD60E-F5DA-411B-BF9C-91D839CE0C2A}" type="pres">
       <dgm:prSet presAssocID="{CFF6B796-966E-4439-9AD5-6AB156D6B04F}" presName="childTextArrow" presStyleLbl="fgAccFollowNode1" presStyleIdx="6" presStyleCnt="9">
@@ -3918,6 +4177,13 @@
         </dgm:presLayoutVars>
       </dgm:prSet>
       <dgm:spPr/>
+      <dgm:t>
+        <a:bodyPr/>
+        <a:lstStyle/>
+        <a:p>
+          <a:endParaRPr lang="de-DE"/>
+        </a:p>
+      </dgm:t>
     </dgm:pt>
     <dgm:pt modelId="{50413DC8-30C3-4D9E-9B7C-A2869A77E048}" type="pres">
       <dgm:prSet presAssocID="{370BAB6C-76C0-4587-BC25-7FEA251B03BF}" presName="sp" presStyleCnt="0"/>
@@ -3930,10 +4196,24 @@
     <dgm:pt modelId="{25E3D99D-7406-4B12-B299-31470982ACA7}" type="pres">
       <dgm:prSet presAssocID="{A10CB52F-6497-46C6-9C8F-9EB2EB372486}" presName="parentTextArrow" presStyleLbl="node1" presStyleIdx="2" presStyleCnt="4"/>
       <dgm:spPr/>
+      <dgm:t>
+        <a:bodyPr/>
+        <a:lstStyle/>
+        <a:p>
+          <a:endParaRPr lang="de-DE"/>
+        </a:p>
+      </dgm:t>
     </dgm:pt>
     <dgm:pt modelId="{AF37F22D-ADBD-45E5-9E20-AC3551CA4D07}" type="pres">
       <dgm:prSet presAssocID="{A10CB52F-6497-46C6-9C8F-9EB2EB372486}" presName="arrow" presStyleLbl="node1" presStyleIdx="3" presStyleCnt="4"/>
       <dgm:spPr/>
+      <dgm:t>
+        <a:bodyPr/>
+        <a:lstStyle/>
+        <a:p>
+          <a:endParaRPr lang="de-DE"/>
+        </a:p>
+      </dgm:t>
     </dgm:pt>
     <dgm:pt modelId="{87B4C68D-6B3D-4D18-9B6E-14904B34BB64}" type="pres">
       <dgm:prSet presAssocID="{A10CB52F-6497-46C6-9C8F-9EB2EB372486}" presName="descendantArrow" presStyleCnt="0"/>
@@ -3946,6 +4226,13 @@
         </dgm:presLayoutVars>
       </dgm:prSet>
       <dgm:spPr/>
+      <dgm:t>
+        <a:bodyPr/>
+        <a:lstStyle/>
+        <a:p>
+          <a:endParaRPr lang="de-DE"/>
+        </a:p>
+      </dgm:t>
     </dgm:pt>
     <dgm:pt modelId="{B722C404-8433-4AC2-94BD-BF739BFA3EA5}" type="pres">
       <dgm:prSet presAssocID="{24AC8DD2-11C7-4B64-8273-AFB53CF24DC5}" presName="childTextArrow" presStyleLbl="fgAccFollowNode1" presStyleIdx="8" presStyleCnt="9">
@@ -3954,40 +4241,47 @@
         </dgm:presLayoutVars>
       </dgm:prSet>
       <dgm:spPr/>
+      <dgm:t>
+        <a:bodyPr/>
+        <a:lstStyle/>
+        <a:p>
+          <a:endParaRPr lang="de-DE"/>
+        </a:p>
+      </dgm:t>
     </dgm:pt>
   </dgm:ptLst>
   <dgm:cxnLst>
+    <dgm:cxn modelId="{CFA530F9-756F-445D-AED8-5306AD5C0BCE}" type="presOf" srcId="{D4FBC62B-1E98-47D9-BB51-00216C5660E9}" destId="{FB92F274-7833-4AEC-9B95-8B39344F2776}" srcOrd="0" destOrd="0" presId="urn:microsoft.com/office/officeart/2005/8/layout/process4"/>
+    <dgm:cxn modelId="{57735E6A-2878-4A43-AB44-25A08024C03F}" srcId="{14ED2829-E6B9-413B-8ADB-C4946D598BF4}" destId="{C4F52539-3F49-447D-82E7-008C14CF9E86}" srcOrd="3" destOrd="0" parTransId="{04A6C087-FF21-44B0-A4C5-76590AF82853}" sibTransId="{D1A546F3-491E-4B09-BEE8-E4D23B0AB8AA}"/>
+    <dgm:cxn modelId="{D0956764-7E98-4BAA-99BE-A8BFE00F1EAC}" type="presOf" srcId="{C4F52539-3F49-447D-82E7-008C14CF9E86}" destId="{270188F5-49CC-4821-9041-34995F378EC9}" srcOrd="0" destOrd="0" presId="urn:microsoft.com/office/officeart/2005/8/layout/process4"/>
+    <dgm:cxn modelId="{BF6D17B4-5EAC-4892-822F-5770BEA6F862}" type="presOf" srcId="{A10CB52F-6497-46C6-9C8F-9EB2EB372486}" destId="{25E3D99D-7406-4B12-B299-31470982ACA7}" srcOrd="0" destOrd="0" presId="urn:microsoft.com/office/officeart/2005/8/layout/process4"/>
+    <dgm:cxn modelId="{AEC64266-4E6F-41DC-B50E-EAE114936FBF}" srcId="{7CF48137-AAA1-49F5-A0F9-ED5BFEB1C1FB}" destId="{AB75C91E-AF81-4E7E-9ABB-BA3E0286CCEF}" srcOrd="1" destOrd="0" parTransId="{26CC48A8-FF27-4450-997D-3B2FA7A08F8D}" sibTransId="{0A18570B-4DC2-4B95-B48F-30918EE1E2ED}"/>
+    <dgm:cxn modelId="{9313E517-4F09-497B-86EA-2D4BAA09D8A7}" type="presOf" srcId="{7CF48137-AAA1-49F5-A0F9-ED5BFEB1C1FB}" destId="{73EAFBB2-3A10-48D6-A9D0-48EC54C28D02}" srcOrd="0" destOrd="0" presId="urn:microsoft.com/office/officeart/2005/8/layout/process4"/>
+    <dgm:cxn modelId="{D96DFA72-4ECA-45A3-AF38-964C48B4654B}" srcId="{D4FBC62B-1E98-47D9-BB51-00216C5660E9}" destId="{B4938D18-CAD9-4A95-AFD6-984FEFCA4F6E}" srcOrd="0" destOrd="0" parTransId="{6051913E-C1D7-49CA-A8DD-A0ED4B7508BB}" sibTransId="{A2BC054C-DBDC-4E9D-AB2A-4D358F7E7108}"/>
+    <dgm:cxn modelId="{39901F9B-6810-458E-9FD6-D7D77E6459D0}" type="presOf" srcId="{7CF48137-AAA1-49F5-A0F9-ED5BFEB1C1FB}" destId="{0F8FB9DA-109D-470E-B5A0-594EA8FE74FD}" srcOrd="1" destOrd="0" presId="urn:microsoft.com/office/officeart/2005/8/layout/process4"/>
+    <dgm:cxn modelId="{8F0258C1-4AE7-4EC6-AC21-8005524AAA50}" type="presOf" srcId="{D4FBC62B-1E98-47D9-BB51-00216C5660E9}" destId="{465EA1D7-D925-481E-AA9D-89E721E6002A}" srcOrd="1" destOrd="0" presId="urn:microsoft.com/office/officeart/2005/8/layout/process4"/>
+    <dgm:cxn modelId="{4037FFA9-964B-4772-AC7B-D2624D276995}" srcId="{C4F52539-3F49-447D-82E7-008C14CF9E86}" destId="{C92CD00C-EFC2-4B43-AB2B-7EACEC3F26F6}" srcOrd="0" destOrd="0" parTransId="{9855761D-7B7C-458C-A10C-7E62AC687BDE}" sibTransId="{53BF2953-E0C5-4F6D-9EAE-F91CA0FE8B53}"/>
+    <dgm:cxn modelId="{3FBC87A5-4B32-450E-9AA5-EA29305B2112}" type="presOf" srcId="{A10CB52F-6497-46C6-9C8F-9EB2EB372486}" destId="{AF37F22D-ADBD-45E5-9E20-AC3551CA4D07}" srcOrd="1" destOrd="0" presId="urn:microsoft.com/office/officeart/2005/8/layout/process4"/>
+    <dgm:cxn modelId="{224D5D19-8322-4A4D-A501-5DC86D323B82}" type="presOf" srcId="{3AA03AA2-F841-466F-B024-4B622C6B19E3}" destId="{DC5549BA-5DD5-4013-A555-2B3C56B1F11C}" srcOrd="0" destOrd="0" presId="urn:microsoft.com/office/officeart/2005/8/layout/process4"/>
+    <dgm:cxn modelId="{8519FFC9-5309-4F51-A491-A88C92BC553A}" type="presOf" srcId="{14ED2829-E6B9-413B-8ADB-C4946D598BF4}" destId="{DF43BF0F-6068-4E3D-89F5-3EE311D2A6F1}" srcOrd="0" destOrd="0" presId="urn:microsoft.com/office/officeart/2005/8/layout/process4"/>
+    <dgm:cxn modelId="{6FB63E34-710E-4084-8F02-98938AA1539D}" type="presOf" srcId="{24AC8DD2-11C7-4B64-8273-AFB53CF24DC5}" destId="{B722C404-8433-4AC2-94BD-BF739BFA3EA5}" srcOrd="0" destOrd="0" presId="urn:microsoft.com/office/officeart/2005/8/layout/process4"/>
+    <dgm:cxn modelId="{87CA5289-6B61-448C-A8BA-AC00C89D6E28}" srcId="{7CF48137-AAA1-49F5-A0F9-ED5BFEB1C1FB}" destId="{3AA03AA2-F841-466F-B024-4B622C6B19E3}" srcOrd="0" destOrd="0" parTransId="{CA902DD8-4EBA-4DE5-B03F-F3264C0B5604}" sibTransId="{0E4D4BB2-16B0-434A-8018-1855DA4197A0}"/>
     <dgm:cxn modelId="{15BDA502-D5F9-44DE-810F-6DD071C955D8}" type="presOf" srcId="{B4938D18-CAD9-4A95-AFD6-984FEFCA4F6E}" destId="{91A421DD-D6FB-4186-9932-A963FD383C59}" srcOrd="0" destOrd="0" presId="urn:microsoft.com/office/officeart/2005/8/layout/process4"/>
-    <dgm:cxn modelId="{9313E517-4F09-497B-86EA-2D4BAA09D8A7}" type="presOf" srcId="{7CF48137-AAA1-49F5-A0F9-ED5BFEB1C1FB}" destId="{73EAFBB2-3A10-48D6-A9D0-48EC54C28D02}" srcOrd="0" destOrd="0" presId="urn:microsoft.com/office/officeart/2005/8/layout/process4"/>
-    <dgm:cxn modelId="{224D5D19-8322-4A4D-A501-5DC86D323B82}" type="presOf" srcId="{3AA03AA2-F841-466F-B024-4B622C6B19E3}" destId="{DC5549BA-5DD5-4013-A555-2B3C56B1F11C}" srcOrd="0" destOrd="0" presId="urn:microsoft.com/office/officeart/2005/8/layout/process4"/>
-    <dgm:cxn modelId="{6FB63E34-710E-4084-8F02-98938AA1539D}" type="presOf" srcId="{24AC8DD2-11C7-4B64-8273-AFB53CF24DC5}" destId="{B722C404-8433-4AC2-94BD-BF739BFA3EA5}" srcOrd="0" destOrd="0" presId="urn:microsoft.com/office/officeart/2005/8/layout/process4"/>
-    <dgm:cxn modelId="{D0956764-7E98-4BAA-99BE-A8BFE00F1EAC}" type="presOf" srcId="{C4F52539-3F49-447D-82E7-008C14CF9E86}" destId="{270188F5-49CC-4821-9041-34995F378EC9}" srcOrd="0" destOrd="0" presId="urn:microsoft.com/office/officeart/2005/8/layout/process4"/>
-    <dgm:cxn modelId="{AEC64266-4E6F-41DC-B50E-EAE114936FBF}" srcId="{7CF48137-AAA1-49F5-A0F9-ED5BFEB1C1FB}" destId="{AB75C91E-AF81-4E7E-9ABB-BA3E0286CCEF}" srcOrd="1" destOrd="0" parTransId="{26CC48A8-FF27-4450-997D-3B2FA7A08F8D}" sibTransId="{0A18570B-4DC2-4B95-B48F-30918EE1E2ED}"/>
-    <dgm:cxn modelId="{57735E6A-2878-4A43-AB44-25A08024C03F}" srcId="{14ED2829-E6B9-413B-8ADB-C4946D598BF4}" destId="{C4F52539-3F49-447D-82E7-008C14CF9E86}" srcOrd="3" destOrd="0" parTransId="{04A6C087-FF21-44B0-A4C5-76590AF82853}" sibTransId="{D1A546F3-491E-4B09-BEE8-E4D23B0AB8AA}"/>
-    <dgm:cxn modelId="{62A2D76C-0EC5-4837-A24F-EF9350D7AD6C}" type="presOf" srcId="{CFF6B796-966E-4439-9AD5-6AB156D6B04F}" destId="{D8EBD60E-F5DA-411B-BF9C-91D839CE0C2A}" srcOrd="0" destOrd="0" presId="urn:microsoft.com/office/officeart/2005/8/layout/process4"/>
-    <dgm:cxn modelId="{D96DFA72-4ECA-45A3-AF38-964C48B4654B}" srcId="{D4FBC62B-1E98-47D9-BB51-00216C5660E9}" destId="{B4938D18-CAD9-4A95-AFD6-984FEFCA4F6E}" srcOrd="0" destOrd="0" parTransId="{6051913E-C1D7-49CA-A8DD-A0ED4B7508BB}" sibTransId="{A2BC054C-DBDC-4E9D-AB2A-4D358F7E7108}"/>
-    <dgm:cxn modelId="{1730C474-91BD-48A8-8D47-21884F3E4C19}" srcId="{14ED2829-E6B9-413B-8ADB-C4946D598BF4}" destId="{A10CB52F-6497-46C6-9C8F-9EB2EB372486}" srcOrd="0" destOrd="0" parTransId="{83EED14C-AD62-4B9B-A642-0E489F54D2A4}" sibTransId="{370BAB6C-76C0-4587-BC25-7FEA251B03BF}"/>
+    <dgm:cxn modelId="{B0FCD1A0-4EDA-44BC-84F6-5D8983624100}" srcId="{D4FBC62B-1E98-47D9-BB51-00216C5660E9}" destId="{29F02603-EEBC-47D1-8E04-7D3A043383FC}" srcOrd="1" destOrd="0" parTransId="{3051F7F1-3F24-4264-B0C5-914D6905C927}" sibTransId="{3862691D-1109-4F9C-A1A0-65CA8038EC30}"/>
+    <dgm:cxn modelId="{9C4012C8-FC26-4581-965B-05090A78EBEF}" type="presOf" srcId="{F37C637A-31EA-4BFE-967A-9B0773AA35AE}" destId="{C27EDC31-4C78-4999-85AA-2F5C8ED0AAD6}" srcOrd="0" destOrd="0" presId="urn:microsoft.com/office/officeart/2005/8/layout/process4"/>
+    <dgm:cxn modelId="{D5B4E1E2-8123-4CBD-AF61-7648C06ECF36}" type="presOf" srcId="{C4F52539-3F49-447D-82E7-008C14CF9E86}" destId="{962C3BC1-A858-4B31-9ECD-A990EE8FACDA}" srcOrd="1" destOrd="0" presId="urn:microsoft.com/office/officeart/2005/8/layout/process4"/>
+    <dgm:cxn modelId="{66F87888-F627-4760-9CAC-923743A291E2}" srcId="{A10CB52F-6497-46C6-9C8F-9EB2EB372486}" destId="{24AC8DD2-11C7-4B64-8273-AFB53CF24DC5}" srcOrd="1" destOrd="0" parTransId="{1B113E6F-489F-4329-9F2B-08DD4FAC45DF}" sibTransId="{4EB28EB2-7B46-45BC-80D6-7F72671C6B21}"/>
+    <dgm:cxn modelId="{76B512B2-3660-4CBB-A936-AAD949C68AEA}" type="presOf" srcId="{29F02603-EEBC-47D1-8E04-7D3A043383FC}" destId="{7F9505D5-4784-45D4-9257-D070CAE177D5}" srcOrd="0" destOrd="0" presId="urn:microsoft.com/office/officeart/2005/8/layout/process4"/>
+    <dgm:cxn modelId="{3D73837C-D3BF-4CC2-AE71-A2874DCF8FB9}" srcId="{14ED2829-E6B9-413B-8ADB-C4946D598BF4}" destId="{D4FBC62B-1E98-47D9-BB51-00216C5660E9}" srcOrd="2" destOrd="0" parTransId="{3191980E-43E5-4F8C-BC4F-E41B20ACA15A}" sibTransId="{F9526517-DE28-44B7-AFDB-29E4120F5F42}"/>
+    <dgm:cxn modelId="{AC3C00A5-E57C-43B5-86B2-7C6BBB6AB76E}" type="presOf" srcId="{C92CD00C-EFC2-4B43-AB2B-7EACEC3F26F6}" destId="{4A07A16E-E278-4A43-81D9-9F55CCFF3575}" srcOrd="0" destOrd="0" presId="urn:microsoft.com/office/officeart/2005/8/layout/process4"/>
+    <dgm:cxn modelId="{0A00D1BA-86C0-41C5-AF98-8F8603D49C7D}" srcId="{7CF48137-AAA1-49F5-A0F9-ED5BFEB1C1FB}" destId="{CFF6B796-966E-4439-9AD5-6AB156D6B04F}" srcOrd="2" destOrd="0" parTransId="{C91523CD-4DC9-490C-9EA3-DC45F6099920}" sibTransId="{745FA1E5-FD74-4FF0-8240-11F01603D0C1}"/>
     <dgm:cxn modelId="{22D6F554-BBCC-48B9-81FA-1BBFC789103C}" srcId="{A10CB52F-6497-46C6-9C8F-9EB2EB372486}" destId="{EB1EC0A4-5404-47B1-80A9-9D2D43BCBFAC}" srcOrd="0" destOrd="0" parTransId="{0F6E03D8-181B-4187-8765-343A9BB7ABBB}" sibTransId="{9EA335A6-C70C-4A43-BAE0-CBBFB0EC0151}"/>
     <dgm:cxn modelId="{C91D5176-5EDB-4932-9FE6-F2E542B79114}" type="presOf" srcId="{EB1EC0A4-5404-47B1-80A9-9D2D43BCBFAC}" destId="{A13A63DF-9DC8-41F9-A779-684208010E7F}" srcOrd="0" destOrd="0" presId="urn:microsoft.com/office/officeart/2005/8/layout/process4"/>
-    <dgm:cxn modelId="{3D73837C-D3BF-4CC2-AE71-A2874DCF8FB9}" srcId="{14ED2829-E6B9-413B-8ADB-C4946D598BF4}" destId="{D4FBC62B-1E98-47D9-BB51-00216C5660E9}" srcOrd="2" destOrd="0" parTransId="{3191980E-43E5-4F8C-BC4F-E41B20ACA15A}" sibTransId="{F9526517-DE28-44B7-AFDB-29E4120F5F42}"/>
-    <dgm:cxn modelId="{66F87888-F627-4760-9CAC-923743A291E2}" srcId="{A10CB52F-6497-46C6-9C8F-9EB2EB372486}" destId="{24AC8DD2-11C7-4B64-8273-AFB53CF24DC5}" srcOrd="1" destOrd="0" parTransId="{1B113E6F-489F-4329-9F2B-08DD4FAC45DF}" sibTransId="{4EB28EB2-7B46-45BC-80D6-7F72671C6B21}"/>
-    <dgm:cxn modelId="{87CA5289-6B61-448C-A8BA-AC00C89D6E28}" srcId="{7CF48137-AAA1-49F5-A0F9-ED5BFEB1C1FB}" destId="{3AA03AA2-F841-466F-B024-4B622C6B19E3}" srcOrd="0" destOrd="0" parTransId="{CA902DD8-4EBA-4DE5-B03F-F3264C0B5604}" sibTransId="{0E4D4BB2-16B0-434A-8018-1855DA4197A0}"/>
-    <dgm:cxn modelId="{39901F9B-6810-458E-9FD6-D7D77E6459D0}" type="presOf" srcId="{7CF48137-AAA1-49F5-A0F9-ED5BFEB1C1FB}" destId="{0F8FB9DA-109D-470E-B5A0-594EA8FE74FD}" srcOrd="1" destOrd="0" presId="urn:microsoft.com/office/officeart/2005/8/layout/process4"/>
-    <dgm:cxn modelId="{B0FCD1A0-4EDA-44BC-84F6-5D8983624100}" srcId="{D4FBC62B-1E98-47D9-BB51-00216C5660E9}" destId="{29F02603-EEBC-47D1-8E04-7D3A043383FC}" srcOrd="1" destOrd="0" parTransId="{3051F7F1-3F24-4264-B0C5-914D6905C927}" sibTransId="{3862691D-1109-4F9C-A1A0-65CA8038EC30}"/>
-    <dgm:cxn modelId="{AC3C00A5-E57C-43B5-86B2-7C6BBB6AB76E}" type="presOf" srcId="{C92CD00C-EFC2-4B43-AB2B-7EACEC3F26F6}" destId="{4A07A16E-E278-4A43-81D9-9F55CCFF3575}" srcOrd="0" destOrd="0" presId="urn:microsoft.com/office/officeart/2005/8/layout/process4"/>
-    <dgm:cxn modelId="{3FBC87A5-4B32-450E-9AA5-EA29305B2112}" type="presOf" srcId="{A10CB52F-6497-46C6-9C8F-9EB2EB372486}" destId="{AF37F22D-ADBD-45E5-9E20-AC3551CA4D07}" srcOrd="1" destOrd="0" presId="urn:microsoft.com/office/officeart/2005/8/layout/process4"/>
-    <dgm:cxn modelId="{4037FFA9-964B-4772-AC7B-D2624D276995}" srcId="{C4F52539-3F49-447D-82E7-008C14CF9E86}" destId="{C92CD00C-EFC2-4B43-AB2B-7EACEC3F26F6}" srcOrd="0" destOrd="0" parTransId="{9855761D-7B7C-458C-A10C-7E62AC687BDE}" sibTransId="{53BF2953-E0C5-4F6D-9EAE-F91CA0FE8B53}"/>
-    <dgm:cxn modelId="{76B512B2-3660-4CBB-A936-AAD949C68AEA}" type="presOf" srcId="{29F02603-EEBC-47D1-8E04-7D3A043383FC}" destId="{7F9505D5-4784-45D4-9257-D070CAE177D5}" srcOrd="0" destOrd="0" presId="urn:microsoft.com/office/officeart/2005/8/layout/process4"/>
-    <dgm:cxn modelId="{BF6D17B4-5EAC-4892-822F-5770BEA6F862}" type="presOf" srcId="{A10CB52F-6497-46C6-9C8F-9EB2EB372486}" destId="{25E3D99D-7406-4B12-B299-31470982ACA7}" srcOrd="0" destOrd="0" presId="urn:microsoft.com/office/officeart/2005/8/layout/process4"/>
-    <dgm:cxn modelId="{0A00D1BA-86C0-41C5-AF98-8F8603D49C7D}" srcId="{7CF48137-AAA1-49F5-A0F9-ED5BFEB1C1FB}" destId="{CFF6B796-966E-4439-9AD5-6AB156D6B04F}" srcOrd="2" destOrd="0" parTransId="{C91523CD-4DC9-490C-9EA3-DC45F6099920}" sibTransId="{745FA1E5-FD74-4FF0-8240-11F01603D0C1}"/>
-    <dgm:cxn modelId="{8F0258C1-4AE7-4EC6-AC21-8005524AAA50}" type="presOf" srcId="{D4FBC62B-1E98-47D9-BB51-00216C5660E9}" destId="{465EA1D7-D925-481E-AA9D-89E721E6002A}" srcOrd="1" destOrd="0" presId="urn:microsoft.com/office/officeart/2005/8/layout/process4"/>
-    <dgm:cxn modelId="{9C4012C8-FC26-4581-965B-05090A78EBEF}" type="presOf" srcId="{F37C637A-31EA-4BFE-967A-9B0773AA35AE}" destId="{C27EDC31-4C78-4999-85AA-2F5C8ED0AAD6}" srcOrd="0" destOrd="0" presId="urn:microsoft.com/office/officeart/2005/8/layout/process4"/>
+    <dgm:cxn modelId="{1730C474-91BD-48A8-8D47-21884F3E4C19}" srcId="{14ED2829-E6B9-413B-8ADB-C4946D598BF4}" destId="{A10CB52F-6497-46C6-9C8F-9EB2EB372486}" srcOrd="0" destOrd="0" parTransId="{83EED14C-AD62-4B9B-A642-0E489F54D2A4}" sibTransId="{370BAB6C-76C0-4587-BC25-7FEA251B03BF}"/>
+    <dgm:cxn modelId="{8F9618F0-0AA7-4B34-89F3-D0B80CA5AC62}" type="presOf" srcId="{AB75C91E-AF81-4E7E-9ABB-BA3E0286CCEF}" destId="{574AADEE-F935-48AD-B0DB-A1DFD8970F9C}" srcOrd="0" destOrd="0" presId="urn:microsoft.com/office/officeart/2005/8/layout/process4"/>
     <dgm:cxn modelId="{E18163C9-08A7-45F6-9B2E-C34F8946479E}" srcId="{14ED2829-E6B9-413B-8ADB-C4946D598BF4}" destId="{7CF48137-AAA1-49F5-A0F9-ED5BFEB1C1FB}" srcOrd="1" destOrd="0" parTransId="{B464EA17-2775-46D8-B49E-21D687EF8CB5}" sibTransId="{EFCB8FE4-CC12-4D5B-BC3E-D4685D704D43}"/>
-    <dgm:cxn modelId="{8519FFC9-5309-4F51-A491-A88C92BC553A}" type="presOf" srcId="{14ED2829-E6B9-413B-8ADB-C4946D598BF4}" destId="{DF43BF0F-6068-4E3D-89F5-3EE311D2A6F1}" srcOrd="0" destOrd="0" presId="urn:microsoft.com/office/officeart/2005/8/layout/process4"/>
     <dgm:cxn modelId="{1E0CE3E1-2B23-4793-A48D-AD5D5B710FDA}" srcId="{C4F52539-3F49-447D-82E7-008C14CF9E86}" destId="{F37C637A-31EA-4BFE-967A-9B0773AA35AE}" srcOrd="1" destOrd="0" parTransId="{AD901D57-8CD2-4574-B4D9-B11993C0562D}" sibTransId="{32FF722B-2306-457F-B17F-0164A8F8DC36}"/>
-    <dgm:cxn modelId="{D5B4E1E2-8123-4CBD-AF61-7648C06ECF36}" type="presOf" srcId="{C4F52539-3F49-447D-82E7-008C14CF9E86}" destId="{962C3BC1-A858-4B31-9ECD-A990EE8FACDA}" srcOrd="1" destOrd="0" presId="urn:microsoft.com/office/officeart/2005/8/layout/process4"/>
-    <dgm:cxn modelId="{8F9618F0-0AA7-4B34-89F3-D0B80CA5AC62}" type="presOf" srcId="{AB75C91E-AF81-4E7E-9ABB-BA3E0286CCEF}" destId="{574AADEE-F935-48AD-B0DB-A1DFD8970F9C}" srcOrd="0" destOrd="0" presId="urn:microsoft.com/office/officeart/2005/8/layout/process4"/>
-    <dgm:cxn modelId="{CFA530F9-756F-445D-AED8-5306AD5C0BCE}" type="presOf" srcId="{D4FBC62B-1E98-47D9-BB51-00216C5660E9}" destId="{FB92F274-7833-4AEC-9B95-8B39344F2776}" srcOrd="0" destOrd="0" presId="urn:microsoft.com/office/officeart/2005/8/layout/process4"/>
+    <dgm:cxn modelId="{62A2D76C-0EC5-4837-A24F-EF9350D7AD6C}" type="presOf" srcId="{CFF6B796-966E-4439-9AD5-6AB156D6B04F}" destId="{D8EBD60E-F5DA-411B-BF9C-91D839CE0C2A}" srcOrd="0" destOrd="0" presId="urn:microsoft.com/office/officeart/2005/8/layout/process4"/>
     <dgm:cxn modelId="{0EC4906A-91AF-4316-939A-F0BEF919D960}" type="presParOf" srcId="{DF43BF0F-6068-4E3D-89F5-3EE311D2A6F1}" destId="{2720313A-E07F-4CB6-B34D-06B5CC3864BC}" srcOrd="0" destOrd="0" presId="urn:microsoft.com/office/officeart/2005/8/layout/process4"/>
     <dgm:cxn modelId="{3721834C-CC6D-439F-86F7-89ADE8A78268}" type="presParOf" srcId="{2720313A-E07F-4CB6-B34D-06B5CC3864BC}" destId="{270188F5-49CC-4821-9041-34995F378EC9}" srcOrd="0" destOrd="0" presId="urn:microsoft.com/office/officeart/2005/8/layout/process4"/>
     <dgm:cxn modelId="{BE198523-519F-4725-BEF9-DA293B3B1F6A}" type="presParOf" srcId="{2720313A-E07F-4CB6-B34D-06B5CC3864BC}" destId="{962C3BC1-A858-4B31-9ECD-A990EE8FACDA}" srcOrd="1" destOrd="0" presId="urn:microsoft.com/office/officeart/2005/8/layout/process4"/>
@@ -4164,6 +4458,13 @@
         </dgm:presLayoutVars>
       </dgm:prSet>
       <dgm:spPr/>
+      <dgm:t>
+        <a:bodyPr/>
+        <a:lstStyle/>
+        <a:p>
+          <a:endParaRPr lang="de-DE"/>
+        </a:p>
+      </dgm:t>
     </dgm:pt>
     <dgm:pt modelId="{AB39998E-0EF6-427D-AEC8-21396EF5E4F6}" type="pres">
       <dgm:prSet presAssocID="{DACC8F31-BC68-44A1-94EA-6E89C74AE713}" presName="parTxOnlySpace" presStyleCnt="0"/>
@@ -4178,6 +4479,13 @@
         </dgm:presLayoutVars>
       </dgm:prSet>
       <dgm:spPr/>
+      <dgm:t>
+        <a:bodyPr/>
+        <a:lstStyle/>
+        <a:p>
+          <a:endParaRPr lang="de-DE"/>
+        </a:p>
+      </dgm:t>
     </dgm:pt>
     <dgm:pt modelId="{5BFF22E0-6CBF-49E6-8EA1-0543140A2AFE}" type="pres">
       <dgm:prSet presAssocID="{9B82CD64-154C-4D52-AD0C-676622C4FF9A}" presName="parTxOnlySpace" presStyleCnt="0"/>
@@ -4192,16 +4500,23 @@
         </dgm:presLayoutVars>
       </dgm:prSet>
       <dgm:spPr/>
+      <dgm:t>
+        <a:bodyPr/>
+        <a:lstStyle/>
+        <a:p>
+          <a:endParaRPr lang="de-DE"/>
+        </a:p>
+      </dgm:t>
     </dgm:pt>
   </dgm:ptLst>
   <dgm:cxnLst>
+    <dgm:cxn modelId="{15B3D88F-AADF-449E-95E0-9236E08B69F3}" type="presOf" srcId="{18753D03-873F-4146-AD95-D1CB4B8D071D}" destId="{3E6991CC-64FF-4E8B-B9D1-453C465915F8}" srcOrd="0" destOrd="0" presId="urn:microsoft.com/office/officeart/2005/8/layout/chevron1"/>
+    <dgm:cxn modelId="{C004BC63-CBE6-402A-A1CC-BEEA7FD8E89B}" srcId="{18753D03-873F-4146-AD95-D1CB4B8D071D}" destId="{6CA5FA71-637A-450F-8045-F1F402DC11B0}" srcOrd="0" destOrd="0" parTransId="{CE92C5AD-CB25-4E55-A035-CEEEF44C5A21}" sibTransId="{DACC8F31-BC68-44A1-94EA-6E89C74AE713}"/>
+    <dgm:cxn modelId="{5D455C36-2A97-4C7D-BDFB-490EB43979FA}" type="presOf" srcId="{B12D6F0D-EDF0-4ED6-88BC-8C1A39EB909A}" destId="{D63463ED-A055-47CD-86CC-42B0566C8334}" srcOrd="0" destOrd="0" presId="urn:microsoft.com/office/officeart/2005/8/layout/chevron1"/>
     <dgm:cxn modelId="{80D80E0A-B9C1-495A-8E01-420FF8DC81A8}" type="presOf" srcId="{6CA5FA71-637A-450F-8045-F1F402DC11B0}" destId="{5C469640-FE55-4F7F-B497-1B74F4E2C0F5}" srcOrd="0" destOrd="0" presId="urn:microsoft.com/office/officeart/2005/8/layout/chevron1"/>
-    <dgm:cxn modelId="{5D455C36-2A97-4C7D-BDFB-490EB43979FA}" type="presOf" srcId="{B12D6F0D-EDF0-4ED6-88BC-8C1A39EB909A}" destId="{D63463ED-A055-47CD-86CC-42B0566C8334}" srcOrd="0" destOrd="0" presId="urn:microsoft.com/office/officeart/2005/8/layout/chevron1"/>
-    <dgm:cxn modelId="{C004BC63-CBE6-402A-A1CC-BEEA7FD8E89B}" srcId="{18753D03-873F-4146-AD95-D1CB4B8D071D}" destId="{6CA5FA71-637A-450F-8045-F1F402DC11B0}" srcOrd="0" destOrd="0" parTransId="{CE92C5AD-CB25-4E55-A035-CEEEF44C5A21}" sibTransId="{DACC8F31-BC68-44A1-94EA-6E89C74AE713}"/>
-    <dgm:cxn modelId="{15B3D88F-AADF-449E-95E0-9236E08B69F3}" type="presOf" srcId="{18753D03-873F-4146-AD95-D1CB4B8D071D}" destId="{3E6991CC-64FF-4E8B-B9D1-453C465915F8}" srcOrd="0" destOrd="0" presId="urn:microsoft.com/office/officeart/2005/8/layout/chevron1"/>
+    <dgm:cxn modelId="{F9638EE4-3DF1-4284-98E5-9F6BF387D7EC}" srcId="{18753D03-873F-4146-AD95-D1CB4B8D071D}" destId="{EC4681F8-CBDC-4364-AAC9-BB96998ED3D2}" srcOrd="1" destOrd="0" parTransId="{EFDB3AC7-E7E7-474D-9F15-A56DF2B213FF}" sibTransId="{9B82CD64-154C-4D52-AD0C-676622C4FF9A}"/>
     <dgm:cxn modelId="{6B669FC0-5E53-45DB-B40F-5F3DCEE07EBD}" type="presOf" srcId="{EC4681F8-CBDC-4364-AAC9-BB96998ED3D2}" destId="{11FFF8AB-45E7-45A5-96C5-D063E0015043}" srcOrd="0" destOrd="0" presId="urn:microsoft.com/office/officeart/2005/8/layout/chevron1"/>
     <dgm:cxn modelId="{42C30ACB-A0D9-413A-85DF-A80ADB95C423}" srcId="{18753D03-873F-4146-AD95-D1CB4B8D071D}" destId="{B12D6F0D-EDF0-4ED6-88BC-8C1A39EB909A}" srcOrd="2" destOrd="0" parTransId="{2FED6286-2E66-4782-AEB6-78D1936FFC14}" sibTransId="{E39411C9-BAA2-465F-A5A4-0A8CC096E02F}"/>
-    <dgm:cxn modelId="{F9638EE4-3DF1-4284-98E5-9F6BF387D7EC}" srcId="{18753D03-873F-4146-AD95-D1CB4B8D071D}" destId="{EC4681F8-CBDC-4364-AAC9-BB96998ED3D2}" srcOrd="1" destOrd="0" parTransId="{EFDB3AC7-E7E7-474D-9F15-A56DF2B213FF}" sibTransId="{9B82CD64-154C-4D52-AD0C-676622C4FF9A}"/>
     <dgm:cxn modelId="{4F7A2E7E-0EB1-43B5-9C89-3F23AC060BC7}" type="presParOf" srcId="{3E6991CC-64FF-4E8B-B9D1-453C465915F8}" destId="{5C469640-FE55-4F7F-B497-1B74F4E2C0F5}" srcOrd="0" destOrd="0" presId="urn:microsoft.com/office/officeart/2005/8/layout/chevron1"/>
     <dgm:cxn modelId="{64FB1A3D-264B-4225-AC6D-F9876C56A26E}" type="presParOf" srcId="{3E6991CC-64FF-4E8B-B9D1-453C465915F8}" destId="{AB39998E-0EF6-427D-AEC8-21396EF5E4F6}" srcOrd="1" destOrd="0" presId="urn:microsoft.com/office/officeart/2005/8/layout/chevron1"/>
     <dgm:cxn modelId="{5292A30D-98B0-43F1-A396-E80492F94F9D}" type="presParOf" srcId="{3E6991CC-64FF-4E8B-B9D1-453C465915F8}" destId="{11FFF8AB-45E7-45A5-96C5-D063E0015043}" srcOrd="2" destOrd="0" presId="urn:microsoft.com/office/officeart/2005/8/layout/chevron1"/>
@@ -4694,7 +5009,7 @@
         </a:bodyPr>
         <a:lstStyle/>
         <a:p>
-          <a:pPr marL="0" lvl="0" indent="0" algn="ctr" defTabSz="844550">
+          <a:pPr lvl="0" algn="ctr" defTabSz="844550">
             <a:lnSpc>
               <a:spcPct val="90000"/>
             </a:lnSpc>
@@ -4704,7 +5019,6 @@
             <a:spcAft>
               <a:spcPct val="35000"/>
             </a:spcAft>
-            <a:buNone/>
           </a:pPr>
           <a:r>
             <a:rPr lang="de-DE" sz="1900" kern="1200" dirty="0"/>
@@ -4771,7 +5085,7 @@
         </a:bodyPr>
         <a:lstStyle/>
         <a:p>
-          <a:pPr marL="0" lvl="0" indent="0" algn="ctr" defTabSz="844550">
+          <a:pPr lvl="0" algn="ctr" defTabSz="844550">
             <a:lnSpc>
               <a:spcPct val="90000"/>
             </a:lnSpc>
@@ -4781,7 +5095,6 @@
             <a:spcAft>
               <a:spcPct val="35000"/>
             </a:spcAft>
-            <a:buNone/>
           </a:pPr>
           <a:r>
             <a:rPr lang="de-DE" sz="1900" kern="1200" dirty="0"/>
@@ -4848,7 +5161,7 @@
         </a:bodyPr>
         <a:lstStyle/>
         <a:p>
-          <a:pPr marL="0" lvl="0" indent="0" algn="ctr" defTabSz="844550">
+          <a:pPr lvl="0" algn="ctr" defTabSz="844550">
             <a:lnSpc>
               <a:spcPct val="90000"/>
             </a:lnSpc>
@@ -4858,7 +5171,6 @@
             <a:spcAft>
               <a:spcPct val="35000"/>
             </a:spcAft>
-            <a:buNone/>
           </a:pPr>
           <a:r>
             <a:rPr lang="de-DE" sz="1900" kern="1200" dirty="0"/>
@@ -4925,7 +5237,7 @@
         </a:bodyPr>
         <a:lstStyle/>
         <a:p>
-          <a:pPr marL="0" lvl="0" indent="0" algn="ctr" defTabSz="844550">
+          <a:pPr lvl="0" algn="ctr" defTabSz="844550">
             <a:lnSpc>
               <a:spcPct val="90000"/>
             </a:lnSpc>
@@ -4935,7 +5247,6 @@
             <a:spcAft>
               <a:spcPct val="35000"/>
             </a:spcAft>
-            <a:buNone/>
           </a:pPr>
           <a:r>
             <a:rPr lang="de-DE" sz="1900" kern="1200" dirty="0"/>
@@ -5002,7 +5313,7 @@
         </a:bodyPr>
         <a:lstStyle/>
         <a:p>
-          <a:pPr marL="0" lvl="0" indent="0" algn="ctr" defTabSz="844550">
+          <a:pPr lvl="0" algn="ctr" defTabSz="844550">
             <a:lnSpc>
               <a:spcPct val="90000"/>
             </a:lnSpc>
@@ -5012,7 +5323,6 @@
             <a:spcAft>
               <a:spcPct val="35000"/>
             </a:spcAft>
-            <a:buNone/>
           </a:pPr>
           <a:r>
             <a:rPr lang="de-DE" sz="1900" kern="1200" dirty="0" err="1"/>
@@ -5080,7 +5390,7 @@
         </a:bodyPr>
         <a:lstStyle/>
         <a:p>
-          <a:pPr marL="0" lvl="0" indent="0" algn="ctr" defTabSz="844550">
+          <a:pPr lvl="0" algn="ctr" defTabSz="844550">
             <a:lnSpc>
               <a:spcPct val="90000"/>
             </a:lnSpc>
@@ -5090,7 +5400,6 @@
             <a:spcAft>
               <a:spcPct val="35000"/>
             </a:spcAft>
-            <a:buNone/>
           </a:pPr>
           <a:r>
             <a:rPr lang="de-DE" sz="1900" kern="1200" dirty="0" err="1"/>
@@ -5161,7 +5470,7 @@
         </a:bodyPr>
         <a:lstStyle/>
         <a:p>
-          <a:pPr marL="0" lvl="0" indent="0" algn="ctr" defTabSz="844550">
+          <a:pPr lvl="0" algn="ctr" defTabSz="844550">
             <a:lnSpc>
               <a:spcPct val="90000"/>
             </a:lnSpc>
@@ -5171,7 +5480,6 @@
             <a:spcAft>
               <a:spcPct val="35000"/>
             </a:spcAft>
-            <a:buNone/>
           </a:pPr>
           <a:r>
             <a:rPr lang="de-DE" sz="1900" kern="1200" dirty="0"/>
@@ -5238,7 +5546,7 @@
         </a:bodyPr>
         <a:lstStyle/>
         <a:p>
-          <a:pPr marL="0" lvl="0" indent="0" algn="ctr" defTabSz="844550">
+          <a:pPr lvl="0" algn="ctr" defTabSz="844550">
             <a:lnSpc>
               <a:spcPct val="90000"/>
             </a:lnSpc>
@@ -5248,7 +5556,6 @@
             <a:spcAft>
               <a:spcPct val="35000"/>
             </a:spcAft>
-            <a:buNone/>
           </a:pPr>
           <a:r>
             <a:rPr lang="de-DE" sz="1900" kern="1200" dirty="0"/>
@@ -5327,7 +5634,7 @@
         </a:bodyPr>
         <a:lstStyle/>
         <a:p>
-          <a:pPr marL="0" lvl="0" indent="0" algn="ctr" defTabSz="533400">
+          <a:pPr lvl="0" algn="ctr" defTabSz="533400">
             <a:lnSpc>
               <a:spcPct val="90000"/>
             </a:lnSpc>
@@ -5337,7 +5644,6 @@
             <a:spcAft>
               <a:spcPct val="35000"/>
             </a:spcAft>
-            <a:buNone/>
           </a:pPr>
           <a:r>
             <a:rPr lang="de-DE" sz="1200" kern="1200" dirty="0" err="1"/>
@@ -5410,7 +5716,7 @@
         </a:bodyPr>
         <a:lstStyle/>
         <a:p>
-          <a:pPr marL="0" lvl="0" indent="0" algn="ctr" defTabSz="355600">
+          <a:pPr lvl="0" algn="ctr" defTabSz="355600">
             <a:lnSpc>
               <a:spcPct val="90000"/>
             </a:lnSpc>
@@ -5421,7 +5727,7 @@
               <a:spcPct val="35000"/>
             </a:spcAft>
             <a:buFont typeface="Arial" panose="020B0604020202020204" pitchFamily="34" charset="0"/>
-            <a:buNone/>
+            <a:buChar char="•"/>
           </a:pPr>
           <a:r>
             <a:rPr lang="de-DE" sz="800" kern="1200" dirty="0"/>
@@ -5498,7 +5804,7 @@
         </a:bodyPr>
         <a:lstStyle/>
         <a:p>
-          <a:pPr marL="0" lvl="0" indent="0" algn="ctr" defTabSz="355600">
+          <a:pPr lvl="0" algn="ctr" defTabSz="355600">
             <a:lnSpc>
               <a:spcPct val="90000"/>
             </a:lnSpc>
@@ -5509,7 +5815,7 @@
               <a:spcPct val="35000"/>
             </a:spcAft>
             <a:buFont typeface="Arial" panose="020B0604020202020204" pitchFamily="34" charset="0"/>
-            <a:buNone/>
+            <a:buChar char="•"/>
           </a:pPr>
           <a:r>
             <a:rPr lang="de-DE" sz="800" kern="1200" dirty="0"/>
@@ -5584,7 +5890,7 @@
         </a:bodyPr>
         <a:lstStyle/>
         <a:p>
-          <a:pPr marL="0" lvl="0" indent="0" algn="ctr" defTabSz="533400">
+          <a:pPr lvl="0" algn="ctr" defTabSz="533400">
             <a:lnSpc>
               <a:spcPct val="90000"/>
             </a:lnSpc>
@@ -5594,7 +5900,6 @@
             <a:spcAft>
               <a:spcPct val="35000"/>
             </a:spcAft>
-            <a:buNone/>
           </a:pPr>
           <a:r>
             <a:rPr lang="de-DE" sz="1200" kern="1200" dirty="0"/>
@@ -5663,7 +5968,7 @@
         </a:bodyPr>
         <a:lstStyle/>
         <a:p>
-          <a:pPr marL="0" lvl="0" indent="0" algn="ctr" defTabSz="355600">
+          <a:pPr lvl="0" algn="ctr" defTabSz="355600">
             <a:lnSpc>
               <a:spcPct val="90000"/>
             </a:lnSpc>
@@ -5674,7 +5979,7 @@
               <a:spcPct val="35000"/>
             </a:spcAft>
             <a:buFont typeface="Arial" panose="020B0604020202020204" pitchFamily="34" charset="0"/>
-            <a:buNone/>
+            <a:buChar char="•"/>
           </a:pPr>
           <a:r>
             <a:rPr lang="de-DE" sz="800" kern="1200" dirty="0"/>
@@ -5743,7 +6048,7 @@
         </a:bodyPr>
         <a:lstStyle/>
         <a:p>
-          <a:pPr marL="0" lvl="0" indent="0" algn="ctr" defTabSz="355600">
+          <a:pPr lvl="0" algn="ctr" defTabSz="355600">
             <a:lnSpc>
               <a:spcPct val="90000"/>
             </a:lnSpc>
@@ -5754,7 +6059,7 @@
               <a:spcPct val="35000"/>
             </a:spcAft>
             <a:buFont typeface="Arial" panose="020B0604020202020204" pitchFamily="34" charset="0"/>
-            <a:buNone/>
+            <a:buChar char="•"/>
           </a:pPr>
           <a:r>
             <a:rPr lang="de-DE" sz="800" kern="1200" dirty="0"/>
@@ -5829,7 +6134,7 @@
         </a:bodyPr>
         <a:lstStyle/>
         <a:p>
-          <a:pPr marL="0" lvl="0" indent="0" algn="ctr" defTabSz="533400">
+          <a:pPr lvl="0" algn="ctr" defTabSz="533400">
             <a:lnSpc>
               <a:spcPct val="90000"/>
             </a:lnSpc>
@@ -5839,7 +6144,6 @@
             <a:spcAft>
               <a:spcPct val="35000"/>
             </a:spcAft>
-            <a:buNone/>
           </a:pPr>
           <a:r>
             <a:rPr lang="de-DE" sz="1200" kern="1200" dirty="0"/>
@@ -5908,7 +6212,7 @@
         </a:bodyPr>
         <a:lstStyle/>
         <a:p>
-          <a:pPr marL="0" lvl="0" indent="0" algn="ctr" defTabSz="355600">
+          <a:pPr lvl="0" algn="ctr" defTabSz="355600">
             <a:lnSpc>
               <a:spcPct val="90000"/>
             </a:lnSpc>
@@ -5919,7 +6223,7 @@
               <a:spcPct val="35000"/>
             </a:spcAft>
             <a:buFont typeface="Arial" panose="020B0604020202020204" pitchFamily="34" charset="0"/>
-            <a:buNone/>
+            <a:buChar char="•"/>
           </a:pPr>
           <a:r>
             <a:rPr lang="de-DE" sz="800" kern="1200" dirty="0" err="1"/>
@@ -5992,7 +6296,7 @@
         </a:bodyPr>
         <a:lstStyle/>
         <a:p>
-          <a:pPr marL="0" lvl="0" indent="0" algn="ctr" defTabSz="355600">
+          <a:pPr lvl="0" algn="ctr" defTabSz="355600">
             <a:lnSpc>
               <a:spcPct val="90000"/>
             </a:lnSpc>
@@ -6003,7 +6307,7 @@
               <a:spcPct val="35000"/>
             </a:spcAft>
             <a:buFont typeface="Arial" panose="020B0604020202020204" pitchFamily="34" charset="0"/>
-            <a:buNone/>
+            <a:buChar char="•"/>
           </a:pPr>
           <a:r>
             <a:rPr lang="de-DE" sz="800" kern="1200" dirty="0"/>
@@ -6072,7 +6376,7 @@
         </a:bodyPr>
         <a:lstStyle/>
         <a:p>
-          <a:pPr marL="0" lvl="0" indent="0" algn="ctr" defTabSz="355600">
+          <a:pPr lvl="0" algn="ctr" defTabSz="355600">
             <a:lnSpc>
               <a:spcPct val="90000"/>
             </a:lnSpc>
@@ -6083,7 +6387,7 @@
               <a:spcPct val="35000"/>
             </a:spcAft>
             <a:buFont typeface="Arial" panose="020B0604020202020204" pitchFamily="34" charset="0"/>
-            <a:buNone/>
+            <a:buChar char="•"/>
           </a:pPr>
           <a:r>
             <a:rPr lang="de-DE" sz="800" kern="1200" dirty="0"/>
@@ -6155,7 +6459,7 @@
         </a:bodyPr>
         <a:lstStyle/>
         <a:p>
-          <a:pPr marL="0" lvl="0" indent="0" algn="ctr" defTabSz="533400">
+          <a:pPr lvl="0" algn="ctr" defTabSz="533400">
             <a:lnSpc>
               <a:spcPct val="90000"/>
             </a:lnSpc>
@@ -6165,7 +6469,6 @@
             <a:spcAft>
               <a:spcPct val="35000"/>
             </a:spcAft>
-            <a:buNone/>
           </a:pPr>
           <a:r>
             <a:rPr lang="de-DE" sz="1200" kern="1200" dirty="0"/>
@@ -6234,7 +6537,7 @@
         </a:bodyPr>
         <a:lstStyle/>
         <a:p>
-          <a:pPr marL="0" lvl="0" indent="0" algn="ctr" defTabSz="355600">
+          <a:pPr lvl="0" algn="ctr" defTabSz="355600">
             <a:lnSpc>
               <a:spcPct val="90000"/>
             </a:lnSpc>
@@ -6245,7 +6548,7 @@
               <a:spcPct val="35000"/>
             </a:spcAft>
             <a:buFont typeface="Arial" panose="020B0604020202020204" pitchFamily="34" charset="0"/>
-            <a:buNone/>
+            <a:buChar char="•"/>
           </a:pPr>
           <a:r>
             <a:rPr lang="de-DE" sz="800" kern="1200" dirty="0"/>
@@ -6314,7 +6617,7 @@
         </a:bodyPr>
         <a:lstStyle/>
         <a:p>
-          <a:pPr marL="0" lvl="0" indent="0" algn="ctr" defTabSz="355600">
+          <a:pPr lvl="0" algn="ctr" defTabSz="355600">
             <a:lnSpc>
               <a:spcPct val="90000"/>
             </a:lnSpc>
@@ -6325,7 +6628,7 @@
               <a:spcPct val="35000"/>
             </a:spcAft>
             <a:buFont typeface="Arial" panose="020B0604020202020204" pitchFamily="34" charset="0"/>
-            <a:buNone/>
+            <a:buChar char="•"/>
           </a:pPr>
           <a:r>
             <a:rPr lang="de-DE" sz="800" kern="1200" dirty="0"/>
@@ -6404,7 +6707,7 @@
         </a:bodyPr>
         <a:lstStyle/>
         <a:p>
-          <a:pPr marL="0" lvl="0" indent="0" algn="ctr" defTabSz="1155700">
+          <a:pPr lvl="0" algn="ctr" defTabSz="1155700">
             <a:lnSpc>
               <a:spcPct val="90000"/>
             </a:lnSpc>
@@ -6414,7 +6717,6 @@
             <a:spcAft>
               <a:spcPct val="35000"/>
             </a:spcAft>
-            <a:buNone/>
           </a:pPr>
           <a:r>
             <a:rPr lang="de-DE" sz="2600" kern="1200" dirty="0" err="1"/>
@@ -6482,7 +6784,7 @@
         </a:bodyPr>
         <a:lstStyle/>
         <a:p>
-          <a:pPr marL="0" lvl="0" indent="0" algn="ctr" defTabSz="1155700">
+          <a:pPr lvl="0" algn="ctr" defTabSz="1155700">
             <a:lnSpc>
               <a:spcPct val="90000"/>
             </a:lnSpc>
@@ -6492,7 +6794,6 @@
             <a:spcAft>
               <a:spcPct val="35000"/>
             </a:spcAft>
-            <a:buNone/>
           </a:pPr>
           <a:r>
             <a:rPr lang="de-DE" sz="2600" kern="1200" dirty="0" err="1"/>
@@ -6560,7 +6861,7 @@
         </a:bodyPr>
         <a:lstStyle/>
         <a:p>
-          <a:pPr marL="0" lvl="0" indent="0" algn="ctr" defTabSz="1155700">
+          <a:pPr lvl="0" algn="ctr" defTabSz="1155700">
             <a:lnSpc>
               <a:spcPct val="90000"/>
             </a:lnSpc>
@@ -6570,7 +6871,6 @@
             <a:spcAft>
               <a:spcPct val="35000"/>
             </a:spcAft>
-            <a:buNone/>
           </a:pPr>
           <a:r>
             <a:rPr lang="de-DE" sz="2600" kern="1200" dirty="0" err="1"/>
@@ -11752,7 +12052,7 @@
           <a:p>
             <a:fld id="{90BC4B87-6123-4AD5-BA18-D0C615F32DE0}" type="datetimeFigureOut">
               <a:rPr lang="de-DE" smtClean="0"/>
-              <a:t>09.07.2018</a:t>
+              <a:t>10.07.2018</a:t>
             </a:fld>
             <a:endParaRPr lang="de-DE"/>
           </a:p>
@@ -15970,6 +16270,10 @@
             <a:br>
               <a:rPr lang="de-DE" dirty="0"/>
             </a:br>
+            <a:r>
+              <a:rPr lang="de-DE" dirty="0"/>
+              <a:t/>
+            </a:r>
             <a:br>
               <a:rPr lang="de-DE" dirty="0"/>
             </a:br>
@@ -16041,6 +16345,10 @@
             <a:br>
               <a:rPr lang="de-DE" dirty="0"/>
             </a:br>
+            <a:r>
+              <a:rPr lang="de-DE" dirty="0"/>
+              <a:t/>
+            </a:r>
             <a:br>
               <a:rPr lang="de-DE" dirty="0"/>
             </a:br>
@@ -16258,6 +16566,10 @@
             <a:br>
               <a:rPr lang="de-DE" dirty="0"/>
             </a:br>
+            <a:r>
+              <a:rPr lang="de-DE" dirty="0"/>
+              <a:t/>
+            </a:r>
             <a:br>
               <a:rPr lang="de-DE" dirty="0"/>
             </a:br>
@@ -16329,6 +16641,10 @@
             <a:br>
               <a:rPr lang="de-DE" dirty="0"/>
             </a:br>
+            <a:r>
+              <a:rPr lang="de-DE" dirty="0"/>
+              <a:t/>
+            </a:r>
             <a:br>
               <a:rPr lang="de-DE" dirty="0"/>
             </a:br>
@@ -16970,18 +17286,38 @@
             <a:br>
               <a:rPr lang="de-DE" dirty="0"/>
             </a:br>
+            <a:r>
+              <a:rPr lang="de-DE" dirty="0"/>
+              <a:t/>
+            </a:r>
             <a:br>
               <a:rPr lang="de-DE" dirty="0"/>
             </a:br>
+            <a:r>
+              <a:rPr lang="de-DE" dirty="0"/>
+              <a:t/>
+            </a:r>
             <a:br>
               <a:rPr lang="de-DE" dirty="0"/>
             </a:br>
+            <a:r>
+              <a:rPr lang="de-DE" dirty="0"/>
+              <a:t/>
+            </a:r>
             <a:br>
               <a:rPr lang="de-DE" dirty="0"/>
             </a:br>
+            <a:r>
+              <a:rPr lang="de-DE" dirty="0"/>
+              <a:t/>
+            </a:r>
             <a:br>
               <a:rPr lang="de-DE" dirty="0"/>
             </a:br>
+            <a:r>
+              <a:rPr lang="de-DE" dirty="0"/>
+              <a:t/>
+            </a:r>
             <a:br>
               <a:rPr lang="de-DE" dirty="0"/>
             </a:br>
@@ -20712,16 +21048,12 @@
           </a:lstStyle>
           <a:p>
             <a:r>
-              <a:rPr lang="de-DE" dirty="0"/>
-              <a:t>Joshua </a:t>
-            </a:r>
-            <a:r>
-              <a:rPr lang="de-DE" dirty="0" err="1"/>
-              <a:t>Parhammer</a:t>
-            </a:r>
-            <a:r>
-              <a:rPr lang="de-DE" dirty="0"/>
-              <a:t> &amp; Korbinian Vierheilig</a:t>
+              <a:rPr lang="de-DE" dirty="0" smtClean="0"/>
+              <a:t>Korbinian </a:t>
+            </a:r>
+            <a:r>
+              <a:rPr lang="de-DE" dirty="0"/>
+              <a:t>Vierheilig</a:t>
             </a:r>
           </a:p>
         </p:txBody>
@@ -21139,16 +21471,12 @@
           </a:lstStyle>
           <a:p>
             <a:r>
-              <a:rPr lang="de-DE" dirty="0"/>
-              <a:t>Joshua </a:t>
-            </a:r>
-            <a:r>
-              <a:rPr lang="de-DE" dirty="0" err="1"/>
-              <a:t>Parhammer</a:t>
-            </a:r>
-            <a:r>
-              <a:rPr lang="de-DE" dirty="0"/>
-              <a:t> &amp; Korbinian Vierheilig</a:t>
+              <a:rPr lang="de-DE" dirty="0" smtClean="0"/>
+              <a:t>Korbinian </a:t>
+            </a:r>
+            <a:r>
+              <a:rPr lang="de-DE" dirty="0"/>
+              <a:t>Vierheilig</a:t>
             </a:r>
           </a:p>
         </p:txBody>
@@ -21551,16 +21879,9 @@
           <a:p>
             <a:r>
               <a:rPr lang="de-DE" dirty="0"/>
-              <a:t>Joshua </a:t>
-            </a:r>
-            <a:r>
-              <a:rPr lang="de-DE" dirty="0" err="1"/>
-              <a:t>Parhammer</a:t>
-            </a:r>
-            <a:r>
-              <a:rPr lang="de-DE" dirty="0"/>
-              <a:t> &amp; Korbinian Vierheilig</a:t>
-            </a:r>
+              <a:t>Korbinian Vierheilig</a:t>
+            </a:r>
+            <a:endParaRPr lang="de-DE" dirty="0"/>
           </a:p>
         </p:txBody>
       </p:sp>
@@ -21594,6 +21915,47 @@
           <a:chExt cx="0" cy="0"/>
         </a:xfrm>
       </p:grpSpPr>
+      <p:pic>
+        <p:nvPicPr>
+          <p:cNvPr id="1026" name="Picture 2" descr="Bildergebnis für nxt lego"/>
+          <p:cNvPicPr>
+            <a:picLocks noChangeAspect="1" noChangeArrowheads="1"/>
+          </p:cNvPicPr>
+          <p:nvPr/>
+        </p:nvPicPr>
+        <p:blipFill>
+          <a:blip r:embed="rId2">
+            <a:extLst>
+              <a:ext uri="{28A0092B-C50C-407E-A947-70E740481C1C}">
+                <a14:useLocalDpi xmlns:a14="http://schemas.microsoft.com/office/drawing/2010/main" val="0"/>
+              </a:ext>
+            </a:extLst>
+          </a:blip>
+          <a:srcRect/>
+          <a:stretch>
+            <a:fillRect/>
+          </a:stretch>
+        </p:blipFill>
+        <p:spPr bwMode="auto">
+          <a:xfrm>
+            <a:off x="3217104" y="1269517"/>
+            <a:ext cx="3416839" cy="3416839"/>
+          </a:xfrm>
+          <a:prstGeom prst="rect">
+            <a:avLst/>
+          </a:prstGeom>
+          <a:noFill/>
+          <a:extLst>
+            <a:ext uri="{909E8E84-426E-40DD-AFC4-6F175D3DCCD1}">
+              <a14:hiddenFill xmlns:a14="http://schemas.microsoft.com/office/drawing/2010/main">
+                <a:solidFill>
+                  <a:srgbClr val="FFFFFF"/>
+                </a:solidFill>
+              </a14:hiddenFill>
+            </a:ext>
+          </a:extLst>
+        </p:spPr>
+      </p:pic>
       <p:sp>
         <p:nvSpPr>
           <p:cNvPr id="2" name="Datumsplatzhalter 1"/>
@@ -21679,7 +22041,9 @@
         </p:nvSpPr>
         <p:spPr/>
         <p:txBody>
-          <a:bodyPr/>
+          <a:bodyPr>
+            <a:normAutofit/>
+          </a:bodyPr>
           <a:lstStyle/>
           <a:p>
             <a:pPr marL="285750" indent="-285750">
@@ -21687,7 +22051,7 @@
               <a:buAutoNum type="romanUcPeriod"/>
             </a:pPr>
             <a:r>
-              <a:rPr lang="de-DE" b="1" dirty="0"/>
+              <a:rPr lang="de-DE" sz="1600" b="1" dirty="0"/>
               <a:t>Funktionalitäten</a:t>
             </a:r>
           </a:p>
@@ -21697,7 +22061,7 @@
               <a:buAutoNum type="romanUcPeriod"/>
             </a:pPr>
             <a:r>
-              <a:rPr lang="de-DE" b="1" dirty="0"/>
+              <a:rPr lang="de-DE" sz="1600" b="1" dirty="0"/>
               <a:t>Softwarekomponenten</a:t>
             </a:r>
           </a:p>
@@ -21707,7 +22071,7 @@
               <a:buAutoNum type="romanUcPeriod"/>
             </a:pPr>
             <a:r>
-              <a:rPr lang="de-DE" b="1" dirty="0"/>
+              <a:rPr lang="de-DE" sz="1600" b="1" dirty="0"/>
               <a:t>Hardwareaufbau</a:t>
             </a:r>
           </a:p>
@@ -21717,7 +22081,7 @@
               <a:buAutoNum type="romanUcPeriod"/>
             </a:pPr>
             <a:r>
-              <a:rPr lang="de-DE" b="1" dirty="0"/>
+              <a:rPr lang="de-DE" sz="1600" b="1" dirty="0"/>
               <a:t>Basissoftware</a:t>
             </a:r>
           </a:p>
@@ -21727,9 +22091,10 @@
               <a:buAutoNum type="romanUcPeriod"/>
             </a:pPr>
             <a:r>
-              <a:rPr lang="de-DE" b="1" dirty="0"/>
-              <a:t>EMF Metamodell</a:t>
-            </a:r>
+              <a:rPr lang="de-DE" sz="1600" b="1" dirty="0" smtClean="0"/>
+              <a:t>Metamodell</a:t>
+            </a:r>
+            <a:endParaRPr lang="de-DE" sz="1600" b="1" dirty="0"/>
           </a:p>
           <a:p>
             <a:pPr marL="285750" indent="-285750">
@@ -21737,8 +22102,8 @@
               <a:buAutoNum type="romanUcPeriod"/>
             </a:pPr>
             <a:r>
-              <a:rPr lang="de-DE" b="1" dirty="0"/>
-              <a:t>Erstellen einer Konfiguration</a:t>
+              <a:rPr lang="de-DE" sz="1600" b="1" dirty="0" smtClean="0"/>
+              <a:t>Generator</a:t>
             </a:r>
           </a:p>
           <a:p>
@@ -21747,9 +22112,16 @@
               <a:buAutoNum type="romanUcPeriod"/>
             </a:pPr>
             <a:r>
-              <a:rPr lang="de-DE" b="1" dirty="0"/>
-              <a:t>Generator</a:t>
-            </a:r>
+              <a:rPr lang="de-DE" sz="1600" b="1" dirty="0"/>
+              <a:t>Erstellen einer Konfiguration</a:t>
+            </a:r>
+          </a:p>
+          <a:p>
+            <a:pPr marL="285750" indent="-285750">
+              <a:buFont typeface="+mj-lt"/>
+              <a:buAutoNum type="romanUcPeriod"/>
+            </a:pPr>
+            <a:endParaRPr lang="de-DE" sz="1600" b="1" dirty="0"/>
           </a:p>
         </p:txBody>
       </p:sp>
@@ -22097,11 +22469,7 @@
           <a:p>
             <a:r>
               <a:rPr lang="de-DE" dirty="0"/>
-              <a:t>Florian </a:t>
-            </a:r>
-            <a:r>
-              <a:rPr lang="de-DE" dirty="0" err="1"/>
-              <a:t>Boemmel</a:t>
+              <a:t>Joshua Parhammer</a:t>
             </a:r>
             <a:endParaRPr lang="de-DE" dirty="0"/>
           </a:p>
@@ -22603,11 +22971,7 @@
           <a:p>
             <a:r>
               <a:rPr lang="de-DE" dirty="0"/>
-              <a:t>Florian </a:t>
-            </a:r>
-            <a:r>
-              <a:rPr lang="de-DE" dirty="0" err="1"/>
-              <a:t>Boemmel</a:t>
+              <a:t>Joshua Parhammer</a:t>
             </a:r>
             <a:endParaRPr lang="de-DE" dirty="0"/>
           </a:p>
@@ -22974,11 +23338,7 @@
           <a:p>
             <a:r>
               <a:rPr lang="de-DE" dirty="0"/>
-              <a:t>Florian </a:t>
-            </a:r>
-            <a:r>
-              <a:rPr lang="de-DE" dirty="0" err="1"/>
-              <a:t>Boemmel</a:t>
+              <a:t>Joshua Parhammer</a:t>
             </a:r>
             <a:endParaRPr lang="de-DE" dirty="0"/>
           </a:p>
@@ -24994,10 +25354,9 @@
           <a:lstStyle/>
           <a:p>
             <a:r>
-              <a:rPr lang="de-DE"/>
+              <a:rPr lang="de-DE" dirty="0"/>
               <a:t>10.07.2018</a:t>
             </a:r>
-            <a:endParaRPr lang="de-DE" dirty="0"/>
           </a:p>
         </p:txBody>
       </p:sp>
@@ -25052,9 +25411,42 @@
           </a:p>
         </p:txBody>
       </p:sp>
-      <p:sp>
-        <p:nvSpPr>
-          <p:cNvPr id="6" name="Textplatzhalter 5"/>
+      <p:graphicFrame>
+        <p:nvGraphicFramePr>
+          <p:cNvPr id="7" name="Inhaltsplatzhalter 6">
+            <a:extLst>
+              <a:ext uri="{FF2B5EF4-FFF2-40B4-BE49-F238E27FC236}">
+                <a16:creationId xmlns:a16="http://schemas.microsoft.com/office/drawing/2014/main" id="{B45C35EE-B430-4319-8061-17BD8B2666A5}"/>
+              </a:ext>
+            </a:extLst>
+          </p:cNvPr>
+          <p:cNvGraphicFramePr>
+            <a:graphicFrameLocks noGrp="1"/>
+          </p:cNvGraphicFramePr>
+          <p:nvPr>
+            <p:ph idx="1"/>
+            <p:extLst/>
+          </p:nvPr>
+        </p:nvGraphicFramePr>
+        <p:xfrm>
+          <a:off x="209550" y="1036638"/>
+          <a:ext cx="6426200" cy="3506787"/>
+        </p:xfrm>
+        <a:graphic>
+          <a:graphicData uri="http://schemas.openxmlformats.org/drawingml/2006/diagram">
+            <dgm:relIds xmlns:dgm="http://schemas.openxmlformats.org/drawingml/2006/diagram" xmlns:r="http://schemas.openxmlformats.org/officeDocument/2006/relationships" r:dm="rId2" r:lo="rId3" r:qs="rId4" r:cs="rId5"/>
+          </a:graphicData>
+        </a:graphic>
+      </p:graphicFrame>
+      <p:sp>
+        <p:nvSpPr>
+          <p:cNvPr id="8" name="Textplatzhalter 7">
+            <a:extLst>
+              <a:ext uri="{FF2B5EF4-FFF2-40B4-BE49-F238E27FC236}">
+                <a16:creationId xmlns:a16="http://schemas.microsoft.com/office/drawing/2014/main" id="{8C7EB124-DE3E-4F63-A0FD-33AB2EA86D18}"/>
+              </a:ext>
+            </a:extLst>
+          </p:cNvPr>
           <p:cNvSpPr>
             <a:spLocks noGrp="1"/>
           </p:cNvSpPr>
@@ -25062,27 +25454,21 @@
             <p:ph type="body" sz="quarter" idx="13"/>
           </p:nvPr>
         </p:nvSpPr>
-        <p:spPr>
-          <a:xfrm>
-            <a:off x="209375" y="2545639"/>
-            <a:ext cx="6426000" cy="489337"/>
-          </a:xfrm>
-        </p:spPr>
+        <p:spPr/>
         <p:txBody>
           <a:bodyPr/>
           <a:lstStyle/>
           <a:p>
-            <a:pPr algn="ctr"/>
-            <a:r>
-              <a:rPr lang="de-DE" sz="4800" dirty="0"/>
-              <a:t>Live Demo</a:t>
-            </a:r>
-          </a:p>
-        </p:txBody>
-      </p:sp>
-      <p:sp>
-        <p:nvSpPr>
-          <p:cNvPr id="7" name="Titel 6"/>
+            <a:r>
+              <a:rPr lang="de-DE" dirty="0"/>
+              <a:t>Architektur</a:t>
+            </a:r>
+          </a:p>
+        </p:txBody>
+      </p:sp>
+      <p:sp>
+        <p:nvSpPr>
+          <p:cNvPr id="6" name="Titel 5"/>
           <p:cNvSpPr>
             <a:spLocks noGrp="1"/>
           </p:cNvSpPr>
@@ -25097,14 +25483,14 @@
           <a:p>
             <a:r>
               <a:rPr lang="de-DE" dirty="0"/>
-              <a:t>Erstellen einer Konfiguration</a:t>
-            </a:r>
-          </a:p>
-        </p:txBody>
-      </p:sp>
-      <p:sp>
-        <p:nvSpPr>
-          <p:cNvPr id="8" name="Fußzeilenplatzhalter 2"/>
+              <a:t>Generator</a:t>
+            </a:r>
+          </a:p>
+        </p:txBody>
+      </p:sp>
+      <p:sp>
+        <p:nvSpPr>
+          <p:cNvPr id="9" name="Fußzeilenplatzhalter 2"/>
           <p:cNvSpPr txBox="1">
             <a:spLocks/>
           </p:cNvSpPr>
@@ -25222,7 +25608,7 @@
           <a:p>
             <a:r>
               <a:rPr lang="de-DE" dirty="0"/>
-              <a:t>Tobias Schneider</a:t>
+              <a:t>Christoph Loy</a:t>
             </a:r>
           </a:p>
         </p:txBody>
@@ -25230,7 +25616,7 @@
     </p:spTree>
     <p:extLst>
       <p:ext uri="{BB962C8B-B14F-4D97-AF65-F5344CB8AC3E}">
-        <p14:creationId xmlns:p14="http://schemas.microsoft.com/office/powerpoint/2010/main" val="2050433397"/>
+        <p14:creationId xmlns:p14="http://schemas.microsoft.com/office/powerpoint/2010/main" val="978381491"/>
       </p:ext>
     </p:extLst>
   </p:cSld>
@@ -25749,33 +26135,6 @@
           </a:p>
         </p:txBody>
       </p:sp>
-      <p:graphicFrame>
-        <p:nvGraphicFramePr>
-          <p:cNvPr id="7" name="Inhaltsplatzhalter 6">
-            <a:extLst>
-              <a:ext uri="{FF2B5EF4-FFF2-40B4-BE49-F238E27FC236}">
-                <a16:creationId xmlns:a16="http://schemas.microsoft.com/office/drawing/2014/main" id="{B45C35EE-B430-4319-8061-17BD8B2666A5}"/>
-              </a:ext>
-            </a:extLst>
-          </p:cNvPr>
-          <p:cNvGraphicFramePr>
-            <a:graphicFrameLocks noGrp="1"/>
-          </p:cNvGraphicFramePr>
-          <p:nvPr>
-            <p:ph idx="1"/>
-            <p:extLst/>
-          </p:nvPr>
-        </p:nvGraphicFramePr>
-        <p:xfrm>
-          <a:off x="209550" y="1036638"/>
-          <a:ext cx="6426200" cy="3506787"/>
-        </p:xfrm>
-        <a:graphic>
-          <a:graphicData uri="http://schemas.openxmlformats.org/drawingml/2006/diagram">
-            <dgm:relIds xmlns:dgm="http://schemas.openxmlformats.org/drawingml/2006/diagram" xmlns:r="http://schemas.openxmlformats.org/officeDocument/2006/relationships" r:dm="rId2" r:lo="rId3" r:qs="rId4" r:cs="rId5"/>
-          </a:graphicData>
-        </a:graphic>
-      </p:graphicFrame>
       <p:sp>
         <p:nvSpPr>
           <p:cNvPr id="8" name="Textplatzhalter 7">
@@ -25826,9 +26185,36 @@
           </a:p>
         </p:txBody>
       </p:sp>
-      <p:sp>
-        <p:nvSpPr>
-          <p:cNvPr id="9" name="Fußzeilenplatzhalter 2"/>
+      <p:graphicFrame>
+        <p:nvGraphicFramePr>
+          <p:cNvPr id="9" name="Inhaltsplatzhalter 8">
+            <a:extLst>
+              <a:ext uri="{FF2B5EF4-FFF2-40B4-BE49-F238E27FC236}">
+                <a16:creationId xmlns:a16="http://schemas.microsoft.com/office/drawing/2014/main" id="{25745EE9-57D3-4785-8787-46C557280C9C}"/>
+              </a:ext>
+            </a:extLst>
+          </p:cNvPr>
+          <p:cNvGraphicFramePr>
+            <a:graphicFrameLocks noGrp="1"/>
+          </p:cNvGraphicFramePr>
+          <p:nvPr>
+            <p:ph idx="1"/>
+            <p:extLst/>
+          </p:nvPr>
+        </p:nvGraphicFramePr>
+        <p:xfrm>
+          <a:off x="103932" y="1036638"/>
+          <a:ext cx="6637436" cy="3506787"/>
+        </p:xfrm>
+        <a:graphic>
+          <a:graphicData uri="http://schemas.openxmlformats.org/drawingml/2006/diagram">
+            <dgm:relIds xmlns:dgm="http://schemas.openxmlformats.org/drawingml/2006/diagram" xmlns:r="http://schemas.openxmlformats.org/officeDocument/2006/relationships" r:dm="rId2" r:lo="rId3" r:qs="rId4" r:cs="rId5"/>
+          </a:graphicData>
+        </a:graphic>
+      </p:graphicFrame>
+      <p:sp>
+        <p:nvSpPr>
+          <p:cNvPr id="10" name="Fußzeilenplatzhalter 2"/>
           <p:cNvSpPr txBox="1">
             <a:spLocks/>
           </p:cNvSpPr>
@@ -25954,7 +26340,7 @@
     </p:spTree>
     <p:extLst>
       <p:ext uri="{BB962C8B-B14F-4D97-AF65-F5344CB8AC3E}">
-        <p14:creationId xmlns:p14="http://schemas.microsoft.com/office/powerpoint/2010/main" val="978381491"/>
+        <p14:creationId xmlns:p14="http://schemas.microsoft.com/office/powerpoint/2010/main" val="260385082"/>
       </p:ext>
     </p:extLst>
   </p:cSld>
@@ -26054,62 +26440,12 @@
           </a:p>
         </p:txBody>
       </p:sp>
-      <p:sp>
-        <p:nvSpPr>
-          <p:cNvPr id="8" name="Textplatzhalter 7">
+      <p:graphicFrame>
+        <p:nvGraphicFramePr>
+          <p:cNvPr id="8" name="Inhaltsplatzhalter 7">
             <a:extLst>
               <a:ext uri="{FF2B5EF4-FFF2-40B4-BE49-F238E27FC236}">
-                <a16:creationId xmlns:a16="http://schemas.microsoft.com/office/drawing/2014/main" id="{8C7EB124-DE3E-4F63-A0FD-33AB2EA86D18}"/>
-              </a:ext>
-            </a:extLst>
-          </p:cNvPr>
-          <p:cNvSpPr>
-            <a:spLocks noGrp="1"/>
-          </p:cNvSpPr>
-          <p:nvPr>
-            <p:ph type="body" sz="quarter" idx="13"/>
-          </p:nvPr>
-        </p:nvSpPr>
-        <p:spPr/>
-        <p:txBody>
-          <a:bodyPr/>
-          <a:lstStyle/>
-          <a:p>
-            <a:r>
-              <a:rPr lang="de-DE" dirty="0"/>
-              <a:t>Architektur</a:t>
-            </a:r>
-          </a:p>
-        </p:txBody>
-      </p:sp>
-      <p:sp>
-        <p:nvSpPr>
-          <p:cNvPr id="6" name="Titel 5"/>
-          <p:cNvSpPr>
-            <a:spLocks noGrp="1"/>
-          </p:cNvSpPr>
-          <p:nvPr>
-            <p:ph type="title"/>
-          </p:nvPr>
-        </p:nvSpPr>
-        <p:spPr/>
-        <p:txBody>
-          <a:bodyPr/>
-          <a:lstStyle/>
-          <a:p>
-            <a:r>
-              <a:rPr lang="de-DE" dirty="0"/>
-              <a:t>Generator</a:t>
-            </a:r>
-          </a:p>
-        </p:txBody>
-      </p:sp>
-      <p:graphicFrame>
-        <p:nvGraphicFramePr>
-          <p:cNvPr id="9" name="Inhaltsplatzhalter 8">
-            <a:extLst>
-              <a:ext uri="{FF2B5EF4-FFF2-40B4-BE49-F238E27FC236}">
-                <a16:creationId xmlns:a16="http://schemas.microsoft.com/office/drawing/2014/main" id="{25745EE9-57D3-4785-8787-46C557280C9C}"/>
+                <a16:creationId xmlns:a16="http://schemas.microsoft.com/office/drawing/2014/main" id="{84E533BB-96E0-4DCB-8F82-7C0280D3D297}"/>
               </a:ext>
             </a:extLst>
           </p:cNvPr>
@@ -26122,8 +26458,8 @@
           </p:nvPr>
         </p:nvGraphicFramePr>
         <p:xfrm>
-          <a:off x="103932" y="1036638"/>
-          <a:ext cx="6637436" cy="3506787"/>
+          <a:off x="209550" y="1693888"/>
+          <a:ext cx="6426200" cy="1093886"/>
         </p:xfrm>
         <a:graphic>
           <a:graphicData uri="http://schemas.openxmlformats.org/drawingml/2006/diagram">
@@ -26133,7 +26469,213 @@
       </p:graphicFrame>
       <p:sp>
         <p:nvSpPr>
-          <p:cNvPr id="10" name="Fußzeilenplatzhalter 2"/>
+          <p:cNvPr id="12" name="Textplatzhalter 11">
+            <a:extLst>
+              <a:ext uri="{FF2B5EF4-FFF2-40B4-BE49-F238E27FC236}">
+                <a16:creationId xmlns:a16="http://schemas.microsoft.com/office/drawing/2014/main" id="{B148AD95-DF13-4B22-83F2-74C482891D37}"/>
+              </a:ext>
+            </a:extLst>
+          </p:cNvPr>
+          <p:cNvSpPr>
+            <a:spLocks noGrp="1"/>
+          </p:cNvSpPr>
+          <p:nvPr>
+            <p:ph type="body" sz="quarter" idx="13"/>
+          </p:nvPr>
+        </p:nvSpPr>
+        <p:spPr/>
+        <p:txBody>
+          <a:bodyPr/>
+          <a:lstStyle/>
+          <a:p>
+            <a:r>
+              <a:rPr lang="de-DE" dirty="0"/>
+              <a:t>Architektur</a:t>
+            </a:r>
+          </a:p>
+        </p:txBody>
+      </p:sp>
+      <p:sp>
+        <p:nvSpPr>
+          <p:cNvPr id="6" name="Titel 5"/>
+          <p:cNvSpPr>
+            <a:spLocks noGrp="1"/>
+          </p:cNvSpPr>
+          <p:nvPr>
+            <p:ph type="title"/>
+          </p:nvPr>
+        </p:nvSpPr>
+        <p:spPr/>
+        <p:txBody>
+          <a:bodyPr/>
+          <a:lstStyle/>
+          <a:p>
+            <a:r>
+              <a:rPr lang="de-DE" dirty="0"/>
+              <a:t>Generator</a:t>
+            </a:r>
+          </a:p>
+        </p:txBody>
+      </p:sp>
+      <p:sp>
+        <p:nvSpPr>
+          <p:cNvPr id="9" name="Textfeld 8">
+            <a:extLst>
+              <a:ext uri="{FF2B5EF4-FFF2-40B4-BE49-F238E27FC236}">
+                <a16:creationId xmlns:a16="http://schemas.microsoft.com/office/drawing/2014/main" id="{A23FDE92-0052-4CF6-8EE0-D507639BFF9D}"/>
+              </a:ext>
+            </a:extLst>
+          </p:cNvPr>
+          <p:cNvSpPr txBox="1"/>
+          <p:nvPr/>
+        </p:nvSpPr>
+        <p:spPr>
+          <a:xfrm>
+            <a:off x="116632" y="2787774"/>
+            <a:ext cx="1908368" cy="938719"/>
+          </a:xfrm>
+          <a:prstGeom prst="rect">
+            <a:avLst/>
+          </a:prstGeom>
+          <a:noFill/>
+        </p:spPr>
+        <p:txBody>
+          <a:bodyPr wrap="square" rtlCol="0">
+            <a:spAutoFit/>
+          </a:bodyPr>
+          <a:lstStyle/>
+          <a:p>
+            <a:pPr marL="285750" indent="-285750">
+              <a:buFont typeface="Arial" panose="020B0604020202020204" pitchFamily="34" charset="0"/>
+              <a:buChar char="•"/>
+            </a:pPr>
+            <a:r>
+              <a:rPr lang="de-DE" sz="1100" dirty="0"/>
+              <a:t>Sammeln von Kontextdaten</a:t>
+            </a:r>
+          </a:p>
+          <a:p>
+            <a:pPr marL="285750" indent="-285750">
+              <a:buFont typeface="Arial" panose="020B0604020202020204" pitchFamily="34" charset="0"/>
+              <a:buChar char="•"/>
+            </a:pPr>
+            <a:r>
+              <a:rPr lang="de-DE" sz="1100" dirty="0"/>
+              <a:t>Starten der Untergeneratoren</a:t>
+            </a:r>
+          </a:p>
+          <a:p>
+            <a:endParaRPr lang="de-DE" sz="1100" dirty="0"/>
+          </a:p>
+        </p:txBody>
+      </p:sp>
+      <p:sp>
+        <p:nvSpPr>
+          <p:cNvPr id="10" name="Textfeld 9">
+            <a:extLst>
+              <a:ext uri="{FF2B5EF4-FFF2-40B4-BE49-F238E27FC236}">
+                <a16:creationId xmlns:a16="http://schemas.microsoft.com/office/drawing/2014/main" id="{BA2AE922-10C0-40A4-8FEB-47053CB23DC5}"/>
+              </a:ext>
+            </a:extLst>
+          </p:cNvPr>
+          <p:cNvSpPr txBox="1"/>
+          <p:nvPr/>
+        </p:nvSpPr>
+        <p:spPr>
+          <a:xfrm>
+            <a:off x="2304361" y="2787774"/>
+            <a:ext cx="1908368" cy="769441"/>
+          </a:xfrm>
+          <a:prstGeom prst="rect">
+            <a:avLst/>
+          </a:prstGeom>
+          <a:noFill/>
+        </p:spPr>
+        <p:txBody>
+          <a:bodyPr wrap="square" rtlCol="0">
+            <a:spAutoFit/>
+          </a:bodyPr>
+          <a:lstStyle/>
+          <a:p>
+            <a:pPr marL="285750" indent="-285750">
+              <a:buFont typeface="Arial" panose="020B0604020202020204" pitchFamily="34" charset="0"/>
+              <a:buChar char="•"/>
+            </a:pPr>
+            <a:r>
+              <a:rPr lang="de-DE" sz="1100" dirty="0"/>
+              <a:t>Sammeln der Daten</a:t>
+            </a:r>
+          </a:p>
+          <a:p>
+            <a:pPr marL="285750" indent="-285750">
+              <a:buFont typeface="Arial" panose="020B0604020202020204" pitchFamily="34" charset="0"/>
+              <a:buChar char="•"/>
+            </a:pPr>
+            <a:r>
+              <a:rPr lang="de-DE" sz="1100" dirty="0"/>
+              <a:t>Bestimmung der Variableninhalte</a:t>
+            </a:r>
+          </a:p>
+          <a:p>
+            <a:endParaRPr lang="de-DE" sz="1100" dirty="0"/>
+          </a:p>
+        </p:txBody>
+      </p:sp>
+      <p:sp>
+        <p:nvSpPr>
+          <p:cNvPr id="11" name="Textfeld 10">
+            <a:extLst>
+              <a:ext uri="{FF2B5EF4-FFF2-40B4-BE49-F238E27FC236}">
+                <a16:creationId xmlns:a16="http://schemas.microsoft.com/office/drawing/2014/main" id="{BDD010E7-239F-466F-BE5E-4FD87CB39CAC}"/>
+              </a:ext>
+            </a:extLst>
+          </p:cNvPr>
+          <p:cNvSpPr txBox="1"/>
+          <p:nvPr/>
+        </p:nvSpPr>
+        <p:spPr>
+          <a:xfrm>
+            <a:off x="4492090" y="2787774"/>
+            <a:ext cx="1908368" cy="600164"/>
+          </a:xfrm>
+          <a:prstGeom prst="rect">
+            <a:avLst/>
+          </a:prstGeom>
+          <a:noFill/>
+        </p:spPr>
+        <p:txBody>
+          <a:bodyPr wrap="square" rtlCol="0">
+            <a:spAutoFit/>
+          </a:bodyPr>
+          <a:lstStyle/>
+          <a:p>
+            <a:pPr marL="285750" indent="-285750">
+              <a:buFont typeface="Arial" panose="020B0604020202020204" pitchFamily="34" charset="0"/>
+              <a:buChar char="•"/>
+            </a:pPr>
+            <a:r>
+              <a:rPr lang="de-DE" sz="1100" dirty="0"/>
+              <a:t>Laden des Templates</a:t>
+            </a:r>
+          </a:p>
+          <a:p>
+            <a:pPr marL="285750" indent="-285750">
+              <a:buFont typeface="Arial" panose="020B0604020202020204" pitchFamily="34" charset="0"/>
+              <a:buChar char="•"/>
+            </a:pPr>
+            <a:r>
+              <a:rPr lang="de-DE" sz="1100" dirty="0"/>
+              <a:t>Befüllung mit Daten</a:t>
+            </a:r>
+          </a:p>
+          <a:p>
+            <a:endParaRPr lang="de-DE" sz="1100" dirty="0"/>
+          </a:p>
+        </p:txBody>
+      </p:sp>
+      <p:sp>
+        <p:nvSpPr>
+          <p:cNvPr id="13" name="Fußzeilenplatzhalter 2"/>
           <p:cNvSpPr txBox="1">
             <a:spLocks/>
           </p:cNvSpPr>
@@ -26259,7 +26801,7 @@
     </p:spTree>
     <p:extLst>
       <p:ext uri="{BB962C8B-B14F-4D97-AF65-F5344CB8AC3E}">
-        <p14:creationId xmlns:p14="http://schemas.microsoft.com/office/powerpoint/2010/main" val="260385082"/>
+        <p14:creationId xmlns:p14="http://schemas.microsoft.com/office/powerpoint/2010/main" val="2928018867"/>
       </p:ext>
     </p:extLst>
   </p:cSld>
@@ -26354,467 +26896,6 @@
               <a:rPr lang="de-DE" smtClean="0"/>
               <a:pPr/>
               <a:t>32</a:t>
-            </a:fld>
-            <a:endParaRPr lang="de-DE" dirty="0"/>
-          </a:p>
-        </p:txBody>
-      </p:sp>
-      <p:graphicFrame>
-        <p:nvGraphicFramePr>
-          <p:cNvPr id="8" name="Inhaltsplatzhalter 7">
-            <a:extLst>
-              <a:ext uri="{FF2B5EF4-FFF2-40B4-BE49-F238E27FC236}">
-                <a16:creationId xmlns:a16="http://schemas.microsoft.com/office/drawing/2014/main" id="{84E533BB-96E0-4DCB-8F82-7C0280D3D297}"/>
-              </a:ext>
-            </a:extLst>
-          </p:cNvPr>
-          <p:cNvGraphicFramePr>
-            <a:graphicFrameLocks noGrp="1"/>
-          </p:cNvGraphicFramePr>
-          <p:nvPr>
-            <p:ph idx="1"/>
-            <p:extLst/>
-          </p:nvPr>
-        </p:nvGraphicFramePr>
-        <p:xfrm>
-          <a:off x="209550" y="1693888"/>
-          <a:ext cx="6426200" cy="1093886"/>
-        </p:xfrm>
-        <a:graphic>
-          <a:graphicData uri="http://schemas.openxmlformats.org/drawingml/2006/diagram">
-            <dgm:relIds xmlns:dgm="http://schemas.openxmlformats.org/drawingml/2006/diagram" xmlns:r="http://schemas.openxmlformats.org/officeDocument/2006/relationships" r:dm="rId2" r:lo="rId3" r:qs="rId4" r:cs="rId5"/>
-          </a:graphicData>
-        </a:graphic>
-      </p:graphicFrame>
-      <p:sp>
-        <p:nvSpPr>
-          <p:cNvPr id="12" name="Textplatzhalter 11">
-            <a:extLst>
-              <a:ext uri="{FF2B5EF4-FFF2-40B4-BE49-F238E27FC236}">
-                <a16:creationId xmlns:a16="http://schemas.microsoft.com/office/drawing/2014/main" id="{B148AD95-DF13-4B22-83F2-74C482891D37}"/>
-              </a:ext>
-            </a:extLst>
-          </p:cNvPr>
-          <p:cNvSpPr>
-            <a:spLocks noGrp="1"/>
-          </p:cNvSpPr>
-          <p:nvPr>
-            <p:ph type="body" sz="quarter" idx="13"/>
-          </p:nvPr>
-        </p:nvSpPr>
-        <p:spPr/>
-        <p:txBody>
-          <a:bodyPr/>
-          <a:lstStyle/>
-          <a:p>
-            <a:r>
-              <a:rPr lang="de-DE" dirty="0"/>
-              <a:t>Architektur</a:t>
-            </a:r>
-          </a:p>
-        </p:txBody>
-      </p:sp>
-      <p:sp>
-        <p:nvSpPr>
-          <p:cNvPr id="6" name="Titel 5"/>
-          <p:cNvSpPr>
-            <a:spLocks noGrp="1"/>
-          </p:cNvSpPr>
-          <p:nvPr>
-            <p:ph type="title"/>
-          </p:nvPr>
-        </p:nvSpPr>
-        <p:spPr/>
-        <p:txBody>
-          <a:bodyPr/>
-          <a:lstStyle/>
-          <a:p>
-            <a:r>
-              <a:rPr lang="de-DE" dirty="0"/>
-              <a:t>Generator</a:t>
-            </a:r>
-          </a:p>
-        </p:txBody>
-      </p:sp>
-      <p:sp>
-        <p:nvSpPr>
-          <p:cNvPr id="9" name="Textfeld 8">
-            <a:extLst>
-              <a:ext uri="{FF2B5EF4-FFF2-40B4-BE49-F238E27FC236}">
-                <a16:creationId xmlns:a16="http://schemas.microsoft.com/office/drawing/2014/main" id="{A23FDE92-0052-4CF6-8EE0-D507639BFF9D}"/>
-              </a:ext>
-            </a:extLst>
-          </p:cNvPr>
-          <p:cNvSpPr txBox="1"/>
-          <p:nvPr/>
-        </p:nvSpPr>
-        <p:spPr>
-          <a:xfrm>
-            <a:off x="116632" y="2787774"/>
-            <a:ext cx="1908368" cy="938719"/>
-          </a:xfrm>
-          <a:prstGeom prst="rect">
-            <a:avLst/>
-          </a:prstGeom>
-          <a:noFill/>
-        </p:spPr>
-        <p:txBody>
-          <a:bodyPr wrap="square" rtlCol="0">
-            <a:spAutoFit/>
-          </a:bodyPr>
-          <a:lstStyle/>
-          <a:p>
-            <a:pPr marL="285750" indent="-285750">
-              <a:buFont typeface="Arial" panose="020B0604020202020204" pitchFamily="34" charset="0"/>
-              <a:buChar char="•"/>
-            </a:pPr>
-            <a:r>
-              <a:rPr lang="de-DE" sz="1100" dirty="0"/>
-              <a:t>Sammeln von Kontextdaten</a:t>
-            </a:r>
-          </a:p>
-          <a:p>
-            <a:pPr marL="285750" indent="-285750">
-              <a:buFont typeface="Arial" panose="020B0604020202020204" pitchFamily="34" charset="0"/>
-              <a:buChar char="•"/>
-            </a:pPr>
-            <a:r>
-              <a:rPr lang="de-DE" sz="1100" dirty="0"/>
-              <a:t>Starten der Untergeneratoren</a:t>
-            </a:r>
-          </a:p>
-          <a:p>
-            <a:endParaRPr lang="de-DE" sz="1100" dirty="0"/>
-          </a:p>
-        </p:txBody>
-      </p:sp>
-      <p:sp>
-        <p:nvSpPr>
-          <p:cNvPr id="10" name="Textfeld 9">
-            <a:extLst>
-              <a:ext uri="{FF2B5EF4-FFF2-40B4-BE49-F238E27FC236}">
-                <a16:creationId xmlns:a16="http://schemas.microsoft.com/office/drawing/2014/main" id="{BA2AE922-10C0-40A4-8FEB-47053CB23DC5}"/>
-              </a:ext>
-            </a:extLst>
-          </p:cNvPr>
-          <p:cNvSpPr txBox="1"/>
-          <p:nvPr/>
-        </p:nvSpPr>
-        <p:spPr>
-          <a:xfrm>
-            <a:off x="2304361" y="2787774"/>
-            <a:ext cx="1908368" cy="769441"/>
-          </a:xfrm>
-          <a:prstGeom prst="rect">
-            <a:avLst/>
-          </a:prstGeom>
-          <a:noFill/>
-        </p:spPr>
-        <p:txBody>
-          <a:bodyPr wrap="square" rtlCol="0">
-            <a:spAutoFit/>
-          </a:bodyPr>
-          <a:lstStyle/>
-          <a:p>
-            <a:pPr marL="285750" indent="-285750">
-              <a:buFont typeface="Arial" panose="020B0604020202020204" pitchFamily="34" charset="0"/>
-              <a:buChar char="•"/>
-            </a:pPr>
-            <a:r>
-              <a:rPr lang="de-DE" sz="1100" dirty="0"/>
-              <a:t>Sammeln der Daten</a:t>
-            </a:r>
-          </a:p>
-          <a:p>
-            <a:pPr marL="285750" indent="-285750">
-              <a:buFont typeface="Arial" panose="020B0604020202020204" pitchFamily="34" charset="0"/>
-              <a:buChar char="•"/>
-            </a:pPr>
-            <a:r>
-              <a:rPr lang="de-DE" sz="1100" dirty="0"/>
-              <a:t>Bestimmung der Variableninhalte</a:t>
-            </a:r>
-          </a:p>
-          <a:p>
-            <a:endParaRPr lang="de-DE" sz="1100" dirty="0"/>
-          </a:p>
-        </p:txBody>
-      </p:sp>
-      <p:sp>
-        <p:nvSpPr>
-          <p:cNvPr id="11" name="Textfeld 10">
-            <a:extLst>
-              <a:ext uri="{FF2B5EF4-FFF2-40B4-BE49-F238E27FC236}">
-                <a16:creationId xmlns:a16="http://schemas.microsoft.com/office/drawing/2014/main" id="{BDD010E7-239F-466F-BE5E-4FD87CB39CAC}"/>
-              </a:ext>
-            </a:extLst>
-          </p:cNvPr>
-          <p:cNvSpPr txBox="1"/>
-          <p:nvPr/>
-        </p:nvSpPr>
-        <p:spPr>
-          <a:xfrm>
-            <a:off x="4492090" y="2787774"/>
-            <a:ext cx="1908368" cy="600164"/>
-          </a:xfrm>
-          <a:prstGeom prst="rect">
-            <a:avLst/>
-          </a:prstGeom>
-          <a:noFill/>
-        </p:spPr>
-        <p:txBody>
-          <a:bodyPr wrap="square" rtlCol="0">
-            <a:spAutoFit/>
-          </a:bodyPr>
-          <a:lstStyle/>
-          <a:p>
-            <a:pPr marL="285750" indent="-285750">
-              <a:buFont typeface="Arial" panose="020B0604020202020204" pitchFamily="34" charset="0"/>
-              <a:buChar char="•"/>
-            </a:pPr>
-            <a:r>
-              <a:rPr lang="de-DE" sz="1100" dirty="0"/>
-              <a:t>Laden des Templates</a:t>
-            </a:r>
-          </a:p>
-          <a:p>
-            <a:pPr marL="285750" indent="-285750">
-              <a:buFont typeface="Arial" panose="020B0604020202020204" pitchFamily="34" charset="0"/>
-              <a:buChar char="•"/>
-            </a:pPr>
-            <a:r>
-              <a:rPr lang="de-DE" sz="1100" dirty="0"/>
-              <a:t>Befüllung mit Daten</a:t>
-            </a:r>
-          </a:p>
-          <a:p>
-            <a:endParaRPr lang="de-DE" sz="1100" dirty="0"/>
-          </a:p>
-        </p:txBody>
-      </p:sp>
-      <p:sp>
-        <p:nvSpPr>
-          <p:cNvPr id="13" name="Fußzeilenplatzhalter 2"/>
-          <p:cNvSpPr txBox="1">
-            <a:spLocks/>
-          </p:cNvSpPr>
-          <p:nvPr/>
-        </p:nvSpPr>
-        <p:spPr>
-          <a:xfrm>
-            <a:off x="2227693" y="4779945"/>
-            <a:ext cx="1562216" cy="369901"/>
-          </a:xfrm>
-          <a:prstGeom prst="rect">
-            <a:avLst/>
-          </a:prstGeom>
-        </p:spPr>
-        <p:txBody>
-          <a:bodyPr vert="horz" lIns="0" tIns="34289" rIns="68576" bIns="34289" rtlCol="0" anchor="ctr"/>
-          <a:lstStyle>
-            <a:defPPr>
-              <a:defRPr lang="de-DE"/>
-            </a:defPPr>
-            <a:lvl1pPr marL="0" algn="l" defTabSz="685749" rtl="0" eaLnBrk="1" latinLnBrk="0" hangingPunct="1">
-              <a:defRPr sz="600" kern="1200">
-                <a:solidFill>
-                  <a:schemeClr val="tx1">
-                    <a:lumMod val="65000"/>
-                    <a:lumOff val="35000"/>
-                  </a:schemeClr>
-                </a:solidFill>
-                <a:latin typeface="+mn-lt"/>
-                <a:ea typeface="+mn-ea"/>
-                <a:cs typeface="+mn-cs"/>
-              </a:defRPr>
-            </a:lvl1pPr>
-            <a:lvl2pPr marL="342875" algn="l" defTabSz="685749" rtl="0" eaLnBrk="1" latinLnBrk="0" hangingPunct="1">
-              <a:defRPr sz="1400" kern="1200">
-                <a:solidFill>
-                  <a:schemeClr val="tx1"/>
-                </a:solidFill>
-                <a:latin typeface="+mn-lt"/>
-                <a:ea typeface="+mn-ea"/>
-                <a:cs typeface="+mn-cs"/>
-              </a:defRPr>
-            </a:lvl2pPr>
-            <a:lvl3pPr marL="685749" algn="l" defTabSz="685749" rtl="0" eaLnBrk="1" latinLnBrk="0" hangingPunct="1">
-              <a:defRPr sz="1400" kern="1200">
-                <a:solidFill>
-                  <a:schemeClr val="tx1"/>
-                </a:solidFill>
-                <a:latin typeface="+mn-lt"/>
-                <a:ea typeface="+mn-ea"/>
-                <a:cs typeface="+mn-cs"/>
-              </a:defRPr>
-            </a:lvl3pPr>
-            <a:lvl4pPr marL="1028624" algn="l" defTabSz="685749" rtl="0" eaLnBrk="1" latinLnBrk="0" hangingPunct="1">
-              <a:defRPr sz="1400" kern="1200">
-                <a:solidFill>
-                  <a:schemeClr val="tx1"/>
-                </a:solidFill>
-                <a:latin typeface="+mn-lt"/>
-                <a:ea typeface="+mn-ea"/>
-                <a:cs typeface="+mn-cs"/>
-              </a:defRPr>
-            </a:lvl4pPr>
-            <a:lvl5pPr marL="1371498" algn="l" defTabSz="685749" rtl="0" eaLnBrk="1" latinLnBrk="0" hangingPunct="1">
-              <a:defRPr sz="1400" kern="1200">
-                <a:solidFill>
-                  <a:schemeClr val="tx1"/>
-                </a:solidFill>
-                <a:latin typeface="+mn-lt"/>
-                <a:ea typeface="+mn-ea"/>
-                <a:cs typeface="+mn-cs"/>
-              </a:defRPr>
-            </a:lvl5pPr>
-            <a:lvl6pPr marL="1714373" algn="l" defTabSz="685749" rtl="0" eaLnBrk="1" latinLnBrk="0" hangingPunct="1">
-              <a:defRPr sz="1400" kern="1200">
-                <a:solidFill>
-                  <a:schemeClr val="tx1"/>
-                </a:solidFill>
-                <a:latin typeface="+mn-lt"/>
-                <a:ea typeface="+mn-ea"/>
-                <a:cs typeface="+mn-cs"/>
-              </a:defRPr>
-            </a:lvl6pPr>
-            <a:lvl7pPr marL="2057246" algn="l" defTabSz="685749" rtl="0" eaLnBrk="1" latinLnBrk="0" hangingPunct="1">
-              <a:defRPr sz="1400" kern="1200">
-                <a:solidFill>
-                  <a:schemeClr val="tx1"/>
-                </a:solidFill>
-                <a:latin typeface="+mn-lt"/>
-                <a:ea typeface="+mn-ea"/>
-                <a:cs typeface="+mn-cs"/>
-              </a:defRPr>
-            </a:lvl7pPr>
-            <a:lvl8pPr marL="2400120" algn="l" defTabSz="685749" rtl="0" eaLnBrk="1" latinLnBrk="0" hangingPunct="1">
-              <a:defRPr sz="1400" kern="1200">
-                <a:solidFill>
-                  <a:schemeClr val="tx1"/>
-                </a:solidFill>
-                <a:latin typeface="+mn-lt"/>
-                <a:ea typeface="+mn-ea"/>
-                <a:cs typeface="+mn-cs"/>
-              </a:defRPr>
-            </a:lvl8pPr>
-            <a:lvl9pPr marL="2742995" algn="l" defTabSz="685749" rtl="0" eaLnBrk="1" latinLnBrk="0" hangingPunct="1">
-              <a:defRPr sz="1400" kern="1200">
-                <a:solidFill>
-                  <a:schemeClr val="tx1"/>
-                </a:solidFill>
-                <a:latin typeface="+mn-lt"/>
-                <a:ea typeface="+mn-ea"/>
-                <a:cs typeface="+mn-cs"/>
-              </a:defRPr>
-            </a:lvl9pPr>
-          </a:lstStyle>
-          <a:p>
-            <a:r>
-              <a:rPr lang="de-DE" dirty="0"/>
-              <a:t>Christoph Loy</a:t>
-            </a:r>
-          </a:p>
-        </p:txBody>
-      </p:sp>
-    </p:spTree>
-    <p:extLst>
-      <p:ext uri="{BB962C8B-B14F-4D97-AF65-F5344CB8AC3E}">
-        <p14:creationId xmlns:p14="http://schemas.microsoft.com/office/powerpoint/2010/main" val="2928018867"/>
-      </p:ext>
-    </p:extLst>
-  </p:cSld>
-  <p:clrMapOvr>
-    <a:masterClrMapping/>
-  </p:clrMapOvr>
-</p:sld>
-</file>
-
-<file path=ppt/slides/slide33.xml><?xml version="1.0" encoding="utf-8"?>
-<p:sld xmlns:a="http://schemas.openxmlformats.org/drawingml/2006/main" xmlns:r="http://schemas.openxmlformats.org/officeDocument/2006/relationships" xmlns:p="http://schemas.openxmlformats.org/presentationml/2006/main">
-  <p:cSld>
-    <p:spTree>
-      <p:nvGrpSpPr>
-        <p:cNvPr id="1" name=""/>
-        <p:cNvGrpSpPr/>
-        <p:nvPr/>
-      </p:nvGrpSpPr>
-      <p:grpSpPr>
-        <a:xfrm>
-          <a:off x="0" y="0"/>
-          <a:ext cx="0" cy="0"/>
-          <a:chOff x="0" y="0"/>
-          <a:chExt cx="0" cy="0"/>
-        </a:xfrm>
-      </p:grpSpPr>
-      <p:sp>
-        <p:nvSpPr>
-          <p:cNvPr id="2" name="Datumsplatzhalter 1"/>
-          <p:cNvSpPr>
-            <a:spLocks noGrp="1"/>
-          </p:cNvSpPr>
-          <p:nvPr>
-            <p:ph type="dt" sz="half" idx="10"/>
-          </p:nvPr>
-        </p:nvSpPr>
-        <p:spPr/>
-        <p:txBody>
-          <a:bodyPr/>
-          <a:lstStyle/>
-          <a:p>
-            <a:r>
-              <a:rPr lang="de-DE" dirty="0"/>
-              <a:t>10.07.2018</a:t>
-            </a:r>
-          </a:p>
-        </p:txBody>
-      </p:sp>
-      <p:sp>
-        <p:nvSpPr>
-          <p:cNvPr id="3" name="Fußzeilenplatzhalter 2"/>
-          <p:cNvSpPr>
-            <a:spLocks noGrp="1"/>
-          </p:cNvSpPr>
-          <p:nvPr>
-            <p:ph type="ftr" sz="quarter" idx="11"/>
-          </p:nvPr>
-        </p:nvSpPr>
-        <p:spPr/>
-        <p:txBody>
-          <a:bodyPr/>
-          <a:lstStyle/>
-          <a:p>
-            <a:r>
-              <a:rPr lang="de-DE"/>
-              <a:t>Legosar SS 18</a:t>
-            </a:r>
-            <a:endParaRPr lang="de-DE" dirty="0"/>
-          </a:p>
-        </p:txBody>
-      </p:sp>
-      <p:sp>
-        <p:nvSpPr>
-          <p:cNvPr id="4" name="Foliennummernplatzhalter 3"/>
-          <p:cNvSpPr>
-            <a:spLocks noGrp="1"/>
-          </p:cNvSpPr>
-          <p:nvPr>
-            <p:ph type="sldNum" sz="quarter" idx="12"/>
-          </p:nvPr>
-        </p:nvSpPr>
-        <p:spPr/>
-        <p:txBody>
-          <a:bodyPr/>
-          <a:lstStyle/>
-          <a:p>
-            <a:r>
-              <a:rPr lang="de-DE"/>
-              <a:t>S. </a:t>
-            </a:r>
-            <a:fld id="{D7EFD9E5-FB44-4C01-A2C2-48348664E7CC}" type="slidenum">
-              <a:rPr lang="de-DE" smtClean="0"/>
-              <a:pPr/>
-              <a:t>33</a:t>
             </a:fld>
             <a:endParaRPr lang="de-DE" dirty="0"/>
           </a:p>
@@ -27069,7 +27150,7 @@
 </p:sld>
 </file>
 
-<file path=ppt/slides/slide34.xml><?xml version="1.0" encoding="utf-8"?>
+<file path=ppt/slides/slide33.xml><?xml version="1.0" encoding="utf-8"?>
 <p:sld xmlns:a="http://schemas.openxmlformats.org/drawingml/2006/main" xmlns:r="http://schemas.openxmlformats.org/officeDocument/2006/relationships" xmlns:p="http://schemas.openxmlformats.org/presentationml/2006/main">
   <p:cSld>
     <p:spTree>
@@ -27153,7 +27234,7 @@
             <a:fld id="{D7EFD9E5-FB44-4C01-A2C2-48348664E7CC}" type="slidenum">
               <a:rPr lang="de-DE" smtClean="0"/>
               <a:pPr/>
-              <a:t>34</a:t>
+              <a:t>33</a:t>
             </a:fld>
             <a:endParaRPr lang="de-DE" dirty="0"/>
           </a:p>
@@ -27408,7 +27489,7 @@
 </p:sld>
 </file>
 
-<file path=ppt/slides/slide35.xml><?xml version="1.0" encoding="utf-8"?>
+<file path=ppt/slides/slide34.xml><?xml version="1.0" encoding="utf-8"?>
 <p:sld xmlns:a="http://schemas.openxmlformats.org/drawingml/2006/main" xmlns:r="http://schemas.openxmlformats.org/officeDocument/2006/relationships" xmlns:p="http://schemas.openxmlformats.org/presentationml/2006/main">
   <p:cSld>
     <p:spTree>
@@ -27492,7 +27573,7 @@
             <a:fld id="{D7EFD9E5-FB44-4C01-A2C2-48348664E7CC}" type="slidenum">
               <a:rPr lang="de-DE" smtClean="0"/>
               <a:pPr/>
-              <a:t>35</a:t>
+              <a:t>34</a:t>
             </a:fld>
             <a:endParaRPr lang="de-DE" dirty="0"/>
           </a:p>
@@ -27759,7 +27840,7 @@
 </p:sld>
 </file>
 
-<file path=ppt/slides/slide36.xml><?xml version="1.0" encoding="utf-8"?>
+<file path=ppt/slides/slide35.xml><?xml version="1.0" encoding="utf-8"?>
 <p:sld xmlns:a="http://schemas.openxmlformats.org/drawingml/2006/main" xmlns:r="http://schemas.openxmlformats.org/officeDocument/2006/relationships" xmlns:p="http://schemas.openxmlformats.org/presentationml/2006/main">
   <p:cSld>
     <p:spTree>
@@ -27843,7 +27924,7 @@
             <a:fld id="{D7EFD9E5-FB44-4C01-A2C2-48348664E7CC}" type="slidenum">
               <a:rPr lang="de-DE" smtClean="0"/>
               <a:pPr/>
-              <a:t>36</a:t>
+              <a:t>35</a:t>
             </a:fld>
             <a:endParaRPr lang="de-DE" dirty="0"/>
           </a:p>
@@ -28100,6 +28181,285 @@
     <p:extLst>
       <p:ext uri="{BB962C8B-B14F-4D97-AF65-F5344CB8AC3E}">
         <p14:creationId xmlns:p14="http://schemas.microsoft.com/office/powerpoint/2010/main" val="1157330844"/>
+      </p:ext>
+    </p:extLst>
+  </p:cSld>
+  <p:clrMapOvr>
+    <a:masterClrMapping/>
+  </p:clrMapOvr>
+</p:sld>
+</file>
+
+<file path=ppt/slides/slide36.xml><?xml version="1.0" encoding="utf-8"?>
+<p:sld xmlns:a="http://schemas.openxmlformats.org/drawingml/2006/main" xmlns:r="http://schemas.openxmlformats.org/officeDocument/2006/relationships" xmlns:p="http://schemas.openxmlformats.org/presentationml/2006/main">
+  <p:cSld>
+    <p:spTree>
+      <p:nvGrpSpPr>
+        <p:cNvPr id="1" name=""/>
+        <p:cNvGrpSpPr/>
+        <p:nvPr/>
+      </p:nvGrpSpPr>
+      <p:grpSpPr>
+        <a:xfrm>
+          <a:off x="0" y="0"/>
+          <a:ext cx="0" cy="0"/>
+          <a:chOff x="0" y="0"/>
+          <a:chExt cx="0" cy="0"/>
+        </a:xfrm>
+      </p:grpSpPr>
+      <p:sp>
+        <p:nvSpPr>
+          <p:cNvPr id="2" name="Datumsplatzhalter 1"/>
+          <p:cNvSpPr>
+            <a:spLocks noGrp="1"/>
+          </p:cNvSpPr>
+          <p:nvPr>
+            <p:ph type="dt" sz="half" idx="10"/>
+          </p:nvPr>
+        </p:nvSpPr>
+        <p:spPr/>
+        <p:txBody>
+          <a:bodyPr/>
+          <a:lstStyle/>
+          <a:p>
+            <a:r>
+              <a:rPr lang="de-DE"/>
+              <a:t>10.07.2018</a:t>
+            </a:r>
+            <a:endParaRPr lang="de-DE" dirty="0"/>
+          </a:p>
+        </p:txBody>
+      </p:sp>
+      <p:sp>
+        <p:nvSpPr>
+          <p:cNvPr id="3" name="Fußzeilenplatzhalter 2"/>
+          <p:cNvSpPr>
+            <a:spLocks noGrp="1"/>
+          </p:cNvSpPr>
+          <p:nvPr>
+            <p:ph type="ftr" sz="quarter" idx="11"/>
+          </p:nvPr>
+        </p:nvSpPr>
+        <p:spPr/>
+        <p:txBody>
+          <a:bodyPr/>
+          <a:lstStyle/>
+          <a:p>
+            <a:r>
+              <a:rPr lang="de-DE"/>
+              <a:t>Legosar SS 18</a:t>
+            </a:r>
+            <a:endParaRPr lang="de-DE" dirty="0"/>
+          </a:p>
+        </p:txBody>
+      </p:sp>
+      <p:sp>
+        <p:nvSpPr>
+          <p:cNvPr id="4" name="Foliennummernplatzhalter 3"/>
+          <p:cNvSpPr>
+            <a:spLocks noGrp="1"/>
+          </p:cNvSpPr>
+          <p:nvPr>
+            <p:ph type="sldNum" sz="quarter" idx="12"/>
+          </p:nvPr>
+        </p:nvSpPr>
+        <p:spPr/>
+        <p:txBody>
+          <a:bodyPr/>
+          <a:lstStyle/>
+          <a:p>
+            <a:r>
+              <a:rPr lang="de-DE"/>
+              <a:t>S. </a:t>
+            </a:r>
+            <a:fld id="{D7EFD9E5-FB44-4C01-A2C2-48348664E7CC}" type="slidenum">
+              <a:rPr lang="de-DE" smtClean="0"/>
+              <a:pPr/>
+              <a:t>36</a:t>
+            </a:fld>
+            <a:endParaRPr lang="de-DE" dirty="0"/>
+          </a:p>
+        </p:txBody>
+      </p:sp>
+      <p:sp>
+        <p:nvSpPr>
+          <p:cNvPr id="6" name="Textplatzhalter 5"/>
+          <p:cNvSpPr>
+            <a:spLocks noGrp="1"/>
+          </p:cNvSpPr>
+          <p:nvPr>
+            <p:ph type="body" sz="quarter" idx="13"/>
+          </p:nvPr>
+        </p:nvSpPr>
+        <p:spPr>
+          <a:xfrm>
+            <a:off x="209375" y="2545639"/>
+            <a:ext cx="6426000" cy="489337"/>
+          </a:xfrm>
+        </p:spPr>
+        <p:txBody>
+          <a:bodyPr/>
+          <a:lstStyle/>
+          <a:p>
+            <a:pPr algn="ctr"/>
+            <a:r>
+              <a:rPr lang="de-DE" sz="4800" dirty="0"/>
+              <a:t>Live Demo</a:t>
+            </a:r>
+          </a:p>
+        </p:txBody>
+      </p:sp>
+      <p:sp>
+        <p:nvSpPr>
+          <p:cNvPr id="7" name="Titel 6"/>
+          <p:cNvSpPr>
+            <a:spLocks noGrp="1"/>
+          </p:cNvSpPr>
+          <p:nvPr>
+            <p:ph type="title"/>
+          </p:nvPr>
+        </p:nvSpPr>
+        <p:spPr/>
+        <p:txBody>
+          <a:bodyPr/>
+          <a:lstStyle/>
+          <a:p>
+            <a:r>
+              <a:rPr lang="de-DE" dirty="0"/>
+              <a:t>Erstellen einer Konfiguration</a:t>
+            </a:r>
+          </a:p>
+        </p:txBody>
+      </p:sp>
+      <p:sp>
+        <p:nvSpPr>
+          <p:cNvPr id="8" name="Fußzeilenplatzhalter 2"/>
+          <p:cNvSpPr txBox="1">
+            <a:spLocks/>
+          </p:cNvSpPr>
+          <p:nvPr/>
+        </p:nvSpPr>
+        <p:spPr>
+          <a:xfrm>
+            <a:off x="2227693" y="4779945"/>
+            <a:ext cx="1562216" cy="369901"/>
+          </a:xfrm>
+          <a:prstGeom prst="rect">
+            <a:avLst/>
+          </a:prstGeom>
+        </p:spPr>
+        <p:txBody>
+          <a:bodyPr vert="horz" lIns="0" tIns="34289" rIns="68576" bIns="34289" rtlCol="0" anchor="ctr"/>
+          <a:lstStyle>
+            <a:defPPr>
+              <a:defRPr lang="de-DE"/>
+            </a:defPPr>
+            <a:lvl1pPr marL="0" algn="l" defTabSz="685749" rtl="0" eaLnBrk="1" latinLnBrk="0" hangingPunct="1">
+              <a:defRPr sz="600" kern="1200">
+                <a:solidFill>
+                  <a:schemeClr val="tx1">
+                    <a:lumMod val="65000"/>
+                    <a:lumOff val="35000"/>
+                  </a:schemeClr>
+                </a:solidFill>
+                <a:latin typeface="+mn-lt"/>
+                <a:ea typeface="+mn-ea"/>
+                <a:cs typeface="+mn-cs"/>
+              </a:defRPr>
+            </a:lvl1pPr>
+            <a:lvl2pPr marL="342875" algn="l" defTabSz="685749" rtl="0" eaLnBrk="1" latinLnBrk="0" hangingPunct="1">
+              <a:defRPr sz="1400" kern="1200">
+                <a:solidFill>
+                  <a:schemeClr val="tx1"/>
+                </a:solidFill>
+                <a:latin typeface="+mn-lt"/>
+                <a:ea typeface="+mn-ea"/>
+                <a:cs typeface="+mn-cs"/>
+              </a:defRPr>
+            </a:lvl2pPr>
+            <a:lvl3pPr marL="685749" algn="l" defTabSz="685749" rtl="0" eaLnBrk="1" latinLnBrk="0" hangingPunct="1">
+              <a:defRPr sz="1400" kern="1200">
+                <a:solidFill>
+                  <a:schemeClr val="tx1"/>
+                </a:solidFill>
+                <a:latin typeface="+mn-lt"/>
+                <a:ea typeface="+mn-ea"/>
+                <a:cs typeface="+mn-cs"/>
+              </a:defRPr>
+            </a:lvl3pPr>
+            <a:lvl4pPr marL="1028624" algn="l" defTabSz="685749" rtl="0" eaLnBrk="1" latinLnBrk="0" hangingPunct="1">
+              <a:defRPr sz="1400" kern="1200">
+                <a:solidFill>
+                  <a:schemeClr val="tx1"/>
+                </a:solidFill>
+                <a:latin typeface="+mn-lt"/>
+                <a:ea typeface="+mn-ea"/>
+                <a:cs typeface="+mn-cs"/>
+              </a:defRPr>
+            </a:lvl4pPr>
+            <a:lvl5pPr marL="1371498" algn="l" defTabSz="685749" rtl="0" eaLnBrk="1" latinLnBrk="0" hangingPunct="1">
+              <a:defRPr sz="1400" kern="1200">
+                <a:solidFill>
+                  <a:schemeClr val="tx1"/>
+                </a:solidFill>
+                <a:latin typeface="+mn-lt"/>
+                <a:ea typeface="+mn-ea"/>
+                <a:cs typeface="+mn-cs"/>
+              </a:defRPr>
+            </a:lvl5pPr>
+            <a:lvl6pPr marL="1714373" algn="l" defTabSz="685749" rtl="0" eaLnBrk="1" latinLnBrk="0" hangingPunct="1">
+              <a:defRPr sz="1400" kern="1200">
+                <a:solidFill>
+                  <a:schemeClr val="tx1"/>
+                </a:solidFill>
+                <a:latin typeface="+mn-lt"/>
+                <a:ea typeface="+mn-ea"/>
+                <a:cs typeface="+mn-cs"/>
+              </a:defRPr>
+            </a:lvl6pPr>
+            <a:lvl7pPr marL="2057246" algn="l" defTabSz="685749" rtl="0" eaLnBrk="1" latinLnBrk="0" hangingPunct="1">
+              <a:defRPr sz="1400" kern="1200">
+                <a:solidFill>
+                  <a:schemeClr val="tx1"/>
+                </a:solidFill>
+                <a:latin typeface="+mn-lt"/>
+                <a:ea typeface="+mn-ea"/>
+                <a:cs typeface="+mn-cs"/>
+              </a:defRPr>
+            </a:lvl7pPr>
+            <a:lvl8pPr marL="2400120" algn="l" defTabSz="685749" rtl="0" eaLnBrk="1" latinLnBrk="0" hangingPunct="1">
+              <a:defRPr sz="1400" kern="1200">
+                <a:solidFill>
+                  <a:schemeClr val="tx1"/>
+                </a:solidFill>
+                <a:latin typeface="+mn-lt"/>
+                <a:ea typeface="+mn-ea"/>
+                <a:cs typeface="+mn-cs"/>
+              </a:defRPr>
+            </a:lvl8pPr>
+            <a:lvl9pPr marL="2742995" algn="l" defTabSz="685749" rtl="0" eaLnBrk="1" latinLnBrk="0" hangingPunct="1">
+              <a:defRPr sz="1400" kern="1200">
+                <a:solidFill>
+                  <a:schemeClr val="tx1"/>
+                </a:solidFill>
+                <a:latin typeface="+mn-lt"/>
+                <a:ea typeface="+mn-ea"/>
+                <a:cs typeface="+mn-cs"/>
+              </a:defRPr>
+            </a:lvl9pPr>
+          </a:lstStyle>
+          <a:p>
+            <a:r>
+              <a:rPr lang="de-DE" dirty="0"/>
+              <a:t>Tobias Schneider</a:t>
+            </a:r>
+          </a:p>
+        </p:txBody>
+      </p:sp>
+    </p:spTree>
+    <p:extLst>
+      <p:ext uri="{BB962C8B-B14F-4D97-AF65-F5344CB8AC3E}">
+        <p14:creationId xmlns:p14="http://schemas.microsoft.com/office/powerpoint/2010/main" val="2050433397"/>
       </p:ext>
     </p:extLst>
   </p:cSld>
@@ -30946,6 +31306,12 @@
 </file>
 
 <file path=customXml/item1.xml><?xml version="1.0" encoding="utf-8"?>
+<p:properties xmlns:p="http://schemas.microsoft.com/office/2006/metadata/properties" xmlns:xsi="http://www.w3.org/2001/XMLSchema-instance" xmlns:pc="http://schemas.microsoft.com/office/infopath/2007/PartnerControls">
+  <documentManagement/>
+</p:properties>
+</file>
+
+<file path=customXml/item2.xml><?xml version="1.0" encoding="utf-8"?>
 <ct:contentTypeSchema xmlns:ct="http://schemas.microsoft.com/office/2006/metadata/contentType" xmlns:ma="http://schemas.microsoft.com/office/2006/metadata/properties/metaAttributes" ct:_="" ma:_="" ma:contentTypeName="Dokument" ma:contentTypeID="0x0101003DC6390AE56B35438C65966F635EAD35" ma:contentTypeVersion="0" ma:contentTypeDescription="Ein neues Dokument erstellen." ma:contentTypeScope="" ma:versionID="4f3286d4674dd6d9e62b4ad622de0e43">
   <xsd:schema xmlns:xsd="http://www.w3.org/2001/XMLSchema" xmlns:xs="http://www.w3.org/2001/XMLSchema" xmlns:p="http://schemas.microsoft.com/office/2006/metadata/properties" targetNamespace="http://schemas.microsoft.com/office/2006/metadata/properties" ma:root="true" ma:fieldsID="b4f5dc90cf06628c3b90945c8266c24d">
     <xsd:element name="properties">
@@ -31059,12 +31425,6 @@
 </ct:contentTypeSchema>
 </file>
 
-<file path=customXml/item2.xml><?xml version="1.0" encoding="utf-8"?>
-<p:properties xmlns:p="http://schemas.microsoft.com/office/2006/metadata/properties" xmlns:xsi="http://www.w3.org/2001/XMLSchema-instance" xmlns:pc="http://schemas.microsoft.com/office/infopath/2007/PartnerControls">
-  <documentManagement/>
-</p:properties>
-</file>
-
 <file path=customXml/item3.xml><?xml version="1.0" encoding="utf-8"?>
 <?mso-contentType ?>
 <FormTemplates xmlns="http://schemas.microsoft.com/sharepoint/v3/contenttype/forms">
@@ -31075,6 +31435,21 @@
 </file>
 
 <file path=customXml/itemProps1.xml><?xml version="1.0" encoding="utf-8"?>
+<ds:datastoreItem xmlns:ds="http://schemas.openxmlformats.org/officeDocument/2006/customXml" ds:itemID="{0A4ADDD2-5B29-4A1F-90E1-3FD9AC1E4F18}">
+  <ds:schemaRefs>
+    <ds:schemaRef ds:uri="http://schemas.microsoft.com/office/2006/documentManagement/types"/>
+    <ds:schemaRef ds:uri="http://schemas.microsoft.com/office/infopath/2007/PartnerControls"/>
+    <ds:schemaRef ds:uri="http://purl.org/dc/elements/1.1/"/>
+    <ds:schemaRef ds:uri="http://schemas.microsoft.com/office/2006/metadata/properties"/>
+    <ds:schemaRef ds:uri="http://purl.org/dc/terms/"/>
+    <ds:schemaRef ds:uri="http://schemas.openxmlformats.org/package/2006/metadata/core-properties"/>
+    <ds:schemaRef ds:uri="http://www.w3.org/XML/1998/namespace"/>
+    <ds:schemaRef ds:uri="http://purl.org/dc/dcmitype/"/>
+  </ds:schemaRefs>
+</ds:datastoreItem>
+</file>
+
+<file path=customXml/itemProps2.xml><?xml version="1.0" encoding="utf-8"?>
 <ds:datastoreItem xmlns:ds="http://schemas.openxmlformats.org/officeDocument/2006/customXml" ds:itemID="{35240994-86D6-4C55-8272-3C86349FB6F7}">
   <ds:schemaRefs>
     <ds:schemaRef ds:uri="http://schemas.microsoft.com/office/2006/metadata/contentType"/>
@@ -31090,21 +31465,6 @@
 </ds:datastoreItem>
 </file>
 
-<file path=customXml/itemProps2.xml><?xml version="1.0" encoding="utf-8"?>
-<ds:datastoreItem xmlns:ds="http://schemas.openxmlformats.org/officeDocument/2006/customXml" ds:itemID="{0A4ADDD2-5B29-4A1F-90E1-3FD9AC1E4F18}">
-  <ds:schemaRefs>
-    <ds:schemaRef ds:uri="http://schemas.microsoft.com/office/2006/documentManagement/types"/>
-    <ds:schemaRef ds:uri="http://schemas.microsoft.com/office/infopath/2007/PartnerControls"/>
-    <ds:schemaRef ds:uri="http://purl.org/dc/elements/1.1/"/>
-    <ds:schemaRef ds:uri="http://schemas.microsoft.com/office/2006/metadata/properties"/>
-    <ds:schemaRef ds:uri="http://purl.org/dc/terms/"/>
-    <ds:schemaRef ds:uri="http://schemas.openxmlformats.org/package/2006/metadata/core-properties"/>
-    <ds:schemaRef ds:uri="http://www.w3.org/XML/1998/namespace"/>
-    <ds:schemaRef ds:uri="http://purl.org/dc/dcmitype/"/>
-  </ds:schemaRefs>
-</ds:datastoreItem>
-</file>
-
 <file path=customXml/itemProps3.xml><?xml version="1.0" encoding="utf-8"?>
 <ds:datastoreItem xmlns:ds="http://schemas.openxmlformats.org/officeDocument/2006/customXml" ds:itemID="{FD22786F-CBCD-4FD4-A284-6C8FA96D8FE2}">
   <ds:schemaRefs>
